--- a/slide/sr2017-slide.pptx
+++ b/slide/sr2017-slide.pptx
@@ -5,7 +5,7 @@
     <p:sldMasterId id="2147483648" r:id="rId1"/>
   </p:sldMasterIdLst>
   <p:notesMasterIdLst>
-    <p:notesMasterId r:id="rId66"/>
+    <p:notesMasterId r:id="rId87"/>
   </p:notesMasterIdLst>
   <p:sldIdLst>
     <p:sldId id="256" r:id="rId2"/>
@@ -70,8 +70,29 @@
     <p:sldId id="264" r:id="rId61"/>
     <p:sldId id="277" r:id="rId62"/>
     <p:sldId id="278" r:id="rId63"/>
-    <p:sldId id="265" r:id="rId64"/>
-    <p:sldId id="258" r:id="rId65"/>
+    <p:sldId id="325" r:id="rId64"/>
+    <p:sldId id="333" r:id="rId65"/>
+    <p:sldId id="334" r:id="rId66"/>
+    <p:sldId id="335" r:id="rId67"/>
+    <p:sldId id="326" r:id="rId68"/>
+    <p:sldId id="327" r:id="rId69"/>
+    <p:sldId id="328" r:id="rId70"/>
+    <p:sldId id="331" r:id="rId71"/>
+    <p:sldId id="336" r:id="rId72"/>
+    <p:sldId id="337" r:id="rId73"/>
+    <p:sldId id="338" r:id="rId74"/>
+    <p:sldId id="339" r:id="rId75"/>
+    <p:sldId id="340" r:id="rId76"/>
+    <p:sldId id="329" r:id="rId77"/>
+    <p:sldId id="330" r:id="rId78"/>
+    <p:sldId id="332" r:id="rId79"/>
+    <p:sldId id="341" r:id="rId80"/>
+    <p:sldId id="342" r:id="rId81"/>
+    <p:sldId id="265" r:id="rId82"/>
+    <p:sldId id="258" r:id="rId83"/>
+    <p:sldId id="343" r:id="rId84"/>
+    <p:sldId id="344" r:id="rId85"/>
+    <p:sldId id="345" r:id="rId86"/>
   </p:sldIdLst>
   <p:sldSz cx="12192000" cy="6858000"/>
   <p:notesSz cx="6858000" cy="9144000"/>
@@ -260,7 +281,7 @@
           <a:p>
             <a:fld id="{87B44055-1224-4E9B-844D-84C78CF777DB}" type="datetimeFigureOut">
               <a:rPr lang="zh-CN" altLang="en-US" smtClean="0"/>
-              <a:t>2017/1/27</a:t>
+              <a:t>2017/1/29</a:t>
             </a:fld>
             <a:endParaRPr lang="zh-CN" altLang="en-US"/>
           </a:p>
@@ -1187,7 +1208,7 @@
           <a:p>
             <a:fld id="{CA97BD54-8493-4D0A-95C1-26277D0CDE10}" type="datetimeFigureOut">
               <a:rPr lang="zh-CN" altLang="en-US" smtClean="0"/>
-              <a:t>2017/1/27</a:t>
+              <a:t>2017/1/29</a:t>
             </a:fld>
             <a:endParaRPr lang="zh-CN" altLang="en-US"/>
           </a:p>
@@ -1355,7 +1376,7 @@
           <a:p>
             <a:fld id="{CA97BD54-8493-4D0A-95C1-26277D0CDE10}" type="datetimeFigureOut">
               <a:rPr lang="zh-CN" altLang="en-US" smtClean="0"/>
-              <a:t>2017/1/27</a:t>
+              <a:t>2017/1/29</a:t>
             </a:fld>
             <a:endParaRPr lang="zh-CN" altLang="en-US"/>
           </a:p>
@@ -1533,7 +1554,7 @@
           <a:p>
             <a:fld id="{CA97BD54-8493-4D0A-95C1-26277D0CDE10}" type="datetimeFigureOut">
               <a:rPr lang="zh-CN" altLang="en-US" smtClean="0"/>
-              <a:t>2017/1/27</a:t>
+              <a:t>2017/1/29</a:t>
             </a:fld>
             <a:endParaRPr lang="zh-CN" altLang="en-US"/>
           </a:p>
@@ -1701,7 +1722,7 @@
           <a:p>
             <a:fld id="{CA97BD54-8493-4D0A-95C1-26277D0CDE10}" type="datetimeFigureOut">
               <a:rPr lang="zh-CN" altLang="en-US" smtClean="0"/>
-              <a:t>2017/1/27</a:t>
+              <a:t>2017/1/29</a:t>
             </a:fld>
             <a:endParaRPr lang="zh-CN" altLang="en-US"/>
           </a:p>
@@ -1946,7 +1967,7 @@
           <a:p>
             <a:fld id="{CA97BD54-8493-4D0A-95C1-26277D0CDE10}" type="datetimeFigureOut">
               <a:rPr lang="zh-CN" altLang="en-US" smtClean="0"/>
-              <a:t>2017/1/27</a:t>
+              <a:t>2017/1/29</a:t>
             </a:fld>
             <a:endParaRPr lang="zh-CN" altLang="en-US"/>
           </a:p>
@@ -2175,7 +2196,7 @@
           <a:p>
             <a:fld id="{CA97BD54-8493-4D0A-95C1-26277D0CDE10}" type="datetimeFigureOut">
               <a:rPr lang="zh-CN" altLang="en-US" smtClean="0"/>
-              <a:t>2017/1/27</a:t>
+              <a:t>2017/1/29</a:t>
             </a:fld>
             <a:endParaRPr lang="zh-CN" altLang="en-US"/>
           </a:p>
@@ -2539,7 +2560,7 @@
           <a:p>
             <a:fld id="{CA97BD54-8493-4D0A-95C1-26277D0CDE10}" type="datetimeFigureOut">
               <a:rPr lang="zh-CN" altLang="en-US" smtClean="0"/>
-              <a:t>2017/1/27</a:t>
+              <a:t>2017/1/29</a:t>
             </a:fld>
             <a:endParaRPr lang="zh-CN" altLang="en-US"/>
           </a:p>
@@ -2656,7 +2677,7 @@
           <a:p>
             <a:fld id="{CA97BD54-8493-4D0A-95C1-26277D0CDE10}" type="datetimeFigureOut">
               <a:rPr lang="zh-CN" altLang="en-US" smtClean="0"/>
-              <a:t>2017/1/27</a:t>
+              <a:t>2017/1/29</a:t>
             </a:fld>
             <a:endParaRPr lang="zh-CN" altLang="en-US"/>
           </a:p>
@@ -2751,7 +2772,7 @@
           <a:p>
             <a:fld id="{CA97BD54-8493-4D0A-95C1-26277D0CDE10}" type="datetimeFigureOut">
               <a:rPr lang="zh-CN" altLang="en-US" smtClean="0"/>
-              <a:t>2017/1/27</a:t>
+              <a:t>2017/1/29</a:t>
             </a:fld>
             <a:endParaRPr lang="zh-CN" altLang="en-US"/>
           </a:p>
@@ -3026,7 +3047,7 @@
           <a:p>
             <a:fld id="{CA97BD54-8493-4D0A-95C1-26277D0CDE10}" type="datetimeFigureOut">
               <a:rPr lang="zh-CN" altLang="en-US" smtClean="0"/>
-              <a:t>2017/1/27</a:t>
+              <a:t>2017/1/29</a:t>
             </a:fld>
             <a:endParaRPr lang="zh-CN" altLang="en-US"/>
           </a:p>
@@ -3278,7 +3299,7 @@
           <a:p>
             <a:fld id="{CA97BD54-8493-4D0A-95C1-26277D0CDE10}" type="datetimeFigureOut">
               <a:rPr lang="zh-CN" altLang="en-US" smtClean="0"/>
-              <a:t>2017/1/27</a:t>
+              <a:t>2017/1/29</a:t>
             </a:fld>
             <a:endParaRPr lang="zh-CN" altLang="en-US"/>
           </a:p>
@@ -3489,7 +3510,7 @@
           <a:p>
             <a:fld id="{CA97BD54-8493-4D0A-95C1-26277D0CDE10}" type="datetimeFigureOut">
               <a:rPr lang="zh-CN" altLang="en-US" smtClean="0"/>
-              <a:t>2017/1/27</a:t>
+              <a:t>2017/1/29</a:t>
             </a:fld>
             <a:endParaRPr lang="zh-CN" altLang="en-US"/>
           </a:p>
@@ -5981,20 +6002,6 @@
           </a:p>
           <a:p>
             <a:pPr lvl="1"/>
-            <a:endParaRPr lang="en-US" altLang="ja-JP" dirty="0">
-              <a:latin typeface="MS Mincho" panose="02020609040205080304" pitchFamily="49" charset="-128"/>
-              <a:ea typeface="MS Mincho" panose="02020609040205080304" pitchFamily="49" charset="-128"/>
-            </a:endParaRPr>
-          </a:p>
-          <a:p>
-            <a:pPr lvl="1"/>
-            <a:r>
-              <a:rPr lang="ja-JP" altLang="en-US" dirty="0">
-                <a:latin typeface="MS Mincho" panose="02020609040205080304" pitchFamily="49" charset="-128"/>
-                <a:ea typeface="MS Mincho" panose="02020609040205080304" pitchFamily="49" charset="-128"/>
-              </a:rPr>
-              <a:t>同じトピックに対して一連の質問を検索すると真の質問がバレる恐れがある</a:t>
-            </a:r>
             <a:endParaRPr lang="en-US" altLang="ja-JP" dirty="0">
               <a:latin typeface="MS Mincho" panose="02020609040205080304" pitchFamily="49" charset="-128"/>
               <a:ea typeface="MS Mincho" panose="02020609040205080304" pitchFamily="49" charset="-128"/>
@@ -9841,8 +9848,8 @@
           </a:xfrm>
         </p:spPr>
       </p:pic>
-      <mc:AlternateContent xmlns:mc="http://schemas.openxmlformats.org/markup-compatibility/2006">
-        <mc:Choice xmlns:a14="http://schemas.microsoft.com/office/drawing/2010/main" Requires="a14">
+      <mc:AlternateContent xmlns:mc="http://schemas.openxmlformats.org/markup-compatibility/2006" xmlns:a14="http://schemas.microsoft.com/office/drawing/2010/main">
+        <mc:Choice Requires="a14">
           <p:graphicFrame>
             <p:nvGraphicFramePr>
               <p:cNvPr id="3" name="表格 2"/>
@@ -10231,13 +10238,7 @@
                                       <a:rPr lang="en-US" altLang="zh-CN" b="0" i="1" smtClean="0">
                                         <a:latin typeface="Cambria Math" panose="02040503050406030204" pitchFamily="18" charset="0"/>
                                       </a:rPr>
-                                      <m:t>50</m:t>
-                                    </m:r>
-                                    <m:r>
-                                      <a:rPr lang="en-US" altLang="zh-CN" b="0" i="1" smtClean="0">
-                                        <a:latin typeface="Cambria Math" panose="02040503050406030204" pitchFamily="18" charset="0"/>
-                                      </a:rPr>
-                                      <m:t>1</m:t>
+                                      <m:t>501</m:t>
                                     </m:r>
                                   </m:sub>
                                 </m:sSub>
@@ -10278,13 +10279,7 @@
                                       <a:rPr lang="en-US" altLang="zh-CN" b="0" i="1" smtClean="0">
                                         <a:latin typeface="Cambria Math" panose="02040503050406030204" pitchFamily="18" charset="0"/>
                                       </a:rPr>
-                                      <m:t>50</m:t>
-                                    </m:r>
-                                    <m:r>
-                                      <a:rPr lang="en-US" altLang="zh-CN" b="0" i="1" smtClean="0">
-                                        <a:latin typeface="Cambria Math" panose="02040503050406030204" pitchFamily="18" charset="0"/>
-                                      </a:rPr>
-                                      <m:t>2</m:t>
+                                      <m:t>502</m:t>
                                     </m:r>
                                   </m:sub>
                                 </m:sSub>
@@ -10325,13 +10320,7 @@
                                       <a:rPr lang="en-US" altLang="zh-CN" b="0" i="1" smtClean="0">
                                         <a:latin typeface="Cambria Math" panose="02040503050406030204" pitchFamily="18" charset="0"/>
                                       </a:rPr>
-                                      <m:t>50</m:t>
-                                    </m:r>
-                                    <m:r>
-                                      <a:rPr lang="en-US" altLang="zh-CN" b="0" i="1" smtClean="0">
-                                        <a:latin typeface="Cambria Math" panose="02040503050406030204" pitchFamily="18" charset="0"/>
-                                      </a:rPr>
-                                      <m:t>4</m:t>
+                                      <m:t>504</m:t>
                                     </m:r>
                                   </m:sub>
                                 </m:sSub>
@@ -10402,7 +10391,7 @@
             </a:graphic>
           </p:graphicFrame>
         </mc:Choice>
-        <mc:Fallback>
+        <mc:Fallback xmlns="">
           <p:graphicFrame>
             <p:nvGraphicFramePr>
               <p:cNvPr id="3" name="表格 2"/>
@@ -12337,7 +12326,7 @@
             <p:ph idx="1"/>
             <p:extLst>
               <p:ext uri="{D42A27DB-BD31-4B8C-83A1-F6EECF244321}">
-                <p14:modId xmlns:p14="http://schemas.microsoft.com/office/powerpoint/2010/main" val="3875036952"/>
+                <p14:modId xmlns:p14="http://schemas.microsoft.com/office/powerpoint/2010/main" val="1101672120"/>
               </p:ext>
             </p:extLst>
           </p:nvPr>
@@ -12566,7 +12555,7 @@
                           <a:latin typeface="MS Mincho" panose="02020609040205080304" pitchFamily="49" charset="-128"/>
                           <a:ea typeface="MS Mincho" panose="02020609040205080304" pitchFamily="49" charset="-128"/>
                         </a:rPr>
-                        <a:t>君の名は 小説</a:t>
+                        <a:t>君の名は 声優</a:t>
                       </a:r>
                       <a:endParaRPr lang="zh-CN" altLang="en-US" dirty="0">
                         <a:latin typeface="MS Mincho" panose="02020609040205080304" pitchFamily="49" charset="-128"/>
@@ -12778,6 +12767,11 @@
           </p:cNvGraphicFramePr>
           <p:nvPr>
             <p:ph idx="1"/>
+            <p:extLst>
+              <p:ext uri="{D42A27DB-BD31-4B8C-83A1-F6EECF244321}">
+                <p14:modId xmlns:p14="http://schemas.microsoft.com/office/powerpoint/2010/main" val="1872503868"/>
+              </p:ext>
+            </p:extLst>
           </p:nvPr>
         </p:nvGraphicFramePr>
         <p:xfrm>
@@ -13004,7 +12998,7 @@
                           <a:latin typeface="MS Mincho" panose="02020609040205080304" pitchFamily="49" charset="-128"/>
                           <a:ea typeface="MS Mincho" panose="02020609040205080304" pitchFamily="49" charset="-128"/>
                         </a:rPr>
-                        <a:t>君の名は 小説</a:t>
+                        <a:t>君の名は 声優</a:t>
                       </a:r>
                       <a:endParaRPr lang="zh-CN" altLang="en-US" dirty="0">
                         <a:latin typeface="MS Mincho" panose="02020609040205080304" pitchFamily="49" charset="-128"/>
@@ -13920,8 +13914,8 @@
           </a:p>
         </p:txBody>
       </p:sp>
-      <mc:AlternateContent xmlns:mc="http://schemas.openxmlformats.org/markup-compatibility/2006">
-        <mc:Choice xmlns:a14="http://schemas.microsoft.com/office/drawing/2010/main" Requires="a14">
+      <mc:AlternateContent xmlns:mc="http://schemas.openxmlformats.org/markup-compatibility/2006" xmlns:a14="http://schemas.microsoft.com/office/drawing/2010/main">
+        <mc:Choice Requires="a14">
           <p:sp>
             <p:nvSpPr>
               <p:cNvPr id="10" name="文本框 9"/>
@@ -14243,7 +14237,7 @@
             </p:txBody>
           </p:sp>
         </mc:Choice>
-        <mc:Fallback>
+        <mc:Fallback xmlns="">
           <p:sp>
             <p:nvSpPr>
               <p:cNvPr id="10" name="文本框 9"/>
@@ -14809,8 +14803,8 @@
           </a:p>
         </p:txBody>
       </p:sp>
-      <mc:AlternateContent xmlns:mc="http://schemas.openxmlformats.org/markup-compatibility/2006">
-        <mc:Choice xmlns:a14="http://schemas.microsoft.com/office/drawing/2010/main" Requires="a14">
+      <mc:AlternateContent xmlns:mc="http://schemas.openxmlformats.org/markup-compatibility/2006" xmlns:a14="http://schemas.microsoft.com/office/drawing/2010/main">
+        <mc:Choice Requires="a14">
           <p:sp>
             <p:nvSpPr>
               <p:cNvPr id="10" name="文本框 9"/>
@@ -14950,7 +14944,7 @@
             </p:txBody>
           </p:sp>
         </mc:Choice>
-        <mc:Fallback>
+        <mc:Fallback xmlns="">
           <p:sp>
             <p:nvSpPr>
               <p:cNvPr id="10" name="文本框 9"/>
@@ -18005,8 +17999,8 @@
           </a:p>
         </p:txBody>
       </p:sp>
-      <mc:AlternateContent xmlns:mc="http://schemas.openxmlformats.org/markup-compatibility/2006">
-        <mc:Choice xmlns:a14="http://schemas.microsoft.com/office/drawing/2010/main" Requires="a14">
+      <mc:AlternateContent xmlns:mc="http://schemas.openxmlformats.org/markup-compatibility/2006" xmlns:a14="http://schemas.microsoft.com/office/drawing/2010/main">
+        <mc:Choice Requires="a14">
           <p:sp>
             <p:nvSpPr>
               <p:cNvPr id="3" name="内容占位符 2"/>
@@ -18217,21 +18211,7 @@
                               <a:latin typeface="Cambria Math" panose="02040503050406030204" pitchFamily="18" charset="0"/>
                               <a:ea typeface="MS Mincho" panose="02020609040205080304" pitchFamily="49" charset="-128"/>
                             </a:rPr>
-                            <m:t>真の質問</m:t>
-                          </m:r>
-                          <m:r>
-                            <a:rPr lang="ja-JP" altLang="en-US" sz="2400" i="1" dirty="0">
-                              <a:latin typeface="Cambria Math" panose="02040503050406030204" pitchFamily="18" charset="0"/>
-                              <a:ea typeface="MS Mincho" panose="02020609040205080304" pitchFamily="49" charset="-128"/>
-                            </a:rPr>
-                            <m:t>の</m:t>
-                          </m:r>
-                          <m:r>
-                            <a:rPr lang="ja-JP" altLang="en-US" sz="2400" i="1" dirty="0">
-                              <a:latin typeface="Cambria Math" panose="02040503050406030204" pitchFamily="18" charset="0"/>
-                              <a:ea typeface="MS Mincho" panose="02020609040205080304" pitchFamily="49" charset="-128"/>
-                            </a:rPr>
-                            <m:t>メイントピック</m:t>
+                            <m:t>真の質問のメイントピック</m:t>
                           </m:r>
                         </m:e>
                       </m:d>
@@ -18321,21 +18301,7 @@
                               <a:latin typeface="Cambria Math" panose="02040503050406030204" pitchFamily="18" charset="0"/>
                               <a:ea typeface="MS Mincho" panose="02020609040205080304" pitchFamily="49" charset="-128"/>
                             </a:rPr>
-                            <m:t>質問</m:t>
-                          </m:r>
-                          <m:r>
-                            <a:rPr lang="ja-JP" altLang="en-US" sz="2400" i="1" dirty="0">
-                              <a:latin typeface="Cambria Math" panose="02040503050406030204" pitchFamily="18" charset="0"/>
-                              <a:ea typeface="MS Mincho" panose="02020609040205080304" pitchFamily="49" charset="-128"/>
-                            </a:rPr>
-                            <m:t>の</m:t>
-                          </m:r>
-                          <m:r>
-                            <a:rPr lang="ja-JP" altLang="en-US" sz="2400" i="1" dirty="0">
-                              <a:latin typeface="Cambria Math" panose="02040503050406030204" pitchFamily="18" charset="0"/>
-                              <a:ea typeface="MS Mincho" panose="02020609040205080304" pitchFamily="49" charset="-128"/>
-                            </a:rPr>
-                            <m:t>メイントピック</m:t>
+                            <m:t>質問のメイントピック</m:t>
                           </m:r>
                         </m:e>
                       </m:d>
@@ -18359,7 +18325,7 @@
             </p:txBody>
           </p:sp>
         </mc:Choice>
-        <mc:Fallback>
+        <mc:Fallback xmlns="">
           <p:sp>
             <p:nvSpPr>
               <p:cNvPr id="3" name="内容占位符 2"/>
@@ -18397,8 +18363,8 @@
           </p:sp>
         </mc:Fallback>
       </mc:AlternateContent>
-      <mc:AlternateContent xmlns:mc="http://schemas.openxmlformats.org/markup-compatibility/2006">
-        <mc:Choice xmlns:a14="http://schemas.microsoft.com/office/drawing/2010/main" Requires="a14">
+      <mc:AlternateContent xmlns:mc="http://schemas.openxmlformats.org/markup-compatibility/2006" xmlns:a14="http://schemas.microsoft.com/office/drawing/2010/main">
+        <mc:Choice Requires="a14">
           <p:graphicFrame>
             <p:nvGraphicFramePr>
               <p:cNvPr id="4" name="表格 3"/>
@@ -18787,13 +18753,7 @@
                                       <a:rPr lang="en-US" altLang="zh-CN" b="0" i="1" smtClean="0">
                                         <a:latin typeface="Cambria Math" panose="02040503050406030204" pitchFamily="18" charset="0"/>
                                       </a:rPr>
-                                      <m:t>50</m:t>
-                                    </m:r>
-                                    <m:r>
-                                      <a:rPr lang="en-US" altLang="zh-CN" b="0" i="1" smtClean="0">
-                                        <a:latin typeface="Cambria Math" panose="02040503050406030204" pitchFamily="18" charset="0"/>
-                                      </a:rPr>
-                                      <m:t>1</m:t>
+                                      <m:t>501</m:t>
                                     </m:r>
                                   </m:sub>
                                 </m:sSub>
@@ -18834,13 +18794,7 @@
                                       <a:rPr lang="en-US" altLang="zh-CN" b="0" i="1" smtClean="0">
                                         <a:latin typeface="Cambria Math" panose="02040503050406030204" pitchFamily="18" charset="0"/>
                                       </a:rPr>
-                                      <m:t>50</m:t>
-                                    </m:r>
-                                    <m:r>
-                                      <a:rPr lang="en-US" altLang="zh-CN" b="0" i="1" smtClean="0">
-                                        <a:latin typeface="Cambria Math" panose="02040503050406030204" pitchFamily="18" charset="0"/>
-                                      </a:rPr>
-                                      <m:t>2</m:t>
+                                      <m:t>502</m:t>
                                     </m:r>
                                   </m:sub>
                                 </m:sSub>
@@ -18881,13 +18835,7 @@
                                       <a:rPr lang="en-US" altLang="zh-CN" b="0" i="1" smtClean="0">
                                         <a:latin typeface="Cambria Math" panose="02040503050406030204" pitchFamily="18" charset="0"/>
                                       </a:rPr>
-                                      <m:t>50</m:t>
-                                    </m:r>
-                                    <m:r>
-                                      <a:rPr lang="en-US" altLang="zh-CN" b="0" i="1" smtClean="0">
-                                        <a:latin typeface="Cambria Math" panose="02040503050406030204" pitchFamily="18" charset="0"/>
-                                      </a:rPr>
-                                      <m:t>4</m:t>
+                                      <m:t>504</m:t>
                                     </m:r>
                                   </m:sub>
                                 </m:sSub>
@@ -18958,7 +18906,7 @@
             </a:graphic>
           </p:graphicFrame>
         </mc:Choice>
-        <mc:Fallback>
+        <mc:Fallback xmlns="">
           <p:graphicFrame>
             <p:nvGraphicFramePr>
               <p:cNvPr id="4" name="表格 3"/>
@@ -20147,8 +20095,8 @@
           </a:fontRef>
         </p:style>
       </p:cxnSp>
-      <mc:AlternateContent xmlns:mc="http://schemas.openxmlformats.org/markup-compatibility/2006">
-        <mc:Choice xmlns:a14="http://schemas.microsoft.com/office/drawing/2010/main" Requires="a14">
+      <mc:AlternateContent xmlns:mc="http://schemas.openxmlformats.org/markup-compatibility/2006" xmlns:a14="http://schemas.microsoft.com/office/drawing/2010/main">
+        <mc:Choice Requires="a14">
           <p:sp>
             <p:nvSpPr>
               <p:cNvPr id="17" name="文本框 16"/>
@@ -20171,6 +20119,7 @@
               </a:bodyPr>
               <a:lstStyle/>
               <a:p>
+                <a:pPr/>
                 <a14:m>
                   <m:oMathPara xmlns:m="http://schemas.openxmlformats.org/officeDocument/2006/math">
                     <m:oMathParaPr>
@@ -20262,7 +20211,7 @@
             </p:txBody>
           </p:sp>
         </mc:Choice>
-        <mc:Fallback>
+        <mc:Fallback xmlns="">
           <p:sp>
             <p:nvSpPr>
               <p:cNvPr id="17" name="文本框 16"/>
@@ -20712,8 +20661,8 @@
           </a:fontRef>
         </p:style>
       </p:cxnSp>
-      <mc:AlternateContent xmlns:mc="http://schemas.openxmlformats.org/markup-compatibility/2006">
-        <mc:Choice xmlns:a14="http://schemas.microsoft.com/office/drawing/2010/main" Requires="a14">
+      <mc:AlternateContent xmlns:mc="http://schemas.openxmlformats.org/markup-compatibility/2006" xmlns:a14="http://schemas.microsoft.com/office/drawing/2010/main">
+        <mc:Choice Requires="a14">
           <p:sp>
             <p:nvSpPr>
               <p:cNvPr id="17" name="文本框 16"/>
@@ -20736,6 +20685,7 @@
               </a:bodyPr>
               <a:lstStyle/>
               <a:p>
+                <a:pPr/>
                 <a14:m>
                   <m:oMathPara xmlns:m="http://schemas.openxmlformats.org/officeDocument/2006/math">
                     <m:oMathParaPr>
@@ -20827,7 +20777,7 @@
             </p:txBody>
           </p:sp>
         </mc:Choice>
-        <mc:Fallback>
+        <mc:Fallback xmlns="">
           <p:sp>
             <p:nvSpPr>
               <p:cNvPr id="17" name="文本框 16"/>
@@ -21318,8 +21268,8 @@
           </a:fontRef>
         </p:style>
       </p:cxnSp>
-      <mc:AlternateContent xmlns:mc="http://schemas.openxmlformats.org/markup-compatibility/2006">
-        <mc:Choice xmlns:a14="http://schemas.microsoft.com/office/drawing/2010/main" Requires="a14">
+      <mc:AlternateContent xmlns:mc="http://schemas.openxmlformats.org/markup-compatibility/2006" xmlns:a14="http://schemas.microsoft.com/office/drawing/2010/main">
+        <mc:Choice Requires="a14">
           <p:sp>
             <p:nvSpPr>
               <p:cNvPr id="17" name="文本框 16"/>
@@ -21342,6 +21292,7 @@
               </a:bodyPr>
               <a:lstStyle/>
               <a:p>
+                <a:pPr/>
                 <a14:m>
                   <m:oMathPara xmlns:m="http://schemas.openxmlformats.org/officeDocument/2006/math">
                     <m:oMathParaPr>
@@ -21433,7 +21384,7 @@
             </p:txBody>
           </p:sp>
         </mc:Choice>
-        <mc:Fallback>
+        <mc:Fallback xmlns="">
           <p:sp>
             <p:nvSpPr>
               <p:cNvPr id="17" name="文本框 16"/>
@@ -21884,8 +21835,8 @@
           </a:fontRef>
         </p:style>
       </p:cxnSp>
-      <mc:AlternateContent xmlns:mc="http://schemas.openxmlformats.org/markup-compatibility/2006">
-        <mc:Choice xmlns:a14="http://schemas.microsoft.com/office/drawing/2010/main" Requires="a14">
+      <mc:AlternateContent xmlns:mc="http://schemas.openxmlformats.org/markup-compatibility/2006" xmlns:a14="http://schemas.microsoft.com/office/drawing/2010/main">
+        <mc:Choice Requires="a14">
           <p:sp>
             <p:nvSpPr>
               <p:cNvPr id="17" name="文本框 16"/>
@@ -21908,6 +21859,7 @@
               </a:bodyPr>
               <a:lstStyle/>
               <a:p>
+                <a:pPr/>
                 <a14:m>
                   <m:oMathPara xmlns:m="http://schemas.openxmlformats.org/officeDocument/2006/math">
                     <m:oMathParaPr>
@@ -21999,7 +21951,7 @@
             </p:txBody>
           </p:sp>
         </mc:Choice>
-        <mc:Fallback>
+        <mc:Fallback xmlns="">
           <p:sp>
             <p:nvSpPr>
               <p:cNvPr id="17" name="文本框 16"/>
@@ -22490,8 +22442,8 @@
           </a:fontRef>
         </p:style>
       </p:cxnSp>
-      <mc:AlternateContent xmlns:mc="http://schemas.openxmlformats.org/markup-compatibility/2006">
-        <mc:Choice xmlns:a14="http://schemas.microsoft.com/office/drawing/2010/main" Requires="a14">
+      <mc:AlternateContent xmlns:mc="http://schemas.openxmlformats.org/markup-compatibility/2006" xmlns:a14="http://schemas.microsoft.com/office/drawing/2010/main">
+        <mc:Choice Requires="a14">
           <p:sp>
             <p:nvSpPr>
               <p:cNvPr id="17" name="文本框 16"/>
@@ -22514,6 +22466,7 @@
               </a:bodyPr>
               <a:lstStyle/>
               <a:p>
+                <a:pPr/>
                 <a14:m>
                   <m:oMathPara xmlns:m="http://schemas.openxmlformats.org/officeDocument/2006/math">
                     <m:oMathParaPr>
@@ -22605,7 +22558,7 @@
             </p:txBody>
           </p:sp>
         </mc:Choice>
-        <mc:Fallback>
+        <mc:Fallback xmlns="">
           <p:sp>
             <p:nvSpPr>
               <p:cNvPr id="17" name="文本框 16"/>
@@ -23056,8 +23009,8 @@
           </a:fontRef>
         </p:style>
       </p:cxnSp>
-      <mc:AlternateContent xmlns:mc="http://schemas.openxmlformats.org/markup-compatibility/2006">
-        <mc:Choice xmlns:a14="http://schemas.microsoft.com/office/drawing/2010/main" Requires="a14">
+      <mc:AlternateContent xmlns:mc="http://schemas.openxmlformats.org/markup-compatibility/2006" xmlns:a14="http://schemas.microsoft.com/office/drawing/2010/main">
+        <mc:Choice Requires="a14">
           <p:sp>
             <p:nvSpPr>
               <p:cNvPr id="17" name="文本框 16"/>
@@ -23080,6 +23033,7 @@
               </a:bodyPr>
               <a:lstStyle/>
               <a:p>
+                <a:pPr/>
                 <a14:m>
                   <m:oMathPara xmlns:m="http://schemas.openxmlformats.org/officeDocument/2006/math">
                     <m:oMathParaPr>
@@ -23171,7 +23125,7 @@
             </p:txBody>
           </p:sp>
         </mc:Choice>
-        <mc:Fallback>
+        <mc:Fallback xmlns="">
           <p:sp>
             <p:nvSpPr>
               <p:cNvPr id="17" name="文本框 16"/>
@@ -23622,8 +23576,8 @@
           </a:fontRef>
         </p:style>
       </p:cxnSp>
-      <mc:AlternateContent xmlns:mc="http://schemas.openxmlformats.org/markup-compatibility/2006">
-        <mc:Choice xmlns:a14="http://schemas.microsoft.com/office/drawing/2010/main" Requires="a14">
+      <mc:AlternateContent xmlns:mc="http://schemas.openxmlformats.org/markup-compatibility/2006" xmlns:a14="http://schemas.microsoft.com/office/drawing/2010/main">
+        <mc:Choice Requires="a14">
           <p:sp>
             <p:nvSpPr>
               <p:cNvPr id="17" name="文本框 16"/>
@@ -23646,6 +23600,7 @@
               </a:bodyPr>
               <a:lstStyle/>
               <a:p>
+                <a:pPr/>
                 <a14:m>
                   <m:oMathPara xmlns:m="http://schemas.openxmlformats.org/officeDocument/2006/math">
                     <m:oMathParaPr>
@@ -23740,7 +23695,7 @@
             </p:txBody>
           </p:sp>
         </mc:Choice>
-        <mc:Fallback>
+        <mc:Fallback xmlns="">
           <p:sp>
             <p:nvSpPr>
               <p:cNvPr id="17" name="文本框 16"/>
@@ -24979,14 +24934,7 @@
                 <a:latin typeface="MS Mincho" panose="02020609040205080304" pitchFamily="49" charset="-128"/>
                 <a:ea typeface="MS Mincho" panose="02020609040205080304" pitchFamily="49" charset="-128"/>
               </a:rPr>
-              <a:t>単語</a:t>
-            </a:r>
-            <a:r>
-              <a:rPr lang="ja-JP" altLang="en-US" dirty="0">
-                <a:latin typeface="MS Mincho" panose="02020609040205080304" pitchFamily="49" charset="-128"/>
-                <a:ea typeface="MS Mincho" panose="02020609040205080304" pitchFamily="49" charset="-128"/>
-              </a:rPr>
-              <a:t>を事前にグループにする</a:t>
+              <a:t>単語を事前にグループにする</a:t>
             </a:r>
             <a:endParaRPr lang="en-US" altLang="ja-JP" dirty="0">
               <a:latin typeface="MS Mincho" panose="02020609040205080304" pitchFamily="49" charset="-128"/>
@@ -25113,8 +25061,8 @@
           </a:p>
         </p:txBody>
       </p:sp>
-      <mc:AlternateContent xmlns:mc="http://schemas.openxmlformats.org/markup-compatibility/2006">
-        <mc:Choice xmlns:a14="http://schemas.microsoft.com/office/drawing/2010/main" Requires="a14">
+      <mc:AlternateContent xmlns:mc="http://schemas.openxmlformats.org/markup-compatibility/2006" xmlns:a14="http://schemas.microsoft.com/office/drawing/2010/main">
+        <mc:Choice Requires="a14">
           <p:sp>
             <p:nvSpPr>
               <p:cNvPr id="3" name="内容占位符 2"/>
@@ -25135,14 +25083,7 @@
                     <a:latin typeface="MS Mincho" panose="02020609040205080304" pitchFamily="49" charset="-128"/>
                     <a:ea typeface="MS Mincho" panose="02020609040205080304" pitchFamily="49" charset="-128"/>
                   </a:rPr>
-                  <a:t>単語</a:t>
-                </a:r>
-                <a:r>
-                  <a:rPr lang="ja-JP" altLang="en-US" dirty="0">
-                    <a:latin typeface="MS Mincho" panose="02020609040205080304" pitchFamily="49" charset="-128"/>
-                    <a:ea typeface="MS Mincho" panose="02020609040205080304" pitchFamily="49" charset="-128"/>
-                  </a:rPr>
-                  <a:t>を事前にグループにする</a:t>
+                  <a:t>単語を事前にグループにする</a:t>
                 </a:r>
                 <a:endParaRPr lang="en-US" altLang="ja-JP" dirty="0">
                   <a:latin typeface="MS Mincho" panose="02020609040205080304" pitchFamily="49" charset="-128"/>
@@ -25203,14 +25144,7 @@
                     <a:latin typeface="MS Mincho" panose="02020609040205080304" pitchFamily="49" charset="-128"/>
                     <a:ea typeface="MS Mincho" panose="02020609040205080304" pitchFamily="49" charset="-128"/>
                   </a:rPr>
-                  <a:t>単語を事前にグループにする</a:t>
-                </a:r>
-                <a:r>
-                  <a:rPr lang="ja-JP" altLang="en-US" dirty="0">
-                    <a:latin typeface="MS Mincho" panose="02020609040205080304" pitchFamily="49" charset="-128"/>
-                    <a:ea typeface="MS Mincho" panose="02020609040205080304" pitchFamily="49" charset="-128"/>
-                  </a:rPr>
-                  <a:t>同時に単語もグループにしたい</a:t>
+                  <a:t>単語を事前にグループにする同時に単語もグループにしたい</a:t>
                 </a:r>
                 <a:endParaRPr lang="en-US" altLang="ja-JP" dirty="0">
                   <a:latin typeface="MS Mincho" panose="02020609040205080304" pitchFamily="49" charset="-128"/>
@@ -25284,7 +25218,7 @@
             </p:txBody>
           </p:sp>
         </mc:Choice>
-        <mc:Fallback>
+        <mc:Fallback xmlns="">
           <p:sp>
             <p:nvSpPr>
               <p:cNvPr id="3" name="内容占位符 2"/>
@@ -26850,7 +26784,22 @@
                 <a:latin typeface="MS Mincho" panose="02020609040205080304" pitchFamily="49" charset="-128"/>
                 <a:ea typeface="MS Mincho" panose="02020609040205080304" pitchFamily="49" charset="-128"/>
               </a:rPr>
-              <a:t>メイントピック攻撃</a:t>
+              <a:t>実験データ</a:t>
+            </a:r>
+            <a:r>
+              <a:rPr lang="en-US" altLang="ja-JP" dirty="0">
+                <a:latin typeface="MS Mincho" panose="02020609040205080304" pitchFamily="49" charset="-128"/>
+                <a:ea typeface="MS Mincho" panose="02020609040205080304" pitchFamily="49" charset="-128"/>
+              </a:rPr>
+              <a:t>:</a:t>
+            </a:r>
+            <a:r>
+              <a:rPr lang="en-US" altLang="zh-CN" dirty="0"/>
+              <a:t>NTCIR-6</a:t>
+            </a:r>
+            <a:r>
+              <a:rPr lang="ja-JP" altLang="en-US" dirty="0"/>
+              <a:t>の特許タスク</a:t>
             </a:r>
             <a:endParaRPr lang="zh-CN" altLang="en-US" dirty="0">
               <a:latin typeface="MS Mincho" panose="02020609040205080304" pitchFamily="49" charset="-128"/>
@@ -26859,28 +26808,295 @@
           </a:p>
         </p:txBody>
       </p:sp>
-      <p:sp>
-        <p:nvSpPr>
-          <p:cNvPr id="3" name="内容占位符 2"/>
-          <p:cNvSpPr>
-            <a:spLocks noGrp="1"/>
-          </p:cNvSpPr>
+      <p:graphicFrame>
+        <p:nvGraphicFramePr>
+          <p:cNvPr id="5" name="内容占位符 4"/>
+          <p:cNvGraphicFramePr>
+            <a:graphicFrameLocks noGrp="1"/>
+          </p:cNvGraphicFramePr>
           <p:nvPr>
             <p:ph idx="1"/>
+            <p:extLst>
+              <p:ext uri="{D42A27DB-BD31-4B8C-83A1-F6EECF244321}">
+                <p14:modId xmlns:p14="http://schemas.microsoft.com/office/powerpoint/2010/main" val="453420879"/>
+              </p:ext>
+            </p:extLst>
           </p:nvPr>
-        </p:nvSpPr>
-        <p:spPr/>
-        <p:txBody>
-          <a:bodyPr/>
-          <a:lstStyle/>
-          <a:p>
-            <a:endParaRPr lang="zh-CN" altLang="en-US" dirty="0">
-              <a:latin typeface="MS Mincho" panose="02020609040205080304" pitchFamily="49" charset="-128"/>
-              <a:ea typeface="MS Mincho" panose="02020609040205080304" pitchFamily="49" charset="-128"/>
-            </a:endParaRPr>
-          </a:p>
-        </p:txBody>
-      </p:sp>
+        </p:nvGraphicFramePr>
+        <p:xfrm>
+          <a:off x="2444318" y="2618913"/>
+          <a:ext cx="7303363" cy="2414728"/>
+        </p:xfrm>
+        <a:graphic>
+          <a:graphicData uri="http://schemas.openxmlformats.org/drawingml/2006/table">
+            <a:tbl>
+              <a:tblPr>
+                <a:tableStyleId>{616DA210-FB5B-4158-B5E0-FEB733F419BA}</a:tableStyleId>
+              </a:tblPr>
+              <a:tblGrid>
+                <a:gridCol w="3718331">
+                  <a:extLst>
+                    <a:ext uri="{9D8B030D-6E8A-4147-A177-3AD203B41FA5}">
+                      <a16:colId xmlns:a16="http://schemas.microsoft.com/office/drawing/2014/main" val="1119579679"/>
+                    </a:ext>
+                  </a:extLst>
+                </a:gridCol>
+                <a:gridCol w="3585032">
+                  <a:extLst>
+                    <a:ext uri="{9D8B030D-6E8A-4147-A177-3AD203B41FA5}">
+                      <a16:colId xmlns:a16="http://schemas.microsoft.com/office/drawing/2014/main" val="470365735"/>
+                    </a:ext>
+                  </a:extLst>
+                </a:gridCol>
+              </a:tblGrid>
+              <a:tr h="603682">
+                <a:tc>
+                  <a:txBody>
+                    <a:bodyPr/>
+                    <a:lstStyle/>
+                    <a:p>
+                      <a:pPr algn="ctr" fontAlgn="ctr"/>
+                      <a:r>
+                        <a:rPr lang="ja-JP" altLang="en-US" sz="2800" u="none" strike="noStrike" dirty="0">
+                          <a:effectLst/>
+                          <a:latin typeface="MS Mincho" panose="02020609040205080304" pitchFamily="49" charset="-128"/>
+                          <a:ea typeface="MS Mincho" panose="02020609040205080304" pitchFamily="49" charset="-128"/>
+                        </a:rPr>
+                        <a:t>重複を除いた単語数</a:t>
+                      </a:r>
+                      <a:endParaRPr lang="ja-JP" altLang="en-US" sz="2800" b="0" i="0" u="none" strike="noStrike" dirty="0">
+                        <a:solidFill>
+                          <a:srgbClr val="000000"/>
+                        </a:solidFill>
+                        <a:effectLst/>
+                        <a:latin typeface="MS Mincho" panose="02020609040205080304" pitchFamily="49" charset="-128"/>
+                        <a:ea typeface="MS Mincho" panose="02020609040205080304" pitchFamily="49" charset="-128"/>
+                      </a:endParaRPr>
+                    </a:p>
+                  </a:txBody>
+                  <a:tcPr marL="9525" marR="9525" marT="9525" marB="0" anchor="ctr"/>
+                </a:tc>
+                <a:tc>
+                  <a:txBody>
+                    <a:bodyPr/>
+                    <a:lstStyle/>
+                    <a:p>
+                      <a:pPr algn="ctr" fontAlgn="ctr"/>
+                      <a:r>
+                        <a:rPr lang="zh-CN" altLang="en-US" sz="2800" u="none" strike="noStrike" dirty="0">
+                          <a:effectLst/>
+                          <a:latin typeface="MS Mincho" panose="02020609040205080304" pitchFamily="49" charset="-128"/>
+                          <a:ea typeface="MS Mincho" panose="02020609040205080304" pitchFamily="49" charset="-128"/>
+                        </a:rPr>
+                        <a:t> </a:t>
+                      </a:r>
+                      <a:r>
+                        <a:rPr lang="en-US" altLang="zh-CN" sz="2800" u="none" strike="noStrike" dirty="0">
+                          <a:effectLst/>
+                          <a:latin typeface="MS Mincho" panose="02020609040205080304" pitchFamily="49" charset="-128"/>
+                          <a:ea typeface="MS Mincho" panose="02020609040205080304" pitchFamily="49" charset="-128"/>
+                        </a:rPr>
+                        <a:t>2,973,096</a:t>
+                      </a:r>
+                      <a:endParaRPr lang="en-US" altLang="zh-CN" sz="2800" b="0" i="0" u="none" strike="noStrike" dirty="0">
+                        <a:solidFill>
+                          <a:srgbClr val="000000"/>
+                        </a:solidFill>
+                        <a:effectLst/>
+                        <a:latin typeface="MS Mincho" panose="02020609040205080304" pitchFamily="49" charset="-128"/>
+                        <a:ea typeface="MS Mincho" panose="02020609040205080304" pitchFamily="49" charset="-128"/>
+                      </a:endParaRPr>
+                    </a:p>
+                  </a:txBody>
+                  <a:tcPr marL="9525" marR="9525" marT="9525" marB="0" anchor="ctr"/>
+                </a:tc>
+                <a:extLst>
+                  <a:ext uri="{0D108BD9-81ED-4DB2-BD59-A6C34878D82A}">
+                    <a16:rowId xmlns:a16="http://schemas.microsoft.com/office/drawing/2014/main" val="1299163715"/>
+                  </a:ext>
+                </a:extLst>
+              </a:tr>
+              <a:tr h="603682">
+                <a:tc>
+                  <a:txBody>
+                    <a:bodyPr/>
+                    <a:lstStyle/>
+                    <a:p>
+                      <a:pPr algn="ctr" fontAlgn="ctr"/>
+                      <a:r>
+                        <a:rPr lang="zh-CN" altLang="en-US" sz="2800" u="none" strike="noStrike" dirty="0">
+                          <a:effectLst/>
+                          <a:latin typeface="MS Mincho" panose="02020609040205080304" pitchFamily="49" charset="-128"/>
+                          <a:ea typeface="MS Mincho" panose="02020609040205080304" pitchFamily="49" charset="-128"/>
+                        </a:rPr>
+                        <a:t>文書数 </a:t>
+                      </a:r>
+                      <a:endParaRPr lang="zh-CN" altLang="en-US" sz="2800" b="0" i="0" u="none" strike="noStrike" dirty="0">
+                        <a:solidFill>
+                          <a:srgbClr val="000000"/>
+                        </a:solidFill>
+                        <a:effectLst/>
+                        <a:latin typeface="MS Mincho" panose="02020609040205080304" pitchFamily="49" charset="-128"/>
+                        <a:ea typeface="MS Mincho" panose="02020609040205080304" pitchFamily="49" charset="-128"/>
+                      </a:endParaRPr>
+                    </a:p>
+                  </a:txBody>
+                  <a:tcPr marL="9525" marR="9525" marT="9525" marB="0" anchor="ctr"/>
+                </a:tc>
+                <a:tc>
+                  <a:txBody>
+                    <a:bodyPr/>
+                    <a:lstStyle/>
+                    <a:p>
+                      <a:pPr algn="ctr" fontAlgn="ctr"/>
+                      <a:r>
+                        <a:rPr lang="en-US" altLang="zh-CN" sz="2800" u="none" strike="noStrike" dirty="0">
+                          <a:effectLst/>
+                          <a:latin typeface="MS Mincho" panose="02020609040205080304" pitchFamily="49" charset="-128"/>
+                          <a:ea typeface="MS Mincho" panose="02020609040205080304" pitchFamily="49" charset="-128"/>
+                        </a:rPr>
+                        <a:t>3,496,253</a:t>
+                      </a:r>
+                      <a:endParaRPr lang="en-US" altLang="zh-CN" sz="2800" b="0" i="0" u="none" strike="noStrike" dirty="0">
+                        <a:solidFill>
+                          <a:srgbClr val="000000"/>
+                        </a:solidFill>
+                        <a:effectLst/>
+                        <a:latin typeface="MS Mincho" panose="02020609040205080304" pitchFamily="49" charset="-128"/>
+                        <a:ea typeface="MS Mincho" panose="02020609040205080304" pitchFamily="49" charset="-128"/>
+                      </a:endParaRPr>
+                    </a:p>
+                  </a:txBody>
+                  <a:tcPr marL="9525" marR="9525" marT="9525" marB="0" anchor="ctr"/>
+                </a:tc>
+                <a:extLst>
+                  <a:ext uri="{0D108BD9-81ED-4DB2-BD59-A6C34878D82A}">
+                    <a16:rowId xmlns:a16="http://schemas.microsoft.com/office/drawing/2014/main" val="3220226940"/>
+                  </a:ext>
+                </a:extLst>
+              </a:tr>
+              <a:tr h="603682">
+                <a:tc>
+                  <a:txBody>
+                    <a:bodyPr/>
+                    <a:lstStyle/>
+                    <a:p>
+                      <a:pPr algn="ctr" fontAlgn="ctr"/>
+                      <a:r>
+                        <a:rPr lang="zh-CN" altLang="en-US" sz="2800" u="none" strike="noStrike" dirty="0">
+                          <a:effectLst/>
+                          <a:latin typeface="MS Mincho" panose="02020609040205080304" pitchFamily="49" charset="-128"/>
+                          <a:ea typeface="MS Mincho" panose="02020609040205080304" pitchFamily="49" charset="-128"/>
+                        </a:rPr>
+                        <a:t>質問数 </a:t>
+                      </a:r>
+                      <a:endParaRPr lang="zh-CN" altLang="en-US" sz="2800" b="0" i="0" u="none" strike="noStrike" dirty="0">
+                        <a:solidFill>
+                          <a:srgbClr val="000000"/>
+                        </a:solidFill>
+                        <a:effectLst/>
+                        <a:latin typeface="MS Mincho" panose="02020609040205080304" pitchFamily="49" charset="-128"/>
+                        <a:ea typeface="MS Mincho" panose="02020609040205080304" pitchFamily="49" charset="-128"/>
+                      </a:endParaRPr>
+                    </a:p>
+                  </a:txBody>
+                  <a:tcPr marL="9525" marR="9525" marT="9525" marB="0" anchor="ctr"/>
+                </a:tc>
+                <a:tc>
+                  <a:txBody>
+                    <a:bodyPr/>
+                    <a:lstStyle/>
+                    <a:p>
+                      <a:pPr algn="ctr" fontAlgn="ctr"/>
+                      <a:r>
+                        <a:rPr lang="en-US" altLang="zh-CN" sz="2800" u="none" strike="noStrike" dirty="0">
+                          <a:effectLst/>
+                          <a:latin typeface="MS Mincho" panose="02020609040205080304" pitchFamily="49" charset="-128"/>
+                          <a:ea typeface="MS Mincho" panose="02020609040205080304" pitchFamily="49" charset="-128"/>
+                        </a:rPr>
+                        <a:t>2,908</a:t>
+                      </a:r>
+                      <a:endParaRPr lang="en-US" altLang="zh-CN" sz="2800" b="0" i="0" u="none" strike="noStrike" dirty="0">
+                        <a:solidFill>
+                          <a:srgbClr val="000000"/>
+                        </a:solidFill>
+                        <a:effectLst/>
+                        <a:latin typeface="MS Mincho" panose="02020609040205080304" pitchFamily="49" charset="-128"/>
+                        <a:ea typeface="MS Mincho" panose="02020609040205080304" pitchFamily="49" charset="-128"/>
+                      </a:endParaRPr>
+                    </a:p>
+                  </a:txBody>
+                  <a:tcPr marL="9525" marR="9525" marT="9525" marB="0" anchor="ctr"/>
+                </a:tc>
+                <a:extLst>
+                  <a:ext uri="{0D108BD9-81ED-4DB2-BD59-A6C34878D82A}">
+                    <a16:rowId xmlns:a16="http://schemas.microsoft.com/office/drawing/2014/main" val="4235897765"/>
+                  </a:ext>
+                </a:extLst>
+              </a:tr>
+              <a:tr h="603682">
+                <a:tc>
+                  <a:txBody>
+                    <a:bodyPr/>
+                    <a:lstStyle/>
+                    <a:p>
+                      <a:pPr algn="ctr" fontAlgn="ctr"/>
+                      <a:r>
+                        <a:rPr lang="zh-TW" altLang="en-US" sz="2800" u="none" strike="noStrike" dirty="0">
+                          <a:effectLst/>
+                          <a:latin typeface="MS Mincho" panose="02020609040205080304" pitchFamily="49" charset="-128"/>
+                          <a:ea typeface="MS Mincho" panose="02020609040205080304" pitchFamily="49" charset="-128"/>
+                        </a:rPr>
+                        <a:t>質問平均単語数 </a:t>
+                      </a:r>
+                      <a:endParaRPr lang="zh-TW" altLang="en-US" sz="2800" b="0" i="0" u="none" strike="noStrike" dirty="0">
+                        <a:solidFill>
+                          <a:srgbClr val="000000"/>
+                        </a:solidFill>
+                        <a:effectLst/>
+                        <a:latin typeface="MS Mincho" panose="02020609040205080304" pitchFamily="49" charset="-128"/>
+                        <a:ea typeface="MS Mincho" panose="02020609040205080304" pitchFamily="49" charset="-128"/>
+                      </a:endParaRPr>
+                    </a:p>
+                  </a:txBody>
+                  <a:tcPr marL="9525" marR="9525" marT="9525" marB="0" anchor="ctr"/>
+                </a:tc>
+                <a:tc>
+                  <a:txBody>
+                    <a:bodyPr/>
+                    <a:lstStyle/>
+                    <a:p>
+                      <a:pPr algn="ctr" fontAlgn="ctr"/>
+                      <a:r>
+                        <a:rPr lang="en-US" altLang="zh-CN" sz="2800" u="none" strike="noStrike" dirty="0">
+                          <a:effectLst/>
+                          <a:latin typeface="MS Mincho" panose="02020609040205080304" pitchFamily="49" charset="-128"/>
+                          <a:ea typeface="MS Mincho" panose="02020609040205080304" pitchFamily="49" charset="-128"/>
+                        </a:rPr>
+                        <a:t>21</a:t>
+                      </a:r>
+                      <a:endParaRPr lang="en-US" altLang="zh-CN" sz="2800" b="0" i="0" u="none" strike="noStrike" dirty="0">
+                        <a:solidFill>
+                          <a:srgbClr val="000000"/>
+                        </a:solidFill>
+                        <a:effectLst/>
+                        <a:latin typeface="MS Mincho" panose="02020609040205080304" pitchFamily="49" charset="-128"/>
+                        <a:ea typeface="MS Mincho" panose="02020609040205080304" pitchFamily="49" charset="-128"/>
+                      </a:endParaRPr>
+                    </a:p>
+                  </a:txBody>
+                  <a:tcPr marL="9525" marR="9525" marT="9525" marB="0" anchor="ctr"/>
+                </a:tc>
+                <a:extLst>
+                  <a:ext uri="{0D108BD9-81ED-4DB2-BD59-A6C34878D82A}">
+                    <a16:rowId xmlns:a16="http://schemas.microsoft.com/office/drawing/2014/main" val="4281390016"/>
+                  </a:ext>
+                </a:extLst>
+              </a:tr>
+            </a:tbl>
+          </a:graphicData>
+        </a:graphic>
+      </p:graphicFrame>
     </p:spTree>
     <p:extLst>
       <p:ext uri="{BB962C8B-B14F-4D97-AF65-F5344CB8AC3E}">
@@ -26923,32 +27139,192 @@
         </p:nvSpPr>
         <p:spPr/>
         <p:txBody>
-          <a:bodyPr/>
+          <a:bodyPr>
+            <a:noAutofit/>
+          </a:bodyPr>
           <a:lstStyle/>
           <a:p>
-            <a:endParaRPr lang="zh-CN" altLang="en-US" dirty="0">
+            <a:pPr algn="ctr"/>
+            <a:r>
+              <a:rPr lang="ja-JP" altLang="en-US" sz="2800" dirty="0">
+                <a:latin typeface="MS Mincho" panose="02020609040205080304" pitchFamily="49" charset="-128"/>
+                <a:ea typeface="MS Mincho" panose="02020609040205080304" pitchFamily="49" charset="-128"/>
+              </a:rPr>
+              <a:t>メイントピック攻撃</a:t>
+            </a:r>
+            <a:r>
+              <a:rPr lang="zh-CN" altLang="en-US" sz="2800" dirty="0">
+                <a:latin typeface="MS Mincho" panose="02020609040205080304" pitchFamily="49" charset="-128"/>
+                <a:ea typeface="MS Mincho" panose="02020609040205080304" pitchFamily="49" charset="-128"/>
+              </a:rPr>
+              <a:t> </a:t>
+            </a:r>
+            <a:r>
+              <a:rPr lang="en-US" altLang="zh-CN" sz="2800" dirty="0">
+                <a:latin typeface="MS Mincho" panose="02020609040205080304" pitchFamily="49" charset="-128"/>
+                <a:ea typeface="MS Mincho" panose="02020609040205080304" pitchFamily="49" charset="-128"/>
+              </a:rPr>
+              <a:t>V.S.</a:t>
+            </a:r>
+            <a:r>
+              <a:rPr lang="ja-JP" altLang="en-US" sz="2800" dirty="0">
+                <a:latin typeface="MS Mincho" panose="02020609040205080304" pitchFamily="49" charset="-128"/>
+                <a:ea typeface="MS Mincho" panose="02020609040205080304" pitchFamily="49" charset="-128"/>
+              </a:rPr>
+              <a:t>事前に単語をグループにする手法</a:t>
+            </a:r>
+            <a:endParaRPr lang="zh-CN" altLang="en-US" sz="2800" dirty="0">
               <a:latin typeface="MS Mincho" panose="02020609040205080304" pitchFamily="49" charset="-128"/>
               <a:ea typeface="MS Mincho" panose="02020609040205080304" pitchFamily="49" charset="-128"/>
             </a:endParaRPr>
           </a:p>
         </p:txBody>
       </p:sp>
-      <p:sp>
-        <p:nvSpPr>
-          <p:cNvPr id="3" name="内容占位符 2"/>
-          <p:cNvSpPr>
-            <a:spLocks noGrp="1"/>
-          </p:cNvSpPr>
+      <p:pic>
+        <p:nvPicPr>
+          <p:cNvPr id="4" name="内容占位符 3"/>
+          <p:cNvPicPr>
+            <a:picLocks noGrp="1" noChangeAspect="1"/>
+          </p:cNvPicPr>
           <p:nvPr>
             <p:ph idx="1"/>
           </p:nvPr>
+        </p:nvPicPr>
+        <p:blipFill>
+          <a:blip r:embed="rId2"/>
+          <a:stretch>
+            <a:fillRect/>
+          </a:stretch>
+        </p:blipFill>
+        <p:spPr>
+          <a:xfrm>
+            <a:off x="3360714" y="1690688"/>
+            <a:ext cx="5470571" cy="3925290"/>
+          </a:xfrm>
+          <a:prstGeom prst="rect">
+            <a:avLst/>
+          </a:prstGeom>
+        </p:spPr>
+      </p:pic>
+      <p:sp>
+        <p:nvSpPr>
+          <p:cNvPr id="6" name="文本框 5"/>
+          <p:cNvSpPr txBox="1"/>
+          <p:nvPr/>
         </p:nvSpPr>
-        <p:spPr/>
+        <p:spPr>
+          <a:xfrm>
+            <a:off x="1429303" y="5615978"/>
+            <a:ext cx="4935985" cy="923330"/>
+          </a:xfrm>
+          <a:prstGeom prst="rect">
+            <a:avLst/>
+          </a:prstGeom>
+          <a:noFill/>
+        </p:spPr>
         <p:txBody>
-          <a:bodyPr/>
+          <a:bodyPr wrap="square" rtlCol="0">
+            <a:spAutoFit/>
+          </a:bodyPr>
           <a:lstStyle/>
           <a:p>
-            <a:endParaRPr lang="zh-CN" altLang="en-US" dirty="0">
+            <a:r>
+              <a:rPr lang="en-US" altLang="zh-CN" dirty="0">
+                <a:latin typeface="MS Mincho" panose="02020609040205080304" pitchFamily="49" charset="-128"/>
+                <a:ea typeface="MS Mincho" panose="02020609040205080304" pitchFamily="49" charset="-128"/>
+              </a:rPr>
+              <a:t>LSA  </a:t>
+            </a:r>
+            <a:r>
+              <a:rPr lang="ja-JP" altLang="en-US" dirty="0">
+                <a:latin typeface="MS Mincho" panose="02020609040205080304" pitchFamily="49" charset="-128"/>
+                <a:ea typeface="MS Mincho" panose="02020609040205080304" pitchFamily="49" charset="-128"/>
+              </a:rPr>
+              <a:t>：</a:t>
+            </a:r>
+            <a:r>
+              <a:rPr lang="en-US" altLang="zh-CN" dirty="0">
+                <a:latin typeface="MS Mincho" panose="02020609040205080304" pitchFamily="49" charset="-128"/>
+                <a:ea typeface="MS Mincho" panose="02020609040205080304" pitchFamily="49" charset="-128"/>
+              </a:rPr>
+              <a:t> </a:t>
+            </a:r>
+            <a:r>
+              <a:rPr lang="en-US" altLang="zh-CN" dirty="0">
+                <a:latin typeface="MS Mincho" panose="02020609040205080304" pitchFamily="49" charset="-128"/>
+                <a:ea typeface="MS Mincho" panose="02020609040205080304" pitchFamily="49" charset="-128"/>
+              </a:rPr>
+              <a:t>LSA</a:t>
+            </a:r>
+            <a:r>
+              <a:rPr lang="ja-JP" altLang="en-US" dirty="0">
+                <a:latin typeface="MS Mincho" panose="02020609040205080304" pitchFamily="49" charset="-128"/>
+                <a:ea typeface="MS Mincho" panose="02020609040205080304" pitchFamily="49" charset="-128"/>
+              </a:rPr>
+              <a:t>を用いたメイントピック攻撃</a:t>
+            </a:r>
+            <a:endParaRPr lang="en-US" altLang="zh-CN" dirty="0">
+              <a:latin typeface="MS Mincho" panose="02020609040205080304" pitchFamily="49" charset="-128"/>
+              <a:ea typeface="MS Mincho" panose="02020609040205080304" pitchFamily="49" charset="-128"/>
+            </a:endParaRPr>
+          </a:p>
+          <a:p>
+            <a:r>
+              <a:rPr lang="en-US" altLang="zh-CN" dirty="0">
+                <a:latin typeface="MS Mincho" panose="02020609040205080304" pitchFamily="49" charset="-128"/>
+                <a:ea typeface="MS Mincho" panose="02020609040205080304" pitchFamily="49" charset="-128"/>
+              </a:rPr>
+              <a:t>LDA  </a:t>
+            </a:r>
+            <a:r>
+              <a:rPr lang="ja-JP" altLang="en-US" dirty="0">
+                <a:latin typeface="MS Mincho" panose="02020609040205080304" pitchFamily="49" charset="-128"/>
+                <a:ea typeface="MS Mincho" panose="02020609040205080304" pitchFamily="49" charset="-128"/>
+              </a:rPr>
+              <a:t>：</a:t>
+            </a:r>
+            <a:r>
+              <a:rPr lang="zh-CN" altLang="en-US" dirty="0">
+                <a:latin typeface="MS Mincho" panose="02020609040205080304" pitchFamily="49" charset="-128"/>
+                <a:ea typeface="MS Mincho" panose="02020609040205080304" pitchFamily="49" charset="-128"/>
+              </a:rPr>
+              <a:t> </a:t>
+            </a:r>
+            <a:r>
+              <a:rPr lang="en-US" altLang="zh-CN" dirty="0">
+                <a:latin typeface="MS Mincho" panose="02020609040205080304" pitchFamily="49" charset="-128"/>
+                <a:ea typeface="MS Mincho" panose="02020609040205080304" pitchFamily="49" charset="-128"/>
+              </a:rPr>
+              <a:t>LDA</a:t>
+            </a:r>
+            <a:r>
+              <a:rPr lang="ja-JP" altLang="en-US" dirty="0">
+                <a:latin typeface="MS Mincho" panose="02020609040205080304" pitchFamily="49" charset="-128"/>
+                <a:ea typeface="MS Mincho" panose="02020609040205080304" pitchFamily="49" charset="-128"/>
+              </a:rPr>
+              <a:t>を用いたメイントピック攻撃</a:t>
+            </a:r>
+            <a:endParaRPr lang="en-US" altLang="ja-JP" dirty="0">
+              <a:latin typeface="MS Mincho" panose="02020609040205080304" pitchFamily="49" charset="-128"/>
+              <a:ea typeface="MS Mincho" panose="02020609040205080304" pitchFamily="49" charset="-128"/>
+            </a:endParaRPr>
+          </a:p>
+          <a:p>
+            <a:r>
+              <a:rPr lang="en-US" altLang="zh-CN" dirty="0">
+                <a:latin typeface="MS Mincho" panose="02020609040205080304" pitchFamily="49" charset="-128"/>
+                <a:ea typeface="MS Mincho" panose="02020609040205080304" pitchFamily="49" charset="-128"/>
+              </a:rPr>
+              <a:t>ideal</a:t>
+            </a:r>
+            <a:r>
+              <a:rPr lang="ja-JP" altLang="en-US" dirty="0">
+                <a:latin typeface="MS Mincho" panose="02020609040205080304" pitchFamily="49" charset="-128"/>
+                <a:ea typeface="MS Mincho" panose="02020609040205080304" pitchFamily="49" charset="-128"/>
+              </a:rPr>
+              <a:t>： 理想値</a:t>
+            </a:r>
+            <a:endParaRPr lang="en-US" altLang="zh-CN" dirty="0">
               <a:latin typeface="MS Mincho" panose="02020609040205080304" pitchFamily="49" charset="-128"/>
               <a:ea typeface="MS Mincho" panose="02020609040205080304" pitchFamily="49" charset="-128"/>
             </a:endParaRPr>
@@ -26987,18 +27363,18 @@
       </p:grpSpPr>
       <p:sp>
         <p:nvSpPr>
-          <p:cNvPr id="3" name="内容占位符 2"/>
+          <p:cNvPr id="2" name="标题 1"/>
           <p:cNvSpPr>
             <a:spLocks noGrp="1"/>
           </p:cNvSpPr>
           <p:nvPr>
-            <p:ph idx="1"/>
+            <p:ph type="title"/>
           </p:nvPr>
         </p:nvSpPr>
         <p:spPr>
           <a:xfrm>
-            <a:off x="838200" y="1271951"/>
-            <a:ext cx="10515600" cy="4351338"/>
+            <a:off x="838200" y="365125"/>
+            <a:ext cx="10515600" cy="1325563"/>
           </a:xfrm>
         </p:spPr>
         <p:txBody>
@@ -27007,129 +27383,159 @@
           </a:bodyPr>
           <a:lstStyle/>
           <a:p>
-            <a:r>
-              <a:rPr lang="ja-JP" altLang="en-US" sz="3600" dirty="0">
-                <a:solidFill>
-                  <a:schemeClr val="bg1">
-                    <a:lumMod val="75000"/>
-                  </a:schemeClr>
-                </a:solidFill>
-                <a:latin typeface="MS Mincho" panose="02020609040205080304" pitchFamily="49" charset="-128"/>
-                <a:ea typeface="MS Mincho" panose="02020609040205080304" pitchFamily="49" charset="-128"/>
-              </a:rPr>
-              <a:t>背景</a:t>
-            </a:r>
-            <a:endParaRPr lang="en-US" altLang="ja-JP" sz="3600" dirty="0">
-              <a:solidFill>
-                <a:schemeClr val="bg1">
-                  <a:lumMod val="75000"/>
-                </a:schemeClr>
-              </a:solidFill>
+            <a:pPr algn="ctr"/>
+            <a:r>
+              <a:rPr lang="ja-JP" altLang="en-US" sz="2800" dirty="0">
+                <a:latin typeface="MS Mincho" panose="02020609040205080304" pitchFamily="49" charset="-128"/>
+                <a:ea typeface="MS Mincho" panose="02020609040205080304" pitchFamily="49" charset="-128"/>
+              </a:rPr>
+              <a:t>メイントピック攻撃</a:t>
+            </a:r>
+            <a:r>
+              <a:rPr lang="zh-CN" altLang="en-US" sz="2800" dirty="0">
+                <a:latin typeface="MS Mincho" panose="02020609040205080304" pitchFamily="49" charset="-128"/>
+                <a:ea typeface="MS Mincho" panose="02020609040205080304" pitchFamily="49" charset="-128"/>
+              </a:rPr>
+              <a:t> </a:t>
+            </a:r>
+            <a:r>
+              <a:rPr lang="en-US" altLang="zh-CN" sz="2800" dirty="0">
+                <a:latin typeface="MS Mincho" panose="02020609040205080304" pitchFamily="49" charset="-128"/>
+                <a:ea typeface="MS Mincho" panose="02020609040205080304" pitchFamily="49" charset="-128"/>
+              </a:rPr>
+              <a:t>V.S.</a:t>
+            </a:r>
+            <a:r>
+              <a:rPr lang="ja-JP" altLang="en-US" sz="2800" dirty="0">
+                <a:latin typeface="MS Mincho" panose="02020609040205080304" pitchFamily="49" charset="-128"/>
+                <a:ea typeface="MS Mincho" panose="02020609040205080304" pitchFamily="49" charset="-128"/>
+              </a:rPr>
+              <a:t>事前にトピックをグループにする手法</a:t>
+            </a:r>
+            <a:endParaRPr lang="zh-CN" altLang="en-US" sz="2800" dirty="0">
               <a:latin typeface="MS Mincho" panose="02020609040205080304" pitchFamily="49" charset="-128"/>
               <a:ea typeface="MS Mincho" panose="02020609040205080304" pitchFamily="49" charset="-128"/>
             </a:endParaRPr>
           </a:p>
-          <a:p>
-            <a:r>
-              <a:rPr lang="ja-JP" altLang="en-US" sz="3600" dirty="0">
-                <a:solidFill>
-                  <a:schemeClr val="bg1">
-                    <a:lumMod val="75000"/>
-                  </a:schemeClr>
-                </a:solidFill>
-                <a:latin typeface="MS Mincho" panose="02020609040205080304" pitchFamily="49" charset="-128"/>
-                <a:ea typeface="MS Mincho" panose="02020609040205080304" pitchFamily="49" charset="-128"/>
-              </a:rPr>
-              <a:t>曖昧化検索</a:t>
-            </a:r>
-            <a:endParaRPr lang="en-US" altLang="ja-JP" sz="3600" dirty="0">
-              <a:solidFill>
-                <a:schemeClr val="bg1">
-                  <a:lumMod val="75000"/>
-                </a:schemeClr>
-              </a:solidFill>
+        </p:txBody>
+      </p:sp>
+      <p:pic>
+        <p:nvPicPr>
+          <p:cNvPr id="6" name="内容占位符 5"/>
+          <p:cNvPicPr>
+            <a:picLocks noGrp="1" noChangeAspect="1"/>
+          </p:cNvPicPr>
+          <p:nvPr>
+            <p:ph idx="1"/>
+          </p:nvPr>
+        </p:nvPicPr>
+        <p:blipFill>
+          <a:blip r:embed="rId2"/>
+          <a:stretch>
+            <a:fillRect/>
+          </a:stretch>
+        </p:blipFill>
+        <p:spPr>
+          <a:xfrm>
+            <a:off x="3486157" y="1690688"/>
+            <a:ext cx="5219685" cy="3802818"/>
+          </a:xfrm>
+          <a:prstGeom prst="rect">
+            <a:avLst/>
+          </a:prstGeom>
+        </p:spPr>
+      </p:pic>
+      <p:sp>
+        <p:nvSpPr>
+          <p:cNvPr id="7" name="文本框 6"/>
+          <p:cNvSpPr txBox="1"/>
+          <p:nvPr/>
+        </p:nvSpPr>
+        <p:spPr>
+          <a:xfrm>
+            <a:off x="1429303" y="5615978"/>
+            <a:ext cx="8780017" cy="923330"/>
+          </a:xfrm>
+          <a:prstGeom prst="rect">
+            <a:avLst/>
+          </a:prstGeom>
+          <a:noFill/>
+        </p:spPr>
+        <p:txBody>
+          <a:bodyPr wrap="square" rtlCol="0">
+            <a:spAutoFit/>
+          </a:bodyPr>
+          <a:lstStyle/>
+          <a:p>
+            <a:r>
+              <a:rPr lang="en-US" altLang="ja-JP" dirty="0">
+                <a:latin typeface="MS Mincho" panose="02020609040205080304" pitchFamily="49" charset="-128"/>
+                <a:ea typeface="MS Mincho" panose="02020609040205080304" pitchFamily="49" charset="-128"/>
+              </a:rPr>
+              <a:t>max  </a:t>
+            </a:r>
+            <a:r>
+              <a:rPr lang="ja-JP" altLang="en-US" dirty="0">
+                <a:latin typeface="MS Mincho" panose="02020609040205080304" pitchFamily="49" charset="-128"/>
+                <a:ea typeface="MS Mincho" panose="02020609040205080304" pitchFamily="49" charset="-128"/>
+              </a:rPr>
+              <a:t>：</a:t>
+            </a:r>
+            <a:r>
+              <a:rPr lang="ja-JP" altLang="en-US" dirty="0">
+                <a:latin typeface="MS Mincho" panose="02020609040205080304" pitchFamily="49" charset="-128"/>
+                <a:ea typeface="MS Mincho" panose="02020609040205080304" pitchFamily="49" charset="-128"/>
+              </a:rPr>
+              <a:t>自分のメイントピックとの関連値が一番高い質問が真の質問である確率</a:t>
+            </a:r>
+            <a:br>
+              <a:rPr lang="ja-JP" altLang="en-US" dirty="0">
+                <a:latin typeface="MS Mincho" panose="02020609040205080304" pitchFamily="49" charset="-128"/>
+                <a:ea typeface="MS Mincho" panose="02020609040205080304" pitchFamily="49" charset="-128"/>
+              </a:rPr>
+            </a:br>
+            <a:r>
+              <a:rPr lang="en-US" altLang="ja-JP" dirty="0">
+                <a:latin typeface="MS Mincho" panose="02020609040205080304" pitchFamily="49" charset="-128"/>
+                <a:ea typeface="MS Mincho" panose="02020609040205080304" pitchFamily="49" charset="-128"/>
+              </a:rPr>
+              <a:t>min  </a:t>
+            </a:r>
+            <a:r>
+              <a:rPr lang="ja-JP" altLang="en-US" dirty="0">
+                <a:latin typeface="MS Mincho" panose="02020609040205080304" pitchFamily="49" charset="-128"/>
+                <a:ea typeface="MS Mincho" panose="02020609040205080304" pitchFamily="49" charset="-128"/>
+              </a:rPr>
+              <a:t>：</a:t>
+            </a:r>
+            <a:r>
+              <a:rPr lang="ja-JP" altLang="en-US" dirty="0">
+                <a:latin typeface="MS Mincho" panose="02020609040205080304" pitchFamily="49" charset="-128"/>
+                <a:ea typeface="MS Mincho" panose="02020609040205080304" pitchFamily="49" charset="-128"/>
+              </a:rPr>
+              <a:t>自分のメイントピックとの関連値が一番低い質問が真の質問である確率</a:t>
+            </a:r>
+            <a:endParaRPr lang="en-US" altLang="ja-JP" dirty="0">
               <a:latin typeface="MS Mincho" panose="02020609040205080304" pitchFamily="49" charset="-128"/>
               <a:ea typeface="MS Mincho" panose="02020609040205080304" pitchFamily="49" charset="-128"/>
             </a:endParaRPr>
           </a:p>
           <a:p>
             <a:r>
-              <a:rPr lang="ja-JP" altLang="en-US" sz="3600" dirty="0">
-                <a:solidFill>
-                  <a:schemeClr val="bg1">
-                    <a:lumMod val="75000"/>
-                  </a:schemeClr>
-                </a:solidFill>
-                <a:latin typeface="MS Mincho" panose="02020609040205080304" pitchFamily="49" charset="-128"/>
-                <a:ea typeface="MS Mincho" panose="02020609040205080304" pitchFamily="49" charset="-128"/>
-              </a:rPr>
-              <a:t>攻撃手法</a:t>
-            </a:r>
-            <a:endParaRPr lang="en-US" altLang="ja-JP" sz="3600" dirty="0">
-              <a:solidFill>
-                <a:schemeClr val="bg1">
-                  <a:lumMod val="75000"/>
-                </a:schemeClr>
-              </a:solidFill>
-              <a:latin typeface="MS Mincho" panose="02020609040205080304" pitchFamily="49" charset="-128"/>
-              <a:ea typeface="MS Mincho" panose="02020609040205080304" pitchFamily="49" charset="-128"/>
-            </a:endParaRPr>
-          </a:p>
-          <a:p>
-            <a:r>
-              <a:rPr lang="ja-JP" altLang="en-US" sz="3600" dirty="0">
-                <a:solidFill>
-                  <a:schemeClr val="bg1">
-                    <a:lumMod val="75000"/>
-                  </a:schemeClr>
-                </a:solidFill>
-                <a:latin typeface="MS Mincho" panose="02020609040205080304" pitchFamily="49" charset="-128"/>
-                <a:ea typeface="MS Mincho" panose="02020609040205080304" pitchFamily="49" charset="-128"/>
-              </a:rPr>
-              <a:t>単語ベクトルを用いた質問曖昧化</a:t>
-            </a:r>
-            <a:endParaRPr lang="en-US" altLang="ja-JP" sz="3600" dirty="0">
-              <a:solidFill>
-                <a:schemeClr val="bg1">
-                  <a:lumMod val="75000"/>
-                </a:schemeClr>
-              </a:solidFill>
-              <a:latin typeface="MS Mincho" panose="02020609040205080304" pitchFamily="49" charset="-128"/>
-              <a:ea typeface="MS Mincho" panose="02020609040205080304" pitchFamily="49" charset="-128"/>
-            </a:endParaRPr>
-          </a:p>
-          <a:p>
-            <a:r>
-              <a:rPr lang="ja-JP" altLang="en-US" sz="3600" dirty="0">
-                <a:solidFill>
-                  <a:schemeClr val="bg1">
-                    <a:lumMod val="75000"/>
-                  </a:schemeClr>
-                </a:solidFill>
-                <a:latin typeface="MS Mincho" panose="02020609040205080304" pitchFamily="49" charset="-128"/>
-                <a:ea typeface="MS Mincho" panose="02020609040205080304" pitchFamily="49" charset="-128"/>
-              </a:rPr>
-              <a:t>評価実験</a:t>
-            </a:r>
-            <a:endParaRPr lang="en-US" altLang="ja-JP" sz="3600" dirty="0">
-              <a:solidFill>
-                <a:schemeClr val="bg1">
-                  <a:lumMod val="75000"/>
-                </a:schemeClr>
-              </a:solidFill>
-              <a:latin typeface="MS Mincho" panose="02020609040205080304" pitchFamily="49" charset="-128"/>
-              <a:ea typeface="MS Mincho" panose="02020609040205080304" pitchFamily="49" charset="-128"/>
-            </a:endParaRPr>
-          </a:p>
-          <a:p>
-            <a:r>
-              <a:rPr lang="ja-JP" altLang="en-US" sz="3600" dirty="0">
-                <a:latin typeface="MS Mincho" panose="02020609040205080304" pitchFamily="49" charset="-128"/>
-                <a:ea typeface="MS Mincho" panose="02020609040205080304" pitchFamily="49" charset="-128"/>
-              </a:rPr>
-              <a:t>まとめ</a:t>
-            </a:r>
-            <a:endParaRPr lang="zh-CN" altLang="en-US" sz="3600" dirty="0">
+              <a:rPr lang="en-US" altLang="zh-CN" dirty="0">
+                <a:latin typeface="MS Mincho" panose="02020609040205080304" pitchFamily="49" charset="-128"/>
+                <a:ea typeface="MS Mincho" panose="02020609040205080304" pitchFamily="49" charset="-128"/>
+              </a:rPr>
+              <a:t>ideal</a:t>
+            </a:r>
+            <a:r>
+              <a:rPr lang="ja-JP" altLang="en-US" dirty="0">
+                <a:latin typeface="MS Mincho" panose="02020609040205080304" pitchFamily="49" charset="-128"/>
+                <a:ea typeface="MS Mincho" panose="02020609040205080304" pitchFamily="49" charset="-128"/>
+              </a:rPr>
+              <a:t>： 理想値</a:t>
+            </a:r>
+            <a:endParaRPr lang="en-US" altLang="zh-CN" dirty="0">
               <a:latin typeface="MS Mincho" panose="02020609040205080304" pitchFamily="49" charset="-128"/>
               <a:ea typeface="MS Mincho" panose="02020609040205080304" pitchFamily="49" charset="-128"/>
             </a:endParaRPr>
@@ -27139,7 +27545,7 @@
     </p:spTree>
     <p:extLst>
       <p:ext uri="{BB962C8B-B14F-4D97-AF65-F5344CB8AC3E}">
-        <p14:creationId xmlns:p14="http://schemas.microsoft.com/office/powerpoint/2010/main" val="1505478653"/>
+        <p14:creationId xmlns:p14="http://schemas.microsoft.com/office/powerpoint/2010/main" val="3524367735"/>
       </p:ext>
     </p:extLst>
   </p:cSld>
@@ -27176,23 +27582,1338 @@
             <p:ph type="title"/>
           </p:nvPr>
         </p:nvSpPr>
-        <p:spPr/>
+        <p:spPr>
+          <a:xfrm>
+            <a:off x="838200" y="365125"/>
+            <a:ext cx="10515600" cy="1325563"/>
+          </a:xfrm>
+        </p:spPr>
         <p:txBody>
-          <a:bodyPr/>
+          <a:bodyPr>
+            <a:normAutofit/>
+          </a:bodyPr>
           <a:lstStyle/>
           <a:p>
-            <a:endParaRPr lang="zh-CN" altLang="en-US"/>
+            <a:pPr algn="ctr"/>
+            <a:r>
+              <a:rPr lang="ja-JP" altLang="en-US" sz="2800" dirty="0">
+                <a:latin typeface="MS Mincho" panose="02020609040205080304" pitchFamily="49" charset="-128"/>
+                <a:ea typeface="MS Mincho" panose="02020609040205080304" pitchFamily="49" charset="-128"/>
+              </a:rPr>
+              <a:t>メイントピック攻撃</a:t>
+            </a:r>
+            <a:r>
+              <a:rPr lang="zh-CN" altLang="en-US" sz="2800" dirty="0">
+                <a:latin typeface="MS Mincho" panose="02020609040205080304" pitchFamily="49" charset="-128"/>
+                <a:ea typeface="MS Mincho" panose="02020609040205080304" pitchFamily="49" charset="-128"/>
+              </a:rPr>
+              <a:t> </a:t>
+            </a:r>
+            <a:r>
+              <a:rPr lang="en-US" altLang="zh-CN" sz="2800" dirty="0">
+                <a:latin typeface="MS Mincho" panose="02020609040205080304" pitchFamily="49" charset="-128"/>
+                <a:ea typeface="MS Mincho" panose="02020609040205080304" pitchFamily="49" charset="-128"/>
+              </a:rPr>
+              <a:t>V.S.</a:t>
+            </a:r>
+            <a:r>
+              <a:rPr lang="ja-JP" altLang="en-US" sz="2800" dirty="0">
+                <a:latin typeface="MS Mincho" panose="02020609040205080304" pitchFamily="49" charset="-128"/>
+                <a:ea typeface="MS Mincho" panose="02020609040205080304" pitchFamily="49" charset="-128"/>
+              </a:rPr>
+              <a:t>事前にトピックをグループにする手法</a:t>
+            </a:r>
+            <a:endParaRPr lang="zh-CN" altLang="en-US" sz="2800" dirty="0">
+              <a:latin typeface="MS Mincho" panose="02020609040205080304" pitchFamily="49" charset="-128"/>
+              <a:ea typeface="MS Mincho" panose="02020609040205080304" pitchFamily="49" charset="-128"/>
+            </a:endParaRPr>
+          </a:p>
+        </p:txBody>
+      </p:sp>
+      <mc:AlternateContent xmlns:mc="http://schemas.openxmlformats.org/markup-compatibility/2006">
+        <mc:Choice xmlns:a14="http://schemas.microsoft.com/office/drawing/2010/main" Requires="a14">
+          <p:sp>
+            <p:nvSpPr>
+              <p:cNvPr id="4" name="内容占位符 3"/>
+              <p:cNvSpPr>
+                <a:spLocks noGrp="1"/>
+              </p:cNvSpPr>
+              <p:nvPr>
+                <p:ph idx="1"/>
+              </p:nvPr>
+            </p:nvSpPr>
+            <p:spPr/>
+            <p:txBody>
+              <a:bodyPr/>
+              <a:lstStyle/>
+              <a:p>
+                <a14:m>
+                  <m:oMath xmlns:m="http://schemas.openxmlformats.org/officeDocument/2006/math">
+                    <m:r>
+                      <m:rPr>
+                        <m:sty m:val="p"/>
+                      </m:rPr>
+                      <a:rPr lang="en-US" altLang="zh-CN" b="0" i="0" smtClean="0">
+                        <a:latin typeface="Cambria Math" panose="02040503050406030204" pitchFamily="18" charset="0"/>
+                      </a:rPr>
+                      <m:t>Pr</m:t>
+                    </m:r>
+                    <m:r>
+                      <a:rPr lang="en-US" altLang="zh-CN" b="0" i="1" smtClean="0">
+                        <a:latin typeface="Cambria Math" panose="02040503050406030204" pitchFamily="18" charset="0"/>
+                      </a:rPr>
+                      <m:t>⁡[</m:t>
+                    </m:r>
+                    <m:r>
+                      <a:rPr lang="ja-JP" altLang="en-US" i="1">
+                        <a:latin typeface="Cambria Math" panose="02040503050406030204" pitchFamily="18" charset="0"/>
+                      </a:rPr>
+                      <m:t>単語</m:t>
+                    </m:r>
+                    <m:r>
+                      <a:rPr lang="en-US" altLang="ja-JP" b="0" i="1" smtClean="0">
+                        <a:latin typeface="Cambria Math" panose="02040503050406030204" pitchFamily="18" charset="0"/>
+                      </a:rPr>
+                      <m:t>|</m:t>
+                    </m:r>
+                    <m:r>
+                      <a:rPr lang="ja-JP" altLang="en-US" i="1">
+                        <a:latin typeface="Cambria Math" panose="02040503050406030204" pitchFamily="18" charset="0"/>
+                      </a:rPr>
+                      <m:t>質問</m:t>
+                    </m:r>
+                    <m:r>
+                      <a:rPr lang="en-US" altLang="ja-JP" b="0" i="1" smtClean="0">
+                        <a:latin typeface="Cambria Math" panose="02040503050406030204" pitchFamily="18" charset="0"/>
+                      </a:rPr>
+                      <m:t>]</m:t>
+                    </m:r>
+                  </m:oMath>
+                </a14:m>
+                <a:r>
+                  <a:rPr lang="ja-JP" altLang="en-US" dirty="0"/>
+                  <a:t>で単語を選ぶため，質問</a:t>
+                </a:r>
+                <a14:m>
+                  <m:oMath xmlns:m="http://schemas.openxmlformats.org/officeDocument/2006/math">
+                    <m:r>
+                      <a:rPr lang="en-US" altLang="ja-JP" b="0" i="1" smtClean="0">
+                        <a:latin typeface="Cambria Math" panose="02040503050406030204" pitchFamily="18" charset="0"/>
+                      </a:rPr>
+                      <m:t>𝑞</m:t>
+                    </m:r>
+                    <m:r>
+                      <a:rPr lang="ja-JP" altLang="en-US" i="1">
+                        <a:latin typeface="Cambria Math" panose="02040503050406030204" pitchFamily="18" charset="0"/>
+                      </a:rPr>
+                      <m:t>の</m:t>
+                    </m:r>
+                  </m:oMath>
+                </a14:m>
+                <a:r>
+                  <a:rPr lang="ja-JP" altLang="en-US" dirty="0"/>
+                  <a:t>メイントピックを</a:t>
+                </a:r>
+                <a14:m>
+                  <m:oMath xmlns:m="http://schemas.openxmlformats.org/officeDocument/2006/math">
+                    <m:sSub>
+                      <m:sSubPr>
+                        <m:ctrlPr>
+                          <a:rPr lang="en-US" altLang="zh-CN" b="0" i="1" dirty="0" smtClean="0">
+                            <a:latin typeface="Cambria Math" panose="02040503050406030204" pitchFamily="18" charset="0"/>
+                          </a:rPr>
+                        </m:ctrlPr>
+                      </m:sSubPr>
+                      <m:e>
+                        <m:r>
+                          <a:rPr lang="en-US" altLang="zh-CN" b="0" i="1" dirty="0" smtClean="0">
+                            <a:latin typeface="Cambria Math" panose="02040503050406030204" pitchFamily="18" charset="0"/>
+                          </a:rPr>
+                          <m:t>𝛿</m:t>
+                        </m:r>
+                      </m:e>
+                      <m:sub>
+                        <m:r>
+                          <a:rPr lang="en-US" altLang="zh-CN" b="0" i="1" dirty="0" smtClean="0">
+                            <a:latin typeface="Cambria Math" panose="02040503050406030204" pitchFamily="18" charset="0"/>
+                          </a:rPr>
+                          <m:t>𝑞</m:t>
+                        </m:r>
+                      </m:sub>
+                    </m:sSub>
+                    <m:r>
+                      <a:rPr lang="ja-JP" altLang="en-US" i="1" dirty="0">
+                        <a:latin typeface="Cambria Math" panose="02040503050406030204" pitchFamily="18" charset="0"/>
+                      </a:rPr>
+                      <m:t>にすると</m:t>
+                    </m:r>
+                  </m:oMath>
+                </a14:m>
+                <a:r>
+                  <a:rPr lang="ja-JP" altLang="en-US" dirty="0"/>
+                  <a:t>，各</a:t>
+                </a:r>
+                <a:r>
+                  <a:rPr lang="ja-JP" altLang="en-US" dirty="0"/>
+                  <a:t>質問</a:t>
+                </a:r>
+                <a14:m>
+                  <m:oMath xmlns:m="http://schemas.openxmlformats.org/officeDocument/2006/math">
+                    <m:r>
+                      <a:rPr lang="en-US" altLang="ja-JP" i="1">
+                        <a:latin typeface="Cambria Math" panose="02040503050406030204" pitchFamily="18" charset="0"/>
+                      </a:rPr>
+                      <m:t>𝑞</m:t>
+                    </m:r>
+                  </m:oMath>
+                </a14:m>
+                <a:r>
+                  <a:rPr lang="ja-JP" altLang="en-US" dirty="0"/>
+                  <a:t>に対して</a:t>
+                </a:r>
+                <a14:m>
+                  <m:oMath xmlns:m="http://schemas.openxmlformats.org/officeDocument/2006/math">
+                    <m:r>
+                      <m:rPr>
+                        <m:sty m:val="p"/>
+                      </m:rPr>
+                      <a:rPr lang="en-US" altLang="ja-JP" b="0" i="0" smtClean="0">
+                        <a:latin typeface="Cambria Math" panose="02040503050406030204" pitchFamily="18" charset="0"/>
+                      </a:rPr>
+                      <m:t>Pr</m:t>
+                    </m:r>
+                    <m:r>
+                      <a:rPr lang="en-US" altLang="ja-JP" b="0" i="1" smtClean="0">
+                        <a:latin typeface="Cambria Math" panose="02040503050406030204" pitchFamily="18" charset="0"/>
+                      </a:rPr>
+                      <m:t>⁡[</m:t>
+                    </m:r>
+                    <m:r>
+                      <a:rPr lang="en-US" altLang="ja-JP" b="0" i="1" smtClean="0">
+                        <a:latin typeface="Cambria Math" panose="02040503050406030204" pitchFamily="18" charset="0"/>
+                      </a:rPr>
+                      <m:t>𝑞</m:t>
+                    </m:r>
+                    <m:r>
+                      <a:rPr lang="en-US" altLang="ja-JP" b="0" i="1" smtClean="0">
+                        <a:latin typeface="Cambria Math" panose="02040503050406030204" pitchFamily="18" charset="0"/>
+                      </a:rPr>
+                      <m:t>|</m:t>
+                    </m:r>
+                    <m:sSub>
+                      <m:sSubPr>
+                        <m:ctrlPr>
+                          <a:rPr lang="en-US" altLang="zh-CN" i="1" dirty="0">
+                            <a:latin typeface="Cambria Math" panose="02040503050406030204" pitchFamily="18" charset="0"/>
+                          </a:rPr>
+                        </m:ctrlPr>
+                      </m:sSubPr>
+                      <m:e>
+                        <m:r>
+                          <a:rPr lang="en-US" altLang="zh-CN" i="1" dirty="0">
+                            <a:latin typeface="Cambria Math" panose="02040503050406030204" pitchFamily="18" charset="0"/>
+                          </a:rPr>
+                          <m:t>𝛿</m:t>
+                        </m:r>
+                      </m:e>
+                      <m:sub>
+                        <m:r>
+                          <a:rPr lang="en-US" altLang="zh-CN" i="1" dirty="0">
+                            <a:latin typeface="Cambria Math" panose="02040503050406030204" pitchFamily="18" charset="0"/>
+                          </a:rPr>
+                          <m:t>𝑞</m:t>
+                        </m:r>
+                      </m:sub>
+                    </m:sSub>
+                    <m:r>
+                      <a:rPr lang="en-US" altLang="ja-JP" b="0" i="1" smtClean="0">
+                        <a:latin typeface="Cambria Math" panose="02040503050406030204" pitchFamily="18" charset="0"/>
+                      </a:rPr>
+                      <m:t>]</m:t>
+                    </m:r>
+                  </m:oMath>
+                </a14:m>
+                <a:r>
+                  <a:rPr lang="ja-JP" altLang="en-US" dirty="0"/>
+                  <a:t>間の差が少ない</a:t>
+                </a:r>
+                <a:endParaRPr lang="en-US" altLang="ja-JP" dirty="0"/>
+              </a:p>
+              <a:p>
+                <a:endParaRPr lang="en-US" altLang="ja-JP" dirty="0"/>
+              </a:p>
+              <a:p>
+                <a:endParaRPr lang="en-US" altLang="ja-JP" dirty="0"/>
+              </a:p>
+              <a:p>
+                <a:pPr marL="0" indent="0">
+                  <a:buNone/>
+                </a:pPr>
+                <a14:m>
+                  <m:oMathPara xmlns:m="http://schemas.openxmlformats.org/officeDocument/2006/math">
+                    <m:oMathParaPr>
+                      <m:jc m:val="centerGroup"/>
+                    </m:oMathParaPr>
+                    <m:oMath xmlns:m="http://schemas.openxmlformats.org/officeDocument/2006/math">
+                      <m:r>
+                        <m:rPr>
+                          <m:sty m:val="p"/>
+                        </m:rPr>
+                        <a:rPr lang="en-US" altLang="zh-CN" i="1" dirty="0">
+                          <a:latin typeface="Cambria Math" panose="02040503050406030204" pitchFamily="18" charset="0"/>
+                          <a:ea typeface="MS Mincho" panose="02020609040205080304" pitchFamily="49" charset="-128"/>
+                        </a:rPr>
+                        <m:t>rscore</m:t>
+                      </m:r>
+                      <m:d>
+                        <m:dPr>
+                          <m:ctrlPr>
+                            <a:rPr lang="en-US" altLang="zh-CN" i="1" dirty="0">
+                              <a:latin typeface="Cambria Math" panose="02040503050406030204" pitchFamily="18" charset="0"/>
+                              <a:ea typeface="MS Mincho" panose="02020609040205080304" pitchFamily="49" charset="-128"/>
+                            </a:rPr>
+                          </m:ctrlPr>
+                        </m:dPr>
+                        <m:e>
+                          <m:r>
+                            <a:rPr lang="en-US" altLang="zh-CN" b="0" i="1" dirty="0" smtClean="0">
+                              <a:latin typeface="Cambria Math" panose="02040503050406030204" pitchFamily="18" charset="0"/>
+                              <a:ea typeface="MS Mincho" panose="02020609040205080304" pitchFamily="49" charset="-128"/>
+                            </a:rPr>
+                            <m:t>𝑞</m:t>
+                          </m:r>
+                          <m:r>
+                            <a:rPr lang="en-US" altLang="ja-JP" i="1" dirty="0">
+                              <a:latin typeface="Cambria Math" panose="02040503050406030204" pitchFamily="18" charset="0"/>
+                              <a:ea typeface="MS Mincho" panose="02020609040205080304" pitchFamily="49" charset="-128"/>
+                            </a:rPr>
+                            <m:t> ,</m:t>
+                          </m:r>
+                          <m:sSub>
+                            <m:sSubPr>
+                              <m:ctrlPr>
+                                <a:rPr lang="en-US" altLang="zh-CN" i="1" dirty="0">
+                                  <a:latin typeface="Cambria Math" panose="02040503050406030204" pitchFamily="18" charset="0"/>
+                                </a:rPr>
+                              </m:ctrlPr>
+                            </m:sSubPr>
+                            <m:e>
+                              <m:r>
+                                <a:rPr lang="en-US" altLang="zh-CN" i="1" dirty="0">
+                                  <a:latin typeface="Cambria Math" panose="02040503050406030204" pitchFamily="18" charset="0"/>
+                                </a:rPr>
+                                <m:t>𝛿</m:t>
+                              </m:r>
+                            </m:e>
+                            <m:sub>
+                              <m:r>
+                                <a:rPr lang="en-US" altLang="zh-CN" i="1" dirty="0">
+                                  <a:latin typeface="Cambria Math" panose="02040503050406030204" pitchFamily="18" charset="0"/>
+                                </a:rPr>
+                                <m:t>𝑞</m:t>
+                              </m:r>
+                            </m:sub>
+                          </m:sSub>
+                        </m:e>
+                      </m:d>
+                      <m:r>
+                        <a:rPr lang="en-US" altLang="zh-CN" i="1" dirty="0">
+                          <a:latin typeface="Cambria Math" panose="02040503050406030204" pitchFamily="18" charset="0"/>
+                          <a:ea typeface="MS Mincho" panose="02020609040205080304" pitchFamily="49" charset="-128"/>
+                        </a:rPr>
+                        <m:t>=</m:t>
+                      </m:r>
+                      <m:f>
+                        <m:fPr>
+                          <m:ctrlPr>
+                            <a:rPr lang="en-US" altLang="zh-CN" b="0" i="1" dirty="0" smtClean="0">
+                              <a:latin typeface="Cambria Math" panose="02040503050406030204" pitchFamily="18" charset="0"/>
+                              <a:ea typeface="MS Mincho" panose="02020609040205080304" pitchFamily="49" charset="-128"/>
+                            </a:rPr>
+                          </m:ctrlPr>
+                        </m:fPr>
+                        <m:num>
+                          <m:func>
+                            <m:funcPr>
+                              <m:ctrlPr>
+                                <a:rPr lang="en-US" altLang="zh-CN" b="0" i="1" dirty="0" smtClean="0">
+                                  <a:latin typeface="Cambria Math" panose="02040503050406030204" pitchFamily="18" charset="0"/>
+                                  <a:ea typeface="MS Mincho" panose="02020609040205080304" pitchFamily="49" charset="-128"/>
+                                </a:rPr>
+                              </m:ctrlPr>
+                            </m:funcPr>
+                            <m:fName>
+                              <m:r>
+                                <m:rPr>
+                                  <m:sty m:val="p"/>
+                                </m:rPr>
+                                <a:rPr lang="en-US" altLang="zh-CN" b="0" i="0" dirty="0" smtClean="0">
+                                  <a:latin typeface="Cambria Math" panose="02040503050406030204" pitchFamily="18" charset="0"/>
+                                  <a:ea typeface="MS Mincho" panose="02020609040205080304" pitchFamily="49" charset="-128"/>
+                                </a:rPr>
+                                <m:t>Pr</m:t>
+                              </m:r>
+                            </m:fName>
+                            <m:e>
+                              <m:d>
+                                <m:dPr>
+                                  <m:begChr m:val="["/>
+                                  <m:endChr m:val="]"/>
+                                  <m:ctrlPr>
+                                    <a:rPr lang="en-US" altLang="zh-CN" b="0" i="1" dirty="0" smtClean="0">
+                                      <a:latin typeface="Cambria Math" panose="02040503050406030204" pitchFamily="18" charset="0"/>
+                                      <a:ea typeface="MS Mincho" panose="02020609040205080304" pitchFamily="49" charset="-128"/>
+                                    </a:rPr>
+                                  </m:ctrlPr>
+                                </m:dPr>
+                                <m:e>
+                                  <m:r>
+                                    <a:rPr lang="en-US" altLang="ja-JP" i="1">
+                                      <a:latin typeface="Cambria Math" panose="02040503050406030204" pitchFamily="18" charset="0"/>
+                                    </a:rPr>
+                                    <m:t>𝑞</m:t>
+                                  </m:r>
+                                </m:e>
+                                <m:e>
+                                  <m:sSub>
+                                    <m:sSubPr>
+                                      <m:ctrlPr>
+                                        <a:rPr lang="en-US" altLang="zh-CN" i="1" dirty="0">
+                                          <a:latin typeface="Cambria Math" panose="02040503050406030204" pitchFamily="18" charset="0"/>
+                                        </a:rPr>
+                                      </m:ctrlPr>
+                                    </m:sSubPr>
+                                    <m:e>
+                                      <m:r>
+                                        <a:rPr lang="en-US" altLang="zh-CN" i="1" dirty="0">
+                                          <a:latin typeface="Cambria Math" panose="02040503050406030204" pitchFamily="18" charset="0"/>
+                                        </a:rPr>
+                                        <m:t>𝛿</m:t>
+                                      </m:r>
+                                    </m:e>
+                                    <m:sub>
+                                      <m:r>
+                                        <a:rPr lang="en-US" altLang="zh-CN" i="1" dirty="0">
+                                          <a:latin typeface="Cambria Math" panose="02040503050406030204" pitchFamily="18" charset="0"/>
+                                        </a:rPr>
+                                        <m:t>𝑞</m:t>
+                                      </m:r>
+                                    </m:sub>
+                                  </m:sSub>
+                                </m:e>
+                              </m:d>
+                            </m:e>
+                          </m:func>
+                          <m:r>
+                            <m:rPr>
+                              <m:sty m:val="p"/>
+                            </m:rPr>
+                            <a:rPr lang="en-US" altLang="zh-CN" b="0" i="0" dirty="0" smtClean="0">
+                              <a:latin typeface="Cambria Math" panose="02040503050406030204" pitchFamily="18" charset="0"/>
+                              <a:ea typeface="MS Mincho" panose="02020609040205080304" pitchFamily="49" charset="-128"/>
+                            </a:rPr>
+                            <m:t>Pr</m:t>
+                          </m:r>
+                          <m:r>
+                            <a:rPr lang="en-US" altLang="zh-CN" b="0" i="1" dirty="0" smtClean="0">
+                              <a:latin typeface="Cambria Math" panose="02040503050406030204" pitchFamily="18" charset="0"/>
+                              <a:ea typeface="MS Mincho" panose="02020609040205080304" pitchFamily="49" charset="-128"/>
+                            </a:rPr>
+                            <m:t>⁡[</m:t>
+                          </m:r>
+                          <m:sSub>
+                            <m:sSubPr>
+                              <m:ctrlPr>
+                                <a:rPr lang="en-US" altLang="zh-CN" i="1" dirty="0">
+                                  <a:latin typeface="Cambria Math" panose="02040503050406030204" pitchFamily="18" charset="0"/>
+                                </a:rPr>
+                              </m:ctrlPr>
+                            </m:sSubPr>
+                            <m:e>
+                              <m:r>
+                                <a:rPr lang="en-US" altLang="zh-CN" i="1" dirty="0">
+                                  <a:latin typeface="Cambria Math" panose="02040503050406030204" pitchFamily="18" charset="0"/>
+                                </a:rPr>
+                                <m:t>𝛿</m:t>
+                              </m:r>
+                            </m:e>
+                            <m:sub>
+                              <m:r>
+                                <a:rPr lang="en-US" altLang="zh-CN" i="1" dirty="0">
+                                  <a:latin typeface="Cambria Math" panose="02040503050406030204" pitchFamily="18" charset="0"/>
+                                </a:rPr>
+                                <m:t>𝑞</m:t>
+                              </m:r>
+                            </m:sub>
+                          </m:sSub>
+                          <m:r>
+                            <a:rPr lang="en-US" altLang="zh-CN" b="0" i="1" dirty="0" smtClean="0">
+                              <a:latin typeface="Cambria Math" panose="02040503050406030204" pitchFamily="18" charset="0"/>
+                              <a:ea typeface="MS Mincho" panose="02020609040205080304" pitchFamily="49" charset="-128"/>
+                            </a:rPr>
+                            <m:t>]</m:t>
+                          </m:r>
+                        </m:num>
+                        <m:den>
+                          <m:r>
+                            <m:rPr>
+                              <m:sty m:val="p"/>
+                            </m:rPr>
+                            <a:rPr lang="en-US" altLang="zh-CN" b="0" i="0" dirty="0" smtClean="0">
+                              <a:latin typeface="Cambria Math" panose="02040503050406030204" pitchFamily="18" charset="0"/>
+                              <a:ea typeface="MS Mincho" panose="02020609040205080304" pitchFamily="49" charset="-128"/>
+                            </a:rPr>
+                            <m:t>Pr</m:t>
+                          </m:r>
+                          <m:r>
+                            <a:rPr lang="en-US" altLang="zh-CN" b="0" i="1" dirty="0" smtClean="0">
+                              <a:latin typeface="Cambria Math" panose="02040503050406030204" pitchFamily="18" charset="0"/>
+                              <a:ea typeface="MS Mincho" panose="02020609040205080304" pitchFamily="49" charset="-128"/>
+                            </a:rPr>
+                            <m:t>⁡[</m:t>
+                          </m:r>
+                          <m:r>
+                            <a:rPr lang="en-US" altLang="zh-CN" b="0" i="1" dirty="0" smtClean="0">
+                              <a:latin typeface="Cambria Math" panose="02040503050406030204" pitchFamily="18" charset="0"/>
+                              <a:ea typeface="MS Mincho" panose="02020609040205080304" pitchFamily="49" charset="-128"/>
+                            </a:rPr>
+                            <m:t>𝑞</m:t>
+                          </m:r>
+                          <m:r>
+                            <a:rPr lang="en-US" altLang="zh-CN" b="0" i="1" dirty="0" smtClean="0">
+                              <a:latin typeface="Cambria Math" panose="02040503050406030204" pitchFamily="18" charset="0"/>
+                              <a:ea typeface="MS Mincho" panose="02020609040205080304" pitchFamily="49" charset="-128"/>
+                            </a:rPr>
+                            <m:t>]</m:t>
+                          </m:r>
+                        </m:den>
+                      </m:f>
+                    </m:oMath>
+                  </m:oMathPara>
+                </a14:m>
+                <a:endParaRPr lang="en-US" altLang="ja-JP" dirty="0"/>
+              </a:p>
+              <a:p>
+                <a:endParaRPr lang="en-US" altLang="zh-CN" dirty="0"/>
+              </a:p>
+              <a:p>
+                <a:endParaRPr lang="zh-CN" altLang="en-US" dirty="0"/>
+              </a:p>
+            </p:txBody>
+          </p:sp>
+        </mc:Choice>
+        <mc:Fallback>
+          <p:sp>
+            <p:nvSpPr>
+              <p:cNvPr id="4" name="内容占位符 3"/>
+              <p:cNvSpPr>
+                <a:spLocks noGrp="1" noRot="1" noChangeAspect="1" noMove="1" noResize="1" noEditPoints="1" noAdjustHandles="1" noChangeArrowheads="1" noChangeShapeType="1" noTextEdit="1"/>
+              </p:cNvSpPr>
+              <p:nvPr>
+                <p:ph idx="1"/>
+              </p:nvPr>
+            </p:nvSpPr>
+            <p:spPr>
+              <a:blipFill>
+                <a:blip r:embed="rId2"/>
+                <a:stretch>
+                  <a:fillRect t="-1821"/>
+                </a:stretch>
+              </a:blipFill>
+            </p:spPr>
+            <p:txBody>
+              <a:bodyPr/>
+              <a:lstStyle/>
+              <a:p>
+                <a:r>
+                  <a:rPr lang="zh-CN" altLang="en-US">
+                    <a:noFill/>
+                  </a:rPr>
+                  <a:t> </a:t>
+                </a:r>
+              </a:p>
+            </p:txBody>
+          </p:sp>
+        </mc:Fallback>
+      </mc:AlternateContent>
+    </p:spTree>
+    <p:extLst>
+      <p:ext uri="{BB962C8B-B14F-4D97-AF65-F5344CB8AC3E}">
+        <p14:creationId xmlns:p14="http://schemas.microsoft.com/office/powerpoint/2010/main" val="2074496883"/>
+      </p:ext>
+    </p:extLst>
+  </p:cSld>
+  <p:clrMapOvr>
+    <a:masterClrMapping/>
+  </p:clrMapOvr>
+</p:sld>
+</file>
+
+<file path=ppt/slides/slide65.xml><?xml version="1.0" encoding="utf-8"?>
+<p:sld xmlns:a="http://schemas.openxmlformats.org/drawingml/2006/main" xmlns:r="http://schemas.openxmlformats.org/officeDocument/2006/relationships" xmlns:p="http://schemas.openxmlformats.org/presentationml/2006/main">
+  <p:cSld>
+    <p:spTree>
+      <p:nvGrpSpPr>
+        <p:cNvPr id="1" name=""/>
+        <p:cNvGrpSpPr/>
+        <p:nvPr/>
+      </p:nvGrpSpPr>
+      <p:grpSpPr>
+        <a:xfrm>
+          <a:off x="0" y="0"/>
+          <a:ext cx="0" cy="0"/>
+          <a:chOff x="0" y="0"/>
+          <a:chExt cx="0" cy="0"/>
+        </a:xfrm>
+      </p:grpSpPr>
+      <p:sp>
+        <p:nvSpPr>
+          <p:cNvPr id="2" name="标题 1"/>
+          <p:cNvSpPr>
+            <a:spLocks noGrp="1"/>
+          </p:cNvSpPr>
+          <p:nvPr>
+            <p:ph type="title"/>
+          </p:nvPr>
+        </p:nvSpPr>
+        <p:spPr>
+          <a:xfrm>
+            <a:off x="838200" y="365125"/>
+            <a:ext cx="10515600" cy="1325563"/>
+          </a:xfrm>
+        </p:spPr>
+        <p:txBody>
+          <a:bodyPr>
+            <a:normAutofit/>
+          </a:bodyPr>
+          <a:lstStyle/>
+          <a:p>
+            <a:pPr algn="ctr"/>
+            <a:r>
+              <a:rPr lang="ja-JP" altLang="en-US" sz="2800" dirty="0">
+                <a:latin typeface="MS Mincho" panose="02020609040205080304" pitchFamily="49" charset="-128"/>
+                <a:ea typeface="MS Mincho" panose="02020609040205080304" pitchFamily="49" charset="-128"/>
+              </a:rPr>
+              <a:t>メイントピック攻撃</a:t>
+            </a:r>
+            <a:r>
+              <a:rPr lang="zh-CN" altLang="en-US" sz="2800" dirty="0">
+                <a:latin typeface="MS Mincho" panose="02020609040205080304" pitchFamily="49" charset="-128"/>
+                <a:ea typeface="MS Mincho" panose="02020609040205080304" pitchFamily="49" charset="-128"/>
+              </a:rPr>
+              <a:t> </a:t>
+            </a:r>
+            <a:r>
+              <a:rPr lang="en-US" altLang="zh-CN" sz="2800" dirty="0">
+                <a:latin typeface="MS Mincho" panose="02020609040205080304" pitchFamily="49" charset="-128"/>
+                <a:ea typeface="MS Mincho" panose="02020609040205080304" pitchFamily="49" charset="-128"/>
+              </a:rPr>
+              <a:t>V.S.</a:t>
+            </a:r>
+            <a:r>
+              <a:rPr lang="ja-JP" altLang="en-US" sz="2800" dirty="0">
+                <a:latin typeface="MS Mincho" panose="02020609040205080304" pitchFamily="49" charset="-128"/>
+                <a:ea typeface="MS Mincho" panose="02020609040205080304" pitchFamily="49" charset="-128"/>
+              </a:rPr>
+              <a:t>事前にトピックをグループにする手法</a:t>
+            </a:r>
+            <a:endParaRPr lang="zh-CN" altLang="en-US" sz="2800" dirty="0">
+              <a:latin typeface="MS Mincho" panose="02020609040205080304" pitchFamily="49" charset="-128"/>
+              <a:ea typeface="MS Mincho" panose="02020609040205080304" pitchFamily="49" charset="-128"/>
+            </a:endParaRPr>
+          </a:p>
+        </p:txBody>
+      </p:sp>
+      <mc:AlternateContent xmlns:mc="http://schemas.openxmlformats.org/markup-compatibility/2006">
+        <mc:Choice xmlns:a14="http://schemas.microsoft.com/office/drawing/2010/main" Requires="a14">
+          <p:sp>
+            <p:nvSpPr>
+              <p:cNvPr id="4" name="内容占位符 3"/>
+              <p:cNvSpPr>
+                <a:spLocks noGrp="1"/>
+              </p:cNvSpPr>
+              <p:nvPr>
+                <p:ph idx="1"/>
+              </p:nvPr>
+            </p:nvSpPr>
+            <p:spPr/>
+            <p:txBody>
+              <a:bodyPr/>
+              <a:lstStyle/>
+              <a:p>
+                <a14:m>
+                  <m:oMath xmlns:m="http://schemas.openxmlformats.org/officeDocument/2006/math">
+                    <m:r>
+                      <m:rPr>
+                        <m:sty m:val="p"/>
+                      </m:rPr>
+                      <a:rPr lang="en-US" altLang="zh-CN" b="0" i="0" smtClean="0">
+                        <a:latin typeface="Cambria Math" panose="02040503050406030204" pitchFamily="18" charset="0"/>
+                      </a:rPr>
+                      <m:t>Pr</m:t>
+                    </m:r>
+                    <m:r>
+                      <a:rPr lang="en-US" altLang="zh-CN" b="0" i="1" smtClean="0">
+                        <a:latin typeface="Cambria Math" panose="02040503050406030204" pitchFamily="18" charset="0"/>
+                      </a:rPr>
+                      <m:t>⁡[</m:t>
+                    </m:r>
+                    <m:r>
+                      <a:rPr lang="ja-JP" altLang="en-US" i="1">
+                        <a:latin typeface="Cambria Math" panose="02040503050406030204" pitchFamily="18" charset="0"/>
+                      </a:rPr>
+                      <m:t>単語</m:t>
+                    </m:r>
+                    <m:r>
+                      <a:rPr lang="en-US" altLang="ja-JP" b="0" i="1" smtClean="0">
+                        <a:latin typeface="Cambria Math" panose="02040503050406030204" pitchFamily="18" charset="0"/>
+                      </a:rPr>
+                      <m:t>|</m:t>
+                    </m:r>
+                    <m:r>
+                      <a:rPr lang="ja-JP" altLang="en-US" i="1">
+                        <a:latin typeface="Cambria Math" panose="02040503050406030204" pitchFamily="18" charset="0"/>
+                      </a:rPr>
+                      <m:t>質問</m:t>
+                    </m:r>
+                    <m:r>
+                      <a:rPr lang="en-US" altLang="ja-JP" b="0" i="1" smtClean="0">
+                        <a:latin typeface="Cambria Math" panose="02040503050406030204" pitchFamily="18" charset="0"/>
+                      </a:rPr>
+                      <m:t>]</m:t>
+                    </m:r>
+                  </m:oMath>
+                </a14:m>
+                <a:r>
+                  <a:rPr lang="ja-JP" altLang="en-US" dirty="0"/>
+                  <a:t>で単語を選ぶため，質問</a:t>
+                </a:r>
+                <a14:m>
+                  <m:oMath xmlns:m="http://schemas.openxmlformats.org/officeDocument/2006/math">
+                    <m:r>
+                      <a:rPr lang="en-US" altLang="ja-JP" b="0" i="1" smtClean="0">
+                        <a:latin typeface="Cambria Math" panose="02040503050406030204" pitchFamily="18" charset="0"/>
+                      </a:rPr>
+                      <m:t>𝑞</m:t>
+                    </m:r>
+                    <m:r>
+                      <a:rPr lang="ja-JP" altLang="en-US" i="1">
+                        <a:latin typeface="Cambria Math" panose="02040503050406030204" pitchFamily="18" charset="0"/>
+                      </a:rPr>
+                      <m:t>の</m:t>
+                    </m:r>
+                  </m:oMath>
+                </a14:m>
+                <a:r>
+                  <a:rPr lang="ja-JP" altLang="en-US" dirty="0"/>
+                  <a:t>メイントピックを</a:t>
+                </a:r>
+                <a14:m>
+                  <m:oMath xmlns:m="http://schemas.openxmlformats.org/officeDocument/2006/math">
+                    <m:sSub>
+                      <m:sSubPr>
+                        <m:ctrlPr>
+                          <a:rPr lang="en-US" altLang="zh-CN" b="0" i="1" dirty="0" smtClean="0">
+                            <a:latin typeface="Cambria Math" panose="02040503050406030204" pitchFamily="18" charset="0"/>
+                          </a:rPr>
+                        </m:ctrlPr>
+                      </m:sSubPr>
+                      <m:e>
+                        <m:r>
+                          <a:rPr lang="en-US" altLang="zh-CN" b="0" i="1" dirty="0" smtClean="0">
+                            <a:latin typeface="Cambria Math" panose="02040503050406030204" pitchFamily="18" charset="0"/>
+                          </a:rPr>
+                          <m:t>𝛿</m:t>
+                        </m:r>
+                      </m:e>
+                      <m:sub>
+                        <m:r>
+                          <a:rPr lang="en-US" altLang="zh-CN" b="0" i="1" dirty="0" smtClean="0">
+                            <a:latin typeface="Cambria Math" panose="02040503050406030204" pitchFamily="18" charset="0"/>
+                          </a:rPr>
+                          <m:t>𝑞</m:t>
+                        </m:r>
+                      </m:sub>
+                    </m:sSub>
+                    <m:r>
+                      <a:rPr lang="ja-JP" altLang="en-US" i="1" dirty="0">
+                        <a:latin typeface="Cambria Math" panose="02040503050406030204" pitchFamily="18" charset="0"/>
+                      </a:rPr>
+                      <m:t>にすると</m:t>
+                    </m:r>
+                  </m:oMath>
+                </a14:m>
+                <a:r>
+                  <a:rPr lang="ja-JP" altLang="en-US" dirty="0"/>
+                  <a:t>，各</a:t>
+                </a:r>
+                <a:r>
+                  <a:rPr lang="ja-JP" altLang="en-US" dirty="0"/>
+                  <a:t>質問</a:t>
+                </a:r>
+                <a14:m>
+                  <m:oMath xmlns:m="http://schemas.openxmlformats.org/officeDocument/2006/math">
+                    <m:r>
+                      <a:rPr lang="en-US" altLang="ja-JP" i="1">
+                        <a:latin typeface="Cambria Math" panose="02040503050406030204" pitchFamily="18" charset="0"/>
+                      </a:rPr>
+                      <m:t>𝑞</m:t>
+                    </m:r>
+                  </m:oMath>
+                </a14:m>
+                <a:r>
+                  <a:rPr lang="ja-JP" altLang="en-US" dirty="0"/>
+                  <a:t>に対して</a:t>
+                </a:r>
+                <a14:m>
+                  <m:oMath xmlns:m="http://schemas.openxmlformats.org/officeDocument/2006/math">
+                    <m:r>
+                      <m:rPr>
+                        <m:sty m:val="p"/>
+                      </m:rPr>
+                      <a:rPr lang="en-US" altLang="ja-JP" b="0" i="0" smtClean="0">
+                        <a:latin typeface="Cambria Math" panose="02040503050406030204" pitchFamily="18" charset="0"/>
+                      </a:rPr>
+                      <m:t>Pr</m:t>
+                    </m:r>
+                    <m:r>
+                      <a:rPr lang="en-US" altLang="ja-JP" b="0" i="1" smtClean="0">
+                        <a:latin typeface="Cambria Math" panose="02040503050406030204" pitchFamily="18" charset="0"/>
+                      </a:rPr>
+                      <m:t>⁡[</m:t>
+                    </m:r>
+                    <m:r>
+                      <a:rPr lang="en-US" altLang="ja-JP" b="0" i="1" smtClean="0">
+                        <a:latin typeface="Cambria Math" panose="02040503050406030204" pitchFamily="18" charset="0"/>
+                      </a:rPr>
+                      <m:t>𝑞</m:t>
+                    </m:r>
+                    <m:r>
+                      <a:rPr lang="en-US" altLang="ja-JP" b="0" i="1" smtClean="0">
+                        <a:latin typeface="Cambria Math" panose="02040503050406030204" pitchFamily="18" charset="0"/>
+                      </a:rPr>
+                      <m:t>|</m:t>
+                    </m:r>
+                    <m:sSub>
+                      <m:sSubPr>
+                        <m:ctrlPr>
+                          <a:rPr lang="en-US" altLang="zh-CN" i="1" dirty="0">
+                            <a:latin typeface="Cambria Math" panose="02040503050406030204" pitchFamily="18" charset="0"/>
+                          </a:rPr>
+                        </m:ctrlPr>
+                      </m:sSubPr>
+                      <m:e>
+                        <m:r>
+                          <a:rPr lang="en-US" altLang="zh-CN" i="1" dirty="0">
+                            <a:latin typeface="Cambria Math" panose="02040503050406030204" pitchFamily="18" charset="0"/>
+                          </a:rPr>
+                          <m:t>𝛿</m:t>
+                        </m:r>
+                      </m:e>
+                      <m:sub>
+                        <m:r>
+                          <a:rPr lang="en-US" altLang="zh-CN" i="1" dirty="0">
+                            <a:latin typeface="Cambria Math" panose="02040503050406030204" pitchFamily="18" charset="0"/>
+                          </a:rPr>
+                          <m:t>𝑞</m:t>
+                        </m:r>
+                      </m:sub>
+                    </m:sSub>
+                    <m:r>
+                      <a:rPr lang="en-US" altLang="ja-JP" b="0" i="1" smtClean="0">
+                        <a:latin typeface="Cambria Math" panose="02040503050406030204" pitchFamily="18" charset="0"/>
+                      </a:rPr>
+                      <m:t>]</m:t>
+                    </m:r>
+                  </m:oMath>
+                </a14:m>
+                <a:r>
+                  <a:rPr lang="ja-JP" altLang="en-US" dirty="0"/>
+                  <a:t>間の差が少ない</a:t>
+                </a:r>
+                <a:endParaRPr lang="en-US" altLang="ja-JP" dirty="0"/>
+              </a:p>
+              <a:p>
+                <a:endParaRPr lang="en-US" altLang="ja-JP" dirty="0"/>
+              </a:p>
+              <a:p>
+                <a:endParaRPr lang="en-US" altLang="ja-JP" dirty="0"/>
+              </a:p>
+              <a:p>
+                <a:pPr marL="0" indent="0">
+                  <a:buNone/>
+                </a:pPr>
+                <a14:m>
+                  <m:oMathPara xmlns:m="http://schemas.openxmlformats.org/officeDocument/2006/math">
+                    <m:oMathParaPr>
+                      <m:jc m:val="center"/>
+                    </m:oMathParaPr>
+                    <m:oMath xmlns:m="http://schemas.openxmlformats.org/officeDocument/2006/math">
+                      <m:r>
+                        <m:rPr>
+                          <m:sty m:val="p"/>
+                        </m:rPr>
+                        <a:rPr lang="en-US" altLang="zh-CN" i="1" dirty="0">
+                          <a:latin typeface="Cambria Math" panose="02040503050406030204" pitchFamily="18" charset="0"/>
+                          <a:ea typeface="MS Mincho" panose="02020609040205080304" pitchFamily="49" charset="-128"/>
+                        </a:rPr>
+                        <m:t>rscore</m:t>
+                      </m:r>
+                      <m:d>
+                        <m:dPr>
+                          <m:ctrlPr>
+                            <a:rPr lang="en-US" altLang="zh-CN" i="1" dirty="0">
+                              <a:latin typeface="Cambria Math" panose="02040503050406030204" pitchFamily="18" charset="0"/>
+                              <a:ea typeface="MS Mincho" panose="02020609040205080304" pitchFamily="49" charset="-128"/>
+                            </a:rPr>
+                          </m:ctrlPr>
+                        </m:dPr>
+                        <m:e>
+                          <m:r>
+                            <a:rPr lang="en-US" altLang="zh-CN" b="0" i="1" dirty="0" smtClean="0">
+                              <a:latin typeface="Cambria Math" panose="02040503050406030204" pitchFamily="18" charset="0"/>
+                              <a:ea typeface="MS Mincho" panose="02020609040205080304" pitchFamily="49" charset="-128"/>
+                            </a:rPr>
+                            <m:t>𝑞</m:t>
+                          </m:r>
+                          <m:r>
+                            <a:rPr lang="en-US" altLang="ja-JP" i="1" dirty="0">
+                              <a:latin typeface="Cambria Math" panose="02040503050406030204" pitchFamily="18" charset="0"/>
+                              <a:ea typeface="MS Mincho" panose="02020609040205080304" pitchFamily="49" charset="-128"/>
+                            </a:rPr>
+                            <m:t> ,</m:t>
+                          </m:r>
+                          <m:sSub>
+                            <m:sSubPr>
+                              <m:ctrlPr>
+                                <a:rPr lang="en-US" altLang="zh-CN" i="1" dirty="0">
+                                  <a:latin typeface="Cambria Math" panose="02040503050406030204" pitchFamily="18" charset="0"/>
+                                </a:rPr>
+                              </m:ctrlPr>
+                            </m:sSubPr>
+                            <m:e>
+                              <m:r>
+                                <a:rPr lang="en-US" altLang="zh-CN" i="1" dirty="0">
+                                  <a:latin typeface="Cambria Math" panose="02040503050406030204" pitchFamily="18" charset="0"/>
+                                </a:rPr>
+                                <m:t>𝛿</m:t>
+                              </m:r>
+                            </m:e>
+                            <m:sub>
+                              <m:r>
+                                <a:rPr lang="en-US" altLang="zh-CN" i="1" dirty="0">
+                                  <a:latin typeface="Cambria Math" panose="02040503050406030204" pitchFamily="18" charset="0"/>
+                                </a:rPr>
+                                <m:t>𝑞</m:t>
+                              </m:r>
+                            </m:sub>
+                          </m:sSub>
+                        </m:e>
+                      </m:d>
+                      <m:r>
+                        <a:rPr lang="en-US" altLang="zh-CN" i="1" dirty="0">
+                          <a:latin typeface="Cambria Math" panose="02040503050406030204" pitchFamily="18" charset="0"/>
+                          <a:ea typeface="MS Mincho" panose="02020609040205080304" pitchFamily="49" charset="-128"/>
+                        </a:rPr>
+                        <m:t>=</m:t>
+                      </m:r>
+                      <m:f>
+                        <m:fPr>
+                          <m:ctrlPr>
+                            <a:rPr lang="en-US" altLang="zh-CN" b="0" i="1" dirty="0" smtClean="0">
+                              <a:latin typeface="Cambria Math" panose="02040503050406030204" pitchFamily="18" charset="0"/>
+                              <a:ea typeface="MS Mincho" panose="02020609040205080304" pitchFamily="49" charset="-128"/>
+                            </a:rPr>
+                          </m:ctrlPr>
+                        </m:fPr>
+                        <m:num>
+                          <m:func>
+                            <m:funcPr>
+                              <m:ctrlPr>
+                                <a:rPr lang="en-US" altLang="zh-CN" b="0" i="1" dirty="0" smtClean="0">
+                                  <a:latin typeface="Cambria Math" panose="02040503050406030204" pitchFamily="18" charset="0"/>
+                                  <a:ea typeface="MS Mincho" panose="02020609040205080304" pitchFamily="49" charset="-128"/>
+                                </a:rPr>
+                              </m:ctrlPr>
+                            </m:funcPr>
+                            <m:fName>
+                              <m:r>
+                                <m:rPr>
+                                  <m:sty m:val="p"/>
+                                </m:rPr>
+                                <a:rPr lang="en-US" altLang="zh-CN" b="0" i="0" dirty="0" smtClean="0">
+                                  <a:latin typeface="Cambria Math" panose="02040503050406030204" pitchFamily="18" charset="0"/>
+                                  <a:ea typeface="MS Mincho" panose="02020609040205080304" pitchFamily="49" charset="-128"/>
+                                </a:rPr>
+                                <m:t>Pr</m:t>
+                              </m:r>
+                            </m:fName>
+                            <m:e>
+                              <m:d>
+                                <m:dPr>
+                                  <m:begChr m:val="["/>
+                                  <m:endChr m:val="]"/>
+                                  <m:ctrlPr>
+                                    <a:rPr lang="en-US" altLang="zh-CN" b="0" i="1" dirty="0" smtClean="0">
+                                      <a:latin typeface="Cambria Math" panose="02040503050406030204" pitchFamily="18" charset="0"/>
+                                      <a:ea typeface="MS Mincho" panose="02020609040205080304" pitchFamily="49" charset="-128"/>
+                                    </a:rPr>
+                                  </m:ctrlPr>
+                                </m:dPr>
+                                <m:e>
+                                  <m:r>
+                                    <a:rPr lang="en-US" altLang="ja-JP" i="1">
+                                      <a:latin typeface="Cambria Math" panose="02040503050406030204" pitchFamily="18" charset="0"/>
+                                    </a:rPr>
+                                    <m:t>𝑞</m:t>
+                                  </m:r>
+                                </m:e>
+                                <m:e>
+                                  <m:sSub>
+                                    <m:sSubPr>
+                                      <m:ctrlPr>
+                                        <a:rPr lang="en-US" altLang="zh-CN" i="1" dirty="0">
+                                          <a:latin typeface="Cambria Math" panose="02040503050406030204" pitchFamily="18" charset="0"/>
+                                        </a:rPr>
+                                      </m:ctrlPr>
+                                    </m:sSubPr>
+                                    <m:e>
+                                      <m:r>
+                                        <a:rPr lang="en-US" altLang="zh-CN" i="1" dirty="0">
+                                          <a:latin typeface="Cambria Math" panose="02040503050406030204" pitchFamily="18" charset="0"/>
+                                        </a:rPr>
+                                        <m:t>𝛿</m:t>
+                                      </m:r>
+                                    </m:e>
+                                    <m:sub>
+                                      <m:r>
+                                        <a:rPr lang="en-US" altLang="zh-CN" i="1" dirty="0">
+                                          <a:latin typeface="Cambria Math" panose="02040503050406030204" pitchFamily="18" charset="0"/>
+                                        </a:rPr>
+                                        <m:t>𝑞</m:t>
+                                      </m:r>
+                                    </m:sub>
+                                  </m:sSub>
+                                </m:e>
+                              </m:d>
+                            </m:e>
+                          </m:func>
+                          <m:r>
+                            <m:rPr>
+                              <m:sty m:val="p"/>
+                            </m:rPr>
+                            <a:rPr lang="en-US" altLang="zh-CN" b="0" i="0" dirty="0" smtClean="0">
+                              <a:latin typeface="Cambria Math" panose="02040503050406030204" pitchFamily="18" charset="0"/>
+                              <a:ea typeface="MS Mincho" panose="02020609040205080304" pitchFamily="49" charset="-128"/>
+                            </a:rPr>
+                            <m:t>Pr</m:t>
+                          </m:r>
+                          <m:r>
+                            <a:rPr lang="en-US" altLang="zh-CN" b="0" i="1" dirty="0" smtClean="0">
+                              <a:latin typeface="Cambria Math" panose="02040503050406030204" pitchFamily="18" charset="0"/>
+                              <a:ea typeface="MS Mincho" panose="02020609040205080304" pitchFamily="49" charset="-128"/>
+                            </a:rPr>
+                            <m:t>⁡[</m:t>
+                          </m:r>
+                          <m:sSub>
+                            <m:sSubPr>
+                              <m:ctrlPr>
+                                <a:rPr lang="en-US" altLang="zh-CN" i="1" dirty="0">
+                                  <a:latin typeface="Cambria Math" panose="02040503050406030204" pitchFamily="18" charset="0"/>
+                                </a:rPr>
+                              </m:ctrlPr>
+                            </m:sSubPr>
+                            <m:e>
+                              <m:r>
+                                <a:rPr lang="en-US" altLang="zh-CN" i="1" dirty="0">
+                                  <a:latin typeface="Cambria Math" panose="02040503050406030204" pitchFamily="18" charset="0"/>
+                                </a:rPr>
+                                <m:t>𝛿</m:t>
+                              </m:r>
+                            </m:e>
+                            <m:sub>
+                              <m:r>
+                                <a:rPr lang="en-US" altLang="zh-CN" i="1" dirty="0">
+                                  <a:latin typeface="Cambria Math" panose="02040503050406030204" pitchFamily="18" charset="0"/>
+                                </a:rPr>
+                                <m:t>𝑞</m:t>
+                              </m:r>
+                            </m:sub>
+                          </m:sSub>
+                          <m:r>
+                            <a:rPr lang="en-US" altLang="zh-CN" b="0" i="1" dirty="0" smtClean="0">
+                              <a:latin typeface="Cambria Math" panose="02040503050406030204" pitchFamily="18" charset="0"/>
+                              <a:ea typeface="MS Mincho" panose="02020609040205080304" pitchFamily="49" charset="-128"/>
+                            </a:rPr>
+                            <m:t>]</m:t>
+                          </m:r>
+                        </m:num>
+                        <m:den>
+                          <m:r>
+                            <m:rPr>
+                              <m:sty m:val="p"/>
+                            </m:rPr>
+                            <a:rPr lang="en-US" altLang="zh-CN" b="0" i="0" dirty="0" smtClean="0">
+                              <a:latin typeface="Cambria Math" panose="02040503050406030204" pitchFamily="18" charset="0"/>
+                              <a:ea typeface="MS Mincho" panose="02020609040205080304" pitchFamily="49" charset="-128"/>
+                            </a:rPr>
+                            <m:t>Pr</m:t>
+                          </m:r>
+                          <m:r>
+                            <a:rPr lang="en-US" altLang="zh-CN" b="0" i="1" dirty="0" smtClean="0">
+                              <a:latin typeface="Cambria Math" panose="02040503050406030204" pitchFamily="18" charset="0"/>
+                              <a:ea typeface="MS Mincho" panose="02020609040205080304" pitchFamily="49" charset="-128"/>
+                            </a:rPr>
+                            <m:t>⁡[</m:t>
+                          </m:r>
+                          <m:r>
+                            <a:rPr lang="en-US" altLang="zh-CN" b="0" i="1" dirty="0" smtClean="0">
+                              <a:latin typeface="Cambria Math" panose="02040503050406030204" pitchFamily="18" charset="0"/>
+                              <a:ea typeface="MS Mincho" panose="02020609040205080304" pitchFamily="49" charset="-128"/>
+                            </a:rPr>
+                            <m:t>𝑞</m:t>
+                          </m:r>
+                          <m:r>
+                            <a:rPr lang="en-US" altLang="zh-CN" b="0" i="1" dirty="0" smtClean="0">
+                              <a:latin typeface="Cambria Math" panose="02040503050406030204" pitchFamily="18" charset="0"/>
+                              <a:ea typeface="MS Mincho" panose="02020609040205080304" pitchFamily="49" charset="-128"/>
+                            </a:rPr>
+                            <m:t>]</m:t>
+                          </m:r>
+                        </m:den>
+                      </m:f>
+                    </m:oMath>
+                  </m:oMathPara>
+                </a14:m>
+                <a:endParaRPr lang="en-US" altLang="ja-JP" dirty="0"/>
+              </a:p>
+              <a:p>
+                <a:endParaRPr lang="en-US" altLang="zh-CN" dirty="0"/>
+              </a:p>
+              <a:p>
+                <a:endParaRPr lang="zh-CN" altLang="en-US" dirty="0"/>
+              </a:p>
+            </p:txBody>
+          </p:sp>
+        </mc:Choice>
+        <mc:Fallback>
+          <p:sp>
+            <p:nvSpPr>
+              <p:cNvPr id="4" name="内容占位符 3"/>
+              <p:cNvSpPr>
+                <a:spLocks noGrp="1" noRot="1" noChangeAspect="1" noMove="1" noResize="1" noEditPoints="1" noAdjustHandles="1" noChangeArrowheads="1" noChangeShapeType="1" noTextEdit="1"/>
+              </p:cNvSpPr>
+              <p:nvPr>
+                <p:ph idx="1"/>
+              </p:nvPr>
+            </p:nvSpPr>
+            <p:spPr>
+              <a:blipFill>
+                <a:blip r:embed="rId2"/>
+                <a:stretch>
+                  <a:fillRect t="-1821"/>
+                </a:stretch>
+              </a:blipFill>
+            </p:spPr>
+            <p:txBody>
+              <a:bodyPr/>
+              <a:lstStyle/>
+              <a:p>
+                <a:r>
+                  <a:rPr lang="zh-CN" altLang="en-US">
+                    <a:noFill/>
+                  </a:rPr>
+                  <a:t> </a:t>
+                </a:r>
+              </a:p>
+            </p:txBody>
+          </p:sp>
+        </mc:Fallback>
+      </mc:AlternateContent>
+      <p:cxnSp>
+        <p:nvCxnSpPr>
+          <p:cNvPr id="5" name="直接箭头连接符 4"/>
+          <p:cNvCxnSpPr>
+            <a:cxnSpLocks/>
+          </p:cNvCxnSpPr>
+          <p:nvPr/>
+        </p:nvCxnSpPr>
+        <p:spPr>
+          <a:xfrm flipH="1">
+            <a:off x="3782997" y="4385570"/>
+            <a:ext cx="221942" cy="648070"/>
+          </a:xfrm>
+          <a:prstGeom prst="straightConnector1">
+            <a:avLst/>
+          </a:prstGeom>
+          <a:ln w="28575">
+            <a:solidFill>
+              <a:srgbClr val="FF0000"/>
+            </a:solidFill>
+            <a:tailEnd type="triangle"/>
+          </a:ln>
+        </p:spPr>
+        <p:style>
+          <a:lnRef idx="1">
+            <a:schemeClr val="accent1"/>
+          </a:lnRef>
+          <a:fillRef idx="0">
+            <a:schemeClr val="accent1"/>
+          </a:fillRef>
+          <a:effectRef idx="0">
+            <a:schemeClr val="accent1"/>
+          </a:effectRef>
+          <a:fontRef idx="minor">
+            <a:schemeClr val="tx1"/>
+          </a:fontRef>
+        </p:style>
+      </p:cxnSp>
+      <p:cxnSp>
+        <p:nvCxnSpPr>
+          <p:cNvPr id="7" name="直接箭头连接符 6"/>
+          <p:cNvCxnSpPr/>
+          <p:nvPr/>
+        </p:nvCxnSpPr>
+        <p:spPr>
+          <a:xfrm>
+            <a:off x="7590408" y="4651899"/>
+            <a:ext cx="736846" cy="390618"/>
+          </a:xfrm>
+          <a:prstGeom prst="straightConnector1">
+            <a:avLst/>
+          </a:prstGeom>
+          <a:ln w="28575">
+            <a:solidFill>
+              <a:srgbClr val="FF0000"/>
+            </a:solidFill>
+            <a:tailEnd type="triangle"/>
+          </a:ln>
+        </p:spPr>
+        <p:style>
+          <a:lnRef idx="1">
+            <a:schemeClr val="accent1"/>
+          </a:lnRef>
+          <a:fillRef idx="0">
+            <a:schemeClr val="accent1"/>
+          </a:fillRef>
+          <a:effectRef idx="0">
+            <a:schemeClr val="accent1"/>
+          </a:effectRef>
+          <a:fontRef idx="minor">
+            <a:schemeClr val="tx1"/>
+          </a:fontRef>
+        </p:style>
+      </p:cxnSp>
+      <p:sp>
+        <p:nvSpPr>
+          <p:cNvPr id="10" name="文本框 9"/>
+          <p:cNvSpPr txBox="1"/>
+          <p:nvPr/>
+        </p:nvSpPr>
+        <p:spPr>
+          <a:xfrm>
+            <a:off x="3561055" y="5051303"/>
+            <a:ext cx="443884" cy="369332"/>
+          </a:xfrm>
+          <a:prstGeom prst="rect">
+            <a:avLst/>
+          </a:prstGeom>
+          <a:noFill/>
+          <a:ln>
+            <a:noFill/>
+          </a:ln>
+        </p:spPr>
+        <p:txBody>
+          <a:bodyPr wrap="square" rtlCol="0">
+            <a:spAutoFit/>
+          </a:bodyPr>
+          <a:lstStyle/>
+          <a:p>
+            <a:r>
+              <a:rPr lang="zh-CN" altLang="en-US" dirty="0">
+                <a:solidFill>
+                  <a:srgbClr val="FF0000"/>
+                </a:solidFill>
+              </a:rPr>
+              <a:t>小</a:t>
+            </a:r>
           </a:p>
         </p:txBody>
       </p:sp>
       <p:sp>
         <p:nvSpPr>
-          <p:cNvPr id="3" name="内容占位符 2"/>
+          <p:cNvPr id="11" name="文本框 10"/>
+          <p:cNvSpPr txBox="1"/>
+          <p:nvPr/>
+        </p:nvSpPr>
+        <p:spPr>
+          <a:xfrm>
+            <a:off x="8231080" y="5033640"/>
+            <a:ext cx="443884" cy="369332"/>
+          </a:xfrm>
+          <a:prstGeom prst="rect">
+            <a:avLst/>
+          </a:prstGeom>
+          <a:noFill/>
+          <a:ln>
+            <a:noFill/>
+          </a:ln>
+        </p:spPr>
+        <p:txBody>
+          <a:bodyPr wrap="square" rtlCol="0">
+            <a:spAutoFit/>
+          </a:bodyPr>
+          <a:lstStyle/>
+          <a:p>
+            <a:r>
+              <a:rPr lang="zh-CN" altLang="en-US" dirty="0">
+                <a:solidFill>
+                  <a:srgbClr val="FF0000"/>
+                </a:solidFill>
+              </a:rPr>
+              <a:t>大</a:t>
+            </a:r>
+          </a:p>
+        </p:txBody>
+      </p:sp>
+    </p:spTree>
+    <p:extLst>
+      <p:ext uri="{BB962C8B-B14F-4D97-AF65-F5344CB8AC3E}">
+        <p14:creationId xmlns:p14="http://schemas.microsoft.com/office/powerpoint/2010/main" val="503438949"/>
+      </p:ext>
+    </p:extLst>
+  </p:cSld>
+  <p:clrMapOvr>
+    <a:masterClrMapping/>
+  </p:clrMapOvr>
+</p:sld>
+</file>
+
+<file path=ppt/slides/slide66.xml><?xml version="1.0" encoding="utf-8"?>
+<p:sld xmlns:a="http://schemas.openxmlformats.org/drawingml/2006/main" xmlns:r="http://schemas.openxmlformats.org/officeDocument/2006/relationships" xmlns:p="http://schemas.openxmlformats.org/presentationml/2006/main">
+  <p:cSld>
+    <p:spTree>
+      <p:nvGrpSpPr>
+        <p:cNvPr id="1" name=""/>
+        <p:cNvGrpSpPr/>
+        <p:nvPr/>
+      </p:nvGrpSpPr>
+      <p:grpSpPr>
+        <a:xfrm>
+          <a:off x="0" y="0"/>
+          <a:ext cx="0" cy="0"/>
+          <a:chOff x="0" y="0"/>
+          <a:chExt cx="0" cy="0"/>
+        </a:xfrm>
+      </p:grpSpPr>
+      <p:sp>
+        <p:nvSpPr>
+          <p:cNvPr id="2" name="标题 1"/>
           <p:cNvSpPr>
             <a:spLocks noGrp="1"/>
           </p:cNvSpPr>
           <p:nvPr>
-            <p:ph idx="1"/>
+            <p:ph type="title"/>
           </p:nvPr>
         </p:nvSpPr>
         <p:spPr/>
@@ -27200,6 +28921,492 @@
           <a:bodyPr/>
           <a:lstStyle/>
           <a:p>
+            <a:r>
+              <a:rPr lang="ja-JP" altLang="en-US" dirty="0">
+                <a:latin typeface="MS Mincho" panose="02020609040205080304" pitchFamily="49" charset="-128"/>
+                <a:ea typeface="MS Mincho" panose="02020609040205080304" pitchFamily="49" charset="-128"/>
+              </a:rPr>
+              <a:t>質問意図を曖昧化するキーワード検索</a:t>
+            </a:r>
+            <a:endParaRPr lang="zh-CN" altLang="en-US" dirty="0">
+              <a:latin typeface="MS Mincho" panose="02020609040205080304" pitchFamily="49" charset="-128"/>
+              <a:ea typeface="MS Mincho" panose="02020609040205080304" pitchFamily="49" charset="-128"/>
+            </a:endParaRPr>
+          </a:p>
+        </p:txBody>
+      </p:sp>
+      <p:graphicFrame>
+        <p:nvGraphicFramePr>
+          <p:cNvPr id="6" name="内容占位符 5"/>
+          <p:cNvGraphicFramePr>
+            <a:graphicFrameLocks noGrp="1"/>
+          </p:cNvGraphicFramePr>
+          <p:nvPr>
+            <p:ph idx="1"/>
+            <p:extLst>
+              <p:ext uri="{D42A27DB-BD31-4B8C-83A1-F6EECF244321}">
+                <p14:modId xmlns:p14="http://schemas.microsoft.com/office/powerpoint/2010/main" val="4112031543"/>
+              </p:ext>
+            </p:extLst>
+          </p:nvPr>
+        </p:nvGraphicFramePr>
+        <p:xfrm>
+          <a:off x="838200" y="2828802"/>
+          <a:ext cx="10515600" cy="1844040"/>
+        </p:xfrm>
+        <a:graphic>
+          <a:graphicData uri="http://schemas.openxmlformats.org/drawingml/2006/table">
+            <a:tbl>
+              <a:tblPr firstRow="1" bandRow="1">
+                <a:tableStyleId>{5940675A-B579-460E-94D1-54222C63F5DA}</a:tableStyleId>
+              </a:tblPr>
+              <a:tblGrid>
+                <a:gridCol w="5257800">
+                  <a:extLst>
+                    <a:ext uri="{9D8B030D-6E8A-4147-A177-3AD203B41FA5}">
+                      <a16:colId xmlns:a16="http://schemas.microsoft.com/office/drawing/2014/main" val="1801006211"/>
+                    </a:ext>
+                  </a:extLst>
+                </a:gridCol>
+                <a:gridCol w="5257800">
+                  <a:extLst>
+                    <a:ext uri="{9D8B030D-6E8A-4147-A177-3AD203B41FA5}">
+                      <a16:colId xmlns:a16="http://schemas.microsoft.com/office/drawing/2014/main" val="3981894291"/>
+                    </a:ext>
+                  </a:extLst>
+                </a:gridCol>
+              </a:tblGrid>
+              <a:tr h="370840">
+                <a:tc>
+                  <a:txBody>
+                    <a:bodyPr/>
+                    <a:lstStyle/>
+                    <a:p>
+                      <a:pPr algn="ctr"/>
+                      <a:r>
+                        <a:rPr lang="ja-JP" altLang="en-US" dirty="0">
+                          <a:latin typeface="MS Mincho" panose="02020609040205080304" pitchFamily="49" charset="-128"/>
+                          <a:ea typeface="MS Mincho" panose="02020609040205080304" pitchFamily="49" charset="-128"/>
+                        </a:rPr>
+                        <a:t>真の質問</a:t>
+                      </a:r>
+                      <a:endParaRPr lang="zh-CN" altLang="en-US" dirty="0">
+                        <a:latin typeface="MS Mincho" panose="02020609040205080304" pitchFamily="49" charset="-128"/>
+                        <a:ea typeface="MS Mincho" panose="02020609040205080304" pitchFamily="49" charset="-128"/>
+                      </a:endParaRPr>
+                    </a:p>
+                  </a:txBody>
+                  <a:tcPr/>
+                </a:tc>
+                <a:tc>
+                  <a:txBody>
+                    <a:bodyPr/>
+                    <a:lstStyle/>
+                    <a:p>
+                      <a:pPr algn="ctr"/>
+                      <a:r>
+                        <a:rPr lang="ja-JP" altLang="en-US" dirty="0">
+                          <a:latin typeface="MS Mincho" panose="02020609040205080304" pitchFamily="49" charset="-128"/>
+                          <a:ea typeface="MS Mincho" panose="02020609040205080304" pitchFamily="49" charset="-128"/>
+                        </a:rPr>
+                        <a:t>ダミー質問</a:t>
+                      </a:r>
+                      <a:endParaRPr lang="zh-CN" altLang="en-US" dirty="0">
+                        <a:latin typeface="MS Mincho" panose="02020609040205080304" pitchFamily="49" charset="-128"/>
+                        <a:ea typeface="MS Mincho" panose="02020609040205080304" pitchFamily="49" charset="-128"/>
+                      </a:endParaRPr>
+                    </a:p>
+                  </a:txBody>
+                  <a:tcPr/>
+                </a:tc>
+                <a:extLst>
+                  <a:ext uri="{0D108BD9-81ED-4DB2-BD59-A6C34878D82A}">
+                    <a16:rowId xmlns:a16="http://schemas.microsoft.com/office/drawing/2014/main" val="4234088887"/>
+                  </a:ext>
+                </a:extLst>
+              </a:tr>
+              <a:tr h="370840">
+                <a:tc>
+                  <a:txBody>
+                    <a:bodyPr/>
+                    <a:lstStyle/>
+                    <a:p>
+                      <a:pPr algn="ctr"/>
+                      <a:r>
+                        <a:rPr lang="ja-JP" altLang="en-US" dirty="0">
+                          <a:latin typeface="MS Mincho" panose="02020609040205080304" pitchFamily="49" charset="-128"/>
+                          <a:ea typeface="MS Mincho" panose="02020609040205080304" pitchFamily="49" charset="-128"/>
+                        </a:rPr>
+                        <a:t>君の名は 監督</a:t>
+                      </a:r>
+                      <a:endParaRPr lang="zh-CN" altLang="en-US" dirty="0">
+                        <a:latin typeface="MS Mincho" panose="02020609040205080304" pitchFamily="49" charset="-128"/>
+                        <a:ea typeface="MS Mincho" panose="02020609040205080304" pitchFamily="49" charset="-128"/>
+                      </a:endParaRPr>
+                    </a:p>
+                  </a:txBody>
+                  <a:tcPr/>
+                </a:tc>
+                <a:tc>
+                  <a:txBody>
+                    <a:bodyPr/>
+                    <a:lstStyle/>
+                    <a:p>
+                      <a:pPr algn="ctr"/>
+                      <a:r>
+                        <a:rPr lang="zh-CN" altLang="en-US" dirty="0">
+                          <a:latin typeface="MS Mincho" panose="02020609040205080304" pitchFamily="49" charset="-128"/>
+                          <a:ea typeface="MS Mincho" panose="02020609040205080304" pitchFamily="49" charset="-128"/>
+                        </a:rPr>
+                        <a:t>野球</a:t>
+                      </a:r>
+                      <a:r>
+                        <a:rPr lang="ja-JP" altLang="en-US" dirty="0">
+                          <a:latin typeface="MS Mincho" panose="02020609040205080304" pitchFamily="49" charset="-128"/>
+                          <a:ea typeface="MS Mincho" panose="02020609040205080304" pitchFamily="49" charset="-128"/>
+                        </a:rPr>
+                        <a:t>　スラムダンク</a:t>
+                      </a:r>
+                      <a:endParaRPr lang="zh-CN" altLang="en-US" dirty="0">
+                        <a:latin typeface="MS Mincho" panose="02020609040205080304" pitchFamily="49" charset="-128"/>
+                        <a:ea typeface="MS Mincho" panose="02020609040205080304" pitchFamily="49" charset="-128"/>
+                      </a:endParaRPr>
+                    </a:p>
+                  </a:txBody>
+                  <a:tcPr/>
+                </a:tc>
+                <a:extLst>
+                  <a:ext uri="{0D108BD9-81ED-4DB2-BD59-A6C34878D82A}">
+                    <a16:rowId xmlns:a16="http://schemas.microsoft.com/office/drawing/2014/main" val="1219115089"/>
+                  </a:ext>
+                </a:extLst>
+              </a:tr>
+              <a:tr h="370840">
+                <a:tc>
+                  <a:txBody>
+                    <a:bodyPr/>
+                    <a:lstStyle/>
+                    <a:p>
+                      <a:pPr algn="ctr"/>
+                      <a:r>
+                        <a:rPr lang="ja-JP" altLang="en-US" dirty="0">
+                          <a:latin typeface="MS Mincho" panose="02020609040205080304" pitchFamily="49" charset="-128"/>
+                          <a:ea typeface="MS Mincho" panose="02020609040205080304" pitchFamily="49" charset="-128"/>
+                        </a:rPr>
+                        <a:t>君の名は 原作</a:t>
+                      </a:r>
+                      <a:endParaRPr lang="zh-CN" altLang="en-US" dirty="0">
+                        <a:latin typeface="MS Mincho" panose="02020609040205080304" pitchFamily="49" charset="-128"/>
+                        <a:ea typeface="MS Mincho" panose="02020609040205080304" pitchFamily="49" charset="-128"/>
+                      </a:endParaRPr>
+                    </a:p>
+                  </a:txBody>
+                  <a:tcPr/>
+                </a:tc>
+                <a:tc>
+                  <a:txBody>
+                    <a:bodyPr/>
+                    <a:lstStyle/>
+                    <a:p>
+                      <a:pPr marL="0" marR="0" lvl="0" indent="0" algn="ctr" defTabSz="914400" rtl="0" eaLnBrk="1" fontAlgn="auto" latinLnBrk="0" hangingPunct="1">
+                        <a:lnSpc>
+                          <a:spcPct val="100000"/>
+                        </a:lnSpc>
+                        <a:spcBef>
+                          <a:spcPts val="0"/>
+                        </a:spcBef>
+                        <a:spcAft>
+                          <a:spcPts val="0"/>
+                        </a:spcAft>
+                        <a:buClrTx/>
+                        <a:buSzTx/>
+                        <a:buFontTx/>
+                        <a:buNone/>
+                        <a:tabLst/>
+                        <a:defRPr/>
+                      </a:pPr>
+                      <a:r>
+                        <a:rPr lang="ja-JP" altLang="en-US" dirty="0">
+                          <a:latin typeface="MS Mincho" panose="02020609040205080304" pitchFamily="49" charset="-128"/>
+                          <a:ea typeface="MS Mincho" panose="02020609040205080304" pitchFamily="49" charset="-128"/>
+                        </a:rPr>
+                        <a:t>ラグビー ルール</a:t>
+                      </a:r>
+                      <a:endParaRPr lang="zh-CN" altLang="en-US" dirty="0">
+                        <a:latin typeface="MS Mincho" panose="02020609040205080304" pitchFamily="49" charset="-128"/>
+                        <a:ea typeface="MS Mincho" panose="02020609040205080304" pitchFamily="49" charset="-128"/>
+                      </a:endParaRPr>
+                    </a:p>
+                  </a:txBody>
+                  <a:tcPr/>
+                </a:tc>
+                <a:extLst>
+                  <a:ext uri="{0D108BD9-81ED-4DB2-BD59-A6C34878D82A}">
+                    <a16:rowId xmlns:a16="http://schemas.microsoft.com/office/drawing/2014/main" val="3182508123"/>
+                  </a:ext>
+                </a:extLst>
+              </a:tr>
+              <a:tr h="185420">
+                <a:tc>
+                  <a:txBody>
+                    <a:bodyPr/>
+                    <a:lstStyle/>
+                    <a:p>
+                      <a:pPr marL="0" marR="0" lvl="0" indent="0" algn="ctr" defTabSz="914400" rtl="0" eaLnBrk="1" fontAlgn="auto" latinLnBrk="0" hangingPunct="1">
+                        <a:lnSpc>
+                          <a:spcPct val="100000"/>
+                        </a:lnSpc>
+                        <a:spcBef>
+                          <a:spcPts val="0"/>
+                        </a:spcBef>
+                        <a:spcAft>
+                          <a:spcPts val="0"/>
+                        </a:spcAft>
+                        <a:buClrTx/>
+                        <a:buSzTx/>
+                        <a:buFontTx/>
+                        <a:buNone/>
+                        <a:tabLst/>
+                        <a:defRPr/>
+                      </a:pPr>
+                      <a:r>
+                        <a:rPr lang="ja-JP" altLang="en-US" dirty="0">
+                          <a:latin typeface="MS Mincho" panose="02020609040205080304" pitchFamily="49" charset="-128"/>
+                          <a:ea typeface="MS Mincho" panose="02020609040205080304" pitchFamily="49" charset="-128"/>
+                        </a:rPr>
+                        <a:t>君の名は 声優</a:t>
+                      </a:r>
+                      <a:endParaRPr lang="zh-CN" altLang="en-US" dirty="0">
+                        <a:latin typeface="MS Mincho" panose="02020609040205080304" pitchFamily="49" charset="-128"/>
+                        <a:ea typeface="MS Mincho" panose="02020609040205080304" pitchFamily="49" charset="-128"/>
+                      </a:endParaRPr>
+                    </a:p>
+                  </a:txBody>
+                  <a:tcPr/>
+                </a:tc>
+                <a:tc>
+                  <a:txBody>
+                    <a:bodyPr/>
+                    <a:lstStyle/>
+                    <a:p>
+                      <a:pPr marL="0" marR="0" lvl="0" indent="0" algn="ctr" defTabSz="914400" rtl="0" eaLnBrk="1" fontAlgn="auto" latinLnBrk="0" hangingPunct="1">
+                        <a:lnSpc>
+                          <a:spcPct val="100000"/>
+                        </a:lnSpc>
+                        <a:spcBef>
+                          <a:spcPts val="0"/>
+                        </a:spcBef>
+                        <a:spcAft>
+                          <a:spcPts val="0"/>
+                        </a:spcAft>
+                        <a:buClrTx/>
+                        <a:buSzTx/>
+                        <a:buFontTx/>
+                        <a:buNone/>
+                        <a:tabLst/>
+                        <a:defRPr/>
+                      </a:pPr>
+                      <a:r>
+                        <a:rPr lang="en-US" altLang="ja-JP" dirty="0">
+                          <a:latin typeface="MS Mincho" panose="02020609040205080304" pitchFamily="49" charset="-128"/>
+                          <a:ea typeface="MS Mincho" panose="02020609040205080304" pitchFamily="49" charset="-128"/>
+                        </a:rPr>
+                        <a:t>J1 </a:t>
+                      </a:r>
+                      <a:r>
+                        <a:rPr lang="ja-JP" altLang="en-US" dirty="0">
+                          <a:latin typeface="MS Mincho" panose="02020609040205080304" pitchFamily="49" charset="-128"/>
+                          <a:ea typeface="MS Mincho" panose="02020609040205080304" pitchFamily="49" charset="-128"/>
+                        </a:rPr>
+                        <a:t>順位表</a:t>
+                      </a:r>
+                      <a:endParaRPr lang="zh-CN" altLang="en-US" dirty="0">
+                        <a:latin typeface="MS Mincho" panose="02020609040205080304" pitchFamily="49" charset="-128"/>
+                        <a:ea typeface="MS Mincho" panose="02020609040205080304" pitchFamily="49" charset="-128"/>
+                      </a:endParaRPr>
+                    </a:p>
+                  </a:txBody>
+                  <a:tcPr/>
+                </a:tc>
+                <a:extLst>
+                  <a:ext uri="{0D108BD9-81ED-4DB2-BD59-A6C34878D82A}">
+                    <a16:rowId xmlns:a16="http://schemas.microsoft.com/office/drawing/2014/main" val="4290151585"/>
+                  </a:ext>
+                </a:extLst>
+              </a:tr>
+              <a:tr h="185420">
+                <a:tc>
+                  <a:txBody>
+                    <a:bodyPr/>
+                    <a:lstStyle/>
+                    <a:p>
+                      <a:pPr marL="0" marR="0" lvl="0" indent="0" algn="ctr" defTabSz="914400" rtl="0" eaLnBrk="1" fontAlgn="auto" latinLnBrk="0" hangingPunct="1">
+                        <a:lnSpc>
+                          <a:spcPct val="100000"/>
+                        </a:lnSpc>
+                        <a:spcBef>
+                          <a:spcPts val="0"/>
+                        </a:spcBef>
+                        <a:spcAft>
+                          <a:spcPts val="0"/>
+                        </a:spcAft>
+                        <a:buClrTx/>
+                        <a:buSzTx/>
+                        <a:buFontTx/>
+                        <a:buNone/>
+                        <a:tabLst/>
+                        <a:defRPr/>
+                      </a:pPr>
+                      <a:r>
+                        <a:rPr lang="en-US" altLang="ja-JP" dirty="0">
+                          <a:latin typeface="MS Mincho" panose="02020609040205080304" pitchFamily="49" charset="-128"/>
+                          <a:ea typeface="MS Mincho" panose="02020609040205080304" pitchFamily="49" charset="-128"/>
+                        </a:rPr>
+                        <a:t>…</a:t>
+                      </a:r>
+                      <a:endParaRPr lang="zh-CN" altLang="en-US" dirty="0">
+                        <a:latin typeface="MS Mincho" panose="02020609040205080304" pitchFamily="49" charset="-128"/>
+                        <a:ea typeface="MS Mincho" panose="02020609040205080304" pitchFamily="49" charset="-128"/>
+                      </a:endParaRPr>
+                    </a:p>
+                  </a:txBody>
+                  <a:tcPr/>
+                </a:tc>
+                <a:tc>
+                  <a:txBody>
+                    <a:bodyPr/>
+                    <a:lstStyle/>
+                    <a:p>
+                      <a:pPr marL="0" marR="0" lvl="0" indent="0" algn="ctr" defTabSz="914400" rtl="0" eaLnBrk="1" fontAlgn="auto" latinLnBrk="0" hangingPunct="1">
+                        <a:lnSpc>
+                          <a:spcPct val="100000"/>
+                        </a:lnSpc>
+                        <a:spcBef>
+                          <a:spcPts val="0"/>
+                        </a:spcBef>
+                        <a:spcAft>
+                          <a:spcPts val="0"/>
+                        </a:spcAft>
+                        <a:buClrTx/>
+                        <a:buSzTx/>
+                        <a:buFontTx/>
+                        <a:buNone/>
+                        <a:tabLst/>
+                        <a:defRPr/>
+                      </a:pPr>
+                      <a:r>
+                        <a:rPr lang="en-US" altLang="ja-JP" dirty="0">
+                          <a:latin typeface="MS Mincho" panose="02020609040205080304" pitchFamily="49" charset="-128"/>
+                          <a:ea typeface="MS Mincho" panose="02020609040205080304" pitchFamily="49" charset="-128"/>
+                        </a:rPr>
+                        <a:t>…</a:t>
+                      </a:r>
+                      <a:endParaRPr lang="zh-CN" altLang="en-US" dirty="0">
+                        <a:latin typeface="MS Mincho" panose="02020609040205080304" pitchFamily="49" charset="-128"/>
+                        <a:ea typeface="MS Mincho" panose="02020609040205080304" pitchFamily="49" charset="-128"/>
+                      </a:endParaRPr>
+                    </a:p>
+                  </a:txBody>
+                  <a:tcPr/>
+                </a:tc>
+                <a:extLst>
+                  <a:ext uri="{0D108BD9-81ED-4DB2-BD59-A6C34878D82A}">
+                    <a16:rowId xmlns:a16="http://schemas.microsoft.com/office/drawing/2014/main" val="1064254028"/>
+                  </a:ext>
+                </a:extLst>
+              </a:tr>
+            </a:tbl>
+          </a:graphicData>
+        </a:graphic>
+      </p:graphicFrame>
+      <p:sp>
+        <p:nvSpPr>
+          <p:cNvPr id="4" name="椭圆 3"/>
+          <p:cNvSpPr/>
+          <p:nvPr/>
+        </p:nvSpPr>
+        <p:spPr>
+          <a:xfrm>
+            <a:off x="7511248" y="3223627"/>
+            <a:ext cx="762000" cy="361950"/>
+          </a:xfrm>
+          <a:prstGeom prst="ellipse">
+            <a:avLst/>
+          </a:prstGeom>
+          <a:noFill/>
+          <a:ln w="38100">
+            <a:solidFill>
+              <a:srgbClr val="FF0000"/>
+            </a:solidFill>
+          </a:ln>
+        </p:spPr>
+        <p:style>
+          <a:lnRef idx="2">
+            <a:schemeClr val="accent1">
+              <a:shade val="50000"/>
+            </a:schemeClr>
+          </a:lnRef>
+          <a:fillRef idx="1">
+            <a:schemeClr val="accent1"/>
+          </a:fillRef>
+          <a:effectRef idx="0">
+            <a:schemeClr val="accent1"/>
+          </a:effectRef>
+          <a:fontRef idx="minor">
+            <a:schemeClr val="lt1"/>
+          </a:fontRef>
+        </p:style>
+        <p:txBody>
+          <a:bodyPr rtlCol="0" anchor="ctr"/>
+          <a:lstStyle/>
+          <a:p>
+            <a:pPr algn="ctr"/>
+            <a:endParaRPr lang="zh-CN" altLang="en-US"/>
+          </a:p>
+        </p:txBody>
+      </p:sp>
+      <p:sp>
+        <p:nvSpPr>
+          <p:cNvPr id="5" name="椭圆 4"/>
+          <p:cNvSpPr/>
+          <p:nvPr/>
+        </p:nvSpPr>
+        <p:spPr>
+          <a:xfrm>
+            <a:off x="8345749" y="3223627"/>
+            <a:ext cx="1481832" cy="361950"/>
+          </a:xfrm>
+          <a:prstGeom prst="ellipse">
+            <a:avLst/>
+          </a:prstGeom>
+          <a:noFill/>
+          <a:ln w="38100">
+            <a:solidFill>
+              <a:srgbClr val="FF0000"/>
+            </a:solidFill>
+          </a:ln>
+        </p:spPr>
+        <p:style>
+          <a:lnRef idx="2">
+            <a:schemeClr val="accent1">
+              <a:shade val="50000"/>
+            </a:schemeClr>
+          </a:lnRef>
+          <a:fillRef idx="1">
+            <a:schemeClr val="accent1"/>
+          </a:fillRef>
+          <a:effectRef idx="0">
+            <a:schemeClr val="accent1"/>
+          </a:effectRef>
+          <a:fontRef idx="minor">
+            <a:schemeClr val="lt1"/>
+          </a:fontRef>
+        </p:style>
+        <p:txBody>
+          <a:bodyPr rtlCol="0" anchor="ctr"/>
+          <a:lstStyle/>
+          <a:p>
+            <a:pPr algn="ctr"/>
             <a:endParaRPr lang="zh-CN" altLang="en-US"/>
           </a:p>
         </p:txBody>
@@ -27207,7 +29414,591 @@
     </p:spTree>
     <p:extLst>
       <p:ext uri="{BB962C8B-B14F-4D97-AF65-F5344CB8AC3E}">
-        <p14:creationId xmlns:p14="http://schemas.microsoft.com/office/powerpoint/2010/main" val="820194352"/>
+        <p14:creationId xmlns:p14="http://schemas.microsoft.com/office/powerpoint/2010/main" val="1674409988"/>
+      </p:ext>
+    </p:extLst>
+  </p:cSld>
+  <p:clrMapOvr>
+    <a:masterClrMapping/>
+  </p:clrMapOvr>
+</p:sld>
+</file>
+
+<file path=ppt/slides/slide67.xml><?xml version="1.0" encoding="utf-8"?>
+<p:sld xmlns:a="http://schemas.openxmlformats.org/drawingml/2006/main" xmlns:r="http://schemas.openxmlformats.org/officeDocument/2006/relationships" xmlns:p="http://schemas.openxmlformats.org/presentationml/2006/main">
+  <p:cSld>
+    <p:spTree>
+      <p:nvGrpSpPr>
+        <p:cNvPr id="1" name=""/>
+        <p:cNvGrpSpPr/>
+        <p:nvPr/>
+      </p:nvGrpSpPr>
+      <p:grpSpPr>
+        <a:xfrm>
+          <a:off x="0" y="0"/>
+          <a:ext cx="0" cy="0"/>
+          <a:chOff x="0" y="0"/>
+          <a:chExt cx="0" cy="0"/>
+        </a:xfrm>
+      </p:grpSpPr>
+      <p:sp>
+        <p:nvSpPr>
+          <p:cNvPr id="2" name="标题 1"/>
+          <p:cNvSpPr>
+            <a:spLocks noGrp="1"/>
+          </p:cNvSpPr>
+          <p:nvPr>
+            <p:ph type="title"/>
+          </p:nvPr>
+        </p:nvSpPr>
+        <p:spPr/>
+        <p:txBody>
+          <a:bodyPr>
+            <a:normAutofit/>
+          </a:bodyPr>
+          <a:lstStyle/>
+          <a:p>
+            <a:pPr algn="ctr"/>
+            <a:r>
+              <a:rPr lang="ja-JP" altLang="en-US" sz="2800" dirty="0">
+                <a:latin typeface="MS Mincho" panose="02020609040205080304" pitchFamily="49" charset="-128"/>
+                <a:ea typeface="MS Mincho" panose="02020609040205080304" pitchFamily="49" charset="-128"/>
+              </a:rPr>
+              <a:t>メイントピック攻撃</a:t>
+            </a:r>
+            <a:r>
+              <a:rPr lang="zh-CN" altLang="en-US" sz="2800" dirty="0">
+                <a:latin typeface="MS Mincho" panose="02020609040205080304" pitchFamily="49" charset="-128"/>
+                <a:ea typeface="MS Mincho" panose="02020609040205080304" pitchFamily="49" charset="-128"/>
+              </a:rPr>
+              <a:t> </a:t>
+            </a:r>
+            <a:r>
+              <a:rPr lang="en-US" altLang="zh-CN" sz="2800" dirty="0">
+                <a:latin typeface="MS Mincho" panose="02020609040205080304" pitchFamily="49" charset="-128"/>
+                <a:ea typeface="MS Mincho" panose="02020609040205080304" pitchFamily="49" charset="-128"/>
+              </a:rPr>
+              <a:t>V.S.</a:t>
+            </a:r>
+            <a:r>
+              <a:rPr lang="ja-JP" altLang="en-US" sz="2800" dirty="0">
+                <a:latin typeface="MS Mincho" panose="02020609040205080304" pitchFamily="49" charset="-128"/>
+                <a:ea typeface="MS Mincho" panose="02020609040205080304" pitchFamily="49" charset="-128"/>
+              </a:rPr>
+              <a:t>トピックを曖昧化する手法</a:t>
+            </a:r>
+            <a:endParaRPr lang="zh-CN" altLang="en-US" sz="2800" dirty="0">
+              <a:latin typeface="MS Mincho" panose="02020609040205080304" pitchFamily="49" charset="-128"/>
+              <a:ea typeface="MS Mincho" panose="02020609040205080304" pitchFamily="49" charset="-128"/>
+            </a:endParaRPr>
+          </a:p>
+        </p:txBody>
+      </p:sp>
+      <p:pic>
+        <p:nvPicPr>
+          <p:cNvPr id="6" name="内容占位符 5"/>
+          <p:cNvPicPr>
+            <a:picLocks noGrp="1" noChangeAspect="1"/>
+          </p:cNvPicPr>
+          <p:nvPr>
+            <p:ph idx="1"/>
+          </p:nvPr>
+        </p:nvPicPr>
+        <p:blipFill>
+          <a:blip r:embed="rId2"/>
+          <a:stretch>
+            <a:fillRect/>
+          </a:stretch>
+        </p:blipFill>
+        <p:spPr>
+          <a:xfrm>
+            <a:off x="3450301" y="1690688"/>
+            <a:ext cx="5291398" cy="3831223"/>
+          </a:xfrm>
+          <a:prstGeom prst="rect">
+            <a:avLst/>
+          </a:prstGeom>
+        </p:spPr>
+      </p:pic>
+      <p:sp>
+        <p:nvSpPr>
+          <p:cNvPr id="7" name="文本框 6"/>
+          <p:cNvSpPr txBox="1"/>
+          <p:nvPr/>
+        </p:nvSpPr>
+        <p:spPr>
+          <a:xfrm>
+            <a:off x="1429303" y="5615978"/>
+            <a:ext cx="6835808" cy="646331"/>
+          </a:xfrm>
+          <a:prstGeom prst="rect">
+            <a:avLst/>
+          </a:prstGeom>
+          <a:noFill/>
+        </p:spPr>
+        <p:txBody>
+          <a:bodyPr wrap="square" rtlCol="0">
+            <a:spAutoFit/>
+          </a:bodyPr>
+          <a:lstStyle/>
+          <a:p>
+            <a:r>
+              <a:rPr lang="en-US" altLang="zh-CN" dirty="0">
+                <a:latin typeface="MS Mincho" panose="02020609040205080304" pitchFamily="49" charset="-128"/>
+                <a:ea typeface="MS Mincho" panose="02020609040205080304" pitchFamily="49" charset="-128"/>
+              </a:rPr>
+              <a:t>near</a:t>
+            </a:r>
+            <a:r>
+              <a:rPr lang="ja-JP" altLang="en-US" dirty="0">
+                <a:latin typeface="MS Mincho" panose="02020609040205080304" pitchFamily="49" charset="-128"/>
+                <a:ea typeface="MS Mincho" panose="02020609040205080304" pitchFamily="49" charset="-128"/>
+              </a:rPr>
+              <a:t>：意味的近いトピックをダミートピックにする</a:t>
+            </a:r>
+            <a:endParaRPr lang="en-US" altLang="ja-JP" dirty="0">
+              <a:latin typeface="MS Mincho" panose="02020609040205080304" pitchFamily="49" charset="-128"/>
+              <a:ea typeface="MS Mincho" panose="02020609040205080304" pitchFamily="49" charset="-128"/>
+            </a:endParaRPr>
+          </a:p>
+          <a:p>
+            <a:r>
+              <a:rPr lang="en-US" altLang="ja-JP" dirty="0">
+                <a:latin typeface="MS Mincho" panose="02020609040205080304" pitchFamily="49" charset="-128"/>
+                <a:ea typeface="MS Mincho" panose="02020609040205080304" pitchFamily="49" charset="-128"/>
+              </a:rPr>
+              <a:t>far </a:t>
+            </a:r>
+            <a:r>
+              <a:rPr lang="ja-JP" altLang="en-US" dirty="0">
+                <a:latin typeface="MS Mincho" panose="02020609040205080304" pitchFamily="49" charset="-128"/>
+                <a:ea typeface="MS Mincho" panose="02020609040205080304" pitchFamily="49" charset="-128"/>
+              </a:rPr>
+              <a:t>：</a:t>
+            </a:r>
+            <a:r>
+              <a:rPr lang="ja-JP" altLang="en-US" dirty="0">
+                <a:latin typeface="MS Mincho" panose="02020609040205080304" pitchFamily="49" charset="-128"/>
+                <a:ea typeface="MS Mincho" panose="02020609040205080304" pitchFamily="49" charset="-128"/>
+              </a:rPr>
+              <a:t>意味的遠いトピックをダミートピックにする</a:t>
+            </a:r>
+            <a:endParaRPr lang="en-US" altLang="zh-CN" dirty="0">
+              <a:latin typeface="MS Mincho" panose="02020609040205080304" pitchFamily="49" charset="-128"/>
+              <a:ea typeface="MS Mincho" panose="02020609040205080304" pitchFamily="49" charset="-128"/>
+            </a:endParaRPr>
+          </a:p>
+        </p:txBody>
+      </p:sp>
+    </p:spTree>
+    <p:extLst>
+      <p:ext uri="{BB962C8B-B14F-4D97-AF65-F5344CB8AC3E}">
+        <p14:creationId xmlns:p14="http://schemas.microsoft.com/office/powerpoint/2010/main" val="2822566221"/>
+      </p:ext>
+    </p:extLst>
+  </p:cSld>
+  <p:clrMapOvr>
+    <a:masterClrMapping/>
+  </p:clrMapOvr>
+</p:sld>
+</file>
+
+<file path=ppt/slides/slide68.xml><?xml version="1.0" encoding="utf-8"?>
+<p:sld xmlns:a="http://schemas.openxmlformats.org/drawingml/2006/main" xmlns:r="http://schemas.openxmlformats.org/officeDocument/2006/relationships" xmlns:p="http://schemas.openxmlformats.org/presentationml/2006/main">
+  <p:cSld>
+    <p:spTree>
+      <p:nvGrpSpPr>
+        <p:cNvPr id="1" name=""/>
+        <p:cNvGrpSpPr/>
+        <p:nvPr/>
+      </p:nvGrpSpPr>
+      <p:grpSpPr>
+        <a:xfrm>
+          <a:off x="0" y="0"/>
+          <a:ext cx="0" cy="0"/>
+          <a:chOff x="0" y="0"/>
+          <a:chExt cx="0" cy="0"/>
+        </a:xfrm>
+      </p:grpSpPr>
+      <p:sp>
+        <p:nvSpPr>
+          <p:cNvPr id="2" name="标题 1"/>
+          <p:cNvSpPr>
+            <a:spLocks noGrp="1"/>
+          </p:cNvSpPr>
+          <p:nvPr>
+            <p:ph type="title"/>
+          </p:nvPr>
+        </p:nvSpPr>
+        <p:spPr/>
+        <p:txBody>
+          <a:bodyPr>
+            <a:normAutofit/>
+          </a:bodyPr>
+          <a:lstStyle/>
+          <a:p>
+            <a:pPr algn="ctr"/>
+            <a:r>
+              <a:rPr lang="ja-JP" altLang="en-US" sz="2800" dirty="0">
+                <a:latin typeface="MS Mincho" panose="02020609040205080304" pitchFamily="49" charset="-128"/>
+                <a:ea typeface="MS Mincho" panose="02020609040205080304" pitchFamily="49" charset="-128"/>
+              </a:rPr>
+              <a:t>メイントピック攻撃</a:t>
+            </a:r>
+            <a:r>
+              <a:rPr lang="zh-CN" altLang="en-US" sz="2800" dirty="0">
+                <a:latin typeface="MS Mincho" panose="02020609040205080304" pitchFamily="49" charset="-128"/>
+                <a:ea typeface="MS Mincho" panose="02020609040205080304" pitchFamily="49" charset="-128"/>
+              </a:rPr>
+              <a:t> </a:t>
+            </a:r>
+            <a:r>
+              <a:rPr lang="en-US" altLang="zh-CN" sz="2800" dirty="0">
+                <a:latin typeface="MS Mincho" panose="02020609040205080304" pitchFamily="49" charset="-128"/>
+                <a:ea typeface="MS Mincho" panose="02020609040205080304" pitchFamily="49" charset="-128"/>
+              </a:rPr>
+              <a:t>V.S.</a:t>
+            </a:r>
+            <a:r>
+              <a:rPr lang="ja-JP" altLang="en-US" sz="2800" dirty="0">
+                <a:latin typeface="MS Mincho" panose="02020609040205080304" pitchFamily="49" charset="-128"/>
+                <a:ea typeface="MS Mincho" panose="02020609040205080304" pitchFamily="49" charset="-128"/>
+              </a:rPr>
+              <a:t>トピックにおける曖昧化手法</a:t>
+            </a:r>
+            <a:endParaRPr lang="zh-CN" altLang="en-US" sz="2800" dirty="0">
+              <a:latin typeface="MS Mincho" panose="02020609040205080304" pitchFamily="49" charset="-128"/>
+              <a:ea typeface="MS Mincho" panose="02020609040205080304" pitchFamily="49" charset="-128"/>
+            </a:endParaRPr>
+          </a:p>
+        </p:txBody>
+      </p:sp>
+      <p:pic>
+        <p:nvPicPr>
+          <p:cNvPr id="3" name="内容占位符 2"/>
+          <p:cNvPicPr>
+            <a:picLocks noGrp="1" noChangeAspect="1"/>
+          </p:cNvPicPr>
+          <p:nvPr>
+            <p:ph idx="1"/>
+          </p:nvPr>
+        </p:nvPicPr>
+        <p:blipFill>
+          <a:blip r:embed="rId2"/>
+          <a:stretch>
+            <a:fillRect/>
+          </a:stretch>
+        </p:blipFill>
+        <p:spPr>
+          <a:xfrm>
+            <a:off x="3495034" y="1690688"/>
+            <a:ext cx="5201931" cy="3758429"/>
+          </a:xfrm>
+          <a:prstGeom prst="rect">
+            <a:avLst/>
+          </a:prstGeom>
+        </p:spPr>
+      </p:pic>
+      <p:sp>
+        <p:nvSpPr>
+          <p:cNvPr id="6" name="文本框 5"/>
+          <p:cNvSpPr txBox="1"/>
+          <p:nvPr/>
+        </p:nvSpPr>
+        <p:spPr>
+          <a:xfrm>
+            <a:off x="1429303" y="5615978"/>
+            <a:ext cx="4935985" cy="923330"/>
+          </a:xfrm>
+          <a:prstGeom prst="rect">
+            <a:avLst/>
+          </a:prstGeom>
+          <a:noFill/>
+        </p:spPr>
+        <p:txBody>
+          <a:bodyPr wrap="square" rtlCol="0">
+            <a:spAutoFit/>
+          </a:bodyPr>
+          <a:lstStyle/>
+          <a:p>
+            <a:r>
+              <a:rPr lang="en-US" altLang="zh-CN" dirty="0">
+                <a:latin typeface="MS Mincho" panose="02020609040205080304" pitchFamily="49" charset="-128"/>
+                <a:ea typeface="MS Mincho" panose="02020609040205080304" pitchFamily="49" charset="-128"/>
+              </a:rPr>
+              <a:t>LSA  </a:t>
+            </a:r>
+            <a:r>
+              <a:rPr lang="ja-JP" altLang="en-US" dirty="0">
+                <a:latin typeface="MS Mincho" panose="02020609040205080304" pitchFamily="49" charset="-128"/>
+                <a:ea typeface="MS Mincho" panose="02020609040205080304" pitchFamily="49" charset="-128"/>
+              </a:rPr>
+              <a:t>：</a:t>
+            </a:r>
+            <a:r>
+              <a:rPr lang="en-US" altLang="zh-CN" dirty="0">
+                <a:latin typeface="MS Mincho" panose="02020609040205080304" pitchFamily="49" charset="-128"/>
+                <a:ea typeface="MS Mincho" panose="02020609040205080304" pitchFamily="49" charset="-128"/>
+              </a:rPr>
+              <a:t> </a:t>
+            </a:r>
+            <a:r>
+              <a:rPr lang="en-US" altLang="zh-CN" dirty="0">
+                <a:latin typeface="MS Mincho" panose="02020609040205080304" pitchFamily="49" charset="-128"/>
+                <a:ea typeface="MS Mincho" panose="02020609040205080304" pitchFamily="49" charset="-128"/>
+              </a:rPr>
+              <a:t>LSA</a:t>
+            </a:r>
+            <a:r>
+              <a:rPr lang="ja-JP" altLang="en-US" dirty="0">
+                <a:latin typeface="MS Mincho" panose="02020609040205080304" pitchFamily="49" charset="-128"/>
+                <a:ea typeface="MS Mincho" panose="02020609040205080304" pitchFamily="49" charset="-128"/>
+              </a:rPr>
+              <a:t>を用いたメイントピック攻撃</a:t>
+            </a:r>
+            <a:endParaRPr lang="en-US" altLang="zh-CN" dirty="0">
+              <a:latin typeface="MS Mincho" panose="02020609040205080304" pitchFamily="49" charset="-128"/>
+              <a:ea typeface="MS Mincho" panose="02020609040205080304" pitchFamily="49" charset="-128"/>
+            </a:endParaRPr>
+          </a:p>
+          <a:p>
+            <a:r>
+              <a:rPr lang="en-US" altLang="zh-CN" dirty="0">
+                <a:latin typeface="MS Mincho" panose="02020609040205080304" pitchFamily="49" charset="-128"/>
+                <a:ea typeface="MS Mincho" panose="02020609040205080304" pitchFamily="49" charset="-128"/>
+              </a:rPr>
+              <a:t>LDA  </a:t>
+            </a:r>
+            <a:r>
+              <a:rPr lang="ja-JP" altLang="en-US" dirty="0">
+                <a:latin typeface="MS Mincho" panose="02020609040205080304" pitchFamily="49" charset="-128"/>
+                <a:ea typeface="MS Mincho" panose="02020609040205080304" pitchFamily="49" charset="-128"/>
+              </a:rPr>
+              <a:t>：</a:t>
+            </a:r>
+            <a:r>
+              <a:rPr lang="zh-CN" altLang="en-US" dirty="0">
+                <a:latin typeface="MS Mincho" panose="02020609040205080304" pitchFamily="49" charset="-128"/>
+                <a:ea typeface="MS Mincho" panose="02020609040205080304" pitchFamily="49" charset="-128"/>
+              </a:rPr>
+              <a:t> </a:t>
+            </a:r>
+            <a:r>
+              <a:rPr lang="en-US" altLang="zh-CN" dirty="0">
+                <a:latin typeface="MS Mincho" panose="02020609040205080304" pitchFamily="49" charset="-128"/>
+                <a:ea typeface="MS Mincho" panose="02020609040205080304" pitchFamily="49" charset="-128"/>
+              </a:rPr>
+              <a:t>LDA</a:t>
+            </a:r>
+            <a:r>
+              <a:rPr lang="ja-JP" altLang="en-US" dirty="0">
+                <a:latin typeface="MS Mincho" panose="02020609040205080304" pitchFamily="49" charset="-128"/>
+                <a:ea typeface="MS Mincho" panose="02020609040205080304" pitchFamily="49" charset="-128"/>
+              </a:rPr>
+              <a:t>を用いたメイントピック攻撃</a:t>
+            </a:r>
+            <a:endParaRPr lang="en-US" altLang="ja-JP" dirty="0">
+              <a:latin typeface="MS Mincho" panose="02020609040205080304" pitchFamily="49" charset="-128"/>
+              <a:ea typeface="MS Mincho" panose="02020609040205080304" pitchFamily="49" charset="-128"/>
+            </a:endParaRPr>
+          </a:p>
+          <a:p>
+            <a:r>
+              <a:rPr lang="en-US" altLang="zh-CN" dirty="0">
+                <a:latin typeface="MS Mincho" panose="02020609040205080304" pitchFamily="49" charset="-128"/>
+                <a:ea typeface="MS Mincho" panose="02020609040205080304" pitchFamily="49" charset="-128"/>
+              </a:rPr>
+              <a:t>ideal</a:t>
+            </a:r>
+            <a:r>
+              <a:rPr lang="ja-JP" altLang="en-US" dirty="0">
+                <a:latin typeface="MS Mincho" panose="02020609040205080304" pitchFamily="49" charset="-128"/>
+                <a:ea typeface="MS Mincho" panose="02020609040205080304" pitchFamily="49" charset="-128"/>
+              </a:rPr>
+              <a:t>： 理想値</a:t>
+            </a:r>
+            <a:endParaRPr lang="en-US" altLang="zh-CN" dirty="0">
+              <a:latin typeface="MS Mincho" panose="02020609040205080304" pitchFamily="49" charset="-128"/>
+              <a:ea typeface="MS Mincho" panose="02020609040205080304" pitchFamily="49" charset="-128"/>
+            </a:endParaRPr>
+          </a:p>
+        </p:txBody>
+      </p:sp>
+    </p:spTree>
+    <p:extLst>
+      <p:ext uri="{BB962C8B-B14F-4D97-AF65-F5344CB8AC3E}">
+        <p14:creationId xmlns:p14="http://schemas.microsoft.com/office/powerpoint/2010/main" val="161400087"/>
+      </p:ext>
+    </p:extLst>
+  </p:cSld>
+  <p:clrMapOvr>
+    <a:masterClrMapping/>
+  </p:clrMapOvr>
+</p:sld>
+</file>
+
+<file path=ppt/slides/slide69.xml><?xml version="1.0" encoding="utf-8"?>
+<p:sld xmlns:a="http://schemas.openxmlformats.org/drawingml/2006/main" xmlns:r="http://schemas.openxmlformats.org/officeDocument/2006/relationships" xmlns:p="http://schemas.openxmlformats.org/presentationml/2006/main">
+  <p:cSld>
+    <p:spTree>
+      <p:nvGrpSpPr>
+        <p:cNvPr id="1" name=""/>
+        <p:cNvGrpSpPr/>
+        <p:nvPr/>
+      </p:nvGrpSpPr>
+      <p:grpSpPr>
+        <a:xfrm>
+          <a:off x="0" y="0"/>
+          <a:ext cx="0" cy="0"/>
+          <a:chOff x="0" y="0"/>
+          <a:chExt cx="0" cy="0"/>
+        </a:xfrm>
+      </p:grpSpPr>
+      <p:sp>
+        <p:nvSpPr>
+          <p:cNvPr id="2" name="标题 1"/>
+          <p:cNvSpPr>
+            <a:spLocks noGrp="1"/>
+          </p:cNvSpPr>
+          <p:nvPr>
+            <p:ph type="title"/>
+          </p:nvPr>
+        </p:nvSpPr>
+        <p:spPr/>
+        <p:txBody>
+          <a:bodyPr>
+            <a:normAutofit/>
+          </a:bodyPr>
+          <a:lstStyle/>
+          <a:p>
+            <a:r>
+              <a:rPr lang="ja-JP" altLang="en-US" sz="2800" dirty="0">
+                <a:latin typeface="MS Mincho" panose="02020609040205080304" pitchFamily="49" charset="-128"/>
+                <a:ea typeface="MS Mincho" panose="02020609040205080304" pitchFamily="49" charset="-128"/>
+              </a:rPr>
+              <a:t>事前情報がない場合の類似度攻撃 </a:t>
+            </a:r>
+            <a:r>
+              <a:rPr lang="en-US" altLang="zh-CN" sz="2800" dirty="0">
+                <a:latin typeface="MS Mincho" panose="02020609040205080304" pitchFamily="49" charset="-128"/>
+                <a:ea typeface="MS Mincho" panose="02020609040205080304" pitchFamily="49" charset="-128"/>
+              </a:rPr>
+              <a:t>V.S.</a:t>
+            </a:r>
+            <a:r>
+              <a:rPr lang="ja-JP" altLang="en-US" sz="2800" dirty="0">
+                <a:latin typeface="MS Mincho" panose="02020609040205080304" pitchFamily="49" charset="-128"/>
+                <a:ea typeface="MS Mincho" panose="02020609040205080304" pitchFamily="49" charset="-128"/>
+              </a:rPr>
+              <a:t>トピックをグループ手法</a:t>
+            </a:r>
+            <a:endParaRPr lang="zh-CN" altLang="en-US" sz="2800" dirty="0">
+              <a:latin typeface="MS Mincho" panose="02020609040205080304" pitchFamily="49" charset="-128"/>
+              <a:ea typeface="MS Mincho" panose="02020609040205080304" pitchFamily="49" charset="-128"/>
+            </a:endParaRPr>
+          </a:p>
+        </p:txBody>
+      </p:sp>
+      <p:pic>
+        <p:nvPicPr>
+          <p:cNvPr id="3" name="内容占位符 2"/>
+          <p:cNvPicPr>
+            <a:picLocks noGrp="1" noChangeAspect="1"/>
+          </p:cNvPicPr>
+          <p:nvPr>
+            <p:ph idx="1"/>
+          </p:nvPr>
+        </p:nvPicPr>
+        <p:blipFill>
+          <a:blip r:embed="rId2"/>
+          <a:stretch>
+            <a:fillRect/>
+          </a:stretch>
+        </p:blipFill>
+        <p:spPr>
+          <a:xfrm>
+            <a:off x="3680651" y="1690688"/>
+            <a:ext cx="4830698" cy="3648583"/>
+          </a:xfrm>
+          <a:prstGeom prst="rect">
+            <a:avLst/>
+          </a:prstGeom>
+        </p:spPr>
+      </p:pic>
+      <p:sp>
+        <p:nvSpPr>
+          <p:cNvPr id="6" name="文本框 5"/>
+          <p:cNvSpPr txBox="1"/>
+          <p:nvPr/>
+        </p:nvSpPr>
+        <p:spPr>
+          <a:xfrm>
+            <a:off x="1429303" y="5615978"/>
+            <a:ext cx="4935985" cy="646331"/>
+          </a:xfrm>
+          <a:prstGeom prst="rect">
+            <a:avLst/>
+          </a:prstGeom>
+          <a:noFill/>
+        </p:spPr>
+        <p:txBody>
+          <a:bodyPr wrap="square" rtlCol="0">
+            <a:spAutoFit/>
+          </a:bodyPr>
+          <a:lstStyle/>
+          <a:p>
+            <a:r>
+              <a:rPr lang="en-US" altLang="zh-CN" dirty="0">
+                <a:latin typeface="MS Mincho" panose="02020609040205080304" pitchFamily="49" charset="-128"/>
+                <a:ea typeface="MS Mincho" panose="02020609040205080304" pitchFamily="49" charset="-128"/>
+              </a:rPr>
+              <a:t>HDGA </a:t>
+            </a:r>
+            <a:r>
+              <a:rPr lang="ja-JP" altLang="en-US" dirty="0">
+                <a:latin typeface="MS Mincho" panose="02020609040205080304" pitchFamily="49" charset="-128"/>
+                <a:ea typeface="MS Mincho" panose="02020609040205080304" pitchFamily="49" charset="-128"/>
+              </a:rPr>
+              <a:t>： </a:t>
+            </a:r>
+            <a:r>
+              <a:rPr lang="ja-JP" altLang="en-US" dirty="0">
+                <a:latin typeface="MS Mincho" panose="02020609040205080304" pitchFamily="49" charset="-128"/>
+                <a:ea typeface="MS Mincho" panose="02020609040205080304" pitchFamily="49" charset="-128"/>
+              </a:rPr>
+              <a:t>事前情報がない場合の類似度攻撃</a:t>
+            </a:r>
+            <a:endParaRPr lang="en-US" altLang="zh-CN" dirty="0">
+              <a:latin typeface="MS Mincho" panose="02020609040205080304" pitchFamily="49" charset="-128"/>
+              <a:ea typeface="MS Mincho" panose="02020609040205080304" pitchFamily="49" charset="-128"/>
+            </a:endParaRPr>
+          </a:p>
+          <a:p>
+            <a:r>
+              <a:rPr lang="en-US" altLang="zh-CN" dirty="0">
+                <a:latin typeface="MS Mincho" panose="02020609040205080304" pitchFamily="49" charset="-128"/>
+                <a:ea typeface="MS Mincho" panose="02020609040205080304" pitchFamily="49" charset="-128"/>
+              </a:rPr>
+              <a:t>ideal</a:t>
+            </a:r>
+            <a:r>
+              <a:rPr lang="ja-JP" altLang="en-US" dirty="0">
+                <a:latin typeface="MS Mincho" panose="02020609040205080304" pitchFamily="49" charset="-128"/>
+                <a:ea typeface="MS Mincho" panose="02020609040205080304" pitchFamily="49" charset="-128"/>
+              </a:rPr>
+              <a:t>： 理想値</a:t>
+            </a:r>
+            <a:endParaRPr lang="en-US" altLang="zh-CN" dirty="0">
+              <a:latin typeface="MS Mincho" panose="02020609040205080304" pitchFamily="49" charset="-128"/>
+              <a:ea typeface="MS Mincho" panose="02020609040205080304" pitchFamily="49" charset="-128"/>
+            </a:endParaRPr>
+          </a:p>
+        </p:txBody>
+      </p:sp>
+    </p:spTree>
+    <p:extLst>
+      <p:ext uri="{BB962C8B-B14F-4D97-AF65-F5344CB8AC3E}">
+        <p14:creationId xmlns:p14="http://schemas.microsoft.com/office/powerpoint/2010/main" val="2924979634"/>
       </p:ext>
     </p:extLst>
   </p:cSld>
@@ -27302,6 +30093,3753 @@
 </p:sld>
 </file>
 
+<file path=ppt/slides/slide70.xml><?xml version="1.0" encoding="utf-8"?>
+<p:sld xmlns:a="http://schemas.openxmlformats.org/drawingml/2006/main" xmlns:r="http://schemas.openxmlformats.org/officeDocument/2006/relationships" xmlns:p="http://schemas.openxmlformats.org/presentationml/2006/main">
+  <p:cSld>
+    <p:spTree>
+      <p:nvGrpSpPr>
+        <p:cNvPr id="1" name=""/>
+        <p:cNvGrpSpPr/>
+        <p:nvPr/>
+      </p:nvGrpSpPr>
+      <p:grpSpPr>
+        <a:xfrm>
+          <a:off x="0" y="0"/>
+          <a:ext cx="0" cy="0"/>
+          <a:chOff x="0" y="0"/>
+          <a:chExt cx="0" cy="0"/>
+        </a:xfrm>
+      </p:grpSpPr>
+      <p:sp>
+        <p:nvSpPr>
+          <p:cNvPr id="2" name="标题 1"/>
+          <p:cNvSpPr>
+            <a:spLocks noGrp="1"/>
+          </p:cNvSpPr>
+          <p:nvPr>
+            <p:ph type="title"/>
+          </p:nvPr>
+        </p:nvSpPr>
+        <p:spPr>
+          <a:xfrm>
+            <a:off x="738696" y="382880"/>
+            <a:ext cx="10714608" cy="1325563"/>
+          </a:xfrm>
+        </p:spPr>
+        <p:txBody>
+          <a:bodyPr>
+            <a:normAutofit/>
+          </a:bodyPr>
+          <a:lstStyle/>
+          <a:p>
+            <a:r>
+              <a:rPr lang="ja-JP" altLang="en-US" sz="2800" dirty="0">
+                <a:latin typeface="MS Mincho" panose="02020609040205080304" pitchFamily="49" charset="-128"/>
+                <a:ea typeface="MS Mincho" panose="02020609040205080304" pitchFamily="49" charset="-128"/>
+              </a:rPr>
+              <a:t>事前情報がない場合の類似度攻撃 </a:t>
+            </a:r>
+            <a:r>
+              <a:rPr lang="en-US" altLang="zh-CN" sz="2800" dirty="0">
+                <a:latin typeface="MS Mincho" panose="02020609040205080304" pitchFamily="49" charset="-128"/>
+                <a:ea typeface="MS Mincho" panose="02020609040205080304" pitchFamily="49" charset="-128"/>
+              </a:rPr>
+              <a:t>V.S.</a:t>
+            </a:r>
+            <a:r>
+              <a:rPr lang="ja-JP" altLang="en-US" sz="2800" dirty="0">
+                <a:latin typeface="MS Mincho" panose="02020609040205080304" pitchFamily="49" charset="-128"/>
+                <a:ea typeface="MS Mincho" panose="02020609040205080304" pitchFamily="49" charset="-128"/>
+              </a:rPr>
+              <a:t>トピックを曖昧化する手法</a:t>
+            </a:r>
+            <a:endParaRPr lang="zh-CN" altLang="en-US" sz="2800" dirty="0">
+              <a:latin typeface="MS Mincho" panose="02020609040205080304" pitchFamily="49" charset="-128"/>
+              <a:ea typeface="MS Mincho" panose="02020609040205080304" pitchFamily="49" charset="-128"/>
+            </a:endParaRPr>
+          </a:p>
+        </p:txBody>
+      </p:sp>
+      <p:pic>
+        <p:nvPicPr>
+          <p:cNvPr id="3" name="内容占位符 2"/>
+          <p:cNvPicPr>
+            <a:picLocks noGrp="1" noChangeAspect="1"/>
+          </p:cNvPicPr>
+          <p:nvPr>
+            <p:ph idx="1"/>
+          </p:nvPr>
+        </p:nvPicPr>
+        <p:blipFill>
+          <a:blip r:embed="rId2"/>
+          <a:stretch>
+            <a:fillRect/>
+          </a:stretch>
+        </p:blipFill>
+        <p:spPr>
+          <a:xfrm>
+            <a:off x="3417718" y="1708443"/>
+            <a:ext cx="5356563" cy="3918227"/>
+          </a:xfrm>
+          <a:prstGeom prst="rect">
+            <a:avLst/>
+          </a:prstGeom>
+        </p:spPr>
+      </p:pic>
+      <p:sp>
+        <p:nvSpPr>
+          <p:cNvPr id="6" name="文本框 5"/>
+          <p:cNvSpPr txBox="1"/>
+          <p:nvPr/>
+        </p:nvSpPr>
+        <p:spPr>
+          <a:xfrm>
+            <a:off x="1429303" y="5615978"/>
+            <a:ext cx="6835808" cy="646331"/>
+          </a:xfrm>
+          <a:prstGeom prst="rect">
+            <a:avLst/>
+          </a:prstGeom>
+          <a:noFill/>
+        </p:spPr>
+        <p:txBody>
+          <a:bodyPr wrap="square" rtlCol="0">
+            <a:spAutoFit/>
+          </a:bodyPr>
+          <a:lstStyle/>
+          <a:p>
+            <a:r>
+              <a:rPr lang="en-US" altLang="zh-CN" dirty="0">
+                <a:latin typeface="MS Mincho" panose="02020609040205080304" pitchFamily="49" charset="-128"/>
+                <a:ea typeface="MS Mincho" panose="02020609040205080304" pitchFamily="49" charset="-128"/>
+              </a:rPr>
+              <a:t>near</a:t>
+            </a:r>
+            <a:r>
+              <a:rPr lang="ja-JP" altLang="en-US" dirty="0">
+                <a:latin typeface="MS Mincho" panose="02020609040205080304" pitchFamily="49" charset="-128"/>
+                <a:ea typeface="MS Mincho" panose="02020609040205080304" pitchFamily="49" charset="-128"/>
+              </a:rPr>
+              <a:t>：意味的近いトピックをダミートピックにする</a:t>
+            </a:r>
+            <a:endParaRPr lang="en-US" altLang="ja-JP" dirty="0">
+              <a:latin typeface="MS Mincho" panose="02020609040205080304" pitchFamily="49" charset="-128"/>
+              <a:ea typeface="MS Mincho" panose="02020609040205080304" pitchFamily="49" charset="-128"/>
+            </a:endParaRPr>
+          </a:p>
+          <a:p>
+            <a:r>
+              <a:rPr lang="en-US" altLang="ja-JP" dirty="0">
+                <a:latin typeface="MS Mincho" panose="02020609040205080304" pitchFamily="49" charset="-128"/>
+                <a:ea typeface="MS Mincho" panose="02020609040205080304" pitchFamily="49" charset="-128"/>
+              </a:rPr>
+              <a:t>far </a:t>
+            </a:r>
+            <a:r>
+              <a:rPr lang="ja-JP" altLang="en-US" dirty="0">
+                <a:latin typeface="MS Mincho" panose="02020609040205080304" pitchFamily="49" charset="-128"/>
+                <a:ea typeface="MS Mincho" panose="02020609040205080304" pitchFamily="49" charset="-128"/>
+              </a:rPr>
+              <a:t>：</a:t>
+            </a:r>
+            <a:r>
+              <a:rPr lang="ja-JP" altLang="en-US" dirty="0">
+                <a:latin typeface="MS Mincho" panose="02020609040205080304" pitchFamily="49" charset="-128"/>
+                <a:ea typeface="MS Mincho" panose="02020609040205080304" pitchFamily="49" charset="-128"/>
+              </a:rPr>
+              <a:t>意味的遠いトピックをダミートピックにする</a:t>
+            </a:r>
+            <a:endParaRPr lang="en-US" altLang="zh-CN" dirty="0">
+              <a:latin typeface="MS Mincho" panose="02020609040205080304" pitchFamily="49" charset="-128"/>
+              <a:ea typeface="MS Mincho" panose="02020609040205080304" pitchFamily="49" charset="-128"/>
+            </a:endParaRPr>
+          </a:p>
+        </p:txBody>
+      </p:sp>
+    </p:spTree>
+    <p:extLst>
+      <p:ext uri="{BB962C8B-B14F-4D97-AF65-F5344CB8AC3E}">
+        <p14:creationId xmlns:p14="http://schemas.microsoft.com/office/powerpoint/2010/main" val="2310812118"/>
+      </p:ext>
+    </p:extLst>
+  </p:cSld>
+  <p:clrMapOvr>
+    <a:masterClrMapping/>
+  </p:clrMapOvr>
+</p:sld>
+</file>
+
+<file path=ppt/slides/slide71.xml><?xml version="1.0" encoding="utf-8"?>
+<p:sld xmlns:a="http://schemas.openxmlformats.org/drawingml/2006/main" xmlns:r="http://schemas.openxmlformats.org/officeDocument/2006/relationships" xmlns:p="http://schemas.openxmlformats.org/presentationml/2006/main">
+  <p:cSld>
+    <p:spTree>
+      <p:nvGrpSpPr>
+        <p:cNvPr id="1" name=""/>
+        <p:cNvGrpSpPr/>
+        <p:nvPr/>
+      </p:nvGrpSpPr>
+      <p:grpSpPr>
+        <a:xfrm>
+          <a:off x="0" y="0"/>
+          <a:ext cx="0" cy="0"/>
+          <a:chOff x="0" y="0"/>
+          <a:chExt cx="0" cy="0"/>
+        </a:xfrm>
+      </p:grpSpPr>
+      <p:sp>
+        <p:nvSpPr>
+          <p:cNvPr id="2" name="标题 1"/>
+          <p:cNvSpPr>
+            <a:spLocks noGrp="1"/>
+          </p:cNvSpPr>
+          <p:nvPr>
+            <p:ph type="title"/>
+          </p:nvPr>
+        </p:nvSpPr>
+        <p:spPr>
+          <a:xfrm>
+            <a:off x="738696" y="382880"/>
+            <a:ext cx="10714608" cy="1325563"/>
+          </a:xfrm>
+        </p:spPr>
+        <p:txBody>
+          <a:bodyPr>
+            <a:normAutofit/>
+          </a:bodyPr>
+          <a:lstStyle/>
+          <a:p>
+            <a:r>
+              <a:rPr lang="ja-JP" altLang="en-US" sz="2800" dirty="0">
+                <a:latin typeface="MS Mincho" panose="02020609040205080304" pitchFamily="49" charset="-128"/>
+                <a:ea typeface="MS Mincho" panose="02020609040205080304" pitchFamily="49" charset="-128"/>
+              </a:rPr>
+              <a:t>事前情報がない場合の類似度攻撃 </a:t>
+            </a:r>
+            <a:r>
+              <a:rPr lang="en-US" altLang="zh-CN" sz="2800" dirty="0">
+                <a:latin typeface="MS Mincho" panose="02020609040205080304" pitchFamily="49" charset="-128"/>
+                <a:ea typeface="MS Mincho" panose="02020609040205080304" pitchFamily="49" charset="-128"/>
+              </a:rPr>
+              <a:t>V.S.</a:t>
+            </a:r>
+            <a:r>
+              <a:rPr lang="ja-JP" altLang="en-US" sz="2800" dirty="0">
+                <a:latin typeface="MS Mincho" panose="02020609040205080304" pitchFamily="49" charset="-128"/>
+                <a:ea typeface="MS Mincho" panose="02020609040205080304" pitchFamily="49" charset="-128"/>
+              </a:rPr>
+              <a:t>トピックを曖昧化する手法</a:t>
+            </a:r>
+            <a:endParaRPr lang="zh-CN" altLang="en-US" sz="2800" dirty="0">
+              <a:latin typeface="MS Mincho" panose="02020609040205080304" pitchFamily="49" charset="-128"/>
+              <a:ea typeface="MS Mincho" panose="02020609040205080304" pitchFamily="49" charset="-128"/>
+            </a:endParaRPr>
+          </a:p>
+        </p:txBody>
+      </p:sp>
+      <p:graphicFrame>
+        <p:nvGraphicFramePr>
+          <p:cNvPr id="6" name="内容占位符 5"/>
+          <p:cNvGraphicFramePr>
+            <a:graphicFrameLocks/>
+          </p:cNvGraphicFramePr>
+          <p:nvPr>
+            <p:extLst>
+              <p:ext uri="{D42A27DB-BD31-4B8C-83A1-F6EECF244321}">
+                <p14:modId xmlns:p14="http://schemas.microsoft.com/office/powerpoint/2010/main" val="2580531823"/>
+              </p:ext>
+            </p:extLst>
+          </p:nvPr>
+        </p:nvGraphicFramePr>
+        <p:xfrm>
+          <a:off x="838200" y="2828802"/>
+          <a:ext cx="10515600" cy="1844040"/>
+        </p:xfrm>
+        <a:graphic>
+          <a:graphicData uri="http://schemas.openxmlformats.org/drawingml/2006/table">
+            <a:tbl>
+              <a:tblPr firstRow="1" bandRow="1">
+                <a:tableStyleId>{5940675A-B579-460E-94D1-54222C63F5DA}</a:tableStyleId>
+              </a:tblPr>
+              <a:tblGrid>
+                <a:gridCol w="5257800">
+                  <a:extLst>
+                    <a:ext uri="{9D8B030D-6E8A-4147-A177-3AD203B41FA5}">
+                      <a16:colId xmlns:a16="http://schemas.microsoft.com/office/drawing/2014/main" val="1801006211"/>
+                    </a:ext>
+                  </a:extLst>
+                </a:gridCol>
+                <a:gridCol w="5257800">
+                  <a:extLst>
+                    <a:ext uri="{9D8B030D-6E8A-4147-A177-3AD203B41FA5}">
+                      <a16:colId xmlns:a16="http://schemas.microsoft.com/office/drawing/2014/main" val="3981894291"/>
+                    </a:ext>
+                  </a:extLst>
+                </a:gridCol>
+              </a:tblGrid>
+              <a:tr h="370840">
+                <a:tc>
+                  <a:txBody>
+                    <a:bodyPr/>
+                    <a:lstStyle/>
+                    <a:p>
+                      <a:pPr algn="ctr"/>
+                      <a:r>
+                        <a:rPr lang="ja-JP" altLang="en-US" dirty="0">
+                          <a:latin typeface="MS Mincho" panose="02020609040205080304" pitchFamily="49" charset="-128"/>
+                          <a:ea typeface="MS Mincho" panose="02020609040205080304" pitchFamily="49" charset="-128"/>
+                        </a:rPr>
+                        <a:t>真の質問</a:t>
+                      </a:r>
+                      <a:endParaRPr lang="zh-CN" altLang="en-US" dirty="0">
+                        <a:latin typeface="MS Mincho" panose="02020609040205080304" pitchFamily="49" charset="-128"/>
+                        <a:ea typeface="MS Mincho" panose="02020609040205080304" pitchFamily="49" charset="-128"/>
+                      </a:endParaRPr>
+                    </a:p>
+                  </a:txBody>
+                  <a:tcPr/>
+                </a:tc>
+                <a:tc>
+                  <a:txBody>
+                    <a:bodyPr/>
+                    <a:lstStyle/>
+                    <a:p>
+                      <a:pPr algn="ctr"/>
+                      <a:r>
+                        <a:rPr lang="ja-JP" altLang="en-US" dirty="0">
+                          <a:latin typeface="MS Mincho" panose="02020609040205080304" pitchFamily="49" charset="-128"/>
+                          <a:ea typeface="MS Mincho" panose="02020609040205080304" pitchFamily="49" charset="-128"/>
+                        </a:rPr>
+                        <a:t>ダミー質問</a:t>
+                      </a:r>
+                      <a:endParaRPr lang="zh-CN" altLang="en-US" dirty="0">
+                        <a:latin typeface="MS Mincho" panose="02020609040205080304" pitchFamily="49" charset="-128"/>
+                        <a:ea typeface="MS Mincho" panose="02020609040205080304" pitchFamily="49" charset="-128"/>
+                      </a:endParaRPr>
+                    </a:p>
+                  </a:txBody>
+                  <a:tcPr/>
+                </a:tc>
+                <a:extLst>
+                  <a:ext uri="{0D108BD9-81ED-4DB2-BD59-A6C34878D82A}">
+                    <a16:rowId xmlns:a16="http://schemas.microsoft.com/office/drawing/2014/main" val="4234088887"/>
+                  </a:ext>
+                </a:extLst>
+              </a:tr>
+              <a:tr h="370840">
+                <a:tc>
+                  <a:txBody>
+                    <a:bodyPr/>
+                    <a:lstStyle/>
+                    <a:p>
+                      <a:pPr algn="ctr"/>
+                      <a:r>
+                        <a:rPr lang="ja-JP" altLang="en-US" dirty="0">
+                          <a:latin typeface="MS Mincho" panose="02020609040205080304" pitchFamily="49" charset="-128"/>
+                          <a:ea typeface="MS Mincho" panose="02020609040205080304" pitchFamily="49" charset="-128"/>
+                        </a:rPr>
+                        <a:t>映画</a:t>
+                      </a:r>
+                      <a:endParaRPr lang="zh-CN" altLang="en-US" dirty="0">
+                        <a:latin typeface="MS Mincho" panose="02020609040205080304" pitchFamily="49" charset="-128"/>
+                        <a:ea typeface="MS Mincho" panose="02020609040205080304" pitchFamily="49" charset="-128"/>
+                      </a:endParaRPr>
+                    </a:p>
+                  </a:txBody>
+                  <a:tcPr/>
+                </a:tc>
+                <a:tc>
+                  <a:txBody>
+                    <a:bodyPr/>
+                    <a:lstStyle/>
+                    <a:p>
+                      <a:pPr algn="ctr"/>
+                      <a:r>
+                        <a:rPr lang="ja-JP" altLang="en-US" dirty="0">
+                          <a:latin typeface="MS Mincho" panose="02020609040205080304" pitchFamily="49" charset="-128"/>
+                          <a:ea typeface="MS Mincho" panose="02020609040205080304" pitchFamily="49" charset="-128"/>
+                        </a:rPr>
+                        <a:t>スポーツ</a:t>
+                      </a:r>
+                      <a:endParaRPr lang="zh-CN" altLang="en-US" dirty="0">
+                        <a:latin typeface="MS Mincho" panose="02020609040205080304" pitchFamily="49" charset="-128"/>
+                        <a:ea typeface="MS Mincho" panose="02020609040205080304" pitchFamily="49" charset="-128"/>
+                      </a:endParaRPr>
+                    </a:p>
+                  </a:txBody>
+                  <a:tcPr/>
+                </a:tc>
+                <a:extLst>
+                  <a:ext uri="{0D108BD9-81ED-4DB2-BD59-A6C34878D82A}">
+                    <a16:rowId xmlns:a16="http://schemas.microsoft.com/office/drawing/2014/main" val="1219115089"/>
+                  </a:ext>
+                </a:extLst>
+              </a:tr>
+              <a:tr h="370840">
+                <a:tc>
+                  <a:txBody>
+                    <a:bodyPr/>
+                    <a:lstStyle/>
+                    <a:p>
+                      <a:pPr algn="ctr"/>
+                      <a:r>
+                        <a:rPr lang="ja-JP" altLang="en-US" dirty="0">
+                          <a:latin typeface="MS Mincho" panose="02020609040205080304" pitchFamily="49" charset="-128"/>
+                          <a:ea typeface="MS Mincho" panose="02020609040205080304" pitchFamily="49" charset="-128"/>
+                        </a:rPr>
+                        <a:t>映画</a:t>
+                      </a:r>
+                      <a:endParaRPr lang="zh-CN" altLang="en-US" dirty="0">
+                        <a:latin typeface="MS Mincho" panose="02020609040205080304" pitchFamily="49" charset="-128"/>
+                        <a:ea typeface="MS Mincho" panose="02020609040205080304" pitchFamily="49" charset="-128"/>
+                      </a:endParaRPr>
+                    </a:p>
+                  </a:txBody>
+                  <a:tcPr/>
+                </a:tc>
+                <a:tc>
+                  <a:txBody>
+                    <a:bodyPr/>
+                    <a:lstStyle/>
+                    <a:p>
+                      <a:pPr marL="0" marR="0" lvl="0" indent="0" algn="ctr" defTabSz="914400" rtl="0" eaLnBrk="1" fontAlgn="auto" latinLnBrk="0" hangingPunct="1">
+                        <a:lnSpc>
+                          <a:spcPct val="100000"/>
+                        </a:lnSpc>
+                        <a:spcBef>
+                          <a:spcPts val="0"/>
+                        </a:spcBef>
+                        <a:spcAft>
+                          <a:spcPts val="0"/>
+                        </a:spcAft>
+                        <a:buClrTx/>
+                        <a:buSzTx/>
+                        <a:buFontTx/>
+                        <a:buNone/>
+                        <a:tabLst/>
+                        <a:defRPr/>
+                      </a:pPr>
+                      <a:r>
+                        <a:rPr lang="ja-JP" altLang="en-US" dirty="0">
+                          <a:latin typeface="MS Mincho" panose="02020609040205080304" pitchFamily="49" charset="-128"/>
+                          <a:ea typeface="MS Mincho" panose="02020609040205080304" pitchFamily="49" charset="-128"/>
+                        </a:rPr>
+                        <a:t>スポーツ</a:t>
+                      </a:r>
+                      <a:endParaRPr lang="zh-CN" altLang="en-US" dirty="0">
+                        <a:latin typeface="MS Mincho" panose="02020609040205080304" pitchFamily="49" charset="-128"/>
+                        <a:ea typeface="MS Mincho" panose="02020609040205080304" pitchFamily="49" charset="-128"/>
+                      </a:endParaRPr>
+                    </a:p>
+                  </a:txBody>
+                  <a:tcPr/>
+                </a:tc>
+                <a:extLst>
+                  <a:ext uri="{0D108BD9-81ED-4DB2-BD59-A6C34878D82A}">
+                    <a16:rowId xmlns:a16="http://schemas.microsoft.com/office/drawing/2014/main" val="3182508123"/>
+                  </a:ext>
+                </a:extLst>
+              </a:tr>
+              <a:tr h="185420">
+                <a:tc>
+                  <a:txBody>
+                    <a:bodyPr/>
+                    <a:lstStyle/>
+                    <a:p>
+                      <a:pPr marL="0" marR="0" lvl="0" indent="0" algn="ctr" defTabSz="914400" rtl="0" eaLnBrk="1" fontAlgn="auto" latinLnBrk="0" hangingPunct="1">
+                        <a:lnSpc>
+                          <a:spcPct val="100000"/>
+                        </a:lnSpc>
+                        <a:spcBef>
+                          <a:spcPts val="0"/>
+                        </a:spcBef>
+                        <a:spcAft>
+                          <a:spcPts val="0"/>
+                        </a:spcAft>
+                        <a:buClrTx/>
+                        <a:buSzTx/>
+                        <a:buFontTx/>
+                        <a:buNone/>
+                        <a:tabLst/>
+                        <a:defRPr/>
+                      </a:pPr>
+                      <a:r>
+                        <a:rPr lang="ja-JP" altLang="en-US" dirty="0">
+                          <a:latin typeface="MS Mincho" panose="02020609040205080304" pitchFamily="49" charset="-128"/>
+                          <a:ea typeface="MS Mincho" panose="02020609040205080304" pitchFamily="49" charset="-128"/>
+                        </a:rPr>
+                        <a:t>映画</a:t>
+                      </a:r>
+                      <a:endParaRPr lang="zh-CN" altLang="en-US" dirty="0">
+                        <a:latin typeface="MS Mincho" panose="02020609040205080304" pitchFamily="49" charset="-128"/>
+                        <a:ea typeface="MS Mincho" panose="02020609040205080304" pitchFamily="49" charset="-128"/>
+                      </a:endParaRPr>
+                    </a:p>
+                  </a:txBody>
+                  <a:tcPr/>
+                </a:tc>
+                <a:tc>
+                  <a:txBody>
+                    <a:bodyPr/>
+                    <a:lstStyle/>
+                    <a:p>
+                      <a:pPr marL="0" marR="0" lvl="0" indent="0" algn="ctr" defTabSz="914400" rtl="0" eaLnBrk="1" fontAlgn="auto" latinLnBrk="0" hangingPunct="1">
+                        <a:lnSpc>
+                          <a:spcPct val="100000"/>
+                        </a:lnSpc>
+                        <a:spcBef>
+                          <a:spcPts val="0"/>
+                        </a:spcBef>
+                        <a:spcAft>
+                          <a:spcPts val="0"/>
+                        </a:spcAft>
+                        <a:buClrTx/>
+                        <a:buSzTx/>
+                        <a:buFontTx/>
+                        <a:buNone/>
+                        <a:tabLst/>
+                        <a:defRPr/>
+                      </a:pPr>
+                      <a:r>
+                        <a:rPr lang="ja-JP" altLang="en-US" dirty="0">
+                          <a:latin typeface="MS Mincho" panose="02020609040205080304" pitchFamily="49" charset="-128"/>
+                          <a:ea typeface="MS Mincho" panose="02020609040205080304" pitchFamily="49" charset="-128"/>
+                        </a:rPr>
+                        <a:t>スポーツ</a:t>
+                      </a:r>
+                      <a:endParaRPr lang="zh-CN" altLang="en-US" dirty="0">
+                        <a:latin typeface="MS Mincho" panose="02020609040205080304" pitchFamily="49" charset="-128"/>
+                        <a:ea typeface="MS Mincho" panose="02020609040205080304" pitchFamily="49" charset="-128"/>
+                      </a:endParaRPr>
+                    </a:p>
+                  </a:txBody>
+                  <a:tcPr/>
+                </a:tc>
+                <a:extLst>
+                  <a:ext uri="{0D108BD9-81ED-4DB2-BD59-A6C34878D82A}">
+                    <a16:rowId xmlns:a16="http://schemas.microsoft.com/office/drawing/2014/main" val="4290151585"/>
+                  </a:ext>
+                </a:extLst>
+              </a:tr>
+              <a:tr h="185420">
+                <a:tc>
+                  <a:txBody>
+                    <a:bodyPr/>
+                    <a:lstStyle/>
+                    <a:p>
+                      <a:pPr marL="0" marR="0" lvl="0" indent="0" algn="ctr" defTabSz="914400" rtl="0" eaLnBrk="1" fontAlgn="auto" latinLnBrk="0" hangingPunct="1">
+                        <a:lnSpc>
+                          <a:spcPct val="100000"/>
+                        </a:lnSpc>
+                        <a:spcBef>
+                          <a:spcPts val="0"/>
+                        </a:spcBef>
+                        <a:spcAft>
+                          <a:spcPts val="0"/>
+                        </a:spcAft>
+                        <a:buClrTx/>
+                        <a:buSzTx/>
+                        <a:buFontTx/>
+                        <a:buNone/>
+                        <a:tabLst/>
+                        <a:defRPr/>
+                      </a:pPr>
+                      <a:r>
+                        <a:rPr lang="en-US" altLang="ja-JP" dirty="0">
+                          <a:latin typeface="MS Mincho" panose="02020609040205080304" pitchFamily="49" charset="-128"/>
+                          <a:ea typeface="MS Mincho" panose="02020609040205080304" pitchFamily="49" charset="-128"/>
+                        </a:rPr>
+                        <a:t>…</a:t>
+                      </a:r>
+                      <a:endParaRPr lang="zh-CN" altLang="en-US" dirty="0">
+                        <a:latin typeface="MS Mincho" panose="02020609040205080304" pitchFamily="49" charset="-128"/>
+                        <a:ea typeface="MS Mincho" panose="02020609040205080304" pitchFamily="49" charset="-128"/>
+                      </a:endParaRPr>
+                    </a:p>
+                  </a:txBody>
+                  <a:tcPr/>
+                </a:tc>
+                <a:tc>
+                  <a:txBody>
+                    <a:bodyPr/>
+                    <a:lstStyle/>
+                    <a:p>
+                      <a:pPr marL="0" marR="0" lvl="0" indent="0" algn="ctr" defTabSz="914400" rtl="0" eaLnBrk="1" fontAlgn="auto" latinLnBrk="0" hangingPunct="1">
+                        <a:lnSpc>
+                          <a:spcPct val="100000"/>
+                        </a:lnSpc>
+                        <a:spcBef>
+                          <a:spcPts val="0"/>
+                        </a:spcBef>
+                        <a:spcAft>
+                          <a:spcPts val="0"/>
+                        </a:spcAft>
+                        <a:buClrTx/>
+                        <a:buSzTx/>
+                        <a:buFontTx/>
+                        <a:buNone/>
+                        <a:tabLst/>
+                        <a:defRPr/>
+                      </a:pPr>
+                      <a:r>
+                        <a:rPr lang="en-US" altLang="ja-JP" dirty="0">
+                          <a:latin typeface="MS Mincho" panose="02020609040205080304" pitchFamily="49" charset="-128"/>
+                          <a:ea typeface="MS Mincho" panose="02020609040205080304" pitchFamily="49" charset="-128"/>
+                        </a:rPr>
+                        <a:t>…</a:t>
+                      </a:r>
+                      <a:endParaRPr lang="zh-CN" altLang="en-US" dirty="0">
+                        <a:latin typeface="MS Mincho" panose="02020609040205080304" pitchFamily="49" charset="-128"/>
+                        <a:ea typeface="MS Mincho" panose="02020609040205080304" pitchFamily="49" charset="-128"/>
+                      </a:endParaRPr>
+                    </a:p>
+                  </a:txBody>
+                  <a:tcPr/>
+                </a:tc>
+                <a:extLst>
+                  <a:ext uri="{0D108BD9-81ED-4DB2-BD59-A6C34878D82A}">
+                    <a16:rowId xmlns:a16="http://schemas.microsoft.com/office/drawing/2014/main" val="1064254028"/>
+                  </a:ext>
+                </a:extLst>
+              </a:tr>
+            </a:tbl>
+          </a:graphicData>
+        </a:graphic>
+      </p:graphicFrame>
+    </p:spTree>
+    <p:extLst>
+      <p:ext uri="{BB962C8B-B14F-4D97-AF65-F5344CB8AC3E}">
+        <p14:creationId xmlns:p14="http://schemas.microsoft.com/office/powerpoint/2010/main" val="2483100072"/>
+      </p:ext>
+    </p:extLst>
+  </p:cSld>
+  <p:clrMapOvr>
+    <a:masterClrMapping/>
+  </p:clrMapOvr>
+</p:sld>
+</file>
+
+<file path=ppt/slides/slide72.xml><?xml version="1.0" encoding="utf-8"?>
+<p:sld xmlns:a="http://schemas.openxmlformats.org/drawingml/2006/main" xmlns:r="http://schemas.openxmlformats.org/officeDocument/2006/relationships" xmlns:p="http://schemas.openxmlformats.org/presentationml/2006/main">
+  <p:cSld>
+    <p:spTree>
+      <p:nvGrpSpPr>
+        <p:cNvPr id="1" name=""/>
+        <p:cNvGrpSpPr/>
+        <p:nvPr/>
+      </p:nvGrpSpPr>
+      <p:grpSpPr>
+        <a:xfrm>
+          <a:off x="0" y="0"/>
+          <a:ext cx="0" cy="0"/>
+          <a:chOff x="0" y="0"/>
+          <a:chExt cx="0" cy="0"/>
+        </a:xfrm>
+      </p:grpSpPr>
+      <p:sp>
+        <p:nvSpPr>
+          <p:cNvPr id="2" name="标题 1"/>
+          <p:cNvSpPr>
+            <a:spLocks noGrp="1"/>
+          </p:cNvSpPr>
+          <p:nvPr>
+            <p:ph type="title"/>
+          </p:nvPr>
+        </p:nvSpPr>
+        <p:spPr>
+          <a:xfrm>
+            <a:off x="738696" y="382880"/>
+            <a:ext cx="10714608" cy="1325563"/>
+          </a:xfrm>
+        </p:spPr>
+        <p:txBody>
+          <a:bodyPr>
+            <a:normAutofit/>
+          </a:bodyPr>
+          <a:lstStyle/>
+          <a:p>
+            <a:r>
+              <a:rPr lang="ja-JP" altLang="en-US" sz="2800" dirty="0">
+                <a:latin typeface="MS Mincho" panose="02020609040205080304" pitchFamily="49" charset="-128"/>
+                <a:ea typeface="MS Mincho" panose="02020609040205080304" pitchFamily="49" charset="-128"/>
+              </a:rPr>
+              <a:t>事前情報がない場合の類似度攻撃 </a:t>
+            </a:r>
+            <a:r>
+              <a:rPr lang="en-US" altLang="zh-CN" sz="2800" dirty="0">
+                <a:latin typeface="MS Mincho" panose="02020609040205080304" pitchFamily="49" charset="-128"/>
+                <a:ea typeface="MS Mincho" panose="02020609040205080304" pitchFamily="49" charset="-128"/>
+              </a:rPr>
+              <a:t>V.S.</a:t>
+            </a:r>
+            <a:r>
+              <a:rPr lang="ja-JP" altLang="en-US" sz="2800" dirty="0">
+                <a:latin typeface="MS Mincho" panose="02020609040205080304" pitchFamily="49" charset="-128"/>
+                <a:ea typeface="MS Mincho" panose="02020609040205080304" pitchFamily="49" charset="-128"/>
+              </a:rPr>
+              <a:t>トピックを曖昧化する手法</a:t>
+            </a:r>
+            <a:endParaRPr lang="zh-CN" altLang="en-US" sz="2800" dirty="0">
+              <a:latin typeface="MS Mincho" panose="02020609040205080304" pitchFamily="49" charset="-128"/>
+              <a:ea typeface="MS Mincho" panose="02020609040205080304" pitchFamily="49" charset="-128"/>
+            </a:endParaRPr>
+          </a:p>
+        </p:txBody>
+      </p:sp>
+      <p:graphicFrame>
+        <p:nvGraphicFramePr>
+          <p:cNvPr id="6" name="内容占位符 5"/>
+          <p:cNvGraphicFramePr>
+            <a:graphicFrameLocks/>
+          </p:cNvGraphicFramePr>
+          <p:nvPr>
+            <p:extLst>
+              <p:ext uri="{D42A27DB-BD31-4B8C-83A1-F6EECF244321}">
+                <p14:modId xmlns:p14="http://schemas.microsoft.com/office/powerpoint/2010/main" val="1122559237"/>
+              </p:ext>
+            </p:extLst>
+          </p:nvPr>
+        </p:nvGraphicFramePr>
+        <p:xfrm>
+          <a:off x="838200" y="2828802"/>
+          <a:ext cx="10515600" cy="1844040"/>
+        </p:xfrm>
+        <a:graphic>
+          <a:graphicData uri="http://schemas.openxmlformats.org/drawingml/2006/table">
+            <a:tbl>
+              <a:tblPr firstRow="1" bandRow="1">
+                <a:tableStyleId>{5940675A-B579-460E-94D1-54222C63F5DA}</a:tableStyleId>
+              </a:tblPr>
+              <a:tblGrid>
+                <a:gridCol w="5257800">
+                  <a:extLst>
+                    <a:ext uri="{9D8B030D-6E8A-4147-A177-3AD203B41FA5}">
+                      <a16:colId xmlns:a16="http://schemas.microsoft.com/office/drawing/2014/main" val="1801006211"/>
+                    </a:ext>
+                  </a:extLst>
+                </a:gridCol>
+                <a:gridCol w="5257800">
+                  <a:extLst>
+                    <a:ext uri="{9D8B030D-6E8A-4147-A177-3AD203B41FA5}">
+                      <a16:colId xmlns:a16="http://schemas.microsoft.com/office/drawing/2014/main" val="3981894291"/>
+                    </a:ext>
+                  </a:extLst>
+                </a:gridCol>
+              </a:tblGrid>
+              <a:tr h="370840">
+                <a:tc>
+                  <a:txBody>
+                    <a:bodyPr/>
+                    <a:lstStyle/>
+                    <a:p>
+                      <a:pPr algn="ctr"/>
+                      <a:r>
+                        <a:rPr lang="ja-JP" altLang="en-US" dirty="0">
+                          <a:latin typeface="MS Mincho" panose="02020609040205080304" pitchFamily="49" charset="-128"/>
+                          <a:ea typeface="MS Mincho" panose="02020609040205080304" pitchFamily="49" charset="-128"/>
+                        </a:rPr>
+                        <a:t>真の質問</a:t>
+                      </a:r>
+                      <a:endParaRPr lang="zh-CN" altLang="en-US" dirty="0">
+                        <a:latin typeface="MS Mincho" panose="02020609040205080304" pitchFamily="49" charset="-128"/>
+                        <a:ea typeface="MS Mincho" panose="02020609040205080304" pitchFamily="49" charset="-128"/>
+                      </a:endParaRPr>
+                    </a:p>
+                  </a:txBody>
+                  <a:tcPr/>
+                </a:tc>
+                <a:tc>
+                  <a:txBody>
+                    <a:bodyPr/>
+                    <a:lstStyle/>
+                    <a:p>
+                      <a:pPr algn="ctr"/>
+                      <a:r>
+                        <a:rPr lang="ja-JP" altLang="en-US" dirty="0">
+                          <a:latin typeface="MS Mincho" panose="02020609040205080304" pitchFamily="49" charset="-128"/>
+                          <a:ea typeface="MS Mincho" panose="02020609040205080304" pitchFamily="49" charset="-128"/>
+                        </a:rPr>
+                        <a:t>ダミー質問</a:t>
+                      </a:r>
+                      <a:endParaRPr lang="zh-CN" altLang="en-US" dirty="0">
+                        <a:latin typeface="MS Mincho" panose="02020609040205080304" pitchFamily="49" charset="-128"/>
+                        <a:ea typeface="MS Mincho" panose="02020609040205080304" pitchFamily="49" charset="-128"/>
+                      </a:endParaRPr>
+                    </a:p>
+                  </a:txBody>
+                  <a:tcPr/>
+                </a:tc>
+                <a:extLst>
+                  <a:ext uri="{0D108BD9-81ED-4DB2-BD59-A6C34878D82A}">
+                    <a16:rowId xmlns:a16="http://schemas.microsoft.com/office/drawing/2014/main" val="4234088887"/>
+                  </a:ext>
+                </a:extLst>
+              </a:tr>
+              <a:tr h="370840">
+                <a:tc>
+                  <a:txBody>
+                    <a:bodyPr/>
+                    <a:lstStyle/>
+                    <a:p>
+                      <a:pPr algn="ctr"/>
+                      <a:r>
+                        <a:rPr lang="ja-JP" altLang="en-US" dirty="0">
+                          <a:latin typeface="MS Mincho" panose="02020609040205080304" pitchFamily="49" charset="-128"/>
+                          <a:ea typeface="MS Mincho" panose="02020609040205080304" pitchFamily="49" charset="-128"/>
+                        </a:rPr>
+                        <a:t>映画</a:t>
+                      </a:r>
+                      <a:endParaRPr lang="zh-CN" altLang="en-US" dirty="0">
+                        <a:latin typeface="MS Mincho" panose="02020609040205080304" pitchFamily="49" charset="-128"/>
+                        <a:ea typeface="MS Mincho" panose="02020609040205080304" pitchFamily="49" charset="-128"/>
+                      </a:endParaRPr>
+                    </a:p>
+                  </a:txBody>
+                  <a:tcPr/>
+                </a:tc>
+                <a:tc>
+                  <a:txBody>
+                    <a:bodyPr/>
+                    <a:lstStyle/>
+                    <a:p>
+                      <a:pPr algn="ctr"/>
+                      <a:r>
+                        <a:rPr lang="ja-JP" altLang="en-US" dirty="0">
+                          <a:latin typeface="MS Mincho" panose="02020609040205080304" pitchFamily="49" charset="-128"/>
+                          <a:ea typeface="MS Mincho" panose="02020609040205080304" pitchFamily="49" charset="-128"/>
+                        </a:rPr>
+                        <a:t>スポーツ</a:t>
+                      </a:r>
+                      <a:endParaRPr lang="zh-CN" altLang="en-US" dirty="0">
+                        <a:latin typeface="MS Mincho" panose="02020609040205080304" pitchFamily="49" charset="-128"/>
+                        <a:ea typeface="MS Mincho" panose="02020609040205080304" pitchFamily="49" charset="-128"/>
+                      </a:endParaRPr>
+                    </a:p>
+                  </a:txBody>
+                  <a:tcPr/>
+                </a:tc>
+                <a:extLst>
+                  <a:ext uri="{0D108BD9-81ED-4DB2-BD59-A6C34878D82A}">
+                    <a16:rowId xmlns:a16="http://schemas.microsoft.com/office/drawing/2014/main" val="1219115089"/>
+                  </a:ext>
+                </a:extLst>
+              </a:tr>
+              <a:tr h="370840">
+                <a:tc>
+                  <a:txBody>
+                    <a:bodyPr/>
+                    <a:lstStyle/>
+                    <a:p>
+                      <a:pPr algn="ctr"/>
+                      <a:r>
+                        <a:rPr lang="ja-JP" altLang="en-US" dirty="0">
+                          <a:latin typeface="MS Mincho" panose="02020609040205080304" pitchFamily="49" charset="-128"/>
+                          <a:ea typeface="MS Mincho" panose="02020609040205080304" pitchFamily="49" charset="-128"/>
+                        </a:rPr>
+                        <a:t>音楽</a:t>
+                      </a:r>
+                      <a:endParaRPr lang="zh-CN" altLang="en-US" dirty="0">
+                        <a:latin typeface="MS Mincho" panose="02020609040205080304" pitchFamily="49" charset="-128"/>
+                        <a:ea typeface="MS Mincho" panose="02020609040205080304" pitchFamily="49" charset="-128"/>
+                      </a:endParaRPr>
+                    </a:p>
+                  </a:txBody>
+                  <a:tcPr/>
+                </a:tc>
+                <a:tc>
+                  <a:txBody>
+                    <a:bodyPr/>
+                    <a:lstStyle/>
+                    <a:p>
+                      <a:pPr marL="0" marR="0" lvl="0" indent="0" algn="ctr" defTabSz="914400" rtl="0" eaLnBrk="1" fontAlgn="auto" latinLnBrk="0" hangingPunct="1">
+                        <a:lnSpc>
+                          <a:spcPct val="100000"/>
+                        </a:lnSpc>
+                        <a:spcBef>
+                          <a:spcPts val="0"/>
+                        </a:spcBef>
+                        <a:spcAft>
+                          <a:spcPts val="0"/>
+                        </a:spcAft>
+                        <a:buClrTx/>
+                        <a:buSzTx/>
+                        <a:buFontTx/>
+                        <a:buNone/>
+                        <a:tabLst/>
+                        <a:defRPr/>
+                      </a:pPr>
+                      <a:r>
+                        <a:rPr lang="ja-JP" altLang="en-US" dirty="0">
+                          <a:latin typeface="MS Mincho" panose="02020609040205080304" pitchFamily="49" charset="-128"/>
+                          <a:ea typeface="MS Mincho" panose="02020609040205080304" pitchFamily="49" charset="-128"/>
+                        </a:rPr>
+                        <a:t>農業</a:t>
+                      </a:r>
+                      <a:endParaRPr lang="zh-CN" altLang="en-US" dirty="0">
+                        <a:latin typeface="MS Mincho" panose="02020609040205080304" pitchFamily="49" charset="-128"/>
+                        <a:ea typeface="MS Mincho" panose="02020609040205080304" pitchFamily="49" charset="-128"/>
+                      </a:endParaRPr>
+                    </a:p>
+                  </a:txBody>
+                  <a:tcPr/>
+                </a:tc>
+                <a:extLst>
+                  <a:ext uri="{0D108BD9-81ED-4DB2-BD59-A6C34878D82A}">
+                    <a16:rowId xmlns:a16="http://schemas.microsoft.com/office/drawing/2014/main" val="3182508123"/>
+                  </a:ext>
+                </a:extLst>
+              </a:tr>
+              <a:tr h="185420">
+                <a:tc>
+                  <a:txBody>
+                    <a:bodyPr/>
+                    <a:lstStyle/>
+                    <a:p>
+                      <a:pPr marL="0" marR="0" lvl="0" indent="0" algn="ctr" defTabSz="914400" rtl="0" eaLnBrk="1" fontAlgn="auto" latinLnBrk="0" hangingPunct="1">
+                        <a:lnSpc>
+                          <a:spcPct val="100000"/>
+                        </a:lnSpc>
+                        <a:spcBef>
+                          <a:spcPts val="0"/>
+                        </a:spcBef>
+                        <a:spcAft>
+                          <a:spcPts val="0"/>
+                        </a:spcAft>
+                        <a:buClrTx/>
+                        <a:buSzTx/>
+                        <a:buFontTx/>
+                        <a:buNone/>
+                        <a:tabLst/>
+                        <a:defRPr/>
+                      </a:pPr>
+                      <a:r>
+                        <a:rPr lang="ja-JP" altLang="en-US" dirty="0">
+                          <a:latin typeface="MS Mincho" panose="02020609040205080304" pitchFamily="49" charset="-128"/>
+                          <a:ea typeface="MS Mincho" panose="02020609040205080304" pitchFamily="49" charset="-128"/>
+                        </a:rPr>
+                        <a:t>映画</a:t>
+                      </a:r>
+                      <a:endParaRPr lang="zh-CN" altLang="en-US" dirty="0">
+                        <a:latin typeface="MS Mincho" panose="02020609040205080304" pitchFamily="49" charset="-128"/>
+                        <a:ea typeface="MS Mincho" panose="02020609040205080304" pitchFamily="49" charset="-128"/>
+                      </a:endParaRPr>
+                    </a:p>
+                  </a:txBody>
+                  <a:tcPr/>
+                </a:tc>
+                <a:tc>
+                  <a:txBody>
+                    <a:bodyPr/>
+                    <a:lstStyle/>
+                    <a:p>
+                      <a:pPr marL="0" marR="0" lvl="0" indent="0" algn="ctr" defTabSz="914400" rtl="0" eaLnBrk="1" fontAlgn="auto" latinLnBrk="0" hangingPunct="1">
+                        <a:lnSpc>
+                          <a:spcPct val="100000"/>
+                        </a:lnSpc>
+                        <a:spcBef>
+                          <a:spcPts val="0"/>
+                        </a:spcBef>
+                        <a:spcAft>
+                          <a:spcPts val="0"/>
+                        </a:spcAft>
+                        <a:buClrTx/>
+                        <a:buSzTx/>
+                        <a:buFontTx/>
+                        <a:buNone/>
+                        <a:tabLst/>
+                        <a:defRPr/>
+                      </a:pPr>
+                      <a:r>
+                        <a:rPr lang="ja-JP" altLang="en-US" dirty="0">
+                          <a:latin typeface="MS Mincho" panose="02020609040205080304" pitchFamily="49" charset="-128"/>
+                          <a:ea typeface="MS Mincho" panose="02020609040205080304" pitchFamily="49" charset="-128"/>
+                        </a:rPr>
+                        <a:t>スポーツ</a:t>
+                      </a:r>
+                      <a:endParaRPr lang="zh-CN" altLang="en-US" dirty="0">
+                        <a:latin typeface="MS Mincho" panose="02020609040205080304" pitchFamily="49" charset="-128"/>
+                        <a:ea typeface="MS Mincho" panose="02020609040205080304" pitchFamily="49" charset="-128"/>
+                      </a:endParaRPr>
+                    </a:p>
+                  </a:txBody>
+                  <a:tcPr/>
+                </a:tc>
+                <a:extLst>
+                  <a:ext uri="{0D108BD9-81ED-4DB2-BD59-A6C34878D82A}">
+                    <a16:rowId xmlns:a16="http://schemas.microsoft.com/office/drawing/2014/main" val="4290151585"/>
+                  </a:ext>
+                </a:extLst>
+              </a:tr>
+              <a:tr h="185420">
+                <a:tc>
+                  <a:txBody>
+                    <a:bodyPr/>
+                    <a:lstStyle/>
+                    <a:p>
+                      <a:pPr marL="0" marR="0" lvl="0" indent="0" algn="ctr" defTabSz="914400" rtl="0" eaLnBrk="1" fontAlgn="auto" latinLnBrk="0" hangingPunct="1">
+                        <a:lnSpc>
+                          <a:spcPct val="100000"/>
+                        </a:lnSpc>
+                        <a:spcBef>
+                          <a:spcPts val="0"/>
+                        </a:spcBef>
+                        <a:spcAft>
+                          <a:spcPts val="0"/>
+                        </a:spcAft>
+                        <a:buClrTx/>
+                        <a:buSzTx/>
+                        <a:buFontTx/>
+                        <a:buNone/>
+                        <a:tabLst/>
+                        <a:defRPr/>
+                      </a:pPr>
+                      <a:r>
+                        <a:rPr lang="en-US" altLang="ja-JP" dirty="0">
+                          <a:latin typeface="MS Mincho" panose="02020609040205080304" pitchFamily="49" charset="-128"/>
+                          <a:ea typeface="MS Mincho" panose="02020609040205080304" pitchFamily="49" charset="-128"/>
+                        </a:rPr>
+                        <a:t>…</a:t>
+                      </a:r>
+                      <a:endParaRPr lang="zh-CN" altLang="en-US" dirty="0">
+                        <a:latin typeface="MS Mincho" panose="02020609040205080304" pitchFamily="49" charset="-128"/>
+                        <a:ea typeface="MS Mincho" panose="02020609040205080304" pitchFamily="49" charset="-128"/>
+                      </a:endParaRPr>
+                    </a:p>
+                  </a:txBody>
+                  <a:tcPr/>
+                </a:tc>
+                <a:tc>
+                  <a:txBody>
+                    <a:bodyPr/>
+                    <a:lstStyle/>
+                    <a:p>
+                      <a:pPr marL="0" marR="0" lvl="0" indent="0" algn="ctr" defTabSz="914400" rtl="0" eaLnBrk="1" fontAlgn="auto" latinLnBrk="0" hangingPunct="1">
+                        <a:lnSpc>
+                          <a:spcPct val="100000"/>
+                        </a:lnSpc>
+                        <a:spcBef>
+                          <a:spcPts val="0"/>
+                        </a:spcBef>
+                        <a:spcAft>
+                          <a:spcPts val="0"/>
+                        </a:spcAft>
+                        <a:buClrTx/>
+                        <a:buSzTx/>
+                        <a:buFontTx/>
+                        <a:buNone/>
+                        <a:tabLst/>
+                        <a:defRPr/>
+                      </a:pPr>
+                      <a:r>
+                        <a:rPr lang="en-US" altLang="ja-JP" dirty="0">
+                          <a:latin typeface="MS Mincho" panose="02020609040205080304" pitchFamily="49" charset="-128"/>
+                          <a:ea typeface="MS Mincho" panose="02020609040205080304" pitchFamily="49" charset="-128"/>
+                        </a:rPr>
+                        <a:t>…</a:t>
+                      </a:r>
+                      <a:endParaRPr lang="zh-CN" altLang="en-US" dirty="0">
+                        <a:latin typeface="MS Mincho" panose="02020609040205080304" pitchFamily="49" charset="-128"/>
+                        <a:ea typeface="MS Mincho" panose="02020609040205080304" pitchFamily="49" charset="-128"/>
+                      </a:endParaRPr>
+                    </a:p>
+                  </a:txBody>
+                  <a:tcPr/>
+                </a:tc>
+                <a:extLst>
+                  <a:ext uri="{0D108BD9-81ED-4DB2-BD59-A6C34878D82A}">
+                    <a16:rowId xmlns:a16="http://schemas.microsoft.com/office/drawing/2014/main" val="1064254028"/>
+                  </a:ext>
+                </a:extLst>
+              </a:tr>
+            </a:tbl>
+          </a:graphicData>
+        </a:graphic>
+      </p:graphicFrame>
+    </p:spTree>
+    <p:extLst>
+      <p:ext uri="{BB962C8B-B14F-4D97-AF65-F5344CB8AC3E}">
+        <p14:creationId xmlns:p14="http://schemas.microsoft.com/office/powerpoint/2010/main" val="3634777116"/>
+      </p:ext>
+    </p:extLst>
+  </p:cSld>
+  <p:clrMapOvr>
+    <a:masterClrMapping/>
+  </p:clrMapOvr>
+</p:sld>
+</file>
+
+<file path=ppt/slides/slide73.xml><?xml version="1.0" encoding="utf-8"?>
+<p:sld xmlns:a="http://schemas.openxmlformats.org/drawingml/2006/main" xmlns:r="http://schemas.openxmlformats.org/officeDocument/2006/relationships" xmlns:p="http://schemas.openxmlformats.org/presentationml/2006/main">
+  <p:cSld>
+    <p:spTree>
+      <p:nvGrpSpPr>
+        <p:cNvPr id="1" name=""/>
+        <p:cNvGrpSpPr/>
+        <p:nvPr/>
+      </p:nvGrpSpPr>
+      <p:grpSpPr>
+        <a:xfrm>
+          <a:off x="0" y="0"/>
+          <a:ext cx="0" cy="0"/>
+          <a:chOff x="0" y="0"/>
+          <a:chExt cx="0" cy="0"/>
+        </a:xfrm>
+      </p:grpSpPr>
+      <p:sp>
+        <p:nvSpPr>
+          <p:cNvPr id="2" name="标题 1"/>
+          <p:cNvSpPr>
+            <a:spLocks noGrp="1"/>
+          </p:cNvSpPr>
+          <p:nvPr>
+            <p:ph type="title"/>
+          </p:nvPr>
+        </p:nvSpPr>
+        <p:spPr/>
+        <p:txBody>
+          <a:bodyPr/>
+          <a:lstStyle/>
+          <a:p>
+            <a:r>
+              <a:rPr lang="ja-JP" altLang="en-US" dirty="0">
+                <a:latin typeface="MS Mincho" panose="02020609040205080304" pitchFamily="49" charset="-128"/>
+                <a:ea typeface="MS Mincho" panose="02020609040205080304" pitchFamily="49" charset="-128"/>
+              </a:rPr>
+              <a:t>質問意図を曖昧化するキーワード検索</a:t>
+            </a:r>
+            <a:endParaRPr lang="zh-CN" altLang="en-US" dirty="0">
+              <a:latin typeface="MS Mincho" panose="02020609040205080304" pitchFamily="49" charset="-128"/>
+              <a:ea typeface="MS Mincho" panose="02020609040205080304" pitchFamily="49" charset="-128"/>
+            </a:endParaRPr>
+          </a:p>
+        </p:txBody>
+      </p:sp>
+      <p:graphicFrame>
+        <p:nvGraphicFramePr>
+          <p:cNvPr id="6" name="内容占位符 5"/>
+          <p:cNvGraphicFramePr>
+            <a:graphicFrameLocks noGrp="1"/>
+          </p:cNvGraphicFramePr>
+          <p:nvPr>
+            <p:ph idx="1"/>
+            <p:extLst>
+              <p:ext uri="{D42A27DB-BD31-4B8C-83A1-F6EECF244321}">
+                <p14:modId xmlns:p14="http://schemas.microsoft.com/office/powerpoint/2010/main" val="552233820"/>
+              </p:ext>
+            </p:extLst>
+          </p:nvPr>
+        </p:nvGraphicFramePr>
+        <p:xfrm>
+          <a:off x="838200" y="2828802"/>
+          <a:ext cx="10515600" cy="1844040"/>
+        </p:xfrm>
+        <a:graphic>
+          <a:graphicData uri="http://schemas.openxmlformats.org/drawingml/2006/table">
+            <a:tbl>
+              <a:tblPr firstRow="1" bandRow="1">
+                <a:tableStyleId>{5940675A-B579-460E-94D1-54222C63F5DA}</a:tableStyleId>
+              </a:tblPr>
+              <a:tblGrid>
+                <a:gridCol w="5257800">
+                  <a:extLst>
+                    <a:ext uri="{9D8B030D-6E8A-4147-A177-3AD203B41FA5}">
+                      <a16:colId xmlns:a16="http://schemas.microsoft.com/office/drawing/2014/main" val="1801006211"/>
+                    </a:ext>
+                  </a:extLst>
+                </a:gridCol>
+                <a:gridCol w="5257800">
+                  <a:extLst>
+                    <a:ext uri="{9D8B030D-6E8A-4147-A177-3AD203B41FA5}">
+                      <a16:colId xmlns:a16="http://schemas.microsoft.com/office/drawing/2014/main" val="3981894291"/>
+                    </a:ext>
+                  </a:extLst>
+                </a:gridCol>
+              </a:tblGrid>
+              <a:tr h="370840">
+                <a:tc>
+                  <a:txBody>
+                    <a:bodyPr/>
+                    <a:lstStyle/>
+                    <a:p>
+                      <a:pPr algn="ctr"/>
+                      <a:r>
+                        <a:rPr lang="ja-JP" altLang="en-US" dirty="0">
+                          <a:latin typeface="MS Mincho" panose="02020609040205080304" pitchFamily="49" charset="-128"/>
+                          <a:ea typeface="MS Mincho" panose="02020609040205080304" pitchFamily="49" charset="-128"/>
+                        </a:rPr>
+                        <a:t>真の質問</a:t>
+                      </a:r>
+                      <a:endParaRPr lang="zh-CN" altLang="en-US" dirty="0">
+                        <a:latin typeface="MS Mincho" panose="02020609040205080304" pitchFamily="49" charset="-128"/>
+                        <a:ea typeface="MS Mincho" panose="02020609040205080304" pitchFamily="49" charset="-128"/>
+                      </a:endParaRPr>
+                    </a:p>
+                  </a:txBody>
+                  <a:tcPr/>
+                </a:tc>
+                <a:tc>
+                  <a:txBody>
+                    <a:bodyPr/>
+                    <a:lstStyle/>
+                    <a:p>
+                      <a:pPr algn="ctr"/>
+                      <a:r>
+                        <a:rPr lang="ja-JP" altLang="en-US" dirty="0">
+                          <a:latin typeface="MS Mincho" panose="02020609040205080304" pitchFamily="49" charset="-128"/>
+                          <a:ea typeface="MS Mincho" panose="02020609040205080304" pitchFamily="49" charset="-128"/>
+                        </a:rPr>
+                        <a:t>ダミー質問</a:t>
+                      </a:r>
+                      <a:endParaRPr lang="zh-CN" altLang="en-US" dirty="0">
+                        <a:latin typeface="MS Mincho" panose="02020609040205080304" pitchFamily="49" charset="-128"/>
+                        <a:ea typeface="MS Mincho" panose="02020609040205080304" pitchFamily="49" charset="-128"/>
+                      </a:endParaRPr>
+                    </a:p>
+                  </a:txBody>
+                  <a:tcPr/>
+                </a:tc>
+                <a:extLst>
+                  <a:ext uri="{0D108BD9-81ED-4DB2-BD59-A6C34878D82A}">
+                    <a16:rowId xmlns:a16="http://schemas.microsoft.com/office/drawing/2014/main" val="4234088887"/>
+                  </a:ext>
+                </a:extLst>
+              </a:tr>
+              <a:tr h="370840">
+                <a:tc>
+                  <a:txBody>
+                    <a:bodyPr/>
+                    <a:lstStyle/>
+                    <a:p>
+                      <a:pPr algn="ctr"/>
+                      <a:r>
+                        <a:rPr lang="ja-JP" altLang="en-US" dirty="0">
+                          <a:latin typeface="MS Mincho" panose="02020609040205080304" pitchFamily="49" charset="-128"/>
+                          <a:ea typeface="MS Mincho" panose="02020609040205080304" pitchFamily="49" charset="-128"/>
+                        </a:rPr>
+                        <a:t>君の名は 監督</a:t>
+                      </a:r>
+                      <a:endParaRPr lang="zh-CN" altLang="en-US" dirty="0">
+                        <a:latin typeface="MS Mincho" panose="02020609040205080304" pitchFamily="49" charset="-128"/>
+                        <a:ea typeface="MS Mincho" panose="02020609040205080304" pitchFamily="49" charset="-128"/>
+                      </a:endParaRPr>
+                    </a:p>
+                  </a:txBody>
+                  <a:tcPr/>
+                </a:tc>
+                <a:tc>
+                  <a:txBody>
+                    <a:bodyPr/>
+                    <a:lstStyle/>
+                    <a:p>
+                      <a:pPr algn="ctr"/>
+                      <a:r>
+                        <a:rPr lang="zh-CN" altLang="en-US" dirty="0">
+                          <a:latin typeface="MS Mincho" panose="02020609040205080304" pitchFamily="49" charset="-128"/>
+                          <a:ea typeface="MS Mincho" panose="02020609040205080304" pitchFamily="49" charset="-128"/>
+                        </a:rPr>
+                        <a:t>野球</a:t>
+                      </a:r>
+                      <a:r>
+                        <a:rPr lang="ja-JP" altLang="en-US" dirty="0">
+                          <a:latin typeface="MS Mincho" panose="02020609040205080304" pitchFamily="49" charset="-128"/>
+                          <a:ea typeface="MS Mincho" panose="02020609040205080304" pitchFamily="49" charset="-128"/>
+                        </a:rPr>
+                        <a:t>　スラムダンク</a:t>
+                      </a:r>
+                      <a:endParaRPr lang="zh-CN" altLang="en-US" dirty="0">
+                        <a:latin typeface="MS Mincho" panose="02020609040205080304" pitchFamily="49" charset="-128"/>
+                        <a:ea typeface="MS Mincho" panose="02020609040205080304" pitchFamily="49" charset="-128"/>
+                      </a:endParaRPr>
+                    </a:p>
+                  </a:txBody>
+                  <a:tcPr/>
+                </a:tc>
+                <a:extLst>
+                  <a:ext uri="{0D108BD9-81ED-4DB2-BD59-A6C34878D82A}">
+                    <a16:rowId xmlns:a16="http://schemas.microsoft.com/office/drawing/2014/main" val="1219115089"/>
+                  </a:ext>
+                </a:extLst>
+              </a:tr>
+              <a:tr h="370840">
+                <a:tc>
+                  <a:txBody>
+                    <a:bodyPr/>
+                    <a:lstStyle/>
+                    <a:p>
+                      <a:pPr algn="ctr"/>
+                      <a:r>
+                        <a:rPr lang="ja-JP" altLang="en-US" dirty="0">
+                          <a:latin typeface="MS Mincho" panose="02020609040205080304" pitchFamily="49" charset="-128"/>
+                          <a:ea typeface="MS Mincho" panose="02020609040205080304" pitchFamily="49" charset="-128"/>
+                        </a:rPr>
+                        <a:t>君の名は アルバム 前前前世　</a:t>
+                      </a:r>
+                      <a:endParaRPr lang="zh-CN" altLang="en-US" dirty="0">
+                        <a:latin typeface="MS Mincho" panose="02020609040205080304" pitchFamily="49" charset="-128"/>
+                        <a:ea typeface="MS Mincho" panose="02020609040205080304" pitchFamily="49" charset="-128"/>
+                      </a:endParaRPr>
+                    </a:p>
+                  </a:txBody>
+                  <a:tcPr/>
+                </a:tc>
+                <a:tc>
+                  <a:txBody>
+                    <a:bodyPr/>
+                    <a:lstStyle/>
+                    <a:p>
+                      <a:pPr marL="0" marR="0" lvl="0" indent="0" algn="ctr" defTabSz="914400" rtl="0" eaLnBrk="1" fontAlgn="auto" latinLnBrk="0" hangingPunct="1">
+                        <a:lnSpc>
+                          <a:spcPct val="100000"/>
+                        </a:lnSpc>
+                        <a:spcBef>
+                          <a:spcPts val="0"/>
+                        </a:spcBef>
+                        <a:spcAft>
+                          <a:spcPts val="0"/>
+                        </a:spcAft>
+                        <a:buClrTx/>
+                        <a:buSzTx/>
+                        <a:buFontTx/>
+                        <a:buNone/>
+                        <a:tabLst/>
+                        <a:defRPr/>
+                      </a:pPr>
+                      <a:r>
+                        <a:rPr lang="ja-JP" altLang="en-US" dirty="0">
+                          <a:latin typeface="MS Mincho" panose="02020609040205080304" pitchFamily="49" charset="-128"/>
+                          <a:ea typeface="MS Mincho" panose="02020609040205080304" pitchFamily="49" charset="-128"/>
+                        </a:rPr>
+                        <a:t>農作物 栽培</a:t>
+                      </a:r>
+                      <a:endParaRPr lang="zh-CN" altLang="en-US" dirty="0">
+                        <a:latin typeface="MS Mincho" panose="02020609040205080304" pitchFamily="49" charset="-128"/>
+                        <a:ea typeface="MS Mincho" panose="02020609040205080304" pitchFamily="49" charset="-128"/>
+                      </a:endParaRPr>
+                    </a:p>
+                  </a:txBody>
+                  <a:tcPr/>
+                </a:tc>
+                <a:extLst>
+                  <a:ext uri="{0D108BD9-81ED-4DB2-BD59-A6C34878D82A}">
+                    <a16:rowId xmlns:a16="http://schemas.microsoft.com/office/drawing/2014/main" val="3182508123"/>
+                  </a:ext>
+                </a:extLst>
+              </a:tr>
+              <a:tr h="185420">
+                <a:tc>
+                  <a:txBody>
+                    <a:bodyPr/>
+                    <a:lstStyle/>
+                    <a:p>
+                      <a:pPr marL="0" marR="0" lvl="0" indent="0" algn="ctr" defTabSz="914400" rtl="0" eaLnBrk="1" fontAlgn="auto" latinLnBrk="0" hangingPunct="1">
+                        <a:lnSpc>
+                          <a:spcPct val="100000"/>
+                        </a:lnSpc>
+                        <a:spcBef>
+                          <a:spcPts val="0"/>
+                        </a:spcBef>
+                        <a:spcAft>
+                          <a:spcPts val="0"/>
+                        </a:spcAft>
+                        <a:buClrTx/>
+                        <a:buSzTx/>
+                        <a:buFontTx/>
+                        <a:buNone/>
+                        <a:tabLst/>
+                        <a:defRPr/>
+                      </a:pPr>
+                      <a:r>
+                        <a:rPr lang="ja-JP" altLang="en-US" dirty="0">
+                          <a:latin typeface="MS Mincho" panose="02020609040205080304" pitchFamily="49" charset="-128"/>
+                          <a:ea typeface="MS Mincho" panose="02020609040205080304" pitchFamily="49" charset="-128"/>
+                        </a:rPr>
+                        <a:t>君の名は 声優</a:t>
+                      </a:r>
+                      <a:endParaRPr lang="zh-CN" altLang="en-US" dirty="0">
+                        <a:latin typeface="MS Mincho" panose="02020609040205080304" pitchFamily="49" charset="-128"/>
+                        <a:ea typeface="MS Mincho" panose="02020609040205080304" pitchFamily="49" charset="-128"/>
+                      </a:endParaRPr>
+                    </a:p>
+                  </a:txBody>
+                  <a:tcPr/>
+                </a:tc>
+                <a:tc>
+                  <a:txBody>
+                    <a:bodyPr/>
+                    <a:lstStyle/>
+                    <a:p>
+                      <a:pPr marL="0" marR="0" lvl="0" indent="0" algn="ctr" defTabSz="914400" rtl="0" eaLnBrk="1" fontAlgn="auto" latinLnBrk="0" hangingPunct="1">
+                        <a:lnSpc>
+                          <a:spcPct val="100000"/>
+                        </a:lnSpc>
+                        <a:spcBef>
+                          <a:spcPts val="0"/>
+                        </a:spcBef>
+                        <a:spcAft>
+                          <a:spcPts val="0"/>
+                        </a:spcAft>
+                        <a:buClrTx/>
+                        <a:buSzTx/>
+                        <a:buFontTx/>
+                        <a:buNone/>
+                        <a:tabLst/>
+                        <a:defRPr/>
+                      </a:pPr>
+                      <a:r>
+                        <a:rPr lang="en-US" altLang="ja-JP" dirty="0">
+                          <a:latin typeface="MS Mincho" panose="02020609040205080304" pitchFamily="49" charset="-128"/>
+                          <a:ea typeface="MS Mincho" panose="02020609040205080304" pitchFamily="49" charset="-128"/>
+                        </a:rPr>
+                        <a:t>J1 </a:t>
+                      </a:r>
+                      <a:r>
+                        <a:rPr lang="ja-JP" altLang="en-US" dirty="0">
+                          <a:latin typeface="MS Mincho" panose="02020609040205080304" pitchFamily="49" charset="-128"/>
+                          <a:ea typeface="MS Mincho" panose="02020609040205080304" pitchFamily="49" charset="-128"/>
+                        </a:rPr>
+                        <a:t>順位表</a:t>
+                      </a:r>
+                      <a:endParaRPr lang="zh-CN" altLang="en-US" dirty="0">
+                        <a:latin typeface="MS Mincho" panose="02020609040205080304" pitchFamily="49" charset="-128"/>
+                        <a:ea typeface="MS Mincho" panose="02020609040205080304" pitchFamily="49" charset="-128"/>
+                      </a:endParaRPr>
+                    </a:p>
+                  </a:txBody>
+                  <a:tcPr/>
+                </a:tc>
+                <a:extLst>
+                  <a:ext uri="{0D108BD9-81ED-4DB2-BD59-A6C34878D82A}">
+                    <a16:rowId xmlns:a16="http://schemas.microsoft.com/office/drawing/2014/main" val="4290151585"/>
+                  </a:ext>
+                </a:extLst>
+              </a:tr>
+              <a:tr h="185420">
+                <a:tc>
+                  <a:txBody>
+                    <a:bodyPr/>
+                    <a:lstStyle/>
+                    <a:p>
+                      <a:pPr marL="0" marR="0" lvl="0" indent="0" algn="ctr" defTabSz="914400" rtl="0" eaLnBrk="1" fontAlgn="auto" latinLnBrk="0" hangingPunct="1">
+                        <a:lnSpc>
+                          <a:spcPct val="100000"/>
+                        </a:lnSpc>
+                        <a:spcBef>
+                          <a:spcPts val="0"/>
+                        </a:spcBef>
+                        <a:spcAft>
+                          <a:spcPts val="0"/>
+                        </a:spcAft>
+                        <a:buClrTx/>
+                        <a:buSzTx/>
+                        <a:buFontTx/>
+                        <a:buNone/>
+                        <a:tabLst/>
+                        <a:defRPr/>
+                      </a:pPr>
+                      <a:r>
+                        <a:rPr lang="en-US" altLang="ja-JP" dirty="0">
+                          <a:latin typeface="MS Mincho" panose="02020609040205080304" pitchFamily="49" charset="-128"/>
+                          <a:ea typeface="MS Mincho" panose="02020609040205080304" pitchFamily="49" charset="-128"/>
+                        </a:rPr>
+                        <a:t>…</a:t>
+                      </a:r>
+                      <a:endParaRPr lang="zh-CN" altLang="en-US" dirty="0">
+                        <a:latin typeface="MS Mincho" panose="02020609040205080304" pitchFamily="49" charset="-128"/>
+                        <a:ea typeface="MS Mincho" panose="02020609040205080304" pitchFamily="49" charset="-128"/>
+                      </a:endParaRPr>
+                    </a:p>
+                  </a:txBody>
+                  <a:tcPr/>
+                </a:tc>
+                <a:tc>
+                  <a:txBody>
+                    <a:bodyPr/>
+                    <a:lstStyle/>
+                    <a:p>
+                      <a:pPr marL="0" marR="0" lvl="0" indent="0" algn="ctr" defTabSz="914400" rtl="0" eaLnBrk="1" fontAlgn="auto" latinLnBrk="0" hangingPunct="1">
+                        <a:lnSpc>
+                          <a:spcPct val="100000"/>
+                        </a:lnSpc>
+                        <a:spcBef>
+                          <a:spcPts val="0"/>
+                        </a:spcBef>
+                        <a:spcAft>
+                          <a:spcPts val="0"/>
+                        </a:spcAft>
+                        <a:buClrTx/>
+                        <a:buSzTx/>
+                        <a:buFontTx/>
+                        <a:buNone/>
+                        <a:tabLst/>
+                        <a:defRPr/>
+                      </a:pPr>
+                      <a:r>
+                        <a:rPr lang="en-US" altLang="ja-JP" dirty="0">
+                          <a:latin typeface="MS Mincho" panose="02020609040205080304" pitchFamily="49" charset="-128"/>
+                          <a:ea typeface="MS Mincho" panose="02020609040205080304" pitchFamily="49" charset="-128"/>
+                        </a:rPr>
+                        <a:t>…</a:t>
+                      </a:r>
+                      <a:endParaRPr lang="zh-CN" altLang="en-US" dirty="0">
+                        <a:latin typeface="MS Mincho" panose="02020609040205080304" pitchFamily="49" charset="-128"/>
+                        <a:ea typeface="MS Mincho" panose="02020609040205080304" pitchFamily="49" charset="-128"/>
+                      </a:endParaRPr>
+                    </a:p>
+                  </a:txBody>
+                  <a:tcPr/>
+                </a:tc>
+                <a:extLst>
+                  <a:ext uri="{0D108BD9-81ED-4DB2-BD59-A6C34878D82A}">
+                    <a16:rowId xmlns:a16="http://schemas.microsoft.com/office/drawing/2014/main" val="1064254028"/>
+                  </a:ext>
+                </a:extLst>
+              </a:tr>
+            </a:tbl>
+          </a:graphicData>
+        </a:graphic>
+      </p:graphicFrame>
+    </p:spTree>
+    <p:extLst>
+      <p:ext uri="{BB962C8B-B14F-4D97-AF65-F5344CB8AC3E}">
+        <p14:creationId xmlns:p14="http://schemas.microsoft.com/office/powerpoint/2010/main" val="924786973"/>
+      </p:ext>
+    </p:extLst>
+  </p:cSld>
+  <p:clrMapOvr>
+    <a:masterClrMapping/>
+  </p:clrMapOvr>
+</p:sld>
+</file>
+
+<file path=ppt/slides/slide74.xml><?xml version="1.0" encoding="utf-8"?>
+<p:sld xmlns:a="http://schemas.openxmlformats.org/drawingml/2006/main" xmlns:r="http://schemas.openxmlformats.org/officeDocument/2006/relationships" xmlns:p="http://schemas.openxmlformats.org/presentationml/2006/main">
+  <p:cSld>
+    <p:spTree>
+      <p:nvGrpSpPr>
+        <p:cNvPr id="1" name=""/>
+        <p:cNvGrpSpPr/>
+        <p:nvPr/>
+      </p:nvGrpSpPr>
+      <p:grpSpPr>
+        <a:xfrm>
+          <a:off x="0" y="0"/>
+          <a:ext cx="0" cy="0"/>
+          <a:chOff x="0" y="0"/>
+          <a:chExt cx="0" cy="0"/>
+        </a:xfrm>
+      </p:grpSpPr>
+      <p:sp>
+        <p:nvSpPr>
+          <p:cNvPr id="2" name="标题 1"/>
+          <p:cNvSpPr>
+            <a:spLocks noGrp="1"/>
+          </p:cNvSpPr>
+          <p:nvPr>
+            <p:ph type="title"/>
+          </p:nvPr>
+        </p:nvSpPr>
+        <p:spPr>
+          <a:xfrm>
+            <a:off x="738696" y="382880"/>
+            <a:ext cx="10714608" cy="1325563"/>
+          </a:xfrm>
+        </p:spPr>
+        <p:txBody>
+          <a:bodyPr>
+            <a:normAutofit/>
+          </a:bodyPr>
+          <a:lstStyle/>
+          <a:p>
+            <a:r>
+              <a:rPr lang="ja-JP" altLang="en-US" sz="2800" dirty="0">
+                <a:latin typeface="MS Mincho" panose="02020609040205080304" pitchFamily="49" charset="-128"/>
+                <a:ea typeface="MS Mincho" panose="02020609040205080304" pitchFamily="49" charset="-128"/>
+              </a:rPr>
+              <a:t>事前情報がない場合の類似度攻撃 </a:t>
+            </a:r>
+            <a:r>
+              <a:rPr lang="en-US" altLang="zh-CN" sz="2800" dirty="0">
+                <a:latin typeface="MS Mincho" panose="02020609040205080304" pitchFamily="49" charset="-128"/>
+                <a:ea typeface="MS Mincho" panose="02020609040205080304" pitchFamily="49" charset="-128"/>
+              </a:rPr>
+              <a:t>V.S.</a:t>
+            </a:r>
+            <a:r>
+              <a:rPr lang="ja-JP" altLang="en-US" sz="2800" dirty="0">
+                <a:latin typeface="MS Mincho" panose="02020609040205080304" pitchFamily="49" charset="-128"/>
+                <a:ea typeface="MS Mincho" panose="02020609040205080304" pitchFamily="49" charset="-128"/>
+              </a:rPr>
+              <a:t>トピックを曖昧化する手法</a:t>
+            </a:r>
+            <a:endParaRPr lang="zh-CN" altLang="en-US" sz="2800" dirty="0">
+              <a:latin typeface="MS Mincho" panose="02020609040205080304" pitchFamily="49" charset="-128"/>
+              <a:ea typeface="MS Mincho" panose="02020609040205080304" pitchFamily="49" charset="-128"/>
+            </a:endParaRPr>
+          </a:p>
+        </p:txBody>
+      </p:sp>
+      <p:graphicFrame>
+        <p:nvGraphicFramePr>
+          <p:cNvPr id="6" name="内容占位符 5"/>
+          <p:cNvGraphicFramePr>
+            <a:graphicFrameLocks/>
+          </p:cNvGraphicFramePr>
+          <p:nvPr>
+            <p:extLst>
+              <p:ext uri="{D42A27DB-BD31-4B8C-83A1-F6EECF244321}">
+                <p14:modId xmlns:p14="http://schemas.microsoft.com/office/powerpoint/2010/main" val="1501634106"/>
+              </p:ext>
+            </p:extLst>
+          </p:nvPr>
+        </p:nvGraphicFramePr>
+        <p:xfrm>
+          <a:off x="838200" y="2828802"/>
+          <a:ext cx="10515600" cy="1844040"/>
+        </p:xfrm>
+        <a:graphic>
+          <a:graphicData uri="http://schemas.openxmlformats.org/drawingml/2006/table">
+            <a:tbl>
+              <a:tblPr firstRow="1" bandRow="1">
+                <a:tableStyleId>{5940675A-B579-460E-94D1-54222C63F5DA}</a:tableStyleId>
+              </a:tblPr>
+              <a:tblGrid>
+                <a:gridCol w="5257800">
+                  <a:extLst>
+                    <a:ext uri="{9D8B030D-6E8A-4147-A177-3AD203B41FA5}">
+                      <a16:colId xmlns:a16="http://schemas.microsoft.com/office/drawing/2014/main" val="1801006211"/>
+                    </a:ext>
+                  </a:extLst>
+                </a:gridCol>
+                <a:gridCol w="5257800">
+                  <a:extLst>
+                    <a:ext uri="{9D8B030D-6E8A-4147-A177-3AD203B41FA5}">
+                      <a16:colId xmlns:a16="http://schemas.microsoft.com/office/drawing/2014/main" val="3981894291"/>
+                    </a:ext>
+                  </a:extLst>
+                </a:gridCol>
+              </a:tblGrid>
+              <a:tr h="370840">
+                <a:tc>
+                  <a:txBody>
+                    <a:bodyPr/>
+                    <a:lstStyle/>
+                    <a:p>
+                      <a:pPr algn="ctr"/>
+                      <a:r>
+                        <a:rPr lang="ja-JP" altLang="en-US" dirty="0">
+                          <a:latin typeface="MS Mincho" panose="02020609040205080304" pitchFamily="49" charset="-128"/>
+                          <a:ea typeface="MS Mincho" panose="02020609040205080304" pitchFamily="49" charset="-128"/>
+                        </a:rPr>
+                        <a:t>真の質問</a:t>
+                      </a:r>
+                      <a:endParaRPr lang="zh-CN" altLang="en-US" dirty="0">
+                        <a:latin typeface="MS Mincho" panose="02020609040205080304" pitchFamily="49" charset="-128"/>
+                        <a:ea typeface="MS Mincho" panose="02020609040205080304" pitchFamily="49" charset="-128"/>
+                      </a:endParaRPr>
+                    </a:p>
+                  </a:txBody>
+                  <a:tcPr/>
+                </a:tc>
+                <a:tc>
+                  <a:txBody>
+                    <a:bodyPr/>
+                    <a:lstStyle/>
+                    <a:p>
+                      <a:pPr algn="ctr"/>
+                      <a:r>
+                        <a:rPr lang="ja-JP" altLang="en-US" dirty="0">
+                          <a:latin typeface="MS Mincho" panose="02020609040205080304" pitchFamily="49" charset="-128"/>
+                          <a:ea typeface="MS Mincho" panose="02020609040205080304" pitchFamily="49" charset="-128"/>
+                        </a:rPr>
+                        <a:t>ダミー質問</a:t>
+                      </a:r>
+                      <a:endParaRPr lang="zh-CN" altLang="en-US" dirty="0">
+                        <a:latin typeface="MS Mincho" panose="02020609040205080304" pitchFamily="49" charset="-128"/>
+                        <a:ea typeface="MS Mincho" panose="02020609040205080304" pitchFamily="49" charset="-128"/>
+                      </a:endParaRPr>
+                    </a:p>
+                  </a:txBody>
+                  <a:tcPr/>
+                </a:tc>
+                <a:extLst>
+                  <a:ext uri="{0D108BD9-81ED-4DB2-BD59-A6C34878D82A}">
+                    <a16:rowId xmlns:a16="http://schemas.microsoft.com/office/drawing/2014/main" val="4234088887"/>
+                  </a:ext>
+                </a:extLst>
+              </a:tr>
+              <a:tr h="370840">
+                <a:tc>
+                  <a:txBody>
+                    <a:bodyPr/>
+                    <a:lstStyle/>
+                    <a:p>
+                      <a:pPr algn="ctr"/>
+                      <a:r>
+                        <a:rPr lang="ja-JP" altLang="en-US" dirty="0">
+                          <a:latin typeface="MS Mincho" panose="02020609040205080304" pitchFamily="49" charset="-128"/>
+                          <a:ea typeface="MS Mincho" panose="02020609040205080304" pitchFamily="49" charset="-128"/>
+                        </a:rPr>
+                        <a:t>映画</a:t>
+                      </a:r>
+                      <a:endParaRPr lang="zh-CN" altLang="en-US" dirty="0">
+                        <a:latin typeface="MS Mincho" panose="02020609040205080304" pitchFamily="49" charset="-128"/>
+                        <a:ea typeface="MS Mincho" panose="02020609040205080304" pitchFamily="49" charset="-128"/>
+                      </a:endParaRPr>
+                    </a:p>
+                  </a:txBody>
+                  <a:tcPr/>
+                </a:tc>
+                <a:tc>
+                  <a:txBody>
+                    <a:bodyPr/>
+                    <a:lstStyle/>
+                    <a:p>
+                      <a:pPr algn="ctr"/>
+                      <a:r>
+                        <a:rPr lang="ja-JP" altLang="en-US" dirty="0">
+                          <a:latin typeface="MS Mincho" panose="02020609040205080304" pitchFamily="49" charset="-128"/>
+                          <a:ea typeface="MS Mincho" panose="02020609040205080304" pitchFamily="49" charset="-128"/>
+                        </a:rPr>
+                        <a:t>音楽</a:t>
+                      </a:r>
+                      <a:endParaRPr lang="zh-CN" altLang="en-US" dirty="0">
+                        <a:latin typeface="MS Mincho" panose="02020609040205080304" pitchFamily="49" charset="-128"/>
+                        <a:ea typeface="MS Mincho" panose="02020609040205080304" pitchFamily="49" charset="-128"/>
+                      </a:endParaRPr>
+                    </a:p>
+                  </a:txBody>
+                  <a:tcPr/>
+                </a:tc>
+                <a:extLst>
+                  <a:ext uri="{0D108BD9-81ED-4DB2-BD59-A6C34878D82A}">
+                    <a16:rowId xmlns:a16="http://schemas.microsoft.com/office/drawing/2014/main" val="1219115089"/>
+                  </a:ext>
+                </a:extLst>
+              </a:tr>
+              <a:tr h="370840">
+                <a:tc>
+                  <a:txBody>
+                    <a:bodyPr/>
+                    <a:lstStyle/>
+                    <a:p>
+                      <a:pPr algn="ctr"/>
+                      <a:r>
+                        <a:rPr lang="ja-JP" altLang="en-US" dirty="0">
+                          <a:latin typeface="MS Mincho" panose="02020609040205080304" pitchFamily="49" charset="-128"/>
+                          <a:ea typeface="MS Mincho" panose="02020609040205080304" pitchFamily="49" charset="-128"/>
+                        </a:rPr>
+                        <a:t>音楽</a:t>
+                      </a:r>
+                      <a:endParaRPr lang="zh-CN" altLang="en-US" dirty="0">
+                        <a:latin typeface="MS Mincho" panose="02020609040205080304" pitchFamily="49" charset="-128"/>
+                        <a:ea typeface="MS Mincho" panose="02020609040205080304" pitchFamily="49" charset="-128"/>
+                      </a:endParaRPr>
+                    </a:p>
+                  </a:txBody>
+                  <a:tcPr/>
+                </a:tc>
+                <a:tc>
+                  <a:txBody>
+                    <a:bodyPr/>
+                    <a:lstStyle/>
+                    <a:p>
+                      <a:pPr algn="ctr"/>
+                      <a:r>
+                        <a:rPr lang="ja-JP" altLang="en-US" dirty="0">
+                          <a:latin typeface="MS Mincho" panose="02020609040205080304" pitchFamily="49" charset="-128"/>
+                          <a:ea typeface="MS Mincho" panose="02020609040205080304" pitchFamily="49" charset="-128"/>
+                        </a:rPr>
+                        <a:t>映画</a:t>
+                      </a:r>
+                      <a:endParaRPr lang="zh-CN" altLang="en-US" dirty="0">
+                        <a:latin typeface="MS Mincho" panose="02020609040205080304" pitchFamily="49" charset="-128"/>
+                        <a:ea typeface="MS Mincho" panose="02020609040205080304" pitchFamily="49" charset="-128"/>
+                      </a:endParaRPr>
+                    </a:p>
+                  </a:txBody>
+                  <a:tcPr/>
+                </a:tc>
+                <a:extLst>
+                  <a:ext uri="{0D108BD9-81ED-4DB2-BD59-A6C34878D82A}">
+                    <a16:rowId xmlns:a16="http://schemas.microsoft.com/office/drawing/2014/main" val="3182508123"/>
+                  </a:ext>
+                </a:extLst>
+              </a:tr>
+              <a:tr h="185420">
+                <a:tc>
+                  <a:txBody>
+                    <a:bodyPr/>
+                    <a:lstStyle/>
+                    <a:p>
+                      <a:pPr marL="0" marR="0" lvl="0" indent="0" algn="ctr" defTabSz="914400" rtl="0" eaLnBrk="1" fontAlgn="auto" latinLnBrk="0" hangingPunct="1">
+                        <a:lnSpc>
+                          <a:spcPct val="100000"/>
+                        </a:lnSpc>
+                        <a:spcBef>
+                          <a:spcPts val="0"/>
+                        </a:spcBef>
+                        <a:spcAft>
+                          <a:spcPts val="0"/>
+                        </a:spcAft>
+                        <a:buClrTx/>
+                        <a:buSzTx/>
+                        <a:buFontTx/>
+                        <a:buNone/>
+                        <a:tabLst/>
+                        <a:defRPr/>
+                      </a:pPr>
+                      <a:r>
+                        <a:rPr lang="ja-JP" altLang="en-US" dirty="0">
+                          <a:latin typeface="MS Mincho" panose="02020609040205080304" pitchFamily="49" charset="-128"/>
+                          <a:ea typeface="MS Mincho" panose="02020609040205080304" pitchFamily="49" charset="-128"/>
+                        </a:rPr>
+                        <a:t>映画</a:t>
+                      </a:r>
+                      <a:endParaRPr lang="zh-CN" altLang="en-US" dirty="0">
+                        <a:latin typeface="MS Mincho" panose="02020609040205080304" pitchFamily="49" charset="-128"/>
+                        <a:ea typeface="MS Mincho" panose="02020609040205080304" pitchFamily="49" charset="-128"/>
+                      </a:endParaRPr>
+                    </a:p>
+                  </a:txBody>
+                  <a:tcPr/>
+                </a:tc>
+                <a:tc>
+                  <a:txBody>
+                    <a:bodyPr/>
+                    <a:lstStyle/>
+                    <a:p>
+                      <a:pPr algn="ctr"/>
+                      <a:r>
+                        <a:rPr lang="ja-JP" altLang="en-US" dirty="0">
+                          <a:latin typeface="MS Mincho" panose="02020609040205080304" pitchFamily="49" charset="-128"/>
+                          <a:ea typeface="MS Mincho" panose="02020609040205080304" pitchFamily="49" charset="-128"/>
+                        </a:rPr>
+                        <a:t>音楽</a:t>
+                      </a:r>
+                      <a:endParaRPr lang="zh-CN" altLang="en-US" dirty="0">
+                        <a:latin typeface="MS Mincho" panose="02020609040205080304" pitchFamily="49" charset="-128"/>
+                        <a:ea typeface="MS Mincho" panose="02020609040205080304" pitchFamily="49" charset="-128"/>
+                      </a:endParaRPr>
+                    </a:p>
+                  </a:txBody>
+                  <a:tcPr/>
+                </a:tc>
+                <a:extLst>
+                  <a:ext uri="{0D108BD9-81ED-4DB2-BD59-A6C34878D82A}">
+                    <a16:rowId xmlns:a16="http://schemas.microsoft.com/office/drawing/2014/main" val="4290151585"/>
+                  </a:ext>
+                </a:extLst>
+              </a:tr>
+              <a:tr h="185420">
+                <a:tc>
+                  <a:txBody>
+                    <a:bodyPr/>
+                    <a:lstStyle/>
+                    <a:p>
+                      <a:pPr marL="0" marR="0" lvl="0" indent="0" algn="ctr" defTabSz="914400" rtl="0" eaLnBrk="1" fontAlgn="auto" latinLnBrk="0" hangingPunct="1">
+                        <a:lnSpc>
+                          <a:spcPct val="100000"/>
+                        </a:lnSpc>
+                        <a:spcBef>
+                          <a:spcPts val="0"/>
+                        </a:spcBef>
+                        <a:spcAft>
+                          <a:spcPts val="0"/>
+                        </a:spcAft>
+                        <a:buClrTx/>
+                        <a:buSzTx/>
+                        <a:buFontTx/>
+                        <a:buNone/>
+                        <a:tabLst/>
+                        <a:defRPr/>
+                      </a:pPr>
+                      <a:r>
+                        <a:rPr lang="en-US" altLang="ja-JP" dirty="0">
+                          <a:latin typeface="MS Mincho" panose="02020609040205080304" pitchFamily="49" charset="-128"/>
+                          <a:ea typeface="MS Mincho" panose="02020609040205080304" pitchFamily="49" charset="-128"/>
+                        </a:rPr>
+                        <a:t>…</a:t>
+                      </a:r>
+                      <a:endParaRPr lang="zh-CN" altLang="en-US" dirty="0">
+                        <a:latin typeface="MS Mincho" panose="02020609040205080304" pitchFamily="49" charset="-128"/>
+                        <a:ea typeface="MS Mincho" panose="02020609040205080304" pitchFamily="49" charset="-128"/>
+                      </a:endParaRPr>
+                    </a:p>
+                  </a:txBody>
+                  <a:tcPr/>
+                </a:tc>
+                <a:tc>
+                  <a:txBody>
+                    <a:bodyPr/>
+                    <a:lstStyle/>
+                    <a:p>
+                      <a:pPr marL="0" marR="0" lvl="0" indent="0" algn="ctr" defTabSz="914400" rtl="0" eaLnBrk="1" fontAlgn="auto" latinLnBrk="0" hangingPunct="1">
+                        <a:lnSpc>
+                          <a:spcPct val="100000"/>
+                        </a:lnSpc>
+                        <a:spcBef>
+                          <a:spcPts val="0"/>
+                        </a:spcBef>
+                        <a:spcAft>
+                          <a:spcPts val="0"/>
+                        </a:spcAft>
+                        <a:buClrTx/>
+                        <a:buSzTx/>
+                        <a:buFontTx/>
+                        <a:buNone/>
+                        <a:tabLst/>
+                        <a:defRPr/>
+                      </a:pPr>
+                      <a:r>
+                        <a:rPr lang="en-US" altLang="ja-JP" dirty="0">
+                          <a:latin typeface="MS Mincho" panose="02020609040205080304" pitchFamily="49" charset="-128"/>
+                          <a:ea typeface="MS Mincho" panose="02020609040205080304" pitchFamily="49" charset="-128"/>
+                        </a:rPr>
+                        <a:t>…</a:t>
+                      </a:r>
+                      <a:endParaRPr lang="zh-CN" altLang="en-US" dirty="0">
+                        <a:latin typeface="MS Mincho" panose="02020609040205080304" pitchFamily="49" charset="-128"/>
+                        <a:ea typeface="MS Mincho" panose="02020609040205080304" pitchFamily="49" charset="-128"/>
+                      </a:endParaRPr>
+                    </a:p>
+                  </a:txBody>
+                  <a:tcPr/>
+                </a:tc>
+                <a:extLst>
+                  <a:ext uri="{0D108BD9-81ED-4DB2-BD59-A6C34878D82A}">
+                    <a16:rowId xmlns:a16="http://schemas.microsoft.com/office/drawing/2014/main" val="1064254028"/>
+                  </a:ext>
+                </a:extLst>
+              </a:tr>
+            </a:tbl>
+          </a:graphicData>
+        </a:graphic>
+      </p:graphicFrame>
+      <p:cxnSp>
+        <p:nvCxnSpPr>
+          <p:cNvPr id="11" name="直接箭头连接符 10"/>
+          <p:cNvCxnSpPr/>
+          <p:nvPr/>
+        </p:nvCxnSpPr>
+        <p:spPr>
+          <a:xfrm flipH="1">
+            <a:off x="3790765" y="3382392"/>
+            <a:ext cx="4714043" cy="372862"/>
+          </a:xfrm>
+          <a:prstGeom prst="straightConnector1">
+            <a:avLst/>
+          </a:prstGeom>
+          <a:ln w="28575">
+            <a:tailEnd type="triangle"/>
+          </a:ln>
+        </p:spPr>
+        <p:style>
+          <a:lnRef idx="1">
+            <a:schemeClr val="accent1"/>
+          </a:lnRef>
+          <a:fillRef idx="0">
+            <a:schemeClr val="accent1"/>
+          </a:fillRef>
+          <a:effectRef idx="0">
+            <a:schemeClr val="accent1"/>
+          </a:effectRef>
+          <a:fontRef idx="minor">
+            <a:schemeClr val="tx1"/>
+          </a:fontRef>
+        </p:style>
+      </p:cxnSp>
+      <p:cxnSp>
+        <p:nvCxnSpPr>
+          <p:cNvPr id="13" name="直接箭头连接符 12"/>
+          <p:cNvCxnSpPr/>
+          <p:nvPr/>
+        </p:nvCxnSpPr>
+        <p:spPr>
+          <a:xfrm>
+            <a:off x="3799643" y="3764132"/>
+            <a:ext cx="4705165" cy="399495"/>
+          </a:xfrm>
+          <a:prstGeom prst="straightConnector1">
+            <a:avLst/>
+          </a:prstGeom>
+          <a:ln w="28575">
+            <a:tailEnd type="triangle"/>
+          </a:ln>
+        </p:spPr>
+        <p:style>
+          <a:lnRef idx="1">
+            <a:schemeClr val="accent1"/>
+          </a:lnRef>
+          <a:fillRef idx="0">
+            <a:schemeClr val="accent1"/>
+          </a:fillRef>
+          <a:effectRef idx="0">
+            <a:schemeClr val="accent1"/>
+          </a:effectRef>
+          <a:fontRef idx="minor">
+            <a:schemeClr val="tx1"/>
+          </a:fontRef>
+        </p:style>
+      </p:cxnSp>
+    </p:spTree>
+    <p:extLst>
+      <p:ext uri="{BB962C8B-B14F-4D97-AF65-F5344CB8AC3E}">
+        <p14:creationId xmlns:p14="http://schemas.microsoft.com/office/powerpoint/2010/main" val="2463768320"/>
+      </p:ext>
+    </p:extLst>
+  </p:cSld>
+  <p:clrMapOvr>
+    <a:masterClrMapping/>
+  </p:clrMapOvr>
+</p:sld>
+</file>
+
+<file path=ppt/slides/slide75.xml><?xml version="1.0" encoding="utf-8"?>
+<p:sld xmlns:a="http://schemas.openxmlformats.org/drawingml/2006/main" xmlns:r="http://schemas.openxmlformats.org/officeDocument/2006/relationships" xmlns:p="http://schemas.openxmlformats.org/presentationml/2006/main">
+  <p:cSld>
+    <p:spTree>
+      <p:nvGrpSpPr>
+        <p:cNvPr id="1" name=""/>
+        <p:cNvGrpSpPr/>
+        <p:nvPr/>
+      </p:nvGrpSpPr>
+      <p:grpSpPr>
+        <a:xfrm>
+          <a:off x="0" y="0"/>
+          <a:ext cx="0" cy="0"/>
+          <a:chOff x="0" y="0"/>
+          <a:chExt cx="0" cy="0"/>
+        </a:xfrm>
+      </p:grpSpPr>
+      <p:sp>
+        <p:nvSpPr>
+          <p:cNvPr id="2" name="标题 1"/>
+          <p:cNvSpPr>
+            <a:spLocks noGrp="1"/>
+          </p:cNvSpPr>
+          <p:nvPr>
+            <p:ph type="title"/>
+          </p:nvPr>
+        </p:nvSpPr>
+        <p:spPr>
+          <a:xfrm>
+            <a:off x="738696" y="382880"/>
+            <a:ext cx="10714608" cy="1325563"/>
+          </a:xfrm>
+        </p:spPr>
+        <p:txBody>
+          <a:bodyPr>
+            <a:normAutofit/>
+          </a:bodyPr>
+          <a:lstStyle/>
+          <a:p>
+            <a:r>
+              <a:rPr lang="ja-JP" altLang="en-US" sz="2800" dirty="0">
+                <a:latin typeface="MS Mincho" panose="02020609040205080304" pitchFamily="49" charset="-128"/>
+                <a:ea typeface="MS Mincho" panose="02020609040205080304" pitchFamily="49" charset="-128"/>
+              </a:rPr>
+              <a:t>事前情報がない場合の類似度攻撃 </a:t>
+            </a:r>
+            <a:r>
+              <a:rPr lang="en-US" altLang="zh-CN" sz="2800" dirty="0">
+                <a:latin typeface="MS Mincho" panose="02020609040205080304" pitchFamily="49" charset="-128"/>
+                <a:ea typeface="MS Mincho" panose="02020609040205080304" pitchFamily="49" charset="-128"/>
+              </a:rPr>
+              <a:t>V.S.</a:t>
+            </a:r>
+            <a:r>
+              <a:rPr lang="ja-JP" altLang="en-US" sz="2800" dirty="0">
+                <a:latin typeface="MS Mincho" panose="02020609040205080304" pitchFamily="49" charset="-128"/>
+                <a:ea typeface="MS Mincho" panose="02020609040205080304" pitchFamily="49" charset="-128"/>
+              </a:rPr>
+              <a:t>トピックを曖昧化する手法</a:t>
+            </a:r>
+            <a:endParaRPr lang="zh-CN" altLang="en-US" sz="2800" dirty="0">
+              <a:latin typeface="MS Mincho" panose="02020609040205080304" pitchFamily="49" charset="-128"/>
+              <a:ea typeface="MS Mincho" panose="02020609040205080304" pitchFamily="49" charset="-128"/>
+            </a:endParaRPr>
+          </a:p>
+        </p:txBody>
+      </p:sp>
+      <p:graphicFrame>
+        <p:nvGraphicFramePr>
+          <p:cNvPr id="6" name="内容占位符 5"/>
+          <p:cNvGraphicFramePr>
+            <a:graphicFrameLocks/>
+          </p:cNvGraphicFramePr>
+          <p:nvPr>
+            <p:extLst/>
+          </p:nvPr>
+        </p:nvGraphicFramePr>
+        <p:xfrm>
+          <a:off x="838200" y="2828802"/>
+          <a:ext cx="10515600" cy="1844040"/>
+        </p:xfrm>
+        <a:graphic>
+          <a:graphicData uri="http://schemas.openxmlformats.org/drawingml/2006/table">
+            <a:tbl>
+              <a:tblPr firstRow="1" bandRow="1">
+                <a:tableStyleId>{5940675A-B579-460E-94D1-54222C63F5DA}</a:tableStyleId>
+              </a:tblPr>
+              <a:tblGrid>
+                <a:gridCol w="5257800">
+                  <a:extLst>
+                    <a:ext uri="{9D8B030D-6E8A-4147-A177-3AD203B41FA5}">
+                      <a16:colId xmlns:a16="http://schemas.microsoft.com/office/drawing/2014/main" val="1801006211"/>
+                    </a:ext>
+                  </a:extLst>
+                </a:gridCol>
+                <a:gridCol w="5257800">
+                  <a:extLst>
+                    <a:ext uri="{9D8B030D-6E8A-4147-A177-3AD203B41FA5}">
+                      <a16:colId xmlns:a16="http://schemas.microsoft.com/office/drawing/2014/main" val="3981894291"/>
+                    </a:ext>
+                  </a:extLst>
+                </a:gridCol>
+              </a:tblGrid>
+              <a:tr h="370840">
+                <a:tc>
+                  <a:txBody>
+                    <a:bodyPr/>
+                    <a:lstStyle/>
+                    <a:p>
+                      <a:pPr algn="ctr"/>
+                      <a:r>
+                        <a:rPr lang="ja-JP" altLang="en-US" dirty="0">
+                          <a:latin typeface="MS Mincho" panose="02020609040205080304" pitchFamily="49" charset="-128"/>
+                          <a:ea typeface="MS Mincho" panose="02020609040205080304" pitchFamily="49" charset="-128"/>
+                        </a:rPr>
+                        <a:t>真の質問</a:t>
+                      </a:r>
+                      <a:endParaRPr lang="zh-CN" altLang="en-US" dirty="0">
+                        <a:latin typeface="MS Mincho" panose="02020609040205080304" pitchFamily="49" charset="-128"/>
+                        <a:ea typeface="MS Mincho" panose="02020609040205080304" pitchFamily="49" charset="-128"/>
+                      </a:endParaRPr>
+                    </a:p>
+                  </a:txBody>
+                  <a:tcPr/>
+                </a:tc>
+                <a:tc>
+                  <a:txBody>
+                    <a:bodyPr/>
+                    <a:lstStyle/>
+                    <a:p>
+                      <a:pPr algn="ctr"/>
+                      <a:r>
+                        <a:rPr lang="ja-JP" altLang="en-US" dirty="0">
+                          <a:latin typeface="MS Mincho" panose="02020609040205080304" pitchFamily="49" charset="-128"/>
+                          <a:ea typeface="MS Mincho" panose="02020609040205080304" pitchFamily="49" charset="-128"/>
+                        </a:rPr>
+                        <a:t>ダミー質問</a:t>
+                      </a:r>
+                      <a:endParaRPr lang="zh-CN" altLang="en-US" dirty="0">
+                        <a:latin typeface="MS Mincho" panose="02020609040205080304" pitchFamily="49" charset="-128"/>
+                        <a:ea typeface="MS Mincho" panose="02020609040205080304" pitchFamily="49" charset="-128"/>
+                      </a:endParaRPr>
+                    </a:p>
+                  </a:txBody>
+                  <a:tcPr/>
+                </a:tc>
+                <a:extLst>
+                  <a:ext uri="{0D108BD9-81ED-4DB2-BD59-A6C34878D82A}">
+                    <a16:rowId xmlns:a16="http://schemas.microsoft.com/office/drawing/2014/main" val="4234088887"/>
+                  </a:ext>
+                </a:extLst>
+              </a:tr>
+              <a:tr h="370840">
+                <a:tc>
+                  <a:txBody>
+                    <a:bodyPr/>
+                    <a:lstStyle/>
+                    <a:p>
+                      <a:pPr algn="ctr"/>
+                      <a:r>
+                        <a:rPr lang="ja-JP" altLang="en-US" dirty="0">
+                          <a:latin typeface="MS Mincho" panose="02020609040205080304" pitchFamily="49" charset="-128"/>
+                          <a:ea typeface="MS Mincho" panose="02020609040205080304" pitchFamily="49" charset="-128"/>
+                        </a:rPr>
+                        <a:t>映画</a:t>
+                      </a:r>
+                      <a:endParaRPr lang="zh-CN" altLang="en-US" dirty="0">
+                        <a:latin typeface="MS Mincho" panose="02020609040205080304" pitchFamily="49" charset="-128"/>
+                        <a:ea typeface="MS Mincho" panose="02020609040205080304" pitchFamily="49" charset="-128"/>
+                      </a:endParaRPr>
+                    </a:p>
+                  </a:txBody>
+                  <a:tcPr/>
+                </a:tc>
+                <a:tc>
+                  <a:txBody>
+                    <a:bodyPr/>
+                    <a:lstStyle/>
+                    <a:p>
+                      <a:pPr algn="ctr"/>
+                      <a:r>
+                        <a:rPr lang="ja-JP" altLang="en-US" dirty="0">
+                          <a:latin typeface="MS Mincho" panose="02020609040205080304" pitchFamily="49" charset="-128"/>
+                          <a:ea typeface="MS Mincho" panose="02020609040205080304" pitchFamily="49" charset="-128"/>
+                        </a:rPr>
+                        <a:t>音楽</a:t>
+                      </a:r>
+                      <a:endParaRPr lang="zh-CN" altLang="en-US" dirty="0">
+                        <a:latin typeface="MS Mincho" panose="02020609040205080304" pitchFamily="49" charset="-128"/>
+                        <a:ea typeface="MS Mincho" panose="02020609040205080304" pitchFamily="49" charset="-128"/>
+                      </a:endParaRPr>
+                    </a:p>
+                  </a:txBody>
+                  <a:tcPr/>
+                </a:tc>
+                <a:extLst>
+                  <a:ext uri="{0D108BD9-81ED-4DB2-BD59-A6C34878D82A}">
+                    <a16:rowId xmlns:a16="http://schemas.microsoft.com/office/drawing/2014/main" val="1219115089"/>
+                  </a:ext>
+                </a:extLst>
+              </a:tr>
+              <a:tr h="370840">
+                <a:tc>
+                  <a:txBody>
+                    <a:bodyPr/>
+                    <a:lstStyle/>
+                    <a:p>
+                      <a:pPr algn="ctr"/>
+                      <a:r>
+                        <a:rPr lang="ja-JP" altLang="en-US" dirty="0">
+                          <a:latin typeface="MS Mincho" panose="02020609040205080304" pitchFamily="49" charset="-128"/>
+                          <a:ea typeface="MS Mincho" panose="02020609040205080304" pitchFamily="49" charset="-128"/>
+                        </a:rPr>
+                        <a:t>音楽</a:t>
+                      </a:r>
+                      <a:endParaRPr lang="zh-CN" altLang="en-US" dirty="0">
+                        <a:latin typeface="MS Mincho" panose="02020609040205080304" pitchFamily="49" charset="-128"/>
+                        <a:ea typeface="MS Mincho" panose="02020609040205080304" pitchFamily="49" charset="-128"/>
+                      </a:endParaRPr>
+                    </a:p>
+                  </a:txBody>
+                  <a:tcPr/>
+                </a:tc>
+                <a:tc>
+                  <a:txBody>
+                    <a:bodyPr/>
+                    <a:lstStyle/>
+                    <a:p>
+                      <a:pPr algn="ctr"/>
+                      <a:r>
+                        <a:rPr lang="ja-JP" altLang="en-US" dirty="0">
+                          <a:latin typeface="MS Mincho" panose="02020609040205080304" pitchFamily="49" charset="-128"/>
+                          <a:ea typeface="MS Mincho" panose="02020609040205080304" pitchFamily="49" charset="-128"/>
+                        </a:rPr>
+                        <a:t>映画</a:t>
+                      </a:r>
+                      <a:endParaRPr lang="zh-CN" altLang="en-US" dirty="0">
+                        <a:latin typeface="MS Mincho" panose="02020609040205080304" pitchFamily="49" charset="-128"/>
+                        <a:ea typeface="MS Mincho" panose="02020609040205080304" pitchFamily="49" charset="-128"/>
+                      </a:endParaRPr>
+                    </a:p>
+                  </a:txBody>
+                  <a:tcPr/>
+                </a:tc>
+                <a:extLst>
+                  <a:ext uri="{0D108BD9-81ED-4DB2-BD59-A6C34878D82A}">
+                    <a16:rowId xmlns:a16="http://schemas.microsoft.com/office/drawing/2014/main" val="3182508123"/>
+                  </a:ext>
+                </a:extLst>
+              </a:tr>
+              <a:tr h="185420">
+                <a:tc>
+                  <a:txBody>
+                    <a:bodyPr/>
+                    <a:lstStyle/>
+                    <a:p>
+                      <a:pPr marL="0" marR="0" lvl="0" indent="0" algn="ctr" defTabSz="914400" rtl="0" eaLnBrk="1" fontAlgn="auto" latinLnBrk="0" hangingPunct="1">
+                        <a:lnSpc>
+                          <a:spcPct val="100000"/>
+                        </a:lnSpc>
+                        <a:spcBef>
+                          <a:spcPts val="0"/>
+                        </a:spcBef>
+                        <a:spcAft>
+                          <a:spcPts val="0"/>
+                        </a:spcAft>
+                        <a:buClrTx/>
+                        <a:buSzTx/>
+                        <a:buFontTx/>
+                        <a:buNone/>
+                        <a:tabLst/>
+                        <a:defRPr/>
+                      </a:pPr>
+                      <a:r>
+                        <a:rPr lang="ja-JP" altLang="en-US" dirty="0">
+                          <a:latin typeface="MS Mincho" panose="02020609040205080304" pitchFamily="49" charset="-128"/>
+                          <a:ea typeface="MS Mincho" panose="02020609040205080304" pitchFamily="49" charset="-128"/>
+                        </a:rPr>
+                        <a:t>映画</a:t>
+                      </a:r>
+                      <a:endParaRPr lang="zh-CN" altLang="en-US" dirty="0">
+                        <a:latin typeface="MS Mincho" panose="02020609040205080304" pitchFamily="49" charset="-128"/>
+                        <a:ea typeface="MS Mincho" panose="02020609040205080304" pitchFamily="49" charset="-128"/>
+                      </a:endParaRPr>
+                    </a:p>
+                  </a:txBody>
+                  <a:tcPr/>
+                </a:tc>
+                <a:tc>
+                  <a:txBody>
+                    <a:bodyPr/>
+                    <a:lstStyle/>
+                    <a:p>
+                      <a:pPr algn="ctr"/>
+                      <a:r>
+                        <a:rPr lang="ja-JP" altLang="en-US" dirty="0">
+                          <a:latin typeface="MS Mincho" panose="02020609040205080304" pitchFamily="49" charset="-128"/>
+                          <a:ea typeface="MS Mincho" panose="02020609040205080304" pitchFamily="49" charset="-128"/>
+                        </a:rPr>
+                        <a:t>音楽</a:t>
+                      </a:r>
+                      <a:endParaRPr lang="zh-CN" altLang="en-US" dirty="0">
+                        <a:latin typeface="MS Mincho" panose="02020609040205080304" pitchFamily="49" charset="-128"/>
+                        <a:ea typeface="MS Mincho" panose="02020609040205080304" pitchFamily="49" charset="-128"/>
+                      </a:endParaRPr>
+                    </a:p>
+                  </a:txBody>
+                  <a:tcPr/>
+                </a:tc>
+                <a:extLst>
+                  <a:ext uri="{0D108BD9-81ED-4DB2-BD59-A6C34878D82A}">
+                    <a16:rowId xmlns:a16="http://schemas.microsoft.com/office/drawing/2014/main" val="4290151585"/>
+                  </a:ext>
+                </a:extLst>
+              </a:tr>
+              <a:tr h="185420">
+                <a:tc>
+                  <a:txBody>
+                    <a:bodyPr/>
+                    <a:lstStyle/>
+                    <a:p>
+                      <a:pPr marL="0" marR="0" lvl="0" indent="0" algn="ctr" defTabSz="914400" rtl="0" eaLnBrk="1" fontAlgn="auto" latinLnBrk="0" hangingPunct="1">
+                        <a:lnSpc>
+                          <a:spcPct val="100000"/>
+                        </a:lnSpc>
+                        <a:spcBef>
+                          <a:spcPts val="0"/>
+                        </a:spcBef>
+                        <a:spcAft>
+                          <a:spcPts val="0"/>
+                        </a:spcAft>
+                        <a:buClrTx/>
+                        <a:buSzTx/>
+                        <a:buFontTx/>
+                        <a:buNone/>
+                        <a:tabLst/>
+                        <a:defRPr/>
+                      </a:pPr>
+                      <a:r>
+                        <a:rPr lang="en-US" altLang="ja-JP" dirty="0">
+                          <a:latin typeface="MS Mincho" panose="02020609040205080304" pitchFamily="49" charset="-128"/>
+                          <a:ea typeface="MS Mincho" panose="02020609040205080304" pitchFamily="49" charset="-128"/>
+                        </a:rPr>
+                        <a:t>…</a:t>
+                      </a:r>
+                      <a:endParaRPr lang="zh-CN" altLang="en-US" dirty="0">
+                        <a:latin typeface="MS Mincho" panose="02020609040205080304" pitchFamily="49" charset="-128"/>
+                        <a:ea typeface="MS Mincho" panose="02020609040205080304" pitchFamily="49" charset="-128"/>
+                      </a:endParaRPr>
+                    </a:p>
+                  </a:txBody>
+                  <a:tcPr/>
+                </a:tc>
+                <a:tc>
+                  <a:txBody>
+                    <a:bodyPr/>
+                    <a:lstStyle/>
+                    <a:p>
+                      <a:pPr marL="0" marR="0" lvl="0" indent="0" algn="ctr" defTabSz="914400" rtl="0" eaLnBrk="1" fontAlgn="auto" latinLnBrk="0" hangingPunct="1">
+                        <a:lnSpc>
+                          <a:spcPct val="100000"/>
+                        </a:lnSpc>
+                        <a:spcBef>
+                          <a:spcPts val="0"/>
+                        </a:spcBef>
+                        <a:spcAft>
+                          <a:spcPts val="0"/>
+                        </a:spcAft>
+                        <a:buClrTx/>
+                        <a:buSzTx/>
+                        <a:buFontTx/>
+                        <a:buNone/>
+                        <a:tabLst/>
+                        <a:defRPr/>
+                      </a:pPr>
+                      <a:r>
+                        <a:rPr lang="en-US" altLang="ja-JP" dirty="0">
+                          <a:latin typeface="MS Mincho" panose="02020609040205080304" pitchFamily="49" charset="-128"/>
+                          <a:ea typeface="MS Mincho" panose="02020609040205080304" pitchFamily="49" charset="-128"/>
+                        </a:rPr>
+                        <a:t>…</a:t>
+                      </a:r>
+                      <a:endParaRPr lang="zh-CN" altLang="en-US" dirty="0">
+                        <a:latin typeface="MS Mincho" panose="02020609040205080304" pitchFamily="49" charset="-128"/>
+                        <a:ea typeface="MS Mincho" panose="02020609040205080304" pitchFamily="49" charset="-128"/>
+                      </a:endParaRPr>
+                    </a:p>
+                  </a:txBody>
+                  <a:tcPr/>
+                </a:tc>
+                <a:extLst>
+                  <a:ext uri="{0D108BD9-81ED-4DB2-BD59-A6C34878D82A}">
+                    <a16:rowId xmlns:a16="http://schemas.microsoft.com/office/drawing/2014/main" val="1064254028"/>
+                  </a:ext>
+                </a:extLst>
+              </a:tr>
+            </a:tbl>
+          </a:graphicData>
+        </a:graphic>
+      </p:graphicFrame>
+      <p:cxnSp>
+        <p:nvCxnSpPr>
+          <p:cNvPr id="4" name="直接箭头连接符 3"/>
+          <p:cNvCxnSpPr/>
+          <p:nvPr/>
+        </p:nvCxnSpPr>
+        <p:spPr>
+          <a:xfrm>
+            <a:off x="3755254" y="3400148"/>
+            <a:ext cx="4554245" cy="355106"/>
+          </a:xfrm>
+          <a:prstGeom prst="straightConnector1">
+            <a:avLst/>
+          </a:prstGeom>
+          <a:ln w="28575">
+            <a:solidFill>
+              <a:srgbClr val="FF0000"/>
+            </a:solidFill>
+            <a:tailEnd type="triangle"/>
+          </a:ln>
+        </p:spPr>
+        <p:style>
+          <a:lnRef idx="1">
+            <a:schemeClr val="accent1"/>
+          </a:lnRef>
+          <a:fillRef idx="0">
+            <a:schemeClr val="accent1"/>
+          </a:fillRef>
+          <a:effectRef idx="0">
+            <a:schemeClr val="accent1"/>
+          </a:effectRef>
+          <a:fontRef idx="minor">
+            <a:schemeClr val="tx1"/>
+          </a:fontRef>
+        </p:style>
+      </p:cxnSp>
+      <p:cxnSp>
+        <p:nvCxnSpPr>
+          <p:cNvPr id="7" name="直接箭头连接符 6"/>
+          <p:cNvCxnSpPr/>
+          <p:nvPr/>
+        </p:nvCxnSpPr>
+        <p:spPr>
+          <a:xfrm flipH="1">
+            <a:off x="3790765" y="3790765"/>
+            <a:ext cx="4527612" cy="399495"/>
+          </a:xfrm>
+          <a:prstGeom prst="straightConnector1">
+            <a:avLst/>
+          </a:prstGeom>
+          <a:ln w="28575">
+            <a:solidFill>
+              <a:srgbClr val="FF0000"/>
+            </a:solidFill>
+            <a:tailEnd type="triangle"/>
+          </a:ln>
+        </p:spPr>
+        <p:style>
+          <a:lnRef idx="1">
+            <a:schemeClr val="accent1"/>
+          </a:lnRef>
+          <a:fillRef idx="0">
+            <a:schemeClr val="accent1"/>
+          </a:fillRef>
+          <a:effectRef idx="0">
+            <a:schemeClr val="accent1"/>
+          </a:effectRef>
+          <a:fontRef idx="minor">
+            <a:schemeClr val="tx1"/>
+          </a:fontRef>
+        </p:style>
+      </p:cxnSp>
+    </p:spTree>
+    <p:extLst>
+      <p:ext uri="{BB962C8B-B14F-4D97-AF65-F5344CB8AC3E}">
+        <p14:creationId xmlns:p14="http://schemas.microsoft.com/office/powerpoint/2010/main" val="1128067313"/>
+      </p:ext>
+    </p:extLst>
+  </p:cSld>
+  <p:clrMapOvr>
+    <a:masterClrMapping/>
+  </p:clrMapOvr>
+</p:sld>
+</file>
+
+<file path=ppt/slides/slide76.xml><?xml version="1.0" encoding="utf-8"?>
+<p:sld xmlns:a="http://schemas.openxmlformats.org/drawingml/2006/main" xmlns:r="http://schemas.openxmlformats.org/officeDocument/2006/relationships" xmlns:p="http://schemas.openxmlformats.org/presentationml/2006/main">
+  <p:cSld>
+    <p:spTree>
+      <p:nvGrpSpPr>
+        <p:cNvPr id="1" name=""/>
+        <p:cNvGrpSpPr/>
+        <p:nvPr/>
+      </p:nvGrpSpPr>
+      <p:grpSpPr>
+        <a:xfrm>
+          <a:off x="0" y="0"/>
+          <a:ext cx="0" cy="0"/>
+          <a:chOff x="0" y="0"/>
+          <a:chExt cx="0" cy="0"/>
+        </a:xfrm>
+      </p:grpSpPr>
+      <p:sp>
+        <p:nvSpPr>
+          <p:cNvPr id="2" name="标题 1"/>
+          <p:cNvSpPr>
+            <a:spLocks noGrp="1"/>
+          </p:cNvSpPr>
+          <p:nvPr>
+            <p:ph type="title"/>
+          </p:nvPr>
+        </p:nvSpPr>
+        <p:spPr>
+          <a:xfrm>
+            <a:off x="538947" y="365125"/>
+            <a:ext cx="11114103" cy="1325563"/>
+          </a:xfrm>
+        </p:spPr>
+        <p:txBody>
+          <a:bodyPr>
+            <a:normAutofit/>
+          </a:bodyPr>
+          <a:lstStyle/>
+          <a:p>
+            <a:r>
+              <a:rPr lang="ja-JP" altLang="en-US" sz="2800" dirty="0">
+                <a:latin typeface="MS Mincho" panose="02020609040205080304" pitchFamily="49" charset="-128"/>
+                <a:ea typeface="MS Mincho" panose="02020609040205080304" pitchFamily="49" charset="-128"/>
+              </a:rPr>
+              <a:t>事前情報がない場合の類似度攻撃</a:t>
+            </a:r>
+            <a:r>
+              <a:rPr lang="zh-CN" altLang="en-US" sz="2800" dirty="0">
+                <a:latin typeface="MS Mincho" panose="02020609040205080304" pitchFamily="49" charset="-128"/>
+                <a:ea typeface="MS Mincho" panose="02020609040205080304" pitchFamily="49" charset="-128"/>
+              </a:rPr>
+              <a:t> </a:t>
+            </a:r>
+            <a:r>
+              <a:rPr lang="en-US" altLang="zh-CN" sz="2800" dirty="0">
+                <a:latin typeface="MS Mincho" panose="02020609040205080304" pitchFamily="49" charset="-128"/>
+                <a:ea typeface="MS Mincho" panose="02020609040205080304" pitchFamily="49" charset="-128"/>
+              </a:rPr>
+              <a:t>V.S.</a:t>
+            </a:r>
+            <a:r>
+              <a:rPr lang="ja-JP" altLang="en-US" sz="2800" dirty="0">
+                <a:latin typeface="MS Mincho" panose="02020609040205080304" pitchFamily="49" charset="-128"/>
+                <a:ea typeface="MS Mincho" panose="02020609040205080304" pitchFamily="49" charset="-128"/>
+              </a:rPr>
+              <a:t>トピックにおける曖昧化手法</a:t>
+            </a:r>
+            <a:endParaRPr lang="zh-CN" altLang="en-US" sz="2800" dirty="0">
+              <a:latin typeface="MS Mincho" panose="02020609040205080304" pitchFamily="49" charset="-128"/>
+              <a:ea typeface="MS Mincho" panose="02020609040205080304" pitchFamily="49" charset="-128"/>
+            </a:endParaRPr>
+          </a:p>
+        </p:txBody>
+      </p:sp>
+      <p:pic>
+        <p:nvPicPr>
+          <p:cNvPr id="3" name="内容占位符 2"/>
+          <p:cNvPicPr>
+            <a:picLocks noGrp="1" noChangeAspect="1"/>
+          </p:cNvPicPr>
+          <p:nvPr>
+            <p:ph idx="1"/>
+          </p:nvPr>
+        </p:nvPicPr>
+        <p:blipFill>
+          <a:blip r:embed="rId2"/>
+          <a:stretch>
+            <a:fillRect/>
+          </a:stretch>
+        </p:blipFill>
+        <p:spPr>
+          <a:xfrm>
+            <a:off x="3440673" y="1690688"/>
+            <a:ext cx="5310649" cy="3867313"/>
+          </a:xfrm>
+          <a:prstGeom prst="rect">
+            <a:avLst/>
+          </a:prstGeom>
+        </p:spPr>
+      </p:pic>
+      <p:sp>
+        <p:nvSpPr>
+          <p:cNvPr id="7" name="文本框 6"/>
+          <p:cNvSpPr txBox="1"/>
+          <p:nvPr/>
+        </p:nvSpPr>
+        <p:spPr>
+          <a:xfrm>
+            <a:off x="1429303" y="5615978"/>
+            <a:ext cx="6063450" cy="923330"/>
+          </a:xfrm>
+          <a:prstGeom prst="rect">
+            <a:avLst/>
+          </a:prstGeom>
+          <a:noFill/>
+        </p:spPr>
+        <p:txBody>
+          <a:bodyPr wrap="square" rtlCol="0">
+            <a:spAutoFit/>
+          </a:bodyPr>
+          <a:lstStyle/>
+          <a:p>
+            <a:r>
+              <a:rPr lang="en-US" altLang="zh-CN" dirty="0">
+                <a:latin typeface="MS Mincho" panose="02020609040205080304" pitchFamily="49" charset="-128"/>
+                <a:ea typeface="MS Mincho" panose="02020609040205080304" pitchFamily="49" charset="-128"/>
+              </a:rPr>
+              <a:t>LSA  </a:t>
+            </a:r>
+            <a:r>
+              <a:rPr lang="ja-JP" altLang="en-US" dirty="0">
+                <a:latin typeface="MS Mincho" panose="02020609040205080304" pitchFamily="49" charset="-128"/>
+                <a:ea typeface="MS Mincho" panose="02020609040205080304" pitchFamily="49" charset="-128"/>
+              </a:rPr>
+              <a:t>：</a:t>
+            </a:r>
+            <a:r>
+              <a:rPr lang="en-US" altLang="zh-CN" dirty="0">
+                <a:latin typeface="MS Mincho" panose="02020609040205080304" pitchFamily="49" charset="-128"/>
+                <a:ea typeface="MS Mincho" panose="02020609040205080304" pitchFamily="49" charset="-128"/>
+              </a:rPr>
+              <a:t> </a:t>
+            </a:r>
+            <a:r>
+              <a:rPr lang="en-US" altLang="zh-CN" dirty="0">
+                <a:latin typeface="MS Mincho" panose="02020609040205080304" pitchFamily="49" charset="-128"/>
+                <a:ea typeface="MS Mincho" panose="02020609040205080304" pitchFamily="49" charset="-128"/>
+              </a:rPr>
+              <a:t>LSA</a:t>
+            </a:r>
+            <a:r>
+              <a:rPr lang="ja-JP" altLang="en-US" dirty="0">
+                <a:latin typeface="MS Mincho" panose="02020609040205080304" pitchFamily="49" charset="-128"/>
+                <a:ea typeface="MS Mincho" panose="02020609040205080304" pitchFamily="49" charset="-128"/>
+              </a:rPr>
+              <a:t>を用いたトピックにおける曖昧化手法</a:t>
+            </a:r>
+            <a:endParaRPr lang="en-US" altLang="zh-CN" dirty="0">
+              <a:latin typeface="MS Mincho" panose="02020609040205080304" pitchFamily="49" charset="-128"/>
+              <a:ea typeface="MS Mincho" panose="02020609040205080304" pitchFamily="49" charset="-128"/>
+            </a:endParaRPr>
+          </a:p>
+          <a:p>
+            <a:r>
+              <a:rPr lang="en-US" altLang="zh-CN" dirty="0">
+                <a:latin typeface="MS Mincho" panose="02020609040205080304" pitchFamily="49" charset="-128"/>
+                <a:ea typeface="MS Mincho" panose="02020609040205080304" pitchFamily="49" charset="-128"/>
+              </a:rPr>
+              <a:t>LDA  </a:t>
+            </a:r>
+            <a:r>
+              <a:rPr lang="ja-JP" altLang="en-US" dirty="0">
+                <a:latin typeface="MS Mincho" panose="02020609040205080304" pitchFamily="49" charset="-128"/>
+                <a:ea typeface="MS Mincho" panose="02020609040205080304" pitchFamily="49" charset="-128"/>
+              </a:rPr>
+              <a:t>：</a:t>
+            </a:r>
+            <a:r>
+              <a:rPr lang="zh-CN" altLang="en-US" dirty="0">
+                <a:latin typeface="MS Mincho" panose="02020609040205080304" pitchFamily="49" charset="-128"/>
+                <a:ea typeface="MS Mincho" panose="02020609040205080304" pitchFamily="49" charset="-128"/>
+              </a:rPr>
+              <a:t> </a:t>
+            </a:r>
+            <a:r>
+              <a:rPr lang="en-US" altLang="zh-CN" dirty="0">
+                <a:latin typeface="MS Mincho" panose="02020609040205080304" pitchFamily="49" charset="-128"/>
+                <a:ea typeface="MS Mincho" panose="02020609040205080304" pitchFamily="49" charset="-128"/>
+              </a:rPr>
+              <a:t>LDA</a:t>
+            </a:r>
+            <a:r>
+              <a:rPr lang="ja-JP" altLang="en-US" dirty="0">
+                <a:latin typeface="MS Mincho" panose="02020609040205080304" pitchFamily="49" charset="-128"/>
+                <a:ea typeface="MS Mincho" panose="02020609040205080304" pitchFamily="49" charset="-128"/>
+              </a:rPr>
+              <a:t>を用いたトピックにおける曖昧化手法</a:t>
+            </a:r>
+            <a:endParaRPr lang="en-US" altLang="ja-JP" dirty="0">
+              <a:latin typeface="MS Mincho" panose="02020609040205080304" pitchFamily="49" charset="-128"/>
+              <a:ea typeface="MS Mincho" panose="02020609040205080304" pitchFamily="49" charset="-128"/>
+            </a:endParaRPr>
+          </a:p>
+          <a:p>
+            <a:r>
+              <a:rPr lang="en-US" altLang="zh-CN" dirty="0">
+                <a:latin typeface="MS Mincho" panose="02020609040205080304" pitchFamily="49" charset="-128"/>
+                <a:ea typeface="MS Mincho" panose="02020609040205080304" pitchFamily="49" charset="-128"/>
+              </a:rPr>
+              <a:t>ideal</a:t>
+            </a:r>
+            <a:r>
+              <a:rPr lang="ja-JP" altLang="en-US" dirty="0">
+                <a:latin typeface="MS Mincho" panose="02020609040205080304" pitchFamily="49" charset="-128"/>
+                <a:ea typeface="MS Mincho" panose="02020609040205080304" pitchFamily="49" charset="-128"/>
+              </a:rPr>
+              <a:t>： 理想値</a:t>
+            </a:r>
+            <a:endParaRPr lang="en-US" altLang="zh-CN" dirty="0">
+              <a:latin typeface="MS Mincho" panose="02020609040205080304" pitchFamily="49" charset="-128"/>
+              <a:ea typeface="MS Mincho" panose="02020609040205080304" pitchFamily="49" charset="-128"/>
+            </a:endParaRPr>
+          </a:p>
+        </p:txBody>
+      </p:sp>
+    </p:spTree>
+    <p:extLst>
+      <p:ext uri="{BB962C8B-B14F-4D97-AF65-F5344CB8AC3E}">
+        <p14:creationId xmlns:p14="http://schemas.microsoft.com/office/powerpoint/2010/main" val="2889784482"/>
+      </p:ext>
+    </p:extLst>
+  </p:cSld>
+  <p:clrMapOvr>
+    <a:masterClrMapping/>
+  </p:clrMapOvr>
+</p:sld>
+</file>
+
+<file path=ppt/slides/slide77.xml><?xml version="1.0" encoding="utf-8"?>
+<p:sld xmlns:a="http://schemas.openxmlformats.org/drawingml/2006/main" xmlns:r="http://schemas.openxmlformats.org/officeDocument/2006/relationships" xmlns:p="http://schemas.openxmlformats.org/presentationml/2006/main">
+  <p:cSld>
+    <p:spTree>
+      <p:nvGrpSpPr>
+        <p:cNvPr id="1" name=""/>
+        <p:cNvGrpSpPr/>
+        <p:nvPr/>
+      </p:nvGrpSpPr>
+      <p:grpSpPr>
+        <a:xfrm>
+          <a:off x="0" y="0"/>
+          <a:ext cx="0" cy="0"/>
+          <a:chOff x="0" y="0"/>
+          <a:chExt cx="0" cy="0"/>
+        </a:xfrm>
+      </p:grpSpPr>
+      <p:sp>
+        <p:nvSpPr>
+          <p:cNvPr id="2" name="标题 1"/>
+          <p:cNvSpPr>
+            <a:spLocks noGrp="1"/>
+          </p:cNvSpPr>
+          <p:nvPr>
+            <p:ph type="title"/>
+          </p:nvPr>
+        </p:nvSpPr>
+        <p:spPr/>
+        <p:txBody>
+          <a:bodyPr/>
+          <a:lstStyle/>
+          <a:p>
+            <a:pPr algn="ctr"/>
+            <a:r>
+              <a:rPr lang="ja-JP" altLang="en-US" dirty="0">
+                <a:latin typeface="MS Mincho" panose="02020609040205080304" pitchFamily="49" charset="-128"/>
+                <a:ea typeface="MS Mincho" panose="02020609040205080304" pitchFamily="49" charset="-128"/>
+              </a:rPr>
+              <a:t>事前情報がある場合の類似度攻撃</a:t>
+            </a:r>
+            <a:endParaRPr lang="zh-CN" altLang="en-US" dirty="0">
+              <a:latin typeface="MS Mincho" panose="02020609040205080304" pitchFamily="49" charset="-128"/>
+              <a:ea typeface="MS Mincho" panose="02020609040205080304" pitchFamily="49" charset="-128"/>
+            </a:endParaRPr>
+          </a:p>
+        </p:txBody>
+      </p:sp>
+      <p:pic>
+        <p:nvPicPr>
+          <p:cNvPr id="4" name="内容占位符 3"/>
+          <p:cNvPicPr>
+            <a:picLocks noGrp="1" noChangeAspect="1"/>
+          </p:cNvPicPr>
+          <p:nvPr>
+            <p:ph idx="1"/>
+          </p:nvPr>
+        </p:nvPicPr>
+        <p:blipFill>
+          <a:blip r:embed="rId2"/>
+          <a:stretch>
+            <a:fillRect/>
+          </a:stretch>
+        </p:blipFill>
+        <p:spPr>
+          <a:xfrm>
+            <a:off x="3499881" y="1690688"/>
+            <a:ext cx="5192237" cy="3796179"/>
+          </a:xfrm>
+          <a:prstGeom prst="rect">
+            <a:avLst/>
+          </a:prstGeom>
+        </p:spPr>
+      </p:pic>
+      <p:sp>
+        <p:nvSpPr>
+          <p:cNvPr id="6" name="文本框 5"/>
+          <p:cNvSpPr txBox="1"/>
+          <p:nvPr/>
+        </p:nvSpPr>
+        <p:spPr>
+          <a:xfrm>
+            <a:off x="1429303" y="5615978"/>
+            <a:ext cx="4935985" cy="923330"/>
+          </a:xfrm>
+          <a:prstGeom prst="rect">
+            <a:avLst/>
+          </a:prstGeom>
+          <a:noFill/>
+        </p:spPr>
+        <p:txBody>
+          <a:bodyPr wrap="square" rtlCol="0">
+            <a:spAutoFit/>
+          </a:bodyPr>
+          <a:lstStyle/>
+          <a:p>
+            <a:r>
+              <a:rPr lang="en-US" altLang="zh-CN" dirty="0">
+                <a:latin typeface="MS Mincho" panose="02020609040205080304" pitchFamily="49" charset="-128"/>
+                <a:ea typeface="MS Mincho" panose="02020609040205080304" pitchFamily="49" charset="-128"/>
+              </a:rPr>
+              <a:t>HDGA </a:t>
+            </a:r>
+            <a:r>
+              <a:rPr lang="ja-JP" altLang="en-US" dirty="0">
+                <a:latin typeface="MS Mincho" panose="02020609040205080304" pitchFamily="49" charset="-128"/>
+                <a:ea typeface="MS Mincho" panose="02020609040205080304" pitchFamily="49" charset="-128"/>
+              </a:rPr>
+              <a:t>： </a:t>
+            </a:r>
+            <a:r>
+              <a:rPr lang="ja-JP" altLang="en-US" dirty="0">
+                <a:latin typeface="MS Mincho" panose="02020609040205080304" pitchFamily="49" charset="-128"/>
+                <a:ea typeface="MS Mincho" panose="02020609040205080304" pitchFamily="49" charset="-128"/>
+              </a:rPr>
+              <a:t>事前情報がない場合の類似度攻撃</a:t>
+            </a:r>
+            <a:endParaRPr lang="en-US" altLang="zh-CN" dirty="0">
+              <a:latin typeface="MS Mincho" panose="02020609040205080304" pitchFamily="49" charset="-128"/>
+              <a:ea typeface="MS Mincho" panose="02020609040205080304" pitchFamily="49" charset="-128"/>
+            </a:endParaRPr>
+          </a:p>
+          <a:p>
+            <a:r>
+              <a:rPr lang="en-US" altLang="ja-JP" dirty="0">
+                <a:latin typeface="MS Mincho" panose="02020609040205080304" pitchFamily="49" charset="-128"/>
+                <a:ea typeface="MS Mincho" panose="02020609040205080304" pitchFamily="49" charset="-128"/>
+              </a:rPr>
+              <a:t>QOT  </a:t>
+            </a:r>
+            <a:r>
+              <a:rPr lang="ja-JP" altLang="en-US" dirty="0">
+                <a:latin typeface="MS Mincho" panose="02020609040205080304" pitchFamily="49" charset="-128"/>
+                <a:ea typeface="MS Mincho" panose="02020609040205080304" pitchFamily="49" charset="-128"/>
+              </a:rPr>
+              <a:t>：</a:t>
+            </a:r>
+            <a:r>
+              <a:rPr lang="zh-CN" altLang="en-US" dirty="0">
+                <a:latin typeface="MS Mincho" panose="02020609040205080304" pitchFamily="49" charset="-128"/>
+                <a:ea typeface="MS Mincho" panose="02020609040205080304" pitchFamily="49" charset="-128"/>
+              </a:rPr>
+              <a:t> </a:t>
+            </a:r>
+            <a:r>
+              <a:rPr lang="ja-JP" altLang="en-US" dirty="0">
+                <a:latin typeface="MS Mincho" panose="02020609040205080304" pitchFamily="49" charset="-128"/>
+                <a:ea typeface="MS Mincho" panose="02020609040205080304" pitchFamily="49" charset="-128"/>
+              </a:rPr>
+              <a:t>トピックを曖昧化する手法</a:t>
+            </a:r>
+            <a:endParaRPr lang="en-US" altLang="ja-JP" dirty="0">
+              <a:latin typeface="MS Mincho" panose="02020609040205080304" pitchFamily="49" charset="-128"/>
+              <a:ea typeface="MS Mincho" panose="02020609040205080304" pitchFamily="49" charset="-128"/>
+            </a:endParaRPr>
+          </a:p>
+          <a:p>
+            <a:r>
+              <a:rPr lang="en-US" altLang="zh-CN" dirty="0">
+                <a:latin typeface="MS Mincho" panose="02020609040205080304" pitchFamily="49" charset="-128"/>
+                <a:ea typeface="MS Mincho" panose="02020609040205080304" pitchFamily="49" charset="-128"/>
+              </a:rPr>
+              <a:t>QOI</a:t>
+            </a:r>
+            <a:r>
+              <a:rPr lang="en-US" altLang="ja-JP" dirty="0">
+                <a:latin typeface="MS Mincho" panose="02020609040205080304" pitchFamily="49" charset="-128"/>
+                <a:ea typeface="MS Mincho" panose="02020609040205080304" pitchFamily="49" charset="-128"/>
+              </a:rPr>
+              <a:t>  </a:t>
+            </a:r>
+            <a:r>
+              <a:rPr lang="ja-JP" altLang="en-US" dirty="0">
+                <a:latin typeface="MS Mincho" panose="02020609040205080304" pitchFamily="49" charset="-128"/>
+                <a:ea typeface="MS Mincho" panose="02020609040205080304" pitchFamily="49" charset="-128"/>
+              </a:rPr>
+              <a:t>： トピックにおける曖昧化手法</a:t>
+            </a:r>
+            <a:endParaRPr lang="en-US" altLang="zh-CN" dirty="0">
+              <a:latin typeface="MS Mincho" panose="02020609040205080304" pitchFamily="49" charset="-128"/>
+              <a:ea typeface="MS Mincho" panose="02020609040205080304" pitchFamily="49" charset="-128"/>
+            </a:endParaRPr>
+          </a:p>
+        </p:txBody>
+      </p:sp>
+    </p:spTree>
+    <p:extLst>
+      <p:ext uri="{BB962C8B-B14F-4D97-AF65-F5344CB8AC3E}">
+        <p14:creationId xmlns:p14="http://schemas.microsoft.com/office/powerpoint/2010/main" val="3606301487"/>
+      </p:ext>
+    </p:extLst>
+  </p:cSld>
+  <p:clrMapOvr>
+    <a:masterClrMapping/>
+  </p:clrMapOvr>
+</p:sld>
+</file>
+
+<file path=ppt/slides/slide78.xml><?xml version="1.0" encoding="utf-8"?>
+<p:sld xmlns:a="http://schemas.openxmlformats.org/drawingml/2006/main" xmlns:r="http://schemas.openxmlformats.org/officeDocument/2006/relationships" xmlns:p="http://schemas.openxmlformats.org/presentationml/2006/main">
+  <p:cSld>
+    <p:spTree>
+      <p:nvGrpSpPr>
+        <p:cNvPr id="1" name=""/>
+        <p:cNvGrpSpPr/>
+        <p:nvPr/>
+      </p:nvGrpSpPr>
+      <p:grpSpPr>
+        <a:xfrm>
+          <a:off x="0" y="0"/>
+          <a:ext cx="0" cy="0"/>
+          <a:chOff x="0" y="0"/>
+          <a:chExt cx="0" cy="0"/>
+        </a:xfrm>
+      </p:grpSpPr>
+      <p:sp>
+        <p:nvSpPr>
+          <p:cNvPr id="2" name="标题 1"/>
+          <p:cNvSpPr>
+            <a:spLocks noGrp="1"/>
+          </p:cNvSpPr>
+          <p:nvPr>
+            <p:ph type="title"/>
+          </p:nvPr>
+        </p:nvSpPr>
+        <p:spPr/>
+        <p:txBody>
+          <a:bodyPr/>
+          <a:lstStyle/>
+          <a:p>
+            <a:pPr algn="ctr"/>
+            <a:r>
+              <a:rPr lang="ja-JP" altLang="en-US" dirty="0">
+                <a:latin typeface="MS Mincho" panose="02020609040205080304" pitchFamily="49" charset="-128"/>
+                <a:ea typeface="MS Mincho" panose="02020609040205080304" pitchFamily="49" charset="-128"/>
+              </a:rPr>
+              <a:t>データベース分割</a:t>
+            </a:r>
+            <a:endParaRPr lang="zh-CN" altLang="en-US" dirty="0">
+              <a:latin typeface="MS Mincho" panose="02020609040205080304" pitchFamily="49" charset="-128"/>
+              <a:ea typeface="MS Mincho" panose="02020609040205080304" pitchFamily="49" charset="-128"/>
+            </a:endParaRPr>
+          </a:p>
+        </p:txBody>
+      </p:sp>
+      <p:pic>
+        <p:nvPicPr>
+          <p:cNvPr id="3" name="内容占位符 2"/>
+          <p:cNvPicPr>
+            <a:picLocks noGrp="1" noChangeAspect="1"/>
+          </p:cNvPicPr>
+          <p:nvPr>
+            <p:ph idx="1"/>
+          </p:nvPr>
+        </p:nvPicPr>
+        <p:blipFill>
+          <a:blip r:embed="rId2"/>
+          <a:stretch>
+            <a:fillRect/>
+          </a:stretch>
+        </p:blipFill>
+        <p:spPr>
+          <a:xfrm>
+            <a:off x="3394391" y="1690688"/>
+            <a:ext cx="5403218" cy="3847206"/>
+          </a:xfrm>
+          <a:prstGeom prst="rect">
+            <a:avLst/>
+          </a:prstGeom>
+        </p:spPr>
+      </p:pic>
+      <p:sp>
+        <p:nvSpPr>
+          <p:cNvPr id="6" name="文本框 5"/>
+          <p:cNvSpPr txBox="1"/>
+          <p:nvPr/>
+        </p:nvSpPr>
+        <p:spPr>
+          <a:xfrm>
+            <a:off x="1429302" y="5615978"/>
+            <a:ext cx="9924498" cy="923330"/>
+          </a:xfrm>
+          <a:prstGeom prst="rect">
+            <a:avLst/>
+          </a:prstGeom>
+          <a:noFill/>
+        </p:spPr>
+        <p:txBody>
+          <a:bodyPr wrap="square" rtlCol="0">
+            <a:spAutoFit/>
+          </a:bodyPr>
+          <a:lstStyle/>
+          <a:p>
+            <a:r>
+              <a:rPr lang="en-US" altLang="zh-CN" dirty="0">
+                <a:latin typeface="MS Mincho" panose="02020609040205080304" pitchFamily="49" charset="-128"/>
+                <a:ea typeface="MS Mincho" panose="02020609040205080304" pitchFamily="49" charset="-128"/>
+              </a:rPr>
+              <a:t>ideal    </a:t>
+            </a:r>
+            <a:r>
+              <a:rPr lang="ja-JP" altLang="en-US" dirty="0">
+                <a:latin typeface="MS Mincho" panose="02020609040205080304" pitchFamily="49" charset="-128"/>
+                <a:ea typeface="MS Mincho" panose="02020609040205080304" pitchFamily="49" charset="-128"/>
+              </a:rPr>
+              <a:t>： 理想値</a:t>
+            </a:r>
+            <a:r>
+              <a:rPr lang="en-US" altLang="ja-JP" dirty="0">
+                <a:latin typeface="MS Mincho" panose="02020609040205080304" pitchFamily="49" charset="-128"/>
+                <a:ea typeface="MS Mincho" panose="02020609040205080304" pitchFamily="49" charset="-128"/>
+              </a:rPr>
+              <a:t>			   </a:t>
+            </a:r>
+            <a:r>
+              <a:rPr lang="zh-CN" altLang="en-US" dirty="0">
+                <a:latin typeface="MS Mincho" panose="02020609040205080304" pitchFamily="49" charset="-128"/>
+                <a:ea typeface="MS Mincho" panose="02020609040205080304" pitchFamily="49" charset="-128"/>
+              </a:rPr>
+              <a:t>   </a:t>
+            </a:r>
+            <a:r>
+              <a:rPr lang="en-US" altLang="ja-JP" dirty="0" err="1">
+                <a:latin typeface="MS Mincho" panose="02020609040205080304" pitchFamily="49" charset="-128"/>
+                <a:ea typeface="MS Mincho" panose="02020609040205080304" pitchFamily="49" charset="-128"/>
+              </a:rPr>
+              <a:t>Simatt</a:t>
+            </a:r>
+            <a:r>
+              <a:rPr lang="en-US" altLang="zh-CN" dirty="0">
+                <a:latin typeface="MS Mincho" panose="02020609040205080304" pitchFamily="49" charset="-128"/>
+                <a:ea typeface="MS Mincho" panose="02020609040205080304" pitchFamily="49" charset="-128"/>
+              </a:rPr>
+              <a:t> </a:t>
+            </a:r>
+            <a:r>
+              <a:rPr lang="ja-JP" altLang="en-US" dirty="0">
+                <a:latin typeface="MS Mincho" panose="02020609040205080304" pitchFamily="49" charset="-128"/>
+                <a:ea typeface="MS Mincho" panose="02020609040205080304" pitchFamily="49" charset="-128"/>
+              </a:rPr>
+              <a:t>：事前情報がある場合の類似度攻撃</a:t>
+            </a:r>
+            <a:endParaRPr lang="en-US" altLang="zh-CN" dirty="0">
+              <a:latin typeface="MS Mincho" panose="02020609040205080304" pitchFamily="49" charset="-128"/>
+              <a:ea typeface="MS Mincho" panose="02020609040205080304" pitchFamily="49" charset="-128"/>
+            </a:endParaRPr>
+          </a:p>
+          <a:p>
+            <a:r>
+              <a:rPr lang="en-US" altLang="zh-CN" dirty="0">
+                <a:latin typeface="MS Mincho" panose="02020609040205080304" pitchFamily="49" charset="-128"/>
+                <a:ea typeface="MS Mincho" panose="02020609040205080304" pitchFamily="49" charset="-128"/>
+              </a:rPr>
+              <a:t>MTA-LSA  </a:t>
+            </a:r>
+            <a:r>
+              <a:rPr lang="ja-JP" altLang="en-US" dirty="0">
+                <a:latin typeface="MS Mincho" panose="02020609040205080304" pitchFamily="49" charset="-128"/>
+                <a:ea typeface="MS Mincho" panose="02020609040205080304" pitchFamily="49" charset="-128"/>
+              </a:rPr>
+              <a:t>：</a:t>
+            </a:r>
+            <a:r>
+              <a:rPr lang="en-US" altLang="zh-CN" dirty="0">
+                <a:latin typeface="MS Mincho" panose="02020609040205080304" pitchFamily="49" charset="-128"/>
+                <a:ea typeface="MS Mincho" panose="02020609040205080304" pitchFamily="49" charset="-128"/>
+              </a:rPr>
+              <a:t> </a:t>
+            </a:r>
+            <a:r>
+              <a:rPr lang="en-US" altLang="zh-CN" dirty="0">
+                <a:latin typeface="MS Mincho" panose="02020609040205080304" pitchFamily="49" charset="-128"/>
+                <a:ea typeface="MS Mincho" panose="02020609040205080304" pitchFamily="49" charset="-128"/>
+              </a:rPr>
+              <a:t>LSA</a:t>
+            </a:r>
+            <a:r>
+              <a:rPr lang="ja-JP" altLang="en-US" dirty="0">
+                <a:latin typeface="MS Mincho" panose="02020609040205080304" pitchFamily="49" charset="-128"/>
+                <a:ea typeface="MS Mincho" panose="02020609040205080304" pitchFamily="49" charset="-128"/>
+              </a:rPr>
+              <a:t>を用いたメイントピック攻撃     </a:t>
+            </a:r>
+            <a:r>
+              <a:rPr lang="en-US" altLang="ja-JP" dirty="0">
+                <a:latin typeface="MS Mincho" panose="02020609040205080304" pitchFamily="49" charset="-128"/>
+                <a:ea typeface="MS Mincho" panose="02020609040205080304" pitchFamily="49" charset="-128"/>
+              </a:rPr>
+              <a:t>Simatt2</a:t>
+            </a:r>
+            <a:r>
+              <a:rPr lang="ja-JP" altLang="en-US" dirty="0">
+                <a:latin typeface="MS Mincho" panose="02020609040205080304" pitchFamily="49" charset="-128"/>
+                <a:ea typeface="MS Mincho" panose="02020609040205080304" pitchFamily="49" charset="-128"/>
+              </a:rPr>
+              <a:t>：事前情報がない場合の類似度攻撃</a:t>
+            </a:r>
+            <a:endParaRPr lang="en-US" altLang="zh-CN" dirty="0">
+              <a:latin typeface="MS Mincho" panose="02020609040205080304" pitchFamily="49" charset="-128"/>
+              <a:ea typeface="MS Mincho" panose="02020609040205080304" pitchFamily="49" charset="-128"/>
+            </a:endParaRPr>
+          </a:p>
+          <a:p>
+            <a:r>
+              <a:rPr lang="en-US" altLang="zh-CN" dirty="0">
+                <a:latin typeface="MS Mincho" panose="02020609040205080304" pitchFamily="49" charset="-128"/>
+                <a:ea typeface="MS Mincho" panose="02020609040205080304" pitchFamily="49" charset="-128"/>
+              </a:rPr>
+              <a:t>MTA_LDA  </a:t>
+            </a:r>
+            <a:r>
+              <a:rPr lang="ja-JP" altLang="en-US" dirty="0">
+                <a:latin typeface="MS Mincho" panose="02020609040205080304" pitchFamily="49" charset="-128"/>
+                <a:ea typeface="MS Mincho" panose="02020609040205080304" pitchFamily="49" charset="-128"/>
+              </a:rPr>
+              <a:t>：</a:t>
+            </a:r>
+            <a:r>
+              <a:rPr lang="zh-CN" altLang="en-US" dirty="0">
+                <a:latin typeface="MS Mincho" panose="02020609040205080304" pitchFamily="49" charset="-128"/>
+                <a:ea typeface="MS Mincho" panose="02020609040205080304" pitchFamily="49" charset="-128"/>
+              </a:rPr>
+              <a:t> </a:t>
+            </a:r>
+            <a:r>
+              <a:rPr lang="en-US" altLang="zh-CN" dirty="0">
+                <a:latin typeface="MS Mincho" panose="02020609040205080304" pitchFamily="49" charset="-128"/>
+                <a:ea typeface="MS Mincho" panose="02020609040205080304" pitchFamily="49" charset="-128"/>
+              </a:rPr>
+              <a:t>LDA</a:t>
+            </a:r>
+            <a:r>
+              <a:rPr lang="ja-JP" altLang="en-US" dirty="0">
+                <a:latin typeface="MS Mincho" panose="02020609040205080304" pitchFamily="49" charset="-128"/>
+                <a:ea typeface="MS Mincho" panose="02020609040205080304" pitchFamily="49" charset="-128"/>
+              </a:rPr>
+              <a:t>を用いたメイントピック攻撃</a:t>
+            </a:r>
+            <a:endParaRPr lang="en-US" altLang="ja-JP" dirty="0">
+              <a:latin typeface="MS Mincho" panose="02020609040205080304" pitchFamily="49" charset="-128"/>
+              <a:ea typeface="MS Mincho" panose="02020609040205080304" pitchFamily="49" charset="-128"/>
+            </a:endParaRPr>
+          </a:p>
+        </p:txBody>
+      </p:sp>
+    </p:spTree>
+    <p:extLst>
+      <p:ext uri="{BB962C8B-B14F-4D97-AF65-F5344CB8AC3E}">
+        <p14:creationId xmlns:p14="http://schemas.microsoft.com/office/powerpoint/2010/main" val="3810118972"/>
+      </p:ext>
+    </p:extLst>
+  </p:cSld>
+  <p:clrMapOvr>
+    <a:masterClrMapping/>
+  </p:clrMapOvr>
+</p:sld>
+</file>
+
+<file path=ppt/slides/slide79.xml><?xml version="1.0" encoding="utf-8"?>
+<p:sld xmlns:a="http://schemas.openxmlformats.org/drawingml/2006/main" xmlns:r="http://schemas.openxmlformats.org/officeDocument/2006/relationships" xmlns:p="http://schemas.openxmlformats.org/presentationml/2006/main">
+  <p:cSld>
+    <p:spTree>
+      <p:nvGrpSpPr>
+        <p:cNvPr id="1" name=""/>
+        <p:cNvGrpSpPr/>
+        <p:nvPr/>
+      </p:nvGrpSpPr>
+      <p:grpSpPr>
+        <a:xfrm>
+          <a:off x="0" y="0"/>
+          <a:ext cx="0" cy="0"/>
+          <a:chOff x="0" y="0"/>
+          <a:chExt cx="0" cy="0"/>
+        </a:xfrm>
+      </p:grpSpPr>
+      <p:sp>
+        <p:nvSpPr>
+          <p:cNvPr id="2" name="标题 1"/>
+          <p:cNvSpPr>
+            <a:spLocks noGrp="1"/>
+          </p:cNvSpPr>
+          <p:nvPr>
+            <p:ph type="title"/>
+          </p:nvPr>
+        </p:nvSpPr>
+        <p:spPr>
+          <a:xfrm>
+            <a:off x="838200" y="365125"/>
+            <a:ext cx="10515600" cy="1325563"/>
+          </a:xfrm>
+        </p:spPr>
+        <p:txBody>
+          <a:bodyPr>
+            <a:normAutofit/>
+          </a:bodyPr>
+          <a:lstStyle/>
+          <a:p>
+            <a:pPr algn="ctr"/>
+            <a:r>
+              <a:rPr lang="ja-JP" altLang="en-US" sz="2800" dirty="0">
+                <a:latin typeface="MS Mincho" panose="02020609040205080304" pitchFamily="49" charset="-128"/>
+                <a:ea typeface="MS Mincho" panose="02020609040205080304" pitchFamily="49" charset="-128"/>
+              </a:rPr>
+              <a:t>メイントピック攻撃</a:t>
+            </a:r>
+            <a:r>
+              <a:rPr lang="zh-CN" altLang="en-US" sz="2800" dirty="0">
+                <a:latin typeface="MS Mincho" panose="02020609040205080304" pitchFamily="49" charset="-128"/>
+                <a:ea typeface="MS Mincho" panose="02020609040205080304" pitchFamily="49" charset="-128"/>
+              </a:rPr>
+              <a:t> </a:t>
+            </a:r>
+            <a:r>
+              <a:rPr lang="en-US" altLang="zh-CN" sz="2800" dirty="0">
+                <a:latin typeface="MS Mincho" panose="02020609040205080304" pitchFamily="49" charset="-128"/>
+                <a:ea typeface="MS Mincho" panose="02020609040205080304" pitchFamily="49" charset="-128"/>
+              </a:rPr>
+              <a:t>V.S.</a:t>
+            </a:r>
+            <a:r>
+              <a:rPr lang="ja-JP" altLang="en-US" sz="2800" dirty="0">
+                <a:latin typeface="MS Mincho" panose="02020609040205080304" pitchFamily="49" charset="-128"/>
+                <a:ea typeface="MS Mincho" panose="02020609040205080304" pitchFamily="49" charset="-128"/>
+              </a:rPr>
+              <a:t>データベース分割</a:t>
+            </a:r>
+            <a:endParaRPr lang="zh-CN" altLang="en-US" sz="2800" dirty="0">
+              <a:latin typeface="MS Mincho" panose="02020609040205080304" pitchFamily="49" charset="-128"/>
+              <a:ea typeface="MS Mincho" panose="02020609040205080304" pitchFamily="49" charset="-128"/>
+            </a:endParaRPr>
+          </a:p>
+        </p:txBody>
+      </p:sp>
+      <mc:AlternateContent xmlns:mc="http://schemas.openxmlformats.org/markup-compatibility/2006">
+        <mc:Choice xmlns:a14="http://schemas.microsoft.com/office/drawing/2010/main" Requires="a14">
+          <p:sp>
+            <p:nvSpPr>
+              <p:cNvPr id="4" name="内容占位符 3"/>
+              <p:cNvSpPr>
+                <a:spLocks noGrp="1"/>
+              </p:cNvSpPr>
+              <p:nvPr>
+                <p:ph idx="1"/>
+              </p:nvPr>
+            </p:nvSpPr>
+            <p:spPr/>
+            <p:txBody>
+              <a:bodyPr/>
+              <a:lstStyle/>
+              <a:p>
+                <a:endParaRPr lang="en-US" altLang="ja-JP" dirty="0"/>
+              </a:p>
+              <a:p>
+                <a:endParaRPr lang="en-US" altLang="ja-JP" dirty="0"/>
+              </a:p>
+              <a:p>
+                <a:pPr marL="0" indent="0">
+                  <a:buNone/>
+                </a:pPr>
+                <a:endParaRPr lang="en-US" altLang="zh-CN" i="1" dirty="0">
+                  <a:latin typeface="Cambria Math" panose="02040503050406030204" pitchFamily="18" charset="0"/>
+                  <a:ea typeface="MS Mincho" panose="02020609040205080304" pitchFamily="49" charset="-128"/>
+                </a:endParaRPr>
+              </a:p>
+              <a:p>
+                <a:pPr marL="0" indent="0">
+                  <a:buNone/>
+                </a:pPr>
+                <a:endParaRPr lang="en-US" altLang="zh-CN" i="1" dirty="0">
+                  <a:latin typeface="Cambria Math" panose="02040503050406030204" pitchFamily="18" charset="0"/>
+                  <a:ea typeface="MS Mincho" panose="02020609040205080304" pitchFamily="49" charset="-128"/>
+                </a:endParaRPr>
+              </a:p>
+              <a:p>
+                <a:pPr marL="0" indent="0">
+                  <a:buNone/>
+                </a:pPr>
+                <a14:m>
+                  <m:oMathPara xmlns:m="http://schemas.openxmlformats.org/officeDocument/2006/math">
+                    <m:oMathParaPr>
+                      <m:jc m:val="center"/>
+                    </m:oMathParaPr>
+                    <m:oMath xmlns:m="http://schemas.openxmlformats.org/officeDocument/2006/math">
+                      <m:r>
+                        <m:rPr>
+                          <m:sty m:val="p"/>
+                        </m:rPr>
+                        <a:rPr lang="en-US" altLang="zh-CN" i="1" dirty="0">
+                          <a:latin typeface="Cambria Math" panose="02040503050406030204" pitchFamily="18" charset="0"/>
+                          <a:ea typeface="MS Mincho" panose="02020609040205080304" pitchFamily="49" charset="-128"/>
+                        </a:rPr>
+                        <m:t>rscore</m:t>
+                      </m:r>
+                      <m:d>
+                        <m:dPr>
+                          <m:ctrlPr>
+                            <a:rPr lang="en-US" altLang="zh-CN" i="1" dirty="0">
+                              <a:latin typeface="Cambria Math" panose="02040503050406030204" pitchFamily="18" charset="0"/>
+                              <a:ea typeface="MS Mincho" panose="02020609040205080304" pitchFamily="49" charset="-128"/>
+                            </a:rPr>
+                          </m:ctrlPr>
+                        </m:dPr>
+                        <m:e>
+                          <m:r>
+                            <a:rPr lang="en-US" altLang="zh-CN" b="0" i="1" dirty="0" smtClean="0">
+                              <a:latin typeface="Cambria Math" panose="02040503050406030204" pitchFamily="18" charset="0"/>
+                              <a:ea typeface="MS Mincho" panose="02020609040205080304" pitchFamily="49" charset="-128"/>
+                            </a:rPr>
+                            <m:t>𝑞</m:t>
+                          </m:r>
+                          <m:r>
+                            <a:rPr lang="en-US" altLang="ja-JP" i="1" dirty="0">
+                              <a:latin typeface="Cambria Math" panose="02040503050406030204" pitchFamily="18" charset="0"/>
+                              <a:ea typeface="MS Mincho" panose="02020609040205080304" pitchFamily="49" charset="-128"/>
+                            </a:rPr>
+                            <m:t> ,</m:t>
+                          </m:r>
+                          <m:sSub>
+                            <m:sSubPr>
+                              <m:ctrlPr>
+                                <a:rPr lang="en-US" altLang="zh-CN" i="1" dirty="0">
+                                  <a:latin typeface="Cambria Math" panose="02040503050406030204" pitchFamily="18" charset="0"/>
+                                </a:rPr>
+                              </m:ctrlPr>
+                            </m:sSubPr>
+                            <m:e>
+                              <m:r>
+                                <a:rPr lang="en-US" altLang="zh-CN" i="1" dirty="0">
+                                  <a:latin typeface="Cambria Math" panose="02040503050406030204" pitchFamily="18" charset="0"/>
+                                </a:rPr>
+                                <m:t>𝛿</m:t>
+                              </m:r>
+                            </m:e>
+                            <m:sub>
+                              <m:r>
+                                <a:rPr lang="en-US" altLang="zh-CN" i="1" dirty="0">
+                                  <a:latin typeface="Cambria Math" panose="02040503050406030204" pitchFamily="18" charset="0"/>
+                                </a:rPr>
+                                <m:t>𝑞</m:t>
+                              </m:r>
+                            </m:sub>
+                          </m:sSub>
+                        </m:e>
+                      </m:d>
+                      <m:r>
+                        <a:rPr lang="en-US" altLang="zh-CN" i="1" dirty="0">
+                          <a:latin typeface="Cambria Math" panose="02040503050406030204" pitchFamily="18" charset="0"/>
+                          <a:ea typeface="MS Mincho" panose="02020609040205080304" pitchFamily="49" charset="-128"/>
+                        </a:rPr>
+                        <m:t>=</m:t>
+                      </m:r>
+                      <m:f>
+                        <m:fPr>
+                          <m:ctrlPr>
+                            <a:rPr lang="en-US" altLang="zh-CN" b="0" i="1" dirty="0" smtClean="0">
+                              <a:latin typeface="Cambria Math" panose="02040503050406030204" pitchFamily="18" charset="0"/>
+                              <a:ea typeface="MS Mincho" panose="02020609040205080304" pitchFamily="49" charset="-128"/>
+                            </a:rPr>
+                          </m:ctrlPr>
+                        </m:fPr>
+                        <m:num>
+                          <m:func>
+                            <m:funcPr>
+                              <m:ctrlPr>
+                                <a:rPr lang="en-US" altLang="zh-CN" b="0" i="1" dirty="0" smtClean="0">
+                                  <a:latin typeface="Cambria Math" panose="02040503050406030204" pitchFamily="18" charset="0"/>
+                                  <a:ea typeface="MS Mincho" panose="02020609040205080304" pitchFamily="49" charset="-128"/>
+                                </a:rPr>
+                              </m:ctrlPr>
+                            </m:funcPr>
+                            <m:fName>
+                              <m:r>
+                                <m:rPr>
+                                  <m:sty m:val="p"/>
+                                </m:rPr>
+                                <a:rPr lang="en-US" altLang="zh-CN" b="0" i="0" dirty="0" smtClean="0">
+                                  <a:latin typeface="Cambria Math" panose="02040503050406030204" pitchFamily="18" charset="0"/>
+                                  <a:ea typeface="MS Mincho" panose="02020609040205080304" pitchFamily="49" charset="-128"/>
+                                </a:rPr>
+                                <m:t>Pr</m:t>
+                              </m:r>
+                            </m:fName>
+                            <m:e>
+                              <m:d>
+                                <m:dPr>
+                                  <m:begChr m:val="["/>
+                                  <m:endChr m:val="]"/>
+                                  <m:ctrlPr>
+                                    <a:rPr lang="en-US" altLang="zh-CN" b="0" i="1" dirty="0" smtClean="0">
+                                      <a:latin typeface="Cambria Math" panose="02040503050406030204" pitchFamily="18" charset="0"/>
+                                      <a:ea typeface="MS Mincho" panose="02020609040205080304" pitchFamily="49" charset="-128"/>
+                                    </a:rPr>
+                                  </m:ctrlPr>
+                                </m:dPr>
+                                <m:e>
+                                  <m:r>
+                                    <a:rPr lang="en-US" altLang="ja-JP" i="1">
+                                      <a:latin typeface="Cambria Math" panose="02040503050406030204" pitchFamily="18" charset="0"/>
+                                    </a:rPr>
+                                    <m:t>𝑞</m:t>
+                                  </m:r>
+                                </m:e>
+                                <m:e>
+                                  <m:sSub>
+                                    <m:sSubPr>
+                                      <m:ctrlPr>
+                                        <a:rPr lang="en-US" altLang="zh-CN" i="1" dirty="0">
+                                          <a:latin typeface="Cambria Math" panose="02040503050406030204" pitchFamily="18" charset="0"/>
+                                        </a:rPr>
+                                      </m:ctrlPr>
+                                    </m:sSubPr>
+                                    <m:e>
+                                      <m:r>
+                                        <a:rPr lang="en-US" altLang="zh-CN" i="1" dirty="0">
+                                          <a:latin typeface="Cambria Math" panose="02040503050406030204" pitchFamily="18" charset="0"/>
+                                        </a:rPr>
+                                        <m:t>𝛿</m:t>
+                                      </m:r>
+                                    </m:e>
+                                    <m:sub>
+                                      <m:r>
+                                        <a:rPr lang="en-US" altLang="zh-CN" i="1" dirty="0">
+                                          <a:latin typeface="Cambria Math" panose="02040503050406030204" pitchFamily="18" charset="0"/>
+                                        </a:rPr>
+                                        <m:t>𝑞</m:t>
+                                      </m:r>
+                                    </m:sub>
+                                  </m:sSub>
+                                </m:e>
+                              </m:d>
+                            </m:e>
+                          </m:func>
+                          <m:r>
+                            <m:rPr>
+                              <m:sty m:val="p"/>
+                            </m:rPr>
+                            <a:rPr lang="en-US" altLang="zh-CN" b="0" i="0" dirty="0" smtClean="0">
+                              <a:latin typeface="Cambria Math" panose="02040503050406030204" pitchFamily="18" charset="0"/>
+                              <a:ea typeface="MS Mincho" panose="02020609040205080304" pitchFamily="49" charset="-128"/>
+                            </a:rPr>
+                            <m:t>Pr</m:t>
+                          </m:r>
+                          <m:r>
+                            <a:rPr lang="en-US" altLang="zh-CN" b="0" i="1" dirty="0" smtClean="0">
+                              <a:latin typeface="Cambria Math" panose="02040503050406030204" pitchFamily="18" charset="0"/>
+                              <a:ea typeface="MS Mincho" panose="02020609040205080304" pitchFamily="49" charset="-128"/>
+                            </a:rPr>
+                            <m:t>⁡[</m:t>
+                          </m:r>
+                          <m:sSub>
+                            <m:sSubPr>
+                              <m:ctrlPr>
+                                <a:rPr lang="en-US" altLang="zh-CN" i="1" dirty="0">
+                                  <a:latin typeface="Cambria Math" panose="02040503050406030204" pitchFamily="18" charset="0"/>
+                                </a:rPr>
+                              </m:ctrlPr>
+                            </m:sSubPr>
+                            <m:e>
+                              <m:r>
+                                <a:rPr lang="en-US" altLang="zh-CN" i="1" dirty="0">
+                                  <a:latin typeface="Cambria Math" panose="02040503050406030204" pitchFamily="18" charset="0"/>
+                                </a:rPr>
+                                <m:t>𝛿</m:t>
+                              </m:r>
+                            </m:e>
+                            <m:sub>
+                              <m:r>
+                                <a:rPr lang="en-US" altLang="zh-CN" i="1" dirty="0">
+                                  <a:latin typeface="Cambria Math" panose="02040503050406030204" pitchFamily="18" charset="0"/>
+                                </a:rPr>
+                                <m:t>𝑞</m:t>
+                              </m:r>
+                            </m:sub>
+                          </m:sSub>
+                          <m:r>
+                            <a:rPr lang="en-US" altLang="zh-CN" b="0" i="1" dirty="0" smtClean="0">
+                              <a:latin typeface="Cambria Math" panose="02040503050406030204" pitchFamily="18" charset="0"/>
+                              <a:ea typeface="MS Mincho" panose="02020609040205080304" pitchFamily="49" charset="-128"/>
+                            </a:rPr>
+                            <m:t>]</m:t>
+                          </m:r>
+                        </m:num>
+                        <m:den>
+                          <m:r>
+                            <m:rPr>
+                              <m:sty m:val="p"/>
+                            </m:rPr>
+                            <a:rPr lang="en-US" altLang="zh-CN" b="0" i="0" dirty="0" smtClean="0">
+                              <a:latin typeface="Cambria Math" panose="02040503050406030204" pitchFamily="18" charset="0"/>
+                              <a:ea typeface="MS Mincho" panose="02020609040205080304" pitchFamily="49" charset="-128"/>
+                            </a:rPr>
+                            <m:t>Pr</m:t>
+                          </m:r>
+                          <m:r>
+                            <a:rPr lang="en-US" altLang="zh-CN" b="0" i="1" dirty="0" smtClean="0">
+                              <a:latin typeface="Cambria Math" panose="02040503050406030204" pitchFamily="18" charset="0"/>
+                              <a:ea typeface="MS Mincho" panose="02020609040205080304" pitchFamily="49" charset="-128"/>
+                            </a:rPr>
+                            <m:t>⁡[</m:t>
+                          </m:r>
+                          <m:r>
+                            <a:rPr lang="en-US" altLang="zh-CN" b="0" i="1" dirty="0" smtClean="0">
+                              <a:latin typeface="Cambria Math" panose="02040503050406030204" pitchFamily="18" charset="0"/>
+                              <a:ea typeface="MS Mincho" panose="02020609040205080304" pitchFamily="49" charset="-128"/>
+                            </a:rPr>
+                            <m:t>𝑞</m:t>
+                          </m:r>
+                          <m:r>
+                            <a:rPr lang="en-US" altLang="zh-CN" b="0" i="1" dirty="0" smtClean="0">
+                              <a:latin typeface="Cambria Math" panose="02040503050406030204" pitchFamily="18" charset="0"/>
+                              <a:ea typeface="MS Mincho" panose="02020609040205080304" pitchFamily="49" charset="-128"/>
+                            </a:rPr>
+                            <m:t>]</m:t>
+                          </m:r>
+                        </m:den>
+                      </m:f>
+                    </m:oMath>
+                  </m:oMathPara>
+                </a14:m>
+                <a:endParaRPr lang="en-US" altLang="ja-JP" dirty="0"/>
+              </a:p>
+              <a:p>
+                <a:endParaRPr lang="en-US" altLang="zh-CN" dirty="0"/>
+              </a:p>
+              <a:p>
+                <a:endParaRPr lang="zh-CN" altLang="en-US" dirty="0"/>
+              </a:p>
+            </p:txBody>
+          </p:sp>
+        </mc:Choice>
+        <mc:Fallback>
+          <p:sp>
+            <p:nvSpPr>
+              <p:cNvPr id="4" name="内容占位符 3"/>
+              <p:cNvSpPr>
+                <a:spLocks noGrp="1" noRot="1" noChangeAspect="1" noMove="1" noResize="1" noEditPoints="1" noAdjustHandles="1" noChangeArrowheads="1" noChangeShapeType="1" noTextEdit="1"/>
+              </p:cNvSpPr>
+              <p:nvPr>
+                <p:ph idx="1"/>
+              </p:nvPr>
+            </p:nvSpPr>
+            <p:spPr>
+              <a:blipFill>
+                <a:blip r:embed="rId2"/>
+                <a:stretch>
+                  <a:fillRect/>
+                </a:stretch>
+              </a:blipFill>
+            </p:spPr>
+            <p:txBody>
+              <a:bodyPr/>
+              <a:lstStyle/>
+              <a:p>
+                <a:r>
+                  <a:rPr lang="zh-CN" altLang="en-US">
+                    <a:noFill/>
+                  </a:rPr>
+                  <a:t> </a:t>
+                </a:r>
+              </a:p>
+            </p:txBody>
+          </p:sp>
+        </mc:Fallback>
+      </mc:AlternateContent>
+      <p:cxnSp>
+        <p:nvCxnSpPr>
+          <p:cNvPr id="5" name="直接箭头连接符 4"/>
+          <p:cNvCxnSpPr>
+            <a:cxnSpLocks/>
+          </p:cNvCxnSpPr>
+          <p:nvPr/>
+        </p:nvCxnSpPr>
+        <p:spPr>
+          <a:xfrm flipH="1" flipV="1">
+            <a:off x="5894773" y="3204839"/>
+            <a:ext cx="798991" cy="417250"/>
+          </a:xfrm>
+          <a:prstGeom prst="straightConnector1">
+            <a:avLst/>
+          </a:prstGeom>
+          <a:ln w="28575">
+            <a:solidFill>
+              <a:srgbClr val="FF0000"/>
+            </a:solidFill>
+            <a:tailEnd type="triangle"/>
+          </a:ln>
+        </p:spPr>
+        <p:style>
+          <a:lnRef idx="1">
+            <a:schemeClr val="accent1"/>
+          </a:lnRef>
+          <a:fillRef idx="0">
+            <a:schemeClr val="accent1"/>
+          </a:fillRef>
+          <a:effectRef idx="0">
+            <a:schemeClr val="accent1"/>
+          </a:effectRef>
+          <a:fontRef idx="minor">
+            <a:schemeClr val="tx1"/>
+          </a:fontRef>
+        </p:style>
+      </p:cxnSp>
+      <p:cxnSp>
+        <p:nvCxnSpPr>
+          <p:cNvPr id="7" name="直接箭头连接符 6"/>
+          <p:cNvCxnSpPr>
+            <a:cxnSpLocks/>
+          </p:cNvCxnSpPr>
+          <p:nvPr/>
+        </p:nvCxnSpPr>
+        <p:spPr>
+          <a:xfrm>
+            <a:off x="7723573" y="4730011"/>
+            <a:ext cx="683580" cy="534447"/>
+          </a:xfrm>
+          <a:prstGeom prst="straightConnector1">
+            <a:avLst/>
+          </a:prstGeom>
+          <a:ln w="28575">
+            <a:solidFill>
+              <a:srgbClr val="FF0000"/>
+            </a:solidFill>
+            <a:tailEnd type="triangle"/>
+          </a:ln>
+        </p:spPr>
+        <p:style>
+          <a:lnRef idx="1">
+            <a:schemeClr val="accent1"/>
+          </a:lnRef>
+          <a:fillRef idx="0">
+            <a:schemeClr val="accent1"/>
+          </a:fillRef>
+          <a:effectRef idx="0">
+            <a:schemeClr val="accent1"/>
+          </a:effectRef>
+          <a:fontRef idx="minor">
+            <a:schemeClr val="tx1"/>
+          </a:fontRef>
+        </p:style>
+      </p:cxnSp>
+      <p:sp>
+        <p:nvSpPr>
+          <p:cNvPr id="10" name="文本框 9"/>
+          <p:cNvSpPr txBox="1"/>
+          <p:nvPr/>
+        </p:nvSpPr>
+        <p:spPr>
+          <a:xfrm>
+            <a:off x="5558531" y="3044132"/>
+            <a:ext cx="443884" cy="369332"/>
+          </a:xfrm>
+          <a:prstGeom prst="rect">
+            <a:avLst/>
+          </a:prstGeom>
+          <a:noFill/>
+          <a:ln>
+            <a:noFill/>
+          </a:ln>
+        </p:spPr>
+        <p:txBody>
+          <a:bodyPr wrap="square" rtlCol="0">
+            <a:spAutoFit/>
+          </a:bodyPr>
+          <a:lstStyle/>
+          <a:p>
+            <a:r>
+              <a:rPr lang="zh-CN" altLang="en-US" dirty="0">
+                <a:solidFill>
+                  <a:srgbClr val="FF0000"/>
+                </a:solidFill>
+              </a:rPr>
+              <a:t>小</a:t>
+            </a:r>
+          </a:p>
+        </p:txBody>
+      </p:sp>
+      <p:sp>
+        <p:nvSpPr>
+          <p:cNvPr id="12" name="文本框 11"/>
+          <p:cNvSpPr txBox="1"/>
+          <p:nvPr/>
+        </p:nvSpPr>
+        <p:spPr>
+          <a:xfrm>
+            <a:off x="8407153" y="5166712"/>
+            <a:ext cx="443884" cy="369332"/>
+          </a:xfrm>
+          <a:prstGeom prst="rect">
+            <a:avLst/>
+          </a:prstGeom>
+          <a:noFill/>
+          <a:ln>
+            <a:noFill/>
+          </a:ln>
+        </p:spPr>
+        <p:txBody>
+          <a:bodyPr wrap="square" rtlCol="0">
+            <a:spAutoFit/>
+          </a:bodyPr>
+          <a:lstStyle/>
+          <a:p>
+            <a:r>
+              <a:rPr lang="zh-CN" altLang="en-US" dirty="0">
+                <a:solidFill>
+                  <a:srgbClr val="FF0000"/>
+                </a:solidFill>
+              </a:rPr>
+              <a:t>小</a:t>
+            </a:r>
+          </a:p>
+        </p:txBody>
+      </p:sp>
+    </p:spTree>
+    <p:extLst>
+      <p:ext uri="{BB962C8B-B14F-4D97-AF65-F5344CB8AC3E}">
+        <p14:creationId xmlns:p14="http://schemas.microsoft.com/office/powerpoint/2010/main" val="3346191131"/>
+      </p:ext>
+    </p:extLst>
+  </p:cSld>
+  <p:clrMapOvr>
+    <a:masterClrMapping/>
+  </p:clrMapOvr>
+</p:sld>
+</file>
+
 <file path=ppt/slides/slide8.xml><?xml version="1.0" encoding="utf-8"?>
 <p:sld xmlns:a="http://schemas.openxmlformats.org/drawingml/2006/main" xmlns:r="http://schemas.openxmlformats.org/officeDocument/2006/relationships" xmlns:p="http://schemas.openxmlformats.org/presentationml/2006/main">
   <p:cSld>
@@ -27468,6 +34006,852 @@
     <p:extLst>
       <p:ext uri="{BB962C8B-B14F-4D97-AF65-F5344CB8AC3E}">
         <p14:creationId xmlns:p14="http://schemas.microsoft.com/office/powerpoint/2010/main" val="1313075528"/>
+      </p:ext>
+    </p:extLst>
+  </p:cSld>
+  <p:clrMapOvr>
+    <a:masterClrMapping/>
+  </p:clrMapOvr>
+</p:sld>
+</file>
+
+<file path=ppt/slides/slide80.xml><?xml version="1.0" encoding="utf-8"?>
+<p:sld xmlns:a="http://schemas.openxmlformats.org/drawingml/2006/main" xmlns:r="http://schemas.openxmlformats.org/officeDocument/2006/relationships" xmlns:p="http://schemas.openxmlformats.org/presentationml/2006/main">
+  <p:cSld>
+    <p:spTree>
+      <p:nvGrpSpPr>
+        <p:cNvPr id="1" name=""/>
+        <p:cNvGrpSpPr/>
+        <p:nvPr/>
+      </p:nvGrpSpPr>
+      <p:grpSpPr>
+        <a:xfrm>
+          <a:off x="0" y="0"/>
+          <a:ext cx="0" cy="0"/>
+          <a:chOff x="0" y="0"/>
+          <a:chExt cx="0" cy="0"/>
+        </a:xfrm>
+      </p:grpSpPr>
+      <p:sp>
+        <p:nvSpPr>
+          <p:cNvPr id="2" name="标题 1"/>
+          <p:cNvSpPr>
+            <a:spLocks noGrp="1"/>
+          </p:cNvSpPr>
+          <p:nvPr>
+            <p:ph type="title"/>
+          </p:nvPr>
+        </p:nvSpPr>
+        <p:spPr/>
+        <p:txBody>
+          <a:bodyPr/>
+          <a:lstStyle/>
+          <a:p>
+            <a:pPr algn="ctr"/>
+            <a:r>
+              <a:rPr lang="ja-JP" altLang="en-US" dirty="0">
+                <a:latin typeface="MS Mincho" panose="02020609040205080304" pitchFamily="49" charset="-128"/>
+                <a:ea typeface="MS Mincho" panose="02020609040205080304" pitchFamily="49" charset="-128"/>
+              </a:rPr>
+              <a:t>交差攻撃</a:t>
+            </a:r>
+            <a:endParaRPr lang="zh-CN" altLang="en-US" dirty="0">
+              <a:latin typeface="MS Mincho" panose="02020609040205080304" pitchFamily="49" charset="-128"/>
+              <a:ea typeface="MS Mincho" panose="02020609040205080304" pitchFamily="49" charset="-128"/>
+            </a:endParaRPr>
+          </a:p>
+        </p:txBody>
+      </p:sp>
+      <p:pic>
+        <p:nvPicPr>
+          <p:cNvPr id="7" name="内容占位符 6"/>
+          <p:cNvPicPr>
+            <a:picLocks noGrp="1" noChangeAspect="1"/>
+          </p:cNvPicPr>
+          <p:nvPr>
+            <p:ph idx="1"/>
+          </p:nvPr>
+        </p:nvPicPr>
+        <p:blipFill>
+          <a:blip r:embed="rId2"/>
+          <a:stretch>
+            <a:fillRect/>
+          </a:stretch>
+        </p:blipFill>
+        <p:spPr>
+          <a:xfrm>
+            <a:off x="734284" y="1615682"/>
+            <a:ext cx="10723428" cy="3616142"/>
+          </a:xfrm>
+          <a:prstGeom prst="rect">
+            <a:avLst/>
+          </a:prstGeom>
+        </p:spPr>
+      </p:pic>
+      <p:sp>
+        <p:nvSpPr>
+          <p:cNvPr id="8" name="文本框 7"/>
+          <p:cNvSpPr txBox="1"/>
+          <p:nvPr/>
+        </p:nvSpPr>
+        <p:spPr>
+          <a:xfrm>
+            <a:off x="1464812" y="5836050"/>
+            <a:ext cx="9262371" cy="646331"/>
+          </a:xfrm>
+          <a:prstGeom prst="rect">
+            <a:avLst/>
+          </a:prstGeom>
+          <a:noFill/>
+        </p:spPr>
+        <p:txBody>
+          <a:bodyPr wrap="square" rtlCol="0">
+            <a:spAutoFit/>
+          </a:bodyPr>
+          <a:lstStyle/>
+          <a:p>
+            <a:r>
+              <a:rPr lang="en-US" altLang="zh-CN" dirty="0">
+                <a:latin typeface="MS Mincho" panose="02020609040205080304" pitchFamily="49" charset="-128"/>
+                <a:ea typeface="MS Mincho" panose="02020609040205080304" pitchFamily="49" charset="-128"/>
+              </a:rPr>
+              <a:t>HDGA </a:t>
+            </a:r>
+            <a:r>
+              <a:rPr lang="ja-JP" altLang="en-US" dirty="0">
+                <a:latin typeface="MS Mincho" panose="02020609040205080304" pitchFamily="49" charset="-128"/>
+                <a:ea typeface="MS Mincho" panose="02020609040205080304" pitchFamily="49" charset="-128"/>
+              </a:rPr>
+              <a:t>： </a:t>
+            </a:r>
+            <a:r>
+              <a:rPr lang="ja-JP" altLang="en-US" dirty="0">
+                <a:latin typeface="MS Mincho" panose="02020609040205080304" pitchFamily="49" charset="-128"/>
+                <a:ea typeface="MS Mincho" panose="02020609040205080304" pitchFamily="49" charset="-128"/>
+              </a:rPr>
+              <a:t>事前情報がない場合の類似度攻撃</a:t>
+            </a:r>
+            <a:endParaRPr lang="en-US" altLang="zh-CN" dirty="0">
+              <a:latin typeface="MS Mincho" panose="02020609040205080304" pitchFamily="49" charset="-128"/>
+              <a:ea typeface="MS Mincho" panose="02020609040205080304" pitchFamily="49" charset="-128"/>
+            </a:endParaRPr>
+          </a:p>
+          <a:p>
+            <a:r>
+              <a:rPr lang="en-US" altLang="ja-JP" dirty="0">
+                <a:latin typeface="MS Mincho" panose="02020609040205080304" pitchFamily="49" charset="-128"/>
+                <a:ea typeface="MS Mincho" panose="02020609040205080304" pitchFamily="49" charset="-128"/>
+              </a:rPr>
+              <a:t>QOT  </a:t>
+            </a:r>
+            <a:r>
+              <a:rPr lang="ja-JP" altLang="en-US" dirty="0">
+                <a:latin typeface="MS Mincho" panose="02020609040205080304" pitchFamily="49" charset="-128"/>
+                <a:ea typeface="MS Mincho" panose="02020609040205080304" pitchFamily="49" charset="-128"/>
+              </a:rPr>
+              <a:t>：</a:t>
+            </a:r>
+            <a:r>
+              <a:rPr lang="zh-CN" altLang="en-US" dirty="0">
+                <a:latin typeface="MS Mincho" panose="02020609040205080304" pitchFamily="49" charset="-128"/>
+                <a:ea typeface="MS Mincho" panose="02020609040205080304" pitchFamily="49" charset="-128"/>
+              </a:rPr>
+              <a:t> </a:t>
+            </a:r>
+            <a:r>
+              <a:rPr lang="ja-JP" altLang="en-US" dirty="0">
+                <a:latin typeface="MS Mincho" panose="02020609040205080304" pitchFamily="49" charset="-128"/>
+                <a:ea typeface="MS Mincho" panose="02020609040205080304" pitchFamily="49" charset="-128"/>
+              </a:rPr>
+              <a:t>トピックを曖昧化する手法</a:t>
+            </a:r>
+            <a:r>
+              <a:rPr lang="en-US" altLang="ja-JP" dirty="0">
+                <a:latin typeface="MS Mincho" panose="02020609040205080304" pitchFamily="49" charset="-128"/>
+                <a:ea typeface="MS Mincho" panose="02020609040205080304" pitchFamily="49" charset="-128"/>
+              </a:rPr>
+              <a:t>	</a:t>
+            </a:r>
+            <a:r>
+              <a:rPr lang="ja-JP" altLang="en-US" dirty="0">
+                <a:latin typeface="MS Mincho" panose="02020609040205080304" pitchFamily="49" charset="-128"/>
+                <a:ea typeface="MS Mincho" panose="02020609040205080304" pitchFamily="49" charset="-128"/>
+              </a:rPr>
+              <a:t>　　</a:t>
+            </a:r>
+            <a:r>
+              <a:rPr lang="en-US" altLang="zh-CN" dirty="0">
+                <a:latin typeface="MS Mincho" panose="02020609040205080304" pitchFamily="49" charset="-128"/>
+                <a:ea typeface="MS Mincho" panose="02020609040205080304" pitchFamily="49" charset="-128"/>
+              </a:rPr>
+              <a:t>QOI</a:t>
+            </a:r>
+            <a:r>
+              <a:rPr lang="en-US" altLang="ja-JP" dirty="0">
+                <a:latin typeface="MS Mincho" panose="02020609040205080304" pitchFamily="49" charset="-128"/>
+                <a:ea typeface="MS Mincho" panose="02020609040205080304" pitchFamily="49" charset="-128"/>
+              </a:rPr>
+              <a:t>  </a:t>
+            </a:r>
+            <a:r>
+              <a:rPr lang="ja-JP" altLang="en-US" dirty="0">
+                <a:latin typeface="MS Mincho" panose="02020609040205080304" pitchFamily="49" charset="-128"/>
+                <a:ea typeface="MS Mincho" panose="02020609040205080304" pitchFamily="49" charset="-128"/>
+              </a:rPr>
+              <a:t>： トピックにおける曖昧化手法</a:t>
+            </a:r>
+            <a:endParaRPr lang="en-US" altLang="zh-CN" dirty="0">
+              <a:latin typeface="MS Mincho" panose="02020609040205080304" pitchFamily="49" charset="-128"/>
+              <a:ea typeface="MS Mincho" panose="02020609040205080304" pitchFamily="49" charset="-128"/>
+            </a:endParaRPr>
+          </a:p>
+        </p:txBody>
+      </p:sp>
+      <p:pic>
+        <p:nvPicPr>
+          <p:cNvPr id="9" name="图片 8"/>
+          <p:cNvPicPr>
+            <a:picLocks noChangeAspect="1"/>
+          </p:cNvPicPr>
+          <p:nvPr/>
+        </p:nvPicPr>
+        <p:blipFill>
+          <a:blip r:embed="rId3"/>
+          <a:stretch>
+            <a:fillRect/>
+          </a:stretch>
+        </p:blipFill>
+        <p:spPr>
+          <a:xfrm>
+            <a:off x="1899820" y="5231824"/>
+            <a:ext cx="3145747" cy="380416"/>
+          </a:xfrm>
+          <a:prstGeom prst="rect">
+            <a:avLst/>
+          </a:prstGeom>
+        </p:spPr>
+      </p:pic>
+      <p:pic>
+        <p:nvPicPr>
+          <p:cNvPr id="10" name="图片 9"/>
+          <p:cNvPicPr>
+            <a:picLocks noChangeAspect="1"/>
+          </p:cNvPicPr>
+          <p:nvPr/>
+        </p:nvPicPr>
+        <p:blipFill>
+          <a:blip r:embed="rId4"/>
+          <a:stretch>
+            <a:fillRect/>
+          </a:stretch>
+        </p:blipFill>
+        <p:spPr>
+          <a:xfrm>
+            <a:off x="7838983" y="5232401"/>
+            <a:ext cx="3059791" cy="395973"/>
+          </a:xfrm>
+          <a:prstGeom prst="rect">
+            <a:avLst/>
+          </a:prstGeom>
+        </p:spPr>
+      </p:pic>
+    </p:spTree>
+    <p:extLst>
+      <p:ext uri="{BB962C8B-B14F-4D97-AF65-F5344CB8AC3E}">
+        <p14:creationId xmlns:p14="http://schemas.microsoft.com/office/powerpoint/2010/main" val="1757632627"/>
+      </p:ext>
+    </p:extLst>
+  </p:cSld>
+  <p:clrMapOvr>
+    <a:masterClrMapping/>
+  </p:clrMapOvr>
+</p:sld>
+</file>
+
+<file path=ppt/slides/slide81.xml><?xml version="1.0" encoding="utf-8"?>
+<p:sld xmlns:a="http://schemas.openxmlformats.org/drawingml/2006/main" xmlns:r="http://schemas.openxmlformats.org/officeDocument/2006/relationships" xmlns:p="http://schemas.openxmlformats.org/presentationml/2006/main">
+  <p:cSld>
+    <p:spTree>
+      <p:nvGrpSpPr>
+        <p:cNvPr id="1" name=""/>
+        <p:cNvGrpSpPr/>
+        <p:nvPr/>
+      </p:nvGrpSpPr>
+      <p:grpSpPr>
+        <a:xfrm>
+          <a:off x="0" y="0"/>
+          <a:ext cx="0" cy="0"/>
+          <a:chOff x="0" y="0"/>
+          <a:chExt cx="0" cy="0"/>
+        </a:xfrm>
+      </p:grpSpPr>
+      <p:sp>
+        <p:nvSpPr>
+          <p:cNvPr id="3" name="内容占位符 2"/>
+          <p:cNvSpPr>
+            <a:spLocks noGrp="1"/>
+          </p:cNvSpPr>
+          <p:nvPr>
+            <p:ph idx="1"/>
+          </p:nvPr>
+        </p:nvSpPr>
+        <p:spPr>
+          <a:xfrm>
+            <a:off x="838200" y="1271951"/>
+            <a:ext cx="10515600" cy="4351338"/>
+          </a:xfrm>
+        </p:spPr>
+        <p:txBody>
+          <a:bodyPr>
+            <a:normAutofit/>
+          </a:bodyPr>
+          <a:lstStyle/>
+          <a:p>
+            <a:r>
+              <a:rPr lang="ja-JP" altLang="en-US" sz="3600" dirty="0">
+                <a:solidFill>
+                  <a:schemeClr val="bg1">
+                    <a:lumMod val="75000"/>
+                  </a:schemeClr>
+                </a:solidFill>
+                <a:latin typeface="MS Mincho" panose="02020609040205080304" pitchFamily="49" charset="-128"/>
+                <a:ea typeface="MS Mincho" panose="02020609040205080304" pitchFamily="49" charset="-128"/>
+              </a:rPr>
+              <a:t>背景</a:t>
+            </a:r>
+            <a:endParaRPr lang="en-US" altLang="ja-JP" sz="3600" dirty="0">
+              <a:solidFill>
+                <a:schemeClr val="bg1">
+                  <a:lumMod val="75000"/>
+                </a:schemeClr>
+              </a:solidFill>
+              <a:latin typeface="MS Mincho" panose="02020609040205080304" pitchFamily="49" charset="-128"/>
+              <a:ea typeface="MS Mincho" panose="02020609040205080304" pitchFamily="49" charset="-128"/>
+            </a:endParaRPr>
+          </a:p>
+          <a:p>
+            <a:r>
+              <a:rPr lang="ja-JP" altLang="en-US" sz="3600" dirty="0">
+                <a:solidFill>
+                  <a:schemeClr val="bg1">
+                    <a:lumMod val="75000"/>
+                  </a:schemeClr>
+                </a:solidFill>
+                <a:latin typeface="MS Mincho" panose="02020609040205080304" pitchFamily="49" charset="-128"/>
+                <a:ea typeface="MS Mincho" panose="02020609040205080304" pitchFamily="49" charset="-128"/>
+              </a:rPr>
+              <a:t>曖昧化検索</a:t>
+            </a:r>
+            <a:endParaRPr lang="en-US" altLang="ja-JP" sz="3600" dirty="0">
+              <a:solidFill>
+                <a:schemeClr val="bg1">
+                  <a:lumMod val="75000"/>
+                </a:schemeClr>
+              </a:solidFill>
+              <a:latin typeface="MS Mincho" panose="02020609040205080304" pitchFamily="49" charset="-128"/>
+              <a:ea typeface="MS Mincho" panose="02020609040205080304" pitchFamily="49" charset="-128"/>
+            </a:endParaRPr>
+          </a:p>
+          <a:p>
+            <a:r>
+              <a:rPr lang="ja-JP" altLang="en-US" sz="3600" dirty="0">
+                <a:solidFill>
+                  <a:schemeClr val="bg1">
+                    <a:lumMod val="75000"/>
+                  </a:schemeClr>
+                </a:solidFill>
+                <a:latin typeface="MS Mincho" panose="02020609040205080304" pitchFamily="49" charset="-128"/>
+                <a:ea typeface="MS Mincho" panose="02020609040205080304" pitchFamily="49" charset="-128"/>
+              </a:rPr>
+              <a:t>攻撃手法</a:t>
+            </a:r>
+            <a:endParaRPr lang="en-US" altLang="ja-JP" sz="3600" dirty="0">
+              <a:solidFill>
+                <a:schemeClr val="bg1">
+                  <a:lumMod val="75000"/>
+                </a:schemeClr>
+              </a:solidFill>
+              <a:latin typeface="MS Mincho" panose="02020609040205080304" pitchFamily="49" charset="-128"/>
+              <a:ea typeface="MS Mincho" panose="02020609040205080304" pitchFamily="49" charset="-128"/>
+            </a:endParaRPr>
+          </a:p>
+          <a:p>
+            <a:r>
+              <a:rPr lang="ja-JP" altLang="en-US" sz="3600" dirty="0">
+                <a:solidFill>
+                  <a:schemeClr val="bg1">
+                    <a:lumMod val="75000"/>
+                  </a:schemeClr>
+                </a:solidFill>
+                <a:latin typeface="MS Mincho" panose="02020609040205080304" pitchFamily="49" charset="-128"/>
+                <a:ea typeface="MS Mincho" panose="02020609040205080304" pitchFamily="49" charset="-128"/>
+              </a:rPr>
+              <a:t>単語ベクトルを用いた質問曖昧化</a:t>
+            </a:r>
+            <a:endParaRPr lang="en-US" altLang="ja-JP" sz="3600" dirty="0">
+              <a:solidFill>
+                <a:schemeClr val="bg1">
+                  <a:lumMod val="75000"/>
+                </a:schemeClr>
+              </a:solidFill>
+              <a:latin typeface="MS Mincho" panose="02020609040205080304" pitchFamily="49" charset="-128"/>
+              <a:ea typeface="MS Mincho" panose="02020609040205080304" pitchFamily="49" charset="-128"/>
+            </a:endParaRPr>
+          </a:p>
+          <a:p>
+            <a:r>
+              <a:rPr lang="ja-JP" altLang="en-US" sz="3600" dirty="0">
+                <a:solidFill>
+                  <a:schemeClr val="bg1">
+                    <a:lumMod val="75000"/>
+                  </a:schemeClr>
+                </a:solidFill>
+                <a:latin typeface="MS Mincho" panose="02020609040205080304" pitchFamily="49" charset="-128"/>
+                <a:ea typeface="MS Mincho" panose="02020609040205080304" pitchFamily="49" charset="-128"/>
+              </a:rPr>
+              <a:t>評価実験</a:t>
+            </a:r>
+            <a:endParaRPr lang="en-US" altLang="ja-JP" sz="3600" dirty="0">
+              <a:solidFill>
+                <a:schemeClr val="bg1">
+                  <a:lumMod val="75000"/>
+                </a:schemeClr>
+              </a:solidFill>
+              <a:latin typeface="MS Mincho" panose="02020609040205080304" pitchFamily="49" charset="-128"/>
+              <a:ea typeface="MS Mincho" panose="02020609040205080304" pitchFamily="49" charset="-128"/>
+            </a:endParaRPr>
+          </a:p>
+          <a:p>
+            <a:r>
+              <a:rPr lang="ja-JP" altLang="en-US" sz="3600" dirty="0">
+                <a:latin typeface="MS Mincho" panose="02020609040205080304" pitchFamily="49" charset="-128"/>
+                <a:ea typeface="MS Mincho" panose="02020609040205080304" pitchFamily="49" charset="-128"/>
+              </a:rPr>
+              <a:t>まとめ</a:t>
+            </a:r>
+            <a:endParaRPr lang="zh-CN" altLang="en-US" sz="3600" dirty="0">
+              <a:latin typeface="MS Mincho" panose="02020609040205080304" pitchFamily="49" charset="-128"/>
+              <a:ea typeface="MS Mincho" panose="02020609040205080304" pitchFamily="49" charset="-128"/>
+            </a:endParaRPr>
+          </a:p>
+        </p:txBody>
+      </p:sp>
+    </p:spTree>
+    <p:extLst>
+      <p:ext uri="{BB962C8B-B14F-4D97-AF65-F5344CB8AC3E}">
+        <p14:creationId xmlns:p14="http://schemas.microsoft.com/office/powerpoint/2010/main" val="1505478653"/>
+      </p:ext>
+    </p:extLst>
+  </p:cSld>
+  <p:clrMapOvr>
+    <a:masterClrMapping/>
+  </p:clrMapOvr>
+</p:sld>
+</file>
+
+<file path=ppt/slides/slide82.xml><?xml version="1.0" encoding="utf-8"?>
+<p:sld xmlns:a="http://schemas.openxmlformats.org/drawingml/2006/main" xmlns:r="http://schemas.openxmlformats.org/officeDocument/2006/relationships" xmlns:p="http://schemas.openxmlformats.org/presentationml/2006/main">
+  <p:cSld>
+    <p:spTree>
+      <p:nvGrpSpPr>
+        <p:cNvPr id="1" name=""/>
+        <p:cNvGrpSpPr/>
+        <p:nvPr/>
+      </p:nvGrpSpPr>
+      <p:grpSpPr>
+        <a:xfrm>
+          <a:off x="0" y="0"/>
+          <a:ext cx="0" cy="0"/>
+          <a:chOff x="0" y="0"/>
+          <a:chExt cx="0" cy="0"/>
+        </a:xfrm>
+      </p:grpSpPr>
+      <p:sp>
+        <p:nvSpPr>
+          <p:cNvPr id="2" name="标题 1"/>
+          <p:cNvSpPr>
+            <a:spLocks noGrp="1"/>
+          </p:cNvSpPr>
+          <p:nvPr>
+            <p:ph type="title"/>
+          </p:nvPr>
+        </p:nvSpPr>
+        <p:spPr/>
+        <p:txBody>
+          <a:bodyPr/>
+          <a:lstStyle/>
+          <a:p>
+            <a:r>
+              <a:rPr lang="ja-JP" altLang="en-US" dirty="0">
+                <a:latin typeface="MS Mincho" panose="02020609040205080304" pitchFamily="49" charset="-128"/>
+                <a:ea typeface="MS Mincho" panose="02020609040205080304" pitchFamily="49" charset="-128"/>
+              </a:rPr>
+              <a:t>まとめ</a:t>
+            </a:r>
+            <a:endParaRPr lang="zh-CN" altLang="en-US" dirty="0"/>
+          </a:p>
+        </p:txBody>
+      </p:sp>
+      <p:pic>
+        <p:nvPicPr>
+          <p:cNvPr id="4" name="内容占位符 3"/>
+          <p:cNvPicPr>
+            <a:picLocks noGrp="1" noChangeAspect="1"/>
+          </p:cNvPicPr>
+          <p:nvPr>
+            <p:ph idx="1"/>
+          </p:nvPr>
+        </p:nvPicPr>
+        <p:blipFill>
+          <a:blip r:embed="rId2"/>
+          <a:stretch>
+            <a:fillRect/>
+          </a:stretch>
+        </p:blipFill>
+        <p:spPr>
+          <a:xfrm>
+            <a:off x="1179331" y="1825625"/>
+            <a:ext cx="9833338" cy="4351338"/>
+          </a:xfrm>
+          <a:prstGeom prst="rect">
+            <a:avLst/>
+          </a:prstGeom>
+        </p:spPr>
+      </p:pic>
+    </p:spTree>
+    <p:extLst>
+      <p:ext uri="{BB962C8B-B14F-4D97-AF65-F5344CB8AC3E}">
+        <p14:creationId xmlns:p14="http://schemas.microsoft.com/office/powerpoint/2010/main" val="820194352"/>
+      </p:ext>
+    </p:extLst>
+  </p:cSld>
+  <p:clrMapOvr>
+    <a:masterClrMapping/>
+  </p:clrMapOvr>
+</p:sld>
+</file>
+
+<file path=ppt/slides/slide83.xml><?xml version="1.0" encoding="utf-8"?>
+<p:sld xmlns:a="http://schemas.openxmlformats.org/drawingml/2006/main" xmlns:r="http://schemas.openxmlformats.org/officeDocument/2006/relationships" xmlns:p="http://schemas.openxmlformats.org/presentationml/2006/main">
+  <p:cSld>
+    <p:spTree>
+      <p:nvGrpSpPr>
+        <p:cNvPr id="1" name=""/>
+        <p:cNvGrpSpPr/>
+        <p:nvPr/>
+      </p:nvGrpSpPr>
+      <p:grpSpPr>
+        <a:xfrm>
+          <a:off x="0" y="0"/>
+          <a:ext cx="0" cy="0"/>
+          <a:chOff x="0" y="0"/>
+          <a:chExt cx="0" cy="0"/>
+        </a:xfrm>
+      </p:grpSpPr>
+      <p:sp>
+        <p:nvSpPr>
+          <p:cNvPr id="2" name="标题 1"/>
+          <p:cNvSpPr>
+            <a:spLocks noGrp="1"/>
+          </p:cNvSpPr>
+          <p:nvPr>
+            <p:ph type="title"/>
+          </p:nvPr>
+        </p:nvSpPr>
+        <p:spPr/>
+        <p:txBody>
+          <a:bodyPr/>
+          <a:lstStyle/>
+          <a:p>
+            <a:r>
+              <a:rPr lang="ja-JP" altLang="en-US" dirty="0">
+                <a:latin typeface="MS Mincho" panose="02020609040205080304" pitchFamily="49" charset="-128"/>
+                <a:ea typeface="MS Mincho" panose="02020609040205080304" pitchFamily="49" charset="-128"/>
+              </a:rPr>
+              <a:t>まとめ</a:t>
+            </a:r>
+            <a:endParaRPr lang="zh-CN" altLang="en-US" dirty="0"/>
+          </a:p>
+        </p:txBody>
+      </p:sp>
+      <p:pic>
+        <p:nvPicPr>
+          <p:cNvPr id="4" name="内容占位符 3"/>
+          <p:cNvPicPr>
+            <a:picLocks noGrp="1" noChangeAspect="1"/>
+          </p:cNvPicPr>
+          <p:nvPr>
+            <p:ph idx="1"/>
+          </p:nvPr>
+        </p:nvPicPr>
+        <p:blipFill>
+          <a:blip r:embed="rId2"/>
+          <a:stretch>
+            <a:fillRect/>
+          </a:stretch>
+        </p:blipFill>
+        <p:spPr>
+          <a:xfrm>
+            <a:off x="1179331" y="1825625"/>
+            <a:ext cx="9833338" cy="4351338"/>
+          </a:xfrm>
+          <a:prstGeom prst="rect">
+            <a:avLst/>
+          </a:prstGeom>
+        </p:spPr>
+      </p:pic>
+      <p:sp>
+        <p:nvSpPr>
+          <p:cNvPr id="3" name="椭圆 2"/>
+          <p:cNvSpPr/>
+          <p:nvPr/>
+        </p:nvSpPr>
+        <p:spPr>
+          <a:xfrm>
+            <a:off x="5264459" y="3790765"/>
+            <a:ext cx="4101484" cy="461639"/>
+          </a:xfrm>
+          <a:prstGeom prst="ellipse">
+            <a:avLst/>
+          </a:prstGeom>
+          <a:noFill/>
+          <a:ln w="28575">
+            <a:solidFill>
+              <a:srgbClr val="FF0000"/>
+            </a:solidFill>
+          </a:ln>
+        </p:spPr>
+        <p:style>
+          <a:lnRef idx="2">
+            <a:schemeClr val="accent1">
+              <a:shade val="50000"/>
+            </a:schemeClr>
+          </a:lnRef>
+          <a:fillRef idx="1">
+            <a:schemeClr val="accent1"/>
+          </a:fillRef>
+          <a:effectRef idx="0">
+            <a:schemeClr val="accent1"/>
+          </a:effectRef>
+          <a:fontRef idx="minor">
+            <a:schemeClr val="lt1"/>
+          </a:fontRef>
+        </p:style>
+        <p:txBody>
+          <a:bodyPr rtlCol="0" anchor="ctr"/>
+          <a:lstStyle/>
+          <a:p>
+            <a:pPr algn="ctr"/>
+            <a:endParaRPr lang="zh-CN" altLang="en-US"/>
+          </a:p>
+        </p:txBody>
+      </p:sp>
+    </p:spTree>
+    <p:extLst>
+      <p:ext uri="{BB962C8B-B14F-4D97-AF65-F5344CB8AC3E}">
+        <p14:creationId xmlns:p14="http://schemas.microsoft.com/office/powerpoint/2010/main" val="434382522"/>
+      </p:ext>
+    </p:extLst>
+  </p:cSld>
+  <p:clrMapOvr>
+    <a:masterClrMapping/>
+  </p:clrMapOvr>
+</p:sld>
+</file>
+
+<file path=ppt/slides/slide84.xml><?xml version="1.0" encoding="utf-8"?>
+<p:sld xmlns:a="http://schemas.openxmlformats.org/drawingml/2006/main" xmlns:r="http://schemas.openxmlformats.org/officeDocument/2006/relationships" xmlns:p="http://schemas.openxmlformats.org/presentationml/2006/main">
+  <p:cSld>
+    <p:spTree>
+      <p:nvGrpSpPr>
+        <p:cNvPr id="1" name=""/>
+        <p:cNvGrpSpPr/>
+        <p:nvPr/>
+      </p:nvGrpSpPr>
+      <p:grpSpPr>
+        <a:xfrm>
+          <a:off x="0" y="0"/>
+          <a:ext cx="0" cy="0"/>
+          <a:chOff x="0" y="0"/>
+          <a:chExt cx="0" cy="0"/>
+        </a:xfrm>
+      </p:grpSpPr>
+      <p:sp>
+        <p:nvSpPr>
+          <p:cNvPr id="2" name="标题 1"/>
+          <p:cNvSpPr>
+            <a:spLocks noGrp="1"/>
+          </p:cNvSpPr>
+          <p:nvPr>
+            <p:ph type="title"/>
+          </p:nvPr>
+        </p:nvSpPr>
+        <p:spPr/>
+        <p:txBody>
+          <a:bodyPr/>
+          <a:lstStyle/>
+          <a:p>
+            <a:r>
+              <a:rPr lang="ja-JP" altLang="en-US" dirty="0">
+                <a:latin typeface="MS Mincho" panose="02020609040205080304" pitchFamily="49" charset="-128"/>
+                <a:ea typeface="MS Mincho" panose="02020609040205080304" pitchFamily="49" charset="-128"/>
+              </a:rPr>
+              <a:t>まとめ</a:t>
+            </a:r>
+            <a:endParaRPr lang="zh-CN" altLang="en-US" dirty="0"/>
+          </a:p>
+        </p:txBody>
+      </p:sp>
+      <p:pic>
+        <p:nvPicPr>
+          <p:cNvPr id="4" name="内容占位符 3"/>
+          <p:cNvPicPr>
+            <a:picLocks noGrp="1" noChangeAspect="1"/>
+          </p:cNvPicPr>
+          <p:nvPr>
+            <p:ph idx="1"/>
+          </p:nvPr>
+        </p:nvPicPr>
+        <p:blipFill>
+          <a:blip r:embed="rId2"/>
+          <a:stretch>
+            <a:fillRect/>
+          </a:stretch>
+        </p:blipFill>
+        <p:spPr>
+          <a:xfrm>
+            <a:off x="1179331" y="1825625"/>
+            <a:ext cx="9833338" cy="4351338"/>
+          </a:xfrm>
+          <a:prstGeom prst="rect">
+            <a:avLst/>
+          </a:prstGeom>
+        </p:spPr>
+      </p:pic>
+      <p:sp>
+        <p:nvSpPr>
+          <p:cNvPr id="3" name="椭圆 2"/>
+          <p:cNvSpPr/>
+          <p:nvPr/>
+        </p:nvSpPr>
+        <p:spPr>
+          <a:xfrm>
+            <a:off x="9871969" y="4696287"/>
+            <a:ext cx="861134" cy="470517"/>
+          </a:xfrm>
+          <a:prstGeom prst="ellipse">
+            <a:avLst/>
+          </a:prstGeom>
+          <a:noFill/>
+          <a:ln w="28575">
+            <a:solidFill>
+              <a:srgbClr val="FF0000"/>
+            </a:solidFill>
+          </a:ln>
+        </p:spPr>
+        <p:style>
+          <a:lnRef idx="2">
+            <a:schemeClr val="accent1">
+              <a:shade val="50000"/>
+            </a:schemeClr>
+          </a:lnRef>
+          <a:fillRef idx="1">
+            <a:schemeClr val="accent1"/>
+          </a:fillRef>
+          <a:effectRef idx="0">
+            <a:schemeClr val="accent1"/>
+          </a:effectRef>
+          <a:fontRef idx="minor">
+            <a:schemeClr val="lt1"/>
+          </a:fontRef>
+        </p:style>
+        <p:txBody>
+          <a:bodyPr rtlCol="0" anchor="ctr"/>
+          <a:lstStyle/>
+          <a:p>
+            <a:pPr algn="ctr"/>
+            <a:endParaRPr lang="zh-CN" altLang="en-US"/>
+          </a:p>
+        </p:txBody>
+      </p:sp>
+    </p:spTree>
+    <p:extLst>
+      <p:ext uri="{BB962C8B-B14F-4D97-AF65-F5344CB8AC3E}">
+        <p14:creationId xmlns:p14="http://schemas.microsoft.com/office/powerpoint/2010/main" val="4165252045"/>
+      </p:ext>
+    </p:extLst>
+  </p:cSld>
+  <p:clrMapOvr>
+    <a:masterClrMapping/>
+  </p:clrMapOvr>
+</p:sld>
+</file>
+
+<file path=ppt/slides/slide85.xml><?xml version="1.0" encoding="utf-8"?>
+<p:sld xmlns:a="http://schemas.openxmlformats.org/drawingml/2006/main" xmlns:r="http://schemas.openxmlformats.org/officeDocument/2006/relationships" xmlns:p="http://schemas.openxmlformats.org/presentationml/2006/main">
+  <p:cSld>
+    <p:spTree>
+      <p:nvGrpSpPr>
+        <p:cNvPr id="1" name=""/>
+        <p:cNvGrpSpPr/>
+        <p:nvPr/>
+      </p:nvGrpSpPr>
+      <p:grpSpPr>
+        <a:xfrm>
+          <a:off x="0" y="0"/>
+          <a:ext cx="0" cy="0"/>
+          <a:chOff x="0" y="0"/>
+          <a:chExt cx="0" cy="0"/>
+        </a:xfrm>
+      </p:grpSpPr>
+      <p:sp>
+        <p:nvSpPr>
+          <p:cNvPr id="2" name="标题 1"/>
+          <p:cNvSpPr>
+            <a:spLocks noGrp="1"/>
+          </p:cNvSpPr>
+          <p:nvPr>
+            <p:ph type="title"/>
+          </p:nvPr>
+        </p:nvSpPr>
+        <p:spPr/>
+        <p:txBody>
+          <a:bodyPr/>
+          <a:lstStyle/>
+          <a:p>
+            <a:endParaRPr lang="zh-CN" altLang="en-US" dirty="0">
+              <a:latin typeface="MS Mincho" panose="02020609040205080304" pitchFamily="49" charset="-128"/>
+              <a:ea typeface="MS Mincho" panose="02020609040205080304" pitchFamily="49" charset="-128"/>
+            </a:endParaRPr>
+          </a:p>
+        </p:txBody>
+      </p:sp>
+      <p:sp>
+        <p:nvSpPr>
+          <p:cNvPr id="3" name="内容占位符 2"/>
+          <p:cNvSpPr>
+            <a:spLocks noGrp="1"/>
+          </p:cNvSpPr>
+          <p:nvPr>
+            <p:ph idx="1"/>
+          </p:nvPr>
+        </p:nvSpPr>
+        <p:spPr/>
+        <p:txBody>
+          <a:bodyPr/>
+          <a:lstStyle/>
+          <a:p>
+            <a:endParaRPr lang="zh-CN" altLang="en-US" dirty="0">
+              <a:latin typeface="MS Mincho" panose="02020609040205080304" pitchFamily="49" charset="-128"/>
+              <a:ea typeface="MS Mincho" panose="02020609040205080304" pitchFamily="49" charset="-128"/>
+            </a:endParaRPr>
+          </a:p>
+        </p:txBody>
+      </p:sp>
+    </p:spTree>
+    <p:extLst>
+      <p:ext uri="{BB962C8B-B14F-4D97-AF65-F5344CB8AC3E}">
+        <p14:creationId xmlns:p14="http://schemas.microsoft.com/office/powerpoint/2010/main" val="1860148282"/>
       </p:ext>
     </p:extLst>
   </p:cSld>
